--- a/図表.pptx
+++ b/図表.pptx
@@ -106,10 +106,6 @@
     </a:lvl9pPr>
   </p:defaultTextStyle>
 </p:presentation>
-</file>
-
-<file path=ppt/revisionInfo.xml><?xml version="1.0" encoding="utf-8"?>
-<p1510:revInfo xmlns:a="http://schemas.openxmlformats.org/drawingml/2006/main" xmlns:r="http://schemas.openxmlformats.org/officeDocument/2006/relationships" xmlns:p1510="http://schemas.microsoft.com/office/powerpoint/2015/10/main"/>
 </file>
 
 <file path=ppt/slideLayouts/slideLayout1.xml><?xml version="1.0" encoding="utf-8"?>
@@ -3339,6 +3335,1326 @@
           <a:chExt cx="0" cy="0"/>
         </a:xfrm>
       </p:grpSpPr>
+      <p:sp>
+        <p:nvSpPr>
+          <p:cNvPr id="26" name="平行四辺形 25">
+            <a:extLst>
+              <a:ext uri="{FF2B5EF4-FFF2-40B4-BE49-F238E27FC236}">
+                <a16:creationId xmlns:a16="http://schemas.microsoft.com/office/drawing/2014/main" id="{02DD36CF-C2B0-4EBF-8966-DB6748F7E928}"/>
+              </a:ext>
+            </a:extLst>
+          </p:cNvPr>
+          <p:cNvSpPr/>
+          <p:nvPr/>
+        </p:nvSpPr>
+        <p:spPr>
+          <a:xfrm rot="21240388">
+            <a:off x="1623456" y="2319846"/>
+            <a:ext cx="869679" cy="761032"/>
+          </a:xfrm>
+          <a:prstGeom prst="parallelogram">
+            <a:avLst>
+              <a:gd name="adj" fmla="val 9763"/>
+            </a:avLst>
+          </a:prstGeom>
+          <a:solidFill>
+            <a:schemeClr val="accent1">
+              <a:alpha val="69000"/>
+            </a:schemeClr>
+          </a:solidFill>
+          <a:ln>
+            <a:noFill/>
+          </a:ln>
+        </p:spPr>
+        <p:style>
+          <a:lnRef idx="2">
+            <a:schemeClr val="accent1">
+              <a:shade val="50000"/>
+            </a:schemeClr>
+          </a:lnRef>
+          <a:fillRef idx="1">
+            <a:schemeClr val="accent1"/>
+          </a:fillRef>
+          <a:effectRef idx="0">
+            <a:schemeClr val="accent1"/>
+          </a:effectRef>
+          <a:fontRef idx="minor">
+            <a:schemeClr val="lt1"/>
+          </a:fontRef>
+        </p:style>
+        <p:txBody>
+          <a:bodyPr rtlCol="0" anchor="ctr"/>
+          <a:lstStyle/>
+          <a:p>
+            <a:pPr algn="ctr"/>
+            <a:endParaRPr kumimoji="1" lang="ja-JP" altLang="en-US"/>
+          </a:p>
+        </p:txBody>
+      </p:sp>
+      <p:cxnSp>
+        <p:nvCxnSpPr>
+          <p:cNvPr id="5" name="直線矢印コネクタ 4">
+            <a:extLst>
+              <a:ext uri="{FF2B5EF4-FFF2-40B4-BE49-F238E27FC236}">
+                <a16:creationId xmlns:a16="http://schemas.microsoft.com/office/drawing/2014/main" id="{C8D4EA1C-E46D-4831-9B6A-0893B1D4714A}"/>
+              </a:ext>
+            </a:extLst>
+          </p:cNvPr>
+          <p:cNvCxnSpPr>
+            <a:cxnSpLocks/>
+          </p:cNvCxnSpPr>
+          <p:nvPr/>
+        </p:nvCxnSpPr>
+        <p:spPr>
+          <a:xfrm flipV="1">
+            <a:off x="1586102" y="489731"/>
+            <a:ext cx="0" cy="821633"/>
+          </a:xfrm>
+          <a:prstGeom prst="straightConnector1">
+            <a:avLst/>
+          </a:prstGeom>
+          <a:ln w="31750">
+            <a:solidFill>
+              <a:schemeClr val="tx1"/>
+            </a:solidFill>
+            <a:tailEnd type="triangle"/>
+          </a:ln>
+        </p:spPr>
+        <p:style>
+          <a:lnRef idx="1">
+            <a:schemeClr val="accent1"/>
+          </a:lnRef>
+          <a:fillRef idx="0">
+            <a:schemeClr val="accent1"/>
+          </a:fillRef>
+          <a:effectRef idx="0">
+            <a:schemeClr val="accent1"/>
+          </a:effectRef>
+          <a:fontRef idx="minor">
+            <a:schemeClr val="tx1"/>
+          </a:fontRef>
+        </p:style>
+      </p:cxnSp>
+      <p:cxnSp>
+        <p:nvCxnSpPr>
+          <p:cNvPr id="10" name="直線矢印コネクタ 9">
+            <a:extLst>
+              <a:ext uri="{FF2B5EF4-FFF2-40B4-BE49-F238E27FC236}">
+                <a16:creationId xmlns:a16="http://schemas.microsoft.com/office/drawing/2014/main" id="{5E856B88-F90D-49EE-8E9C-D02A51B76312}"/>
+              </a:ext>
+            </a:extLst>
+          </p:cNvPr>
+          <p:cNvCxnSpPr>
+            <a:cxnSpLocks/>
+          </p:cNvCxnSpPr>
+          <p:nvPr/>
+        </p:nvCxnSpPr>
+        <p:spPr>
+          <a:xfrm>
+            <a:off x="1586102" y="1311364"/>
+            <a:ext cx="775252" cy="139147"/>
+          </a:xfrm>
+          <a:prstGeom prst="straightConnector1">
+            <a:avLst/>
+          </a:prstGeom>
+          <a:ln w="31750">
+            <a:solidFill>
+              <a:schemeClr val="tx1"/>
+            </a:solidFill>
+            <a:tailEnd type="triangle"/>
+          </a:ln>
+        </p:spPr>
+        <p:style>
+          <a:lnRef idx="1">
+            <a:schemeClr val="accent1"/>
+          </a:lnRef>
+          <a:fillRef idx="0">
+            <a:schemeClr val="accent1"/>
+          </a:fillRef>
+          <a:effectRef idx="0">
+            <a:schemeClr val="accent1"/>
+          </a:effectRef>
+          <a:fontRef idx="minor">
+            <a:schemeClr val="tx1"/>
+          </a:fontRef>
+        </p:style>
+      </p:cxnSp>
+      <p:cxnSp>
+        <p:nvCxnSpPr>
+          <p:cNvPr id="12" name="直線矢印コネクタ 11">
+            <a:extLst>
+              <a:ext uri="{FF2B5EF4-FFF2-40B4-BE49-F238E27FC236}">
+                <a16:creationId xmlns:a16="http://schemas.microsoft.com/office/drawing/2014/main" id="{850C49AB-0654-4C73-B30A-AA69595179EB}"/>
+              </a:ext>
+            </a:extLst>
+          </p:cNvPr>
+          <p:cNvCxnSpPr>
+            <a:cxnSpLocks/>
+          </p:cNvCxnSpPr>
+          <p:nvPr/>
+        </p:nvCxnSpPr>
+        <p:spPr>
+          <a:xfrm flipH="1">
+            <a:off x="1109024" y="1311364"/>
+            <a:ext cx="477077" cy="324681"/>
+          </a:xfrm>
+          <a:prstGeom prst="straightConnector1">
+            <a:avLst/>
+          </a:prstGeom>
+          <a:ln w="31750">
+            <a:solidFill>
+              <a:schemeClr val="tx1"/>
+            </a:solidFill>
+            <a:tailEnd type="triangle"/>
+          </a:ln>
+        </p:spPr>
+        <p:style>
+          <a:lnRef idx="1">
+            <a:schemeClr val="accent1"/>
+          </a:lnRef>
+          <a:fillRef idx="0">
+            <a:schemeClr val="accent1"/>
+          </a:fillRef>
+          <a:effectRef idx="0">
+            <a:schemeClr val="accent1"/>
+          </a:effectRef>
+          <a:fontRef idx="minor">
+            <a:schemeClr val="tx1"/>
+          </a:fontRef>
+        </p:style>
+      </p:cxnSp>
+      <p:cxnSp>
+        <p:nvCxnSpPr>
+          <p:cNvPr id="14" name="直線矢印コネクタ 13">
+            <a:extLst>
+              <a:ext uri="{FF2B5EF4-FFF2-40B4-BE49-F238E27FC236}">
+                <a16:creationId xmlns:a16="http://schemas.microsoft.com/office/drawing/2014/main" id="{EDBA79D1-F655-4CA8-B2C8-0100D6AB3536}"/>
+              </a:ext>
+            </a:extLst>
+          </p:cNvPr>
+          <p:cNvCxnSpPr>
+            <a:cxnSpLocks/>
+          </p:cNvCxnSpPr>
+          <p:nvPr/>
+        </p:nvCxnSpPr>
+        <p:spPr>
+          <a:xfrm flipV="1">
+            <a:off x="1651652" y="2312351"/>
+            <a:ext cx="0" cy="821633"/>
+          </a:xfrm>
+          <a:prstGeom prst="straightConnector1">
+            <a:avLst/>
+          </a:prstGeom>
+          <a:ln w="31750">
+            <a:solidFill>
+              <a:schemeClr val="tx1"/>
+            </a:solidFill>
+            <a:tailEnd type="triangle"/>
+          </a:ln>
+        </p:spPr>
+        <p:style>
+          <a:lnRef idx="1">
+            <a:schemeClr val="accent1"/>
+          </a:lnRef>
+          <a:fillRef idx="0">
+            <a:schemeClr val="accent1"/>
+          </a:fillRef>
+          <a:effectRef idx="0">
+            <a:schemeClr val="accent1"/>
+          </a:effectRef>
+          <a:fontRef idx="minor">
+            <a:schemeClr val="tx1"/>
+          </a:fontRef>
+        </p:style>
+      </p:cxnSp>
+      <p:cxnSp>
+        <p:nvCxnSpPr>
+          <p:cNvPr id="15" name="直線矢印コネクタ 14">
+            <a:extLst>
+              <a:ext uri="{FF2B5EF4-FFF2-40B4-BE49-F238E27FC236}">
+                <a16:creationId xmlns:a16="http://schemas.microsoft.com/office/drawing/2014/main" id="{01FDD0A5-F267-4613-82A8-733B430613B3}"/>
+              </a:ext>
+            </a:extLst>
+          </p:cNvPr>
+          <p:cNvCxnSpPr>
+            <a:cxnSpLocks/>
+          </p:cNvCxnSpPr>
+          <p:nvPr/>
+        </p:nvCxnSpPr>
+        <p:spPr>
+          <a:xfrm flipV="1">
+            <a:off x="1651652" y="3041217"/>
+            <a:ext cx="854765" cy="92767"/>
+          </a:xfrm>
+          <a:prstGeom prst="straightConnector1">
+            <a:avLst/>
+          </a:prstGeom>
+          <a:ln w="31750">
+            <a:solidFill>
+              <a:schemeClr val="tx1"/>
+            </a:solidFill>
+            <a:tailEnd type="triangle"/>
+          </a:ln>
+        </p:spPr>
+        <p:style>
+          <a:lnRef idx="1">
+            <a:schemeClr val="accent1"/>
+          </a:lnRef>
+          <a:fillRef idx="0">
+            <a:schemeClr val="accent1"/>
+          </a:fillRef>
+          <a:effectRef idx="0">
+            <a:schemeClr val="accent1"/>
+          </a:effectRef>
+          <a:fontRef idx="minor">
+            <a:schemeClr val="tx1"/>
+          </a:fontRef>
+        </p:style>
+      </p:cxnSp>
+      <p:cxnSp>
+        <p:nvCxnSpPr>
+          <p:cNvPr id="16" name="直線矢印コネクタ 15">
+            <a:extLst>
+              <a:ext uri="{FF2B5EF4-FFF2-40B4-BE49-F238E27FC236}">
+                <a16:creationId xmlns:a16="http://schemas.microsoft.com/office/drawing/2014/main" id="{CECEBE33-3779-47D7-9018-C3392BB2CDC8}"/>
+              </a:ext>
+            </a:extLst>
+          </p:cNvPr>
+          <p:cNvCxnSpPr>
+            <a:cxnSpLocks/>
+          </p:cNvCxnSpPr>
+          <p:nvPr/>
+        </p:nvCxnSpPr>
+        <p:spPr>
+          <a:xfrm flipH="1">
+            <a:off x="1313721" y="3133984"/>
+            <a:ext cx="337931" cy="410816"/>
+          </a:xfrm>
+          <a:prstGeom prst="straightConnector1">
+            <a:avLst/>
+          </a:prstGeom>
+          <a:ln w="31750">
+            <a:solidFill>
+              <a:schemeClr val="tx1"/>
+            </a:solidFill>
+            <a:tailEnd type="triangle"/>
+          </a:ln>
+        </p:spPr>
+        <p:style>
+          <a:lnRef idx="1">
+            <a:schemeClr val="accent1"/>
+          </a:lnRef>
+          <a:fillRef idx="0">
+            <a:schemeClr val="accent1"/>
+          </a:fillRef>
+          <a:effectRef idx="0">
+            <a:schemeClr val="accent1"/>
+          </a:effectRef>
+          <a:fontRef idx="minor">
+            <a:schemeClr val="tx1"/>
+          </a:fontRef>
+        </p:style>
+      </p:cxnSp>
+      <p:cxnSp>
+        <p:nvCxnSpPr>
+          <p:cNvPr id="17" name="直線矢印コネクタ 16">
+            <a:extLst>
+              <a:ext uri="{FF2B5EF4-FFF2-40B4-BE49-F238E27FC236}">
+                <a16:creationId xmlns:a16="http://schemas.microsoft.com/office/drawing/2014/main" id="{977AE5F0-16D7-4185-926D-F35EA8AC6D3F}"/>
+              </a:ext>
+            </a:extLst>
+          </p:cNvPr>
+          <p:cNvCxnSpPr>
+            <a:cxnSpLocks/>
+          </p:cNvCxnSpPr>
+          <p:nvPr/>
+        </p:nvCxnSpPr>
+        <p:spPr>
+          <a:xfrm flipV="1">
+            <a:off x="1661177" y="2879747"/>
+            <a:ext cx="715492" cy="262936"/>
+          </a:xfrm>
+          <a:prstGeom prst="straightConnector1">
+            <a:avLst/>
+          </a:prstGeom>
+          <a:ln w="31750">
+            <a:solidFill>
+              <a:schemeClr val="accent2"/>
+            </a:solidFill>
+            <a:tailEnd type="triangle"/>
+          </a:ln>
+        </p:spPr>
+        <p:style>
+          <a:lnRef idx="1">
+            <a:schemeClr val="accent1"/>
+          </a:lnRef>
+          <a:fillRef idx="0">
+            <a:schemeClr val="accent1"/>
+          </a:fillRef>
+          <a:effectRef idx="0">
+            <a:schemeClr val="accent1"/>
+          </a:effectRef>
+          <a:fontRef idx="minor">
+            <a:schemeClr val="tx1"/>
+          </a:fontRef>
+        </p:style>
+      </p:cxnSp>
+      <p:sp>
+        <p:nvSpPr>
+          <p:cNvPr id="25" name="正方形/長方形 24">
+            <a:extLst>
+              <a:ext uri="{FF2B5EF4-FFF2-40B4-BE49-F238E27FC236}">
+                <a16:creationId xmlns:a16="http://schemas.microsoft.com/office/drawing/2014/main" id="{9F2F3600-EE6A-488F-89A7-1DB1FFA5FABC}"/>
+              </a:ext>
+            </a:extLst>
+          </p:cNvPr>
+          <p:cNvSpPr/>
+          <p:nvPr/>
+        </p:nvSpPr>
+        <p:spPr>
+          <a:xfrm>
+            <a:off x="7797248" y="1620078"/>
+            <a:ext cx="854765" cy="1046921"/>
+          </a:xfrm>
+          <a:prstGeom prst="rect">
+            <a:avLst/>
+          </a:prstGeom>
+        </p:spPr>
+        <p:style>
+          <a:lnRef idx="2">
+            <a:schemeClr val="accent1">
+              <a:shade val="50000"/>
+            </a:schemeClr>
+          </a:lnRef>
+          <a:fillRef idx="1">
+            <a:schemeClr val="accent1"/>
+          </a:fillRef>
+          <a:effectRef idx="0">
+            <a:schemeClr val="accent1"/>
+          </a:effectRef>
+          <a:fontRef idx="minor">
+            <a:schemeClr val="lt1"/>
+          </a:fontRef>
+        </p:style>
+        <p:txBody>
+          <a:bodyPr rtlCol="0" anchor="ctr"/>
+          <a:lstStyle/>
+          <a:p>
+            <a:pPr algn="ctr"/>
+            <a:endParaRPr kumimoji="1" lang="ja-JP" altLang="en-US"/>
+          </a:p>
+        </p:txBody>
+      </p:sp>
+      <p:cxnSp>
+        <p:nvCxnSpPr>
+          <p:cNvPr id="32" name="直線矢印コネクタ 31">
+            <a:extLst>
+              <a:ext uri="{FF2B5EF4-FFF2-40B4-BE49-F238E27FC236}">
+                <a16:creationId xmlns:a16="http://schemas.microsoft.com/office/drawing/2014/main" id="{73727BA6-9A5C-4ED1-86C3-89C7C0BB4850}"/>
+              </a:ext>
+            </a:extLst>
+          </p:cNvPr>
+          <p:cNvCxnSpPr>
+            <a:cxnSpLocks/>
+          </p:cNvCxnSpPr>
+          <p:nvPr/>
+        </p:nvCxnSpPr>
+        <p:spPr>
+          <a:xfrm flipV="1">
+            <a:off x="1661176" y="2630400"/>
+            <a:ext cx="533815" cy="498694"/>
+          </a:xfrm>
+          <a:prstGeom prst="straightConnector1">
+            <a:avLst/>
+          </a:prstGeom>
+          <a:ln w="31750">
+            <a:solidFill>
+              <a:schemeClr val="accent2"/>
+            </a:solidFill>
+            <a:prstDash val="sysDash"/>
+            <a:tailEnd type="triangle"/>
+          </a:ln>
+        </p:spPr>
+        <p:style>
+          <a:lnRef idx="1">
+            <a:schemeClr val="accent1"/>
+          </a:lnRef>
+          <a:fillRef idx="0">
+            <a:schemeClr val="accent1"/>
+          </a:fillRef>
+          <a:effectRef idx="0">
+            <a:schemeClr val="accent1"/>
+          </a:effectRef>
+          <a:fontRef idx="minor">
+            <a:schemeClr val="tx1"/>
+          </a:fontRef>
+        </p:style>
+      </p:cxnSp>
+      <p:sp>
+        <p:nvSpPr>
+          <p:cNvPr id="36" name="平行四辺形 35">
+            <a:extLst>
+              <a:ext uri="{FF2B5EF4-FFF2-40B4-BE49-F238E27FC236}">
+                <a16:creationId xmlns:a16="http://schemas.microsoft.com/office/drawing/2014/main" id="{07A65268-B5C2-4457-8F8A-4D570522F203}"/>
+              </a:ext>
+            </a:extLst>
+          </p:cNvPr>
+          <p:cNvSpPr/>
+          <p:nvPr/>
+        </p:nvSpPr>
+        <p:spPr>
+          <a:xfrm rot="483712">
+            <a:off x="1675632" y="470523"/>
+            <a:ext cx="869679" cy="761032"/>
+          </a:xfrm>
+          <a:prstGeom prst="parallelogram">
+            <a:avLst>
+              <a:gd name="adj" fmla="val 41786"/>
+            </a:avLst>
+          </a:prstGeom>
+          <a:solidFill>
+            <a:schemeClr val="accent1">
+              <a:alpha val="69000"/>
+            </a:schemeClr>
+          </a:solidFill>
+          <a:ln>
+            <a:noFill/>
+          </a:ln>
+        </p:spPr>
+        <p:style>
+          <a:lnRef idx="2">
+            <a:schemeClr val="accent1">
+              <a:shade val="50000"/>
+            </a:schemeClr>
+          </a:lnRef>
+          <a:fillRef idx="1">
+            <a:schemeClr val="accent1"/>
+          </a:fillRef>
+          <a:effectRef idx="0">
+            <a:schemeClr val="accent1"/>
+          </a:effectRef>
+          <a:fontRef idx="minor">
+            <a:schemeClr val="lt1"/>
+          </a:fontRef>
+        </p:style>
+        <p:txBody>
+          <a:bodyPr rtlCol="0" anchor="ctr"/>
+          <a:lstStyle/>
+          <a:p>
+            <a:pPr algn="ctr"/>
+            <a:endParaRPr kumimoji="1" lang="ja-JP" altLang="en-US"/>
+          </a:p>
+        </p:txBody>
+      </p:sp>
+      <p:sp>
+        <p:nvSpPr>
+          <p:cNvPr id="37" name="テキスト ボックス 36">
+            <a:extLst>
+              <a:ext uri="{FF2B5EF4-FFF2-40B4-BE49-F238E27FC236}">
+                <a16:creationId xmlns:a16="http://schemas.microsoft.com/office/drawing/2014/main" id="{080BB3E6-765B-435D-9CDE-72A31DE64927}"/>
+              </a:ext>
+            </a:extLst>
+          </p:cNvPr>
+          <p:cNvSpPr txBox="1"/>
+          <p:nvPr/>
+        </p:nvSpPr>
+        <p:spPr>
+          <a:xfrm>
+            <a:off x="6351585" y="988030"/>
+            <a:ext cx="1497910" cy="415498"/>
+          </a:xfrm>
+          <a:prstGeom prst="rect">
+            <a:avLst/>
+          </a:prstGeom>
+          <a:noFill/>
+        </p:spPr>
+        <p:txBody>
+          <a:bodyPr wrap="square" rtlCol="0">
+            <a:spAutoFit/>
+          </a:bodyPr>
+          <a:lstStyle/>
+          <a:p>
+            <a:r>
+              <a:rPr kumimoji="1" lang="ja-JP" altLang="en-US" sz="1050" dirty="0"/>
+              <a:t>世界遺産によって</a:t>
+            </a:r>
+            <a:endParaRPr kumimoji="1" lang="en-US" altLang="ja-JP" sz="1050" dirty="0"/>
+          </a:p>
+          <a:p>
+            <a:r>
+              <a:rPr kumimoji="1" lang="ja-JP" altLang="en-US" sz="1050" dirty="0">
+                <a:solidFill>
+                  <a:schemeClr val="accent1"/>
+                </a:solidFill>
+              </a:rPr>
+              <a:t>選択された部分空間</a:t>
+            </a:r>
+          </a:p>
+        </p:txBody>
+      </p:sp>
+      <p:sp>
+        <p:nvSpPr>
+          <p:cNvPr id="38" name="テキスト ボックス 37">
+            <a:extLst>
+              <a:ext uri="{FF2B5EF4-FFF2-40B4-BE49-F238E27FC236}">
+                <a16:creationId xmlns:a16="http://schemas.microsoft.com/office/drawing/2014/main" id="{59EA840F-D37D-494D-BCDC-2B5956DF1EE3}"/>
+              </a:ext>
+            </a:extLst>
+          </p:cNvPr>
+          <p:cNvSpPr txBox="1"/>
+          <p:nvPr/>
+        </p:nvSpPr>
+        <p:spPr>
+          <a:xfrm>
+            <a:off x="4450431" y="3221251"/>
+            <a:ext cx="1932252" cy="415498"/>
+          </a:xfrm>
+          <a:prstGeom prst="rect">
+            <a:avLst/>
+          </a:prstGeom>
+          <a:noFill/>
+        </p:spPr>
+        <p:txBody>
+          <a:bodyPr wrap="square" rtlCol="0">
+            <a:spAutoFit/>
+          </a:bodyPr>
+          <a:lstStyle/>
+          <a:p>
+            <a:r>
+              <a:rPr kumimoji="1" lang="ja-JP" altLang="en-US" sz="1050" dirty="0">
+                <a:solidFill>
+                  <a:srgbClr val="FF0000"/>
+                </a:solidFill>
+              </a:rPr>
+              <a:t>合成ベクトル</a:t>
+            </a:r>
+            <a:endParaRPr kumimoji="1" lang="en-US" altLang="ja-JP" sz="1050" dirty="0">
+              <a:solidFill>
+                <a:srgbClr val="FF0000"/>
+              </a:solidFill>
+            </a:endParaRPr>
+          </a:p>
+          <a:p>
+            <a:r>
+              <a:rPr kumimoji="1" lang="ja-JP" altLang="en-US" sz="1050" dirty="0">
+                <a:solidFill>
+                  <a:srgbClr val="FF0000"/>
+                </a:solidFill>
+              </a:rPr>
+              <a:t>とその部分空間への射影</a:t>
+            </a:r>
+          </a:p>
+        </p:txBody>
+      </p:sp>
+      <p:sp>
+        <p:nvSpPr>
+          <p:cNvPr id="39" name="テキスト ボックス 38">
+            <a:extLst>
+              <a:ext uri="{FF2B5EF4-FFF2-40B4-BE49-F238E27FC236}">
+                <a16:creationId xmlns:a16="http://schemas.microsoft.com/office/drawing/2014/main" id="{C2E75F28-FEF3-448E-849A-8312D0ABD727}"/>
+              </a:ext>
+            </a:extLst>
+          </p:cNvPr>
+          <p:cNvSpPr txBox="1"/>
+          <p:nvPr/>
+        </p:nvSpPr>
+        <p:spPr>
+          <a:xfrm>
+            <a:off x="3454426" y="700118"/>
+            <a:ext cx="1497910" cy="253916"/>
+          </a:xfrm>
+          <a:prstGeom prst="rect">
+            <a:avLst/>
+          </a:prstGeom>
+          <a:noFill/>
+        </p:spPr>
+        <p:txBody>
+          <a:bodyPr wrap="square" rtlCol="0">
+            <a:spAutoFit/>
+          </a:bodyPr>
+          <a:lstStyle/>
+          <a:p>
+            <a:r>
+              <a:rPr kumimoji="1" lang="en-US" altLang="ja-JP" sz="1050" dirty="0"/>
+              <a:t>10</a:t>
+            </a:r>
+            <a:r>
+              <a:rPr kumimoji="1" lang="ja-JP" altLang="en-US" sz="1050" dirty="0"/>
+              <a:t>次元価値空間</a:t>
+            </a:r>
+          </a:p>
+        </p:txBody>
+      </p:sp>
+      <p:sp>
+        <p:nvSpPr>
+          <p:cNvPr id="40" name="楕円 39">
+            <a:extLst>
+              <a:ext uri="{FF2B5EF4-FFF2-40B4-BE49-F238E27FC236}">
+                <a16:creationId xmlns:a16="http://schemas.microsoft.com/office/drawing/2014/main" id="{72351EAB-35BE-4AC0-913E-1F68AAE48832}"/>
+              </a:ext>
+            </a:extLst>
+          </p:cNvPr>
+          <p:cNvSpPr/>
+          <p:nvPr/>
+        </p:nvSpPr>
+        <p:spPr>
+          <a:xfrm>
+            <a:off x="3517497" y="939121"/>
+            <a:ext cx="2237413" cy="2147496"/>
+          </a:xfrm>
+          <a:prstGeom prst="ellipse">
+            <a:avLst/>
+          </a:prstGeom>
+          <a:solidFill>
+            <a:schemeClr val="bg1">
+              <a:lumMod val="75000"/>
+            </a:schemeClr>
+          </a:solidFill>
+          <a:ln>
+            <a:noFill/>
+          </a:ln>
+        </p:spPr>
+        <p:style>
+          <a:lnRef idx="2">
+            <a:schemeClr val="accent1">
+              <a:shade val="50000"/>
+            </a:schemeClr>
+          </a:lnRef>
+          <a:fillRef idx="1">
+            <a:schemeClr val="accent1"/>
+          </a:fillRef>
+          <a:effectRef idx="0">
+            <a:schemeClr val="accent1"/>
+          </a:effectRef>
+          <a:fontRef idx="minor">
+            <a:schemeClr val="lt1"/>
+          </a:fontRef>
+        </p:style>
+        <p:txBody>
+          <a:bodyPr rtlCol="0" anchor="ctr"/>
+          <a:lstStyle/>
+          <a:p>
+            <a:pPr algn="ctr"/>
+            <a:endParaRPr kumimoji="1" lang="ja-JP" altLang="en-US"/>
+          </a:p>
+        </p:txBody>
+      </p:sp>
+      <p:sp>
+        <p:nvSpPr>
+          <p:cNvPr id="41" name="平行四辺形 40">
+            <a:extLst>
+              <a:ext uri="{FF2B5EF4-FFF2-40B4-BE49-F238E27FC236}">
+                <a16:creationId xmlns:a16="http://schemas.microsoft.com/office/drawing/2014/main" id="{2FDED56E-1EF4-4ECE-ACCF-FD471651C843}"/>
+              </a:ext>
+            </a:extLst>
+          </p:cNvPr>
+          <p:cNvSpPr/>
+          <p:nvPr/>
+        </p:nvSpPr>
+        <p:spPr>
+          <a:xfrm rot="21240388">
+            <a:off x="4240737" y="1453630"/>
+            <a:ext cx="869679" cy="761032"/>
+          </a:xfrm>
+          <a:prstGeom prst="parallelogram">
+            <a:avLst>
+              <a:gd name="adj" fmla="val 9763"/>
+            </a:avLst>
+          </a:prstGeom>
+          <a:solidFill>
+            <a:schemeClr val="accent1">
+              <a:alpha val="69000"/>
+            </a:schemeClr>
+          </a:solidFill>
+          <a:ln>
+            <a:noFill/>
+          </a:ln>
+        </p:spPr>
+        <p:style>
+          <a:lnRef idx="2">
+            <a:schemeClr val="accent1">
+              <a:shade val="50000"/>
+            </a:schemeClr>
+          </a:lnRef>
+          <a:fillRef idx="1">
+            <a:schemeClr val="accent1"/>
+          </a:fillRef>
+          <a:effectRef idx="0">
+            <a:schemeClr val="accent1"/>
+          </a:effectRef>
+          <a:fontRef idx="minor">
+            <a:schemeClr val="lt1"/>
+          </a:fontRef>
+        </p:style>
+        <p:txBody>
+          <a:bodyPr rtlCol="0" anchor="ctr"/>
+          <a:lstStyle/>
+          <a:p>
+            <a:pPr algn="ctr"/>
+            <a:endParaRPr kumimoji="1" lang="ja-JP" altLang="en-US"/>
+          </a:p>
+        </p:txBody>
+      </p:sp>
+      <p:cxnSp>
+        <p:nvCxnSpPr>
+          <p:cNvPr id="42" name="直線矢印コネクタ 41">
+            <a:extLst>
+              <a:ext uri="{FF2B5EF4-FFF2-40B4-BE49-F238E27FC236}">
+                <a16:creationId xmlns:a16="http://schemas.microsoft.com/office/drawing/2014/main" id="{F5CAA810-DCF0-4FDE-A0EB-C6FE6B293BB1}"/>
+              </a:ext>
+            </a:extLst>
+          </p:cNvPr>
+          <p:cNvCxnSpPr>
+            <a:cxnSpLocks/>
+          </p:cNvCxnSpPr>
+          <p:nvPr/>
+        </p:nvCxnSpPr>
+        <p:spPr>
+          <a:xfrm flipV="1">
+            <a:off x="4268933" y="1446135"/>
+            <a:ext cx="0" cy="821633"/>
+          </a:xfrm>
+          <a:prstGeom prst="straightConnector1">
+            <a:avLst/>
+          </a:prstGeom>
+          <a:ln w="31750">
+            <a:solidFill>
+              <a:schemeClr val="tx1"/>
+            </a:solidFill>
+            <a:tailEnd type="triangle"/>
+          </a:ln>
+        </p:spPr>
+        <p:style>
+          <a:lnRef idx="1">
+            <a:schemeClr val="accent1"/>
+          </a:lnRef>
+          <a:fillRef idx="0">
+            <a:schemeClr val="accent1"/>
+          </a:fillRef>
+          <a:effectRef idx="0">
+            <a:schemeClr val="accent1"/>
+          </a:effectRef>
+          <a:fontRef idx="minor">
+            <a:schemeClr val="tx1"/>
+          </a:fontRef>
+        </p:style>
+      </p:cxnSp>
+      <p:cxnSp>
+        <p:nvCxnSpPr>
+          <p:cNvPr id="43" name="直線矢印コネクタ 42">
+            <a:extLst>
+              <a:ext uri="{FF2B5EF4-FFF2-40B4-BE49-F238E27FC236}">
+                <a16:creationId xmlns:a16="http://schemas.microsoft.com/office/drawing/2014/main" id="{8414D6A6-1B98-45BE-ABE5-AC09CBF4A6AC}"/>
+              </a:ext>
+            </a:extLst>
+          </p:cNvPr>
+          <p:cNvCxnSpPr>
+            <a:cxnSpLocks/>
+          </p:cNvCxnSpPr>
+          <p:nvPr/>
+        </p:nvCxnSpPr>
+        <p:spPr>
+          <a:xfrm flipV="1">
+            <a:off x="4268933" y="2175001"/>
+            <a:ext cx="854765" cy="92767"/>
+          </a:xfrm>
+          <a:prstGeom prst="straightConnector1">
+            <a:avLst/>
+          </a:prstGeom>
+          <a:ln w="31750">
+            <a:solidFill>
+              <a:schemeClr val="tx1"/>
+            </a:solidFill>
+            <a:tailEnd type="triangle"/>
+          </a:ln>
+        </p:spPr>
+        <p:style>
+          <a:lnRef idx="1">
+            <a:schemeClr val="accent1"/>
+          </a:lnRef>
+          <a:fillRef idx="0">
+            <a:schemeClr val="accent1"/>
+          </a:fillRef>
+          <a:effectRef idx="0">
+            <a:schemeClr val="accent1"/>
+          </a:effectRef>
+          <a:fontRef idx="minor">
+            <a:schemeClr val="tx1"/>
+          </a:fontRef>
+        </p:style>
+      </p:cxnSp>
+      <p:cxnSp>
+        <p:nvCxnSpPr>
+          <p:cNvPr id="44" name="直線矢印コネクタ 43">
+            <a:extLst>
+              <a:ext uri="{FF2B5EF4-FFF2-40B4-BE49-F238E27FC236}">
+                <a16:creationId xmlns:a16="http://schemas.microsoft.com/office/drawing/2014/main" id="{FDD1ABFD-F7AD-4E95-AEA0-C476345FC863}"/>
+              </a:ext>
+            </a:extLst>
+          </p:cNvPr>
+          <p:cNvCxnSpPr>
+            <a:cxnSpLocks/>
+          </p:cNvCxnSpPr>
+          <p:nvPr/>
+        </p:nvCxnSpPr>
+        <p:spPr>
+          <a:xfrm flipH="1">
+            <a:off x="3931002" y="2267768"/>
+            <a:ext cx="337931" cy="410816"/>
+          </a:xfrm>
+          <a:prstGeom prst="straightConnector1">
+            <a:avLst/>
+          </a:prstGeom>
+          <a:ln w="31750">
+            <a:solidFill>
+              <a:schemeClr val="tx1"/>
+            </a:solidFill>
+            <a:tailEnd type="triangle"/>
+          </a:ln>
+        </p:spPr>
+        <p:style>
+          <a:lnRef idx="1">
+            <a:schemeClr val="accent1"/>
+          </a:lnRef>
+          <a:fillRef idx="0">
+            <a:schemeClr val="accent1"/>
+          </a:fillRef>
+          <a:effectRef idx="0">
+            <a:schemeClr val="accent1"/>
+          </a:effectRef>
+          <a:fontRef idx="minor">
+            <a:schemeClr val="tx1"/>
+          </a:fontRef>
+        </p:style>
+      </p:cxnSp>
+      <p:cxnSp>
+        <p:nvCxnSpPr>
+          <p:cNvPr id="45" name="直線矢印コネクタ 44">
+            <a:extLst>
+              <a:ext uri="{FF2B5EF4-FFF2-40B4-BE49-F238E27FC236}">
+                <a16:creationId xmlns:a16="http://schemas.microsoft.com/office/drawing/2014/main" id="{9ED1091A-3DC6-477D-B108-20E7111738E0}"/>
+              </a:ext>
+            </a:extLst>
+          </p:cNvPr>
+          <p:cNvCxnSpPr>
+            <a:cxnSpLocks/>
+          </p:cNvCxnSpPr>
+          <p:nvPr/>
+        </p:nvCxnSpPr>
+        <p:spPr>
+          <a:xfrm flipV="1">
+            <a:off x="4278458" y="2013531"/>
+            <a:ext cx="715492" cy="262936"/>
+          </a:xfrm>
+          <a:prstGeom prst="straightConnector1">
+            <a:avLst/>
+          </a:prstGeom>
+          <a:ln w="31750">
+            <a:solidFill>
+              <a:schemeClr val="accent2"/>
+            </a:solidFill>
+            <a:tailEnd type="triangle"/>
+          </a:ln>
+        </p:spPr>
+        <p:style>
+          <a:lnRef idx="1">
+            <a:schemeClr val="accent1"/>
+          </a:lnRef>
+          <a:fillRef idx="0">
+            <a:schemeClr val="accent1"/>
+          </a:fillRef>
+          <a:effectRef idx="0">
+            <a:schemeClr val="accent1"/>
+          </a:effectRef>
+          <a:fontRef idx="minor">
+            <a:schemeClr val="tx1"/>
+          </a:fontRef>
+        </p:style>
+      </p:cxnSp>
+      <p:cxnSp>
+        <p:nvCxnSpPr>
+          <p:cNvPr id="46" name="直線矢印コネクタ 45">
+            <a:extLst>
+              <a:ext uri="{FF2B5EF4-FFF2-40B4-BE49-F238E27FC236}">
+                <a16:creationId xmlns:a16="http://schemas.microsoft.com/office/drawing/2014/main" id="{1214ABCE-0B1A-4708-9C7E-9D68D3C764BA}"/>
+              </a:ext>
+            </a:extLst>
+          </p:cNvPr>
+          <p:cNvCxnSpPr>
+            <a:cxnSpLocks/>
+          </p:cNvCxnSpPr>
+          <p:nvPr/>
+        </p:nvCxnSpPr>
+        <p:spPr>
+          <a:xfrm flipV="1">
+            <a:off x="4278457" y="1764184"/>
+            <a:ext cx="533815" cy="498694"/>
+          </a:xfrm>
+          <a:prstGeom prst="straightConnector1">
+            <a:avLst/>
+          </a:prstGeom>
+          <a:ln w="31750">
+            <a:solidFill>
+              <a:schemeClr val="accent2"/>
+            </a:solidFill>
+            <a:prstDash val="sysDash"/>
+            <a:tailEnd type="triangle"/>
+          </a:ln>
+        </p:spPr>
+        <p:style>
+          <a:lnRef idx="1">
+            <a:schemeClr val="accent1"/>
+          </a:lnRef>
+          <a:fillRef idx="0">
+            <a:schemeClr val="accent1"/>
+          </a:fillRef>
+          <a:effectRef idx="0">
+            <a:schemeClr val="accent1"/>
+          </a:effectRef>
+          <a:fontRef idx="minor">
+            <a:schemeClr val="tx1"/>
+          </a:fontRef>
+        </p:style>
+      </p:cxnSp>
+      <p:cxnSp>
+        <p:nvCxnSpPr>
+          <p:cNvPr id="48" name="直線コネクタ 47">
+            <a:extLst>
+              <a:ext uri="{FF2B5EF4-FFF2-40B4-BE49-F238E27FC236}">
+                <a16:creationId xmlns:a16="http://schemas.microsoft.com/office/drawing/2014/main" id="{CFF44F0D-44CE-49FA-807B-8E9689BC307D}"/>
+              </a:ext>
+            </a:extLst>
+          </p:cNvPr>
+          <p:cNvCxnSpPr>
+            <a:cxnSpLocks/>
+            <a:stCxn id="39" idx="2"/>
+          </p:cNvCxnSpPr>
+          <p:nvPr/>
+        </p:nvCxnSpPr>
+        <p:spPr>
+          <a:xfrm>
+            <a:off x="4203381" y="954034"/>
+            <a:ext cx="75076" cy="297826"/>
+          </a:xfrm>
+          <a:prstGeom prst="line">
+            <a:avLst/>
+          </a:prstGeom>
+          <a:ln>
+            <a:solidFill>
+              <a:schemeClr val="tx1"/>
+            </a:solidFill>
+          </a:ln>
+        </p:spPr>
+        <p:style>
+          <a:lnRef idx="1">
+            <a:schemeClr val="accent1"/>
+          </a:lnRef>
+          <a:fillRef idx="0">
+            <a:schemeClr val="accent1"/>
+          </a:fillRef>
+          <a:effectRef idx="0">
+            <a:schemeClr val="accent1"/>
+          </a:effectRef>
+          <a:fontRef idx="minor">
+            <a:schemeClr val="tx1"/>
+          </a:fontRef>
+        </p:style>
+      </p:cxnSp>
+      <p:cxnSp>
+        <p:nvCxnSpPr>
+          <p:cNvPr id="51" name="直線コネクタ 50">
+            <a:extLst>
+              <a:ext uri="{FF2B5EF4-FFF2-40B4-BE49-F238E27FC236}">
+                <a16:creationId xmlns:a16="http://schemas.microsoft.com/office/drawing/2014/main" id="{21A1063E-E3A2-4629-BE11-A3788FBD507E}"/>
+              </a:ext>
+            </a:extLst>
+          </p:cNvPr>
+          <p:cNvCxnSpPr>
+            <a:cxnSpLocks/>
+            <a:stCxn id="37" idx="1"/>
+          </p:cNvCxnSpPr>
+          <p:nvPr/>
+        </p:nvCxnSpPr>
+        <p:spPr>
+          <a:xfrm flipH="1">
+            <a:off x="4964341" y="1195779"/>
+            <a:ext cx="1387244" cy="457096"/>
+          </a:xfrm>
+          <a:prstGeom prst="line">
+            <a:avLst/>
+          </a:prstGeom>
+          <a:ln>
+            <a:solidFill>
+              <a:schemeClr val="tx1"/>
+            </a:solidFill>
+          </a:ln>
+        </p:spPr>
+        <p:style>
+          <a:lnRef idx="1">
+            <a:schemeClr val="accent1"/>
+          </a:lnRef>
+          <a:fillRef idx="0">
+            <a:schemeClr val="accent1"/>
+          </a:fillRef>
+          <a:effectRef idx="0">
+            <a:schemeClr val="accent1"/>
+          </a:effectRef>
+          <a:fontRef idx="minor">
+            <a:schemeClr val="tx1"/>
+          </a:fontRef>
+        </p:style>
+      </p:cxnSp>
+      <p:cxnSp>
+        <p:nvCxnSpPr>
+          <p:cNvPr id="54" name="直線コネクタ 53">
+            <a:extLst>
+              <a:ext uri="{FF2B5EF4-FFF2-40B4-BE49-F238E27FC236}">
+                <a16:creationId xmlns:a16="http://schemas.microsoft.com/office/drawing/2014/main" id="{61998F9F-460B-4203-ABAA-41388C772B62}"/>
+              </a:ext>
+            </a:extLst>
+          </p:cNvPr>
+          <p:cNvCxnSpPr>
+            <a:cxnSpLocks/>
+          </p:cNvCxnSpPr>
+          <p:nvPr/>
+        </p:nvCxnSpPr>
+        <p:spPr>
+          <a:xfrm flipH="1" flipV="1">
+            <a:off x="4757720" y="2096757"/>
+            <a:ext cx="267617" cy="1228863"/>
+          </a:xfrm>
+          <a:prstGeom prst="line">
+            <a:avLst/>
+          </a:prstGeom>
+          <a:ln>
+            <a:solidFill>
+              <a:schemeClr val="tx1"/>
+            </a:solidFill>
+          </a:ln>
+        </p:spPr>
+        <p:style>
+          <a:lnRef idx="1">
+            <a:schemeClr val="accent1"/>
+          </a:lnRef>
+          <a:fillRef idx="0">
+            <a:schemeClr val="accent1"/>
+          </a:fillRef>
+          <a:effectRef idx="0">
+            <a:schemeClr val="accent1"/>
+          </a:effectRef>
+          <a:fontRef idx="minor">
+            <a:schemeClr val="tx1"/>
+          </a:fontRef>
+        </p:style>
+      </p:cxnSp>
+      <p:cxnSp>
+        <p:nvCxnSpPr>
+          <p:cNvPr id="57" name="直線コネクタ 56">
+            <a:extLst>
+              <a:ext uri="{FF2B5EF4-FFF2-40B4-BE49-F238E27FC236}">
+                <a16:creationId xmlns:a16="http://schemas.microsoft.com/office/drawing/2014/main" id="{1537FF68-8CEC-464C-8BC3-CC3F55C81574}"/>
+              </a:ext>
+            </a:extLst>
+          </p:cNvPr>
+          <p:cNvCxnSpPr>
+            <a:cxnSpLocks/>
+          </p:cNvCxnSpPr>
+          <p:nvPr/>
+        </p:nvCxnSpPr>
+        <p:spPr>
+          <a:xfrm flipH="1" flipV="1">
+            <a:off x="4481998" y="2040691"/>
+            <a:ext cx="1282435" cy="1517110"/>
+          </a:xfrm>
+          <a:prstGeom prst="line">
+            <a:avLst/>
+          </a:prstGeom>
+          <a:ln>
+            <a:solidFill>
+              <a:schemeClr val="tx1"/>
+            </a:solidFill>
+          </a:ln>
+        </p:spPr>
+        <p:style>
+          <a:lnRef idx="1">
+            <a:schemeClr val="accent1"/>
+          </a:lnRef>
+          <a:fillRef idx="0">
+            <a:schemeClr val="accent1"/>
+          </a:fillRef>
+          <a:effectRef idx="0">
+            <a:schemeClr val="accent1"/>
+          </a:effectRef>
+          <a:fontRef idx="minor">
+            <a:schemeClr val="tx1"/>
+          </a:fontRef>
+        </p:style>
+      </p:cxnSp>
+      <p:sp>
+        <p:nvSpPr>
+          <p:cNvPr id="60" name="テキスト ボックス 59">
+            <a:extLst>
+              <a:ext uri="{FF2B5EF4-FFF2-40B4-BE49-F238E27FC236}">
+                <a16:creationId xmlns:a16="http://schemas.microsoft.com/office/drawing/2014/main" id="{6A73EB70-664F-42B1-B486-11B05E7672A4}"/>
+              </a:ext>
+            </a:extLst>
+          </p:cNvPr>
+          <p:cNvSpPr txBox="1"/>
+          <p:nvPr/>
+        </p:nvSpPr>
+        <p:spPr>
+          <a:xfrm>
+            <a:off x="2760266" y="3129731"/>
+            <a:ext cx="1497910" cy="253916"/>
+          </a:xfrm>
+          <a:prstGeom prst="rect">
+            <a:avLst/>
+          </a:prstGeom>
+          <a:noFill/>
+        </p:spPr>
+        <p:txBody>
+          <a:bodyPr wrap="square" rtlCol="0">
+            <a:spAutoFit/>
+          </a:bodyPr>
+          <a:lstStyle/>
+          <a:p>
+            <a:r>
+              <a:rPr kumimoji="1" lang="ja-JP" altLang="en-US" sz="1050" dirty="0"/>
+              <a:t>世界遺産登録基準</a:t>
+            </a:r>
+          </a:p>
+        </p:txBody>
+      </p:sp>
+      <p:cxnSp>
+        <p:nvCxnSpPr>
+          <p:cNvPr id="61" name="直線コネクタ 60">
+            <a:extLst>
+              <a:ext uri="{FF2B5EF4-FFF2-40B4-BE49-F238E27FC236}">
+                <a16:creationId xmlns:a16="http://schemas.microsoft.com/office/drawing/2014/main" id="{63AD55AB-96F7-45D6-A952-2B061A58A09C}"/>
+              </a:ext>
+            </a:extLst>
+          </p:cNvPr>
+          <p:cNvCxnSpPr>
+            <a:cxnSpLocks/>
+          </p:cNvCxnSpPr>
+          <p:nvPr/>
+        </p:nvCxnSpPr>
+        <p:spPr>
+          <a:xfrm flipV="1">
+            <a:off x="3401484" y="2666999"/>
+            <a:ext cx="529517" cy="462095"/>
+          </a:xfrm>
+          <a:prstGeom prst="line">
+            <a:avLst/>
+          </a:prstGeom>
+          <a:ln>
+            <a:solidFill>
+              <a:schemeClr val="tx1"/>
+            </a:solidFill>
+          </a:ln>
+        </p:spPr>
+        <p:style>
+          <a:lnRef idx="1">
+            <a:schemeClr val="accent1"/>
+          </a:lnRef>
+          <a:fillRef idx="0">
+            <a:schemeClr val="accent1"/>
+          </a:fillRef>
+          <a:effectRef idx="0">
+            <a:schemeClr val="accent1"/>
+          </a:effectRef>
+          <a:fontRef idx="minor">
+            <a:schemeClr val="tx1"/>
+          </a:fontRef>
+        </p:style>
+      </p:cxnSp>
+      <p:cxnSp>
+        <p:nvCxnSpPr>
+          <p:cNvPr id="63" name="直線コネクタ 62">
+            <a:extLst>
+              <a:ext uri="{FF2B5EF4-FFF2-40B4-BE49-F238E27FC236}">
+                <a16:creationId xmlns:a16="http://schemas.microsoft.com/office/drawing/2014/main" id="{70F445CF-20DC-4FF0-A334-16017A4C2ADF}"/>
+              </a:ext>
+            </a:extLst>
+          </p:cNvPr>
+          <p:cNvCxnSpPr>
+            <a:cxnSpLocks/>
+          </p:cNvCxnSpPr>
+          <p:nvPr/>
+        </p:nvCxnSpPr>
+        <p:spPr>
+          <a:xfrm flipV="1">
+            <a:off x="3371090" y="1764184"/>
+            <a:ext cx="887086" cy="1378499"/>
+          </a:xfrm>
+          <a:prstGeom prst="line">
+            <a:avLst/>
+          </a:prstGeom>
+          <a:ln>
+            <a:solidFill>
+              <a:schemeClr val="tx1"/>
+            </a:solidFill>
+          </a:ln>
+        </p:spPr>
+        <p:style>
+          <a:lnRef idx="1">
+            <a:schemeClr val="accent1"/>
+          </a:lnRef>
+          <a:fillRef idx="0">
+            <a:schemeClr val="accent1"/>
+          </a:fillRef>
+          <a:effectRef idx="0">
+            <a:schemeClr val="accent1"/>
+          </a:effectRef>
+          <a:fontRef idx="minor">
+            <a:schemeClr val="tx1"/>
+          </a:fontRef>
+        </p:style>
+      </p:cxnSp>
+      <p:cxnSp>
+        <p:nvCxnSpPr>
+          <p:cNvPr id="66" name="直線コネクタ 65">
+            <a:extLst>
+              <a:ext uri="{FF2B5EF4-FFF2-40B4-BE49-F238E27FC236}">
+                <a16:creationId xmlns:a16="http://schemas.microsoft.com/office/drawing/2014/main" id="{9BB19A5A-A6A5-4057-A36D-9F94C35BBE91}"/>
+              </a:ext>
+            </a:extLst>
+          </p:cNvPr>
+          <p:cNvCxnSpPr>
+            <a:cxnSpLocks/>
+            <a:stCxn id="60" idx="0"/>
+          </p:cNvCxnSpPr>
+          <p:nvPr/>
+        </p:nvCxnSpPr>
+        <p:spPr>
+          <a:xfrm flipV="1">
+            <a:off x="3509221" y="2276937"/>
+            <a:ext cx="1031635" cy="852794"/>
+          </a:xfrm>
+          <a:prstGeom prst="line">
+            <a:avLst/>
+          </a:prstGeom>
+          <a:ln>
+            <a:solidFill>
+              <a:schemeClr val="tx1"/>
+            </a:solidFill>
+          </a:ln>
+        </p:spPr>
+        <p:style>
+          <a:lnRef idx="1">
+            <a:schemeClr val="accent1"/>
+          </a:lnRef>
+          <a:fillRef idx="0">
+            <a:schemeClr val="accent1"/>
+          </a:fillRef>
+          <a:effectRef idx="0">
+            <a:schemeClr val="accent1"/>
+          </a:effectRef>
+          <a:fontRef idx="minor">
+            <a:schemeClr val="tx1"/>
+          </a:fontRef>
+        </p:style>
+      </p:cxnSp>
     </p:spTree>
     <p:extLst>
       <p:ext uri="{BB962C8B-B14F-4D97-AF65-F5344CB8AC3E}">
@@ -3405,85 +4721,41 @@
         <a:cs typeface=""/>
       </a:minorFont>
     </a:fontScheme>
-    <a:fmtScheme name="Office テーマ">
+    <a:fmtScheme name="光沢のあるエッジ">
       <a:fillStyleLst>
         <a:solidFill>
           <a:schemeClr val="phClr"/>
         </a:solidFill>
-        <a:gradFill rotWithShape="1">
-          <a:gsLst>
-            <a:gs pos="0">
-              <a:schemeClr val="phClr">
-                <a:lumMod val="110000"/>
-                <a:satMod val="105000"/>
-                <a:tint val="67000"/>
-              </a:schemeClr>
-            </a:gs>
-            <a:gs pos="50000">
-              <a:schemeClr val="phClr">
-                <a:lumMod val="105000"/>
-                <a:satMod val="103000"/>
-                <a:tint val="73000"/>
-              </a:schemeClr>
-            </a:gs>
-            <a:gs pos="100000">
-              <a:schemeClr val="phClr">
-                <a:lumMod val="105000"/>
-                <a:satMod val="109000"/>
-                <a:tint val="81000"/>
-              </a:schemeClr>
-            </a:gs>
-          </a:gsLst>
-          <a:lin ang="5400000" scaled="0"/>
-        </a:gradFill>
-        <a:gradFill rotWithShape="1">
-          <a:gsLst>
-            <a:gs pos="0">
-              <a:schemeClr val="phClr">
-                <a:satMod val="103000"/>
-                <a:lumMod val="102000"/>
-                <a:tint val="94000"/>
-              </a:schemeClr>
-            </a:gs>
-            <a:gs pos="50000">
-              <a:schemeClr val="phClr">
-                <a:satMod val="110000"/>
-                <a:lumMod val="100000"/>
-                <a:shade val="100000"/>
-              </a:schemeClr>
-            </a:gs>
-            <a:gs pos="100000">
-              <a:schemeClr val="phClr">
-                <a:lumMod val="99000"/>
-                <a:satMod val="120000"/>
-                <a:shade val="78000"/>
-              </a:schemeClr>
-            </a:gs>
-          </a:gsLst>
-          <a:lin ang="5400000" scaled="0"/>
-        </a:gradFill>
+        <a:solidFill>
+          <a:schemeClr val="phClr">
+            <a:tint val="55000"/>
+          </a:schemeClr>
+        </a:solidFill>
+        <a:solidFill>
+          <a:schemeClr val="phClr"/>
+        </a:solidFill>
       </a:fillStyleLst>
       <a:lnStyleLst>
-        <a:ln w="6350" cap="flat" cmpd="sng" algn="ctr">
+        <a:ln w="12700" cap="flat" cmpd="sng" algn="ctr">
+          <a:solidFill>
+            <a:schemeClr val="phClr">
+              <a:shade val="95000"/>
+              <a:satMod val="105000"/>
+            </a:schemeClr>
+          </a:solidFill>
+          <a:prstDash val="solid"/>
+        </a:ln>
+        <a:ln w="25400" cap="flat" cmpd="sng" algn="ctr">
           <a:solidFill>
             <a:schemeClr val="phClr"/>
           </a:solidFill>
           <a:prstDash val="solid"/>
-          <a:miter lim="800000"/>
         </a:ln>
-        <a:ln w="12700" cap="flat" cmpd="sng" algn="ctr">
+        <a:ln w="38100" cap="flat" cmpd="sng" algn="ctr">
           <a:solidFill>
             <a:schemeClr val="phClr"/>
           </a:solidFill>
           <a:prstDash val="solid"/>
-          <a:miter lim="800000"/>
-        </a:ln>
-        <a:ln w="19050" cap="flat" cmpd="sng" algn="ctr">
-          <a:solidFill>
-            <a:schemeClr val="phClr"/>
-          </a:solidFill>
-          <a:prstDash val="solid"/>
-          <a:miter lim="800000"/>
         </a:ln>
       </a:lnStyleLst>
       <a:effectStyleLst>
@@ -3491,16 +4763,33 @@
           <a:effectLst/>
         </a:effectStyle>
         <a:effectStyle>
-          <a:effectLst/>
-        </a:effectStyle>
-        <a:effectStyle>
           <a:effectLst>
-            <a:outerShdw blurRad="57150" dist="19050" dir="5400000" algn="ctr" rotWithShape="0">
+            <a:outerShdw blurRad="50800" dist="25400" algn="bl" rotWithShape="0">
               <a:srgbClr val="000000">
-                <a:alpha val="63000"/>
+                <a:alpha val="60000"/>
               </a:srgbClr>
             </a:outerShdw>
           </a:effectLst>
+        </a:effectStyle>
+        <a:effectStyle>
+          <a:effectLst/>
+          <a:scene3d>
+            <a:camera prst="orthographicFront">
+              <a:rot lat="0" lon="0" rev="0"/>
+            </a:camera>
+            <a:lightRig rig="brightRoom" dir="tl">
+              <a:rot lat="0" lon="0" rev="1800000"/>
+            </a:lightRig>
+          </a:scene3d>
+          <a:sp3d contourW="10160" prstMaterial="dkEdge">
+            <a:bevelT w="38100" h="50800" prst="angle"/>
+            <a:contourClr>
+              <a:schemeClr val="phClr">
+                <a:shade val="40000"/>
+                <a:satMod val="150000"/>
+              </a:schemeClr>
+            </a:contourClr>
+          </a:sp3d>
         </a:effectStyle>
       </a:effectStyleLst>
       <a:bgFillStyleLst>

--- a/図表.pptx
+++ b/図表.pptx
@@ -6,7 +6,12 @@
   </p:sldMasterIdLst>
   <p:sldIdLst>
     <p:sldId id="256" r:id="rId2"/>
-    <p:sldId id="257" r:id="rId3"/>
+    <p:sldId id="258" r:id="rId3"/>
+    <p:sldId id="259" r:id="rId4"/>
+    <p:sldId id="257" r:id="rId5"/>
+    <p:sldId id="261" r:id="rId6"/>
+    <p:sldId id="260" r:id="rId7"/>
+    <p:sldId id="262" r:id="rId8"/>
   </p:sldIdLst>
   <p:sldSz cx="9144000" cy="6858000" type="screen4x3"/>
   <p:notesSz cx="6858000" cy="9144000"/>
@@ -105,7 +110,16 @@
       </a:defRPr>
     </a:lvl9pPr>
   </p:defaultTextStyle>
+  <p:extLst>
+    <p:ext uri="{EFAFB233-063F-42B5-8137-9DF3F51BA10A}">
+      <p15:sldGuideLst xmlns:p15="http://schemas.microsoft.com/office/powerpoint/2012/main"/>
+    </p:ext>
+  </p:extLst>
 </p:presentation>
+</file>
+
+<file path=ppt/revisionInfo.xml><?xml version="1.0" encoding="utf-8"?>
+<p1510:revInfo xmlns:a="http://schemas.openxmlformats.org/drawingml/2006/main" xmlns:r="http://schemas.openxmlformats.org/officeDocument/2006/relationships" xmlns:p1510="http://schemas.microsoft.com/office/powerpoint/2015/10/main"/>
 </file>
 
 <file path=ppt/slideLayouts/slideLayout1.xml><?xml version="1.0" encoding="utf-8"?>
@@ -239,7 +253,7 @@
           <a:p>
             <a:fld id="{393177F9-2618-4AAF-AD1F-E5165CE4FCE2}" type="datetimeFigureOut">
               <a:rPr kumimoji="1" lang="ja-JP" altLang="en-US" smtClean="0"/>
-              <a:t>2018/1/8</a:t>
+              <a:t>2018/1/11</a:t>
             </a:fld>
             <a:endParaRPr kumimoji="1" lang="ja-JP" altLang="en-US"/>
           </a:p>
@@ -441,7 +455,7 @@
           <a:p>
             <a:fld id="{393177F9-2618-4AAF-AD1F-E5165CE4FCE2}" type="datetimeFigureOut">
               <a:rPr kumimoji="1" lang="ja-JP" altLang="en-US" smtClean="0"/>
-              <a:t>2018/1/8</a:t>
+              <a:t>2018/1/11</a:t>
             </a:fld>
             <a:endParaRPr kumimoji="1" lang="ja-JP" altLang="en-US"/>
           </a:p>
@@ -653,7 +667,7 @@
           <a:p>
             <a:fld id="{393177F9-2618-4AAF-AD1F-E5165CE4FCE2}" type="datetimeFigureOut">
               <a:rPr kumimoji="1" lang="ja-JP" altLang="en-US" smtClean="0"/>
-              <a:t>2018/1/8</a:t>
+              <a:t>2018/1/11</a:t>
             </a:fld>
             <a:endParaRPr kumimoji="1" lang="ja-JP" altLang="en-US"/>
           </a:p>
@@ -855,7 +869,7 @@
           <a:p>
             <a:fld id="{393177F9-2618-4AAF-AD1F-E5165CE4FCE2}" type="datetimeFigureOut">
               <a:rPr kumimoji="1" lang="ja-JP" altLang="en-US" smtClean="0"/>
-              <a:t>2018/1/8</a:t>
+              <a:t>2018/1/11</a:t>
             </a:fld>
             <a:endParaRPr kumimoji="1" lang="ja-JP" altLang="en-US"/>
           </a:p>
@@ -1099,7 +1113,7 @@
           <a:p>
             <a:fld id="{393177F9-2618-4AAF-AD1F-E5165CE4FCE2}" type="datetimeFigureOut">
               <a:rPr kumimoji="1" lang="ja-JP" altLang="en-US" smtClean="0"/>
-              <a:t>2018/1/8</a:t>
+              <a:t>2018/1/11</a:t>
             </a:fld>
             <a:endParaRPr kumimoji="1" lang="ja-JP" altLang="en-US"/>
           </a:p>
@@ -1395,7 +1409,7 @@
           <a:p>
             <a:fld id="{393177F9-2618-4AAF-AD1F-E5165CE4FCE2}" type="datetimeFigureOut">
               <a:rPr kumimoji="1" lang="ja-JP" altLang="en-US" smtClean="0"/>
-              <a:t>2018/1/8</a:t>
+              <a:t>2018/1/11</a:t>
             </a:fld>
             <a:endParaRPr kumimoji="1" lang="ja-JP" altLang="en-US"/>
           </a:p>
@@ -1826,7 +1840,7 @@
           <a:p>
             <a:fld id="{393177F9-2618-4AAF-AD1F-E5165CE4FCE2}" type="datetimeFigureOut">
               <a:rPr kumimoji="1" lang="ja-JP" altLang="en-US" smtClean="0"/>
-              <a:t>2018/1/8</a:t>
+              <a:t>2018/1/11</a:t>
             </a:fld>
             <a:endParaRPr kumimoji="1" lang="ja-JP" altLang="en-US"/>
           </a:p>
@@ -1944,7 +1958,7 @@
           <a:p>
             <a:fld id="{393177F9-2618-4AAF-AD1F-E5165CE4FCE2}" type="datetimeFigureOut">
               <a:rPr kumimoji="1" lang="ja-JP" altLang="en-US" smtClean="0"/>
-              <a:t>2018/1/8</a:t>
+              <a:t>2018/1/11</a:t>
             </a:fld>
             <a:endParaRPr kumimoji="1" lang="ja-JP" altLang="en-US"/>
           </a:p>
@@ -2039,7 +2053,7 @@
           <a:p>
             <a:fld id="{393177F9-2618-4AAF-AD1F-E5165CE4FCE2}" type="datetimeFigureOut">
               <a:rPr kumimoji="1" lang="ja-JP" altLang="en-US" smtClean="0"/>
-              <a:t>2018/1/8</a:t>
+              <a:t>2018/1/11</a:t>
             </a:fld>
             <a:endParaRPr kumimoji="1" lang="ja-JP" altLang="en-US"/>
           </a:p>
@@ -2348,7 +2362,7 @@
           <a:p>
             <a:fld id="{393177F9-2618-4AAF-AD1F-E5165CE4FCE2}" type="datetimeFigureOut">
               <a:rPr kumimoji="1" lang="ja-JP" altLang="en-US" smtClean="0"/>
-              <a:t>2018/1/8</a:t>
+              <a:t>2018/1/11</a:t>
             </a:fld>
             <a:endParaRPr kumimoji="1" lang="ja-JP" altLang="en-US"/>
           </a:p>
@@ -2605,7 +2619,7 @@
           <a:p>
             <a:fld id="{393177F9-2618-4AAF-AD1F-E5165CE4FCE2}" type="datetimeFigureOut">
               <a:rPr kumimoji="1" lang="ja-JP" altLang="en-US" smtClean="0"/>
-              <a:t>2018/1/8</a:t>
+              <a:t>2018/1/11</a:t>
             </a:fld>
             <a:endParaRPr kumimoji="1" lang="ja-JP" altLang="en-US"/>
           </a:p>
@@ -2850,7 +2864,7 @@
           <a:p>
             <a:fld id="{393177F9-2618-4AAF-AD1F-E5165CE4FCE2}" type="datetimeFigureOut">
               <a:rPr kumimoji="1" lang="ja-JP" altLang="en-US" smtClean="0"/>
-              <a:t>2018/1/8</a:t>
+              <a:t>2018/1/11</a:t>
             </a:fld>
             <a:endParaRPr kumimoji="1" lang="ja-JP" altLang="en-US"/>
           </a:p>
@@ -3337,6 +3351,2436 @@
       </p:grpSpPr>
       <p:sp>
         <p:nvSpPr>
+          <p:cNvPr id="38" name="楕円 37">
+            <a:extLst>
+              <a:ext uri="{FF2B5EF4-FFF2-40B4-BE49-F238E27FC236}">
+                <a16:creationId xmlns:a16="http://schemas.microsoft.com/office/drawing/2014/main" id="{870422B3-3A72-4065-90D0-CCC821A179AC}"/>
+              </a:ext>
+            </a:extLst>
+          </p:cNvPr>
+          <p:cNvSpPr/>
+          <p:nvPr/>
+        </p:nvSpPr>
+        <p:spPr>
+          <a:xfrm>
+            <a:off x="4179894" y="3880505"/>
+            <a:ext cx="2265685" cy="1494417"/>
+          </a:xfrm>
+          <a:prstGeom prst="ellipse">
+            <a:avLst/>
+          </a:prstGeom>
+          <a:solidFill>
+            <a:schemeClr val="bg2">
+              <a:lumMod val="90000"/>
+            </a:schemeClr>
+          </a:solidFill>
+          <a:ln>
+            <a:solidFill>
+              <a:schemeClr val="bg2">
+                <a:lumMod val="25000"/>
+              </a:schemeClr>
+            </a:solidFill>
+          </a:ln>
+        </p:spPr>
+        <p:style>
+          <a:lnRef idx="1">
+            <a:schemeClr val="accent1"/>
+          </a:lnRef>
+          <a:fillRef idx="3">
+            <a:schemeClr val="accent1"/>
+          </a:fillRef>
+          <a:effectRef idx="2">
+            <a:schemeClr val="accent1"/>
+          </a:effectRef>
+          <a:fontRef idx="minor">
+            <a:schemeClr val="lt1"/>
+          </a:fontRef>
+        </p:style>
+        <p:txBody>
+          <a:bodyPr rtlCol="0" anchor="ctr"/>
+          <a:lstStyle/>
+          <a:p>
+            <a:pPr algn="ctr"/>
+            <a:endParaRPr kumimoji="1" lang="ja-JP" altLang="en-US"/>
+          </a:p>
+        </p:txBody>
+      </p:sp>
+      <p:sp>
+        <p:nvSpPr>
+          <p:cNvPr id="2" name="タイトル 1">
+            <a:extLst>
+              <a:ext uri="{FF2B5EF4-FFF2-40B4-BE49-F238E27FC236}">
+                <a16:creationId xmlns:a16="http://schemas.microsoft.com/office/drawing/2014/main" id="{94B4D74D-A6D7-438C-8263-38CF889B862C}"/>
+              </a:ext>
+            </a:extLst>
+          </p:cNvPr>
+          <p:cNvSpPr>
+            <a:spLocks noGrp="1"/>
+          </p:cNvSpPr>
+          <p:nvPr>
+            <p:ph type="title"/>
+          </p:nvPr>
+        </p:nvSpPr>
+        <p:spPr/>
+        <p:txBody>
+          <a:bodyPr>
+            <a:normAutofit/>
+          </a:bodyPr>
+          <a:lstStyle/>
+          <a:p>
+            <a:r>
+              <a:rPr kumimoji="1" lang="ja-JP" altLang="en-US" dirty="0"/>
+              <a:t>システム概要図（論理設計）</a:t>
+            </a:r>
+          </a:p>
+        </p:txBody>
+      </p:sp>
+      <p:sp>
+        <p:nvSpPr>
+          <p:cNvPr id="4" name="正方形/長方形 3">
+            <a:extLst>
+              <a:ext uri="{FF2B5EF4-FFF2-40B4-BE49-F238E27FC236}">
+                <a16:creationId xmlns:a16="http://schemas.microsoft.com/office/drawing/2014/main" id="{C86BA81C-A94C-4DE7-81D7-259BE547EE04}"/>
+              </a:ext>
+            </a:extLst>
+          </p:cNvPr>
+          <p:cNvSpPr/>
+          <p:nvPr/>
+        </p:nvSpPr>
+        <p:spPr>
+          <a:xfrm>
+            <a:off x="5312736" y="1650033"/>
+            <a:ext cx="1794164" cy="834887"/>
+          </a:xfrm>
+          <a:prstGeom prst="rect">
+            <a:avLst/>
+          </a:prstGeom>
+          <a:solidFill>
+            <a:schemeClr val="accent1">
+              <a:lumMod val="40000"/>
+              <a:lumOff val="60000"/>
+            </a:schemeClr>
+          </a:solidFill>
+          <a:ln>
+            <a:solidFill>
+              <a:schemeClr val="accent1"/>
+            </a:solidFill>
+          </a:ln>
+        </p:spPr>
+        <p:style>
+          <a:lnRef idx="1">
+            <a:schemeClr val="accent1"/>
+          </a:lnRef>
+          <a:fillRef idx="3">
+            <a:schemeClr val="accent1"/>
+          </a:fillRef>
+          <a:effectRef idx="2">
+            <a:schemeClr val="accent1"/>
+          </a:effectRef>
+          <a:fontRef idx="minor">
+            <a:schemeClr val="lt1"/>
+          </a:fontRef>
+        </p:style>
+        <p:txBody>
+          <a:bodyPr rtlCol="0" anchor="ctr"/>
+          <a:lstStyle/>
+          <a:p>
+            <a:pPr algn="ctr"/>
+            <a:endParaRPr kumimoji="1" lang="ja-JP" altLang="en-US"/>
+          </a:p>
+        </p:txBody>
+      </p:sp>
+      <p:sp>
+        <p:nvSpPr>
+          <p:cNvPr id="7" name="正方形/長方形 6">
+            <a:extLst>
+              <a:ext uri="{FF2B5EF4-FFF2-40B4-BE49-F238E27FC236}">
+                <a16:creationId xmlns:a16="http://schemas.microsoft.com/office/drawing/2014/main" id="{72E8E0F6-3989-45E5-8557-98EA994E06BA}"/>
+              </a:ext>
+            </a:extLst>
+          </p:cNvPr>
+          <p:cNvSpPr/>
+          <p:nvPr/>
+        </p:nvSpPr>
+        <p:spPr>
+          <a:xfrm>
+            <a:off x="5385645" y="1747098"/>
+            <a:ext cx="1825778" cy="834887"/>
+          </a:xfrm>
+          <a:prstGeom prst="rect">
+            <a:avLst/>
+          </a:prstGeom>
+          <a:solidFill>
+            <a:schemeClr val="accent1">
+              <a:lumMod val="40000"/>
+              <a:lumOff val="60000"/>
+            </a:schemeClr>
+          </a:solidFill>
+          <a:ln>
+            <a:solidFill>
+              <a:schemeClr val="accent1"/>
+            </a:solidFill>
+          </a:ln>
+        </p:spPr>
+        <p:style>
+          <a:lnRef idx="1">
+            <a:schemeClr val="accent1"/>
+          </a:lnRef>
+          <a:fillRef idx="3">
+            <a:schemeClr val="accent1"/>
+          </a:fillRef>
+          <a:effectRef idx="2">
+            <a:schemeClr val="accent1"/>
+          </a:effectRef>
+          <a:fontRef idx="minor">
+            <a:schemeClr val="lt1"/>
+          </a:fontRef>
+        </p:style>
+        <p:txBody>
+          <a:bodyPr rtlCol="0" anchor="ctr"/>
+          <a:lstStyle/>
+          <a:p>
+            <a:pPr algn="ctr"/>
+            <a:endParaRPr kumimoji="1" lang="ja-JP" altLang="en-US"/>
+          </a:p>
+        </p:txBody>
+      </p:sp>
+      <p:sp>
+        <p:nvSpPr>
+          <p:cNvPr id="8" name="正方形/長方形 7">
+            <a:extLst>
+              <a:ext uri="{FF2B5EF4-FFF2-40B4-BE49-F238E27FC236}">
+                <a16:creationId xmlns:a16="http://schemas.microsoft.com/office/drawing/2014/main" id="{62DF46A2-336F-4CD7-AD61-BEAEE5A40EBB}"/>
+              </a:ext>
+            </a:extLst>
+          </p:cNvPr>
+          <p:cNvSpPr/>
+          <p:nvPr/>
+        </p:nvSpPr>
+        <p:spPr>
+          <a:xfrm>
+            <a:off x="5458566" y="1885962"/>
+            <a:ext cx="1825778" cy="834887"/>
+          </a:xfrm>
+          <a:prstGeom prst="rect">
+            <a:avLst/>
+          </a:prstGeom>
+          <a:solidFill>
+            <a:schemeClr val="accent1">
+              <a:lumMod val="40000"/>
+              <a:lumOff val="60000"/>
+            </a:schemeClr>
+          </a:solidFill>
+          <a:ln>
+            <a:solidFill>
+              <a:schemeClr val="accent1"/>
+            </a:solidFill>
+          </a:ln>
+        </p:spPr>
+        <p:style>
+          <a:lnRef idx="1">
+            <a:schemeClr val="accent1"/>
+          </a:lnRef>
+          <a:fillRef idx="3">
+            <a:schemeClr val="accent1"/>
+          </a:fillRef>
+          <a:effectRef idx="2">
+            <a:schemeClr val="accent1"/>
+          </a:effectRef>
+          <a:fontRef idx="minor">
+            <a:schemeClr val="lt1"/>
+          </a:fontRef>
+        </p:style>
+        <p:txBody>
+          <a:bodyPr rtlCol="0" anchor="ctr"/>
+          <a:lstStyle/>
+          <a:p>
+            <a:pPr algn="ctr"/>
+            <a:endParaRPr kumimoji="1" lang="ja-JP" altLang="en-US"/>
+          </a:p>
+        </p:txBody>
+      </p:sp>
+      <p:sp>
+        <p:nvSpPr>
+          <p:cNvPr id="9" name="テキスト ボックス 8">
+            <a:extLst>
+              <a:ext uri="{FF2B5EF4-FFF2-40B4-BE49-F238E27FC236}">
+                <a16:creationId xmlns:a16="http://schemas.microsoft.com/office/drawing/2014/main" id="{35438F0E-DA63-4582-AFD4-7E1AFCB2E9E7}"/>
+              </a:ext>
+            </a:extLst>
+          </p:cNvPr>
+          <p:cNvSpPr txBox="1"/>
+          <p:nvPr/>
+        </p:nvSpPr>
+        <p:spPr>
+          <a:xfrm>
+            <a:off x="5448351" y="1860685"/>
+            <a:ext cx="1994455" cy="923330"/>
+          </a:xfrm>
+          <a:prstGeom prst="rect">
+            <a:avLst/>
+          </a:prstGeom>
+          <a:noFill/>
+        </p:spPr>
+        <p:txBody>
+          <a:bodyPr wrap="square" rtlCol="0">
+            <a:spAutoFit/>
+          </a:bodyPr>
+          <a:lstStyle/>
+          <a:p>
+            <a:r>
+              <a:rPr kumimoji="1" lang="ja-JP" altLang="en-US" dirty="0"/>
+              <a:t>観光価値の</a:t>
+            </a:r>
+            <a:endParaRPr kumimoji="1" lang="en-US" altLang="ja-JP" dirty="0"/>
+          </a:p>
+          <a:p>
+            <a:r>
+              <a:rPr kumimoji="1" lang="ja-JP" altLang="en-US" dirty="0"/>
+              <a:t>意味素に関する</a:t>
+            </a:r>
+            <a:endParaRPr kumimoji="1" lang="en-US" altLang="ja-JP" dirty="0"/>
+          </a:p>
+          <a:p>
+            <a:r>
+              <a:rPr lang="ja-JP" altLang="en-US" dirty="0"/>
+              <a:t>ドキュメント</a:t>
+            </a:r>
+            <a:endParaRPr kumimoji="1" lang="ja-JP" altLang="en-US" dirty="0"/>
+          </a:p>
+        </p:txBody>
+      </p:sp>
+      <p:sp>
+        <p:nvSpPr>
+          <p:cNvPr id="10" name="フローチャート: 磁気ディスク 9">
+            <a:extLst>
+              <a:ext uri="{FF2B5EF4-FFF2-40B4-BE49-F238E27FC236}">
+                <a16:creationId xmlns:a16="http://schemas.microsoft.com/office/drawing/2014/main" id="{B41993B2-F38E-4484-BAB6-EF57BE42372D}"/>
+              </a:ext>
+            </a:extLst>
+          </p:cNvPr>
+          <p:cNvSpPr/>
+          <p:nvPr/>
+        </p:nvSpPr>
+        <p:spPr>
+          <a:xfrm>
+            <a:off x="5775539" y="3151520"/>
+            <a:ext cx="1457739" cy="918243"/>
+          </a:xfrm>
+          <a:prstGeom prst="flowChartMagneticDisk">
+            <a:avLst/>
+          </a:prstGeom>
+          <a:solidFill>
+            <a:schemeClr val="accent2">
+              <a:lumMod val="40000"/>
+              <a:lumOff val="60000"/>
+            </a:schemeClr>
+          </a:solidFill>
+          <a:ln>
+            <a:solidFill>
+              <a:schemeClr val="accent6">
+                <a:lumMod val="75000"/>
+              </a:schemeClr>
+            </a:solidFill>
+          </a:ln>
+        </p:spPr>
+        <p:style>
+          <a:lnRef idx="1">
+            <a:schemeClr val="accent1"/>
+          </a:lnRef>
+          <a:fillRef idx="3">
+            <a:schemeClr val="accent1"/>
+          </a:fillRef>
+          <a:effectRef idx="2">
+            <a:schemeClr val="accent1"/>
+          </a:effectRef>
+          <a:fontRef idx="minor">
+            <a:schemeClr val="lt1"/>
+          </a:fontRef>
+        </p:style>
+        <p:txBody>
+          <a:bodyPr rtlCol="0" anchor="ctr"/>
+          <a:lstStyle/>
+          <a:p>
+            <a:pPr algn="ctr"/>
+            <a:endParaRPr kumimoji="1" lang="ja-JP" altLang="en-US"/>
+          </a:p>
+        </p:txBody>
+      </p:sp>
+      <p:sp>
+        <p:nvSpPr>
+          <p:cNvPr id="11" name="テキスト ボックス 10">
+            <a:extLst>
+              <a:ext uri="{FF2B5EF4-FFF2-40B4-BE49-F238E27FC236}">
+                <a16:creationId xmlns:a16="http://schemas.microsoft.com/office/drawing/2014/main" id="{1AF3C895-CADB-4CDC-971F-506798B163EA}"/>
+              </a:ext>
+            </a:extLst>
+          </p:cNvPr>
+          <p:cNvSpPr txBox="1"/>
+          <p:nvPr/>
+        </p:nvSpPr>
+        <p:spPr>
+          <a:xfrm>
+            <a:off x="5749034" y="3426216"/>
+            <a:ext cx="2027583" cy="646331"/>
+          </a:xfrm>
+          <a:prstGeom prst="rect">
+            <a:avLst/>
+          </a:prstGeom>
+          <a:noFill/>
+        </p:spPr>
+        <p:txBody>
+          <a:bodyPr wrap="square" rtlCol="0">
+            <a:spAutoFit/>
+          </a:bodyPr>
+          <a:lstStyle/>
+          <a:p>
+            <a:r>
+              <a:rPr kumimoji="1" lang="ja-JP" altLang="en-US" dirty="0"/>
+              <a:t>観光価値用語</a:t>
+            </a:r>
+            <a:endParaRPr kumimoji="1" lang="en-US" altLang="ja-JP" dirty="0"/>
+          </a:p>
+          <a:p>
+            <a:r>
+              <a:rPr kumimoji="1" lang="ja-JP" altLang="en-US" dirty="0"/>
+              <a:t>知識ベース</a:t>
+            </a:r>
+          </a:p>
+        </p:txBody>
+      </p:sp>
+      <p:sp>
+        <p:nvSpPr>
+          <p:cNvPr id="12" name="フローチャート: 磁気ディスク 11">
+            <a:extLst>
+              <a:ext uri="{FF2B5EF4-FFF2-40B4-BE49-F238E27FC236}">
+                <a16:creationId xmlns:a16="http://schemas.microsoft.com/office/drawing/2014/main" id="{1D91D47A-E802-4014-82DF-7D6A6ED4FE6E}"/>
+              </a:ext>
+            </a:extLst>
+          </p:cNvPr>
+          <p:cNvSpPr/>
+          <p:nvPr/>
+        </p:nvSpPr>
+        <p:spPr>
+          <a:xfrm>
+            <a:off x="5815293" y="5182879"/>
+            <a:ext cx="1457739" cy="918243"/>
+          </a:xfrm>
+          <a:prstGeom prst="flowChartMagneticDisk">
+            <a:avLst/>
+          </a:prstGeom>
+          <a:solidFill>
+            <a:schemeClr val="accent2">
+              <a:lumMod val="40000"/>
+              <a:lumOff val="60000"/>
+            </a:schemeClr>
+          </a:solidFill>
+          <a:ln>
+            <a:solidFill>
+              <a:schemeClr val="accent6">
+                <a:lumMod val="75000"/>
+              </a:schemeClr>
+            </a:solidFill>
+          </a:ln>
+        </p:spPr>
+        <p:style>
+          <a:lnRef idx="1">
+            <a:schemeClr val="accent1"/>
+          </a:lnRef>
+          <a:fillRef idx="3">
+            <a:schemeClr val="accent1"/>
+          </a:fillRef>
+          <a:effectRef idx="2">
+            <a:schemeClr val="accent1"/>
+          </a:effectRef>
+          <a:fontRef idx="minor">
+            <a:schemeClr val="lt1"/>
+          </a:fontRef>
+        </p:style>
+        <p:txBody>
+          <a:bodyPr rtlCol="0" anchor="ctr"/>
+          <a:lstStyle/>
+          <a:p>
+            <a:pPr algn="ctr"/>
+            <a:endParaRPr kumimoji="1" lang="ja-JP" altLang="en-US"/>
+          </a:p>
+        </p:txBody>
+      </p:sp>
+      <p:sp>
+        <p:nvSpPr>
+          <p:cNvPr id="13" name="テキスト ボックス 12">
+            <a:extLst>
+              <a:ext uri="{FF2B5EF4-FFF2-40B4-BE49-F238E27FC236}">
+                <a16:creationId xmlns:a16="http://schemas.microsoft.com/office/drawing/2014/main" id="{654C3A92-FB79-4BD2-AAD5-72B3106CA9DD}"/>
+              </a:ext>
+            </a:extLst>
+          </p:cNvPr>
+          <p:cNvSpPr txBox="1"/>
+          <p:nvPr/>
+        </p:nvSpPr>
+        <p:spPr>
+          <a:xfrm>
+            <a:off x="5927939" y="5457575"/>
+            <a:ext cx="1292088" cy="646331"/>
+          </a:xfrm>
+          <a:prstGeom prst="rect">
+            <a:avLst/>
+          </a:prstGeom>
+          <a:noFill/>
+        </p:spPr>
+        <p:txBody>
+          <a:bodyPr wrap="square" rtlCol="0">
+            <a:spAutoFit/>
+          </a:bodyPr>
+          <a:lstStyle/>
+          <a:p>
+            <a:r>
+              <a:rPr kumimoji="1" lang="ja-JP" altLang="en-US" dirty="0"/>
+              <a:t>観光対象</a:t>
+            </a:r>
+            <a:endParaRPr kumimoji="1" lang="en-US" altLang="ja-JP" dirty="0"/>
+          </a:p>
+          <a:p>
+            <a:r>
+              <a:rPr kumimoji="1" lang="en-US" altLang="ja-JP" dirty="0"/>
+              <a:t>DB</a:t>
+            </a:r>
+            <a:endParaRPr kumimoji="1" lang="ja-JP" altLang="en-US" dirty="0"/>
+          </a:p>
+        </p:txBody>
+      </p:sp>
+      <p:pic>
+        <p:nvPicPr>
+          <p:cNvPr id="15" name="グラフィックス 14" descr="ユーザー">
+            <a:extLst>
+              <a:ext uri="{FF2B5EF4-FFF2-40B4-BE49-F238E27FC236}">
+                <a16:creationId xmlns:a16="http://schemas.microsoft.com/office/drawing/2014/main" id="{0DE4957E-CD9B-49E3-B9A2-7B4060FD17D7}"/>
+              </a:ext>
+            </a:extLst>
+          </p:cNvPr>
+          <p:cNvPicPr>
+            <a:picLocks noChangeAspect="1"/>
+          </p:cNvPicPr>
+          <p:nvPr/>
+        </p:nvPicPr>
+        <p:blipFill>
+          <a:blip r:embed="rId2">
+            <a:extLst>
+              <a:ext uri="{96DAC541-7B7A-43D3-8B79-37D633B846F1}">
+                <asvg:svgBlip xmlns:asvg="http://schemas.microsoft.com/office/drawing/2016/SVG/main" r:embed="rId3"/>
+              </a:ext>
+            </a:extLst>
+          </a:blip>
+          <a:stretch>
+            <a:fillRect/>
+          </a:stretch>
+        </p:blipFill>
+        <p:spPr>
+          <a:xfrm>
+            <a:off x="399952" y="3553748"/>
+            <a:ext cx="1742661" cy="1742661"/>
+          </a:xfrm>
+          <a:prstGeom prst="rect">
+            <a:avLst/>
+          </a:prstGeom>
+        </p:spPr>
+      </p:pic>
+      <p:sp>
+        <p:nvSpPr>
+          <p:cNvPr id="18" name="矢印: 下 17">
+            <a:extLst>
+              <a:ext uri="{FF2B5EF4-FFF2-40B4-BE49-F238E27FC236}">
+                <a16:creationId xmlns:a16="http://schemas.microsoft.com/office/drawing/2014/main" id="{1FECD9A1-26CB-4BBD-A70F-0A97C211468C}"/>
+              </a:ext>
+            </a:extLst>
+          </p:cNvPr>
+          <p:cNvSpPr/>
+          <p:nvPr/>
+        </p:nvSpPr>
+        <p:spPr>
+          <a:xfrm>
+            <a:off x="6458026" y="2733033"/>
+            <a:ext cx="470452" cy="397565"/>
+          </a:xfrm>
+          <a:prstGeom prst="downArrow">
+            <a:avLst/>
+          </a:prstGeom>
+          <a:solidFill>
+            <a:schemeClr val="accent1"/>
+          </a:solidFill>
+        </p:spPr>
+        <p:style>
+          <a:lnRef idx="1">
+            <a:schemeClr val="accent1"/>
+          </a:lnRef>
+          <a:fillRef idx="3">
+            <a:schemeClr val="accent1"/>
+          </a:fillRef>
+          <a:effectRef idx="2">
+            <a:schemeClr val="accent1"/>
+          </a:effectRef>
+          <a:fontRef idx="minor">
+            <a:schemeClr val="lt1"/>
+          </a:fontRef>
+        </p:style>
+        <p:txBody>
+          <a:bodyPr rtlCol="0" anchor="ctr"/>
+          <a:lstStyle/>
+          <a:p>
+            <a:pPr algn="ctr"/>
+            <a:endParaRPr kumimoji="1" lang="ja-JP" altLang="en-US"/>
+          </a:p>
+        </p:txBody>
+      </p:sp>
+      <p:sp>
+        <p:nvSpPr>
+          <p:cNvPr id="20" name="正方形/長方形 19">
+            <a:extLst>
+              <a:ext uri="{FF2B5EF4-FFF2-40B4-BE49-F238E27FC236}">
+                <a16:creationId xmlns:a16="http://schemas.microsoft.com/office/drawing/2014/main" id="{FBC63319-2CC1-4BBA-BE7E-15B0A9F0BDA7}"/>
+              </a:ext>
+            </a:extLst>
+          </p:cNvPr>
+          <p:cNvSpPr/>
+          <p:nvPr/>
+        </p:nvSpPr>
+        <p:spPr>
+          <a:xfrm>
+            <a:off x="2142613" y="1841068"/>
+            <a:ext cx="1961783" cy="4254933"/>
+          </a:xfrm>
+          <a:prstGeom prst="rect">
+            <a:avLst/>
+          </a:prstGeom>
+          <a:solidFill>
+            <a:schemeClr val="accent4">
+              <a:lumMod val="40000"/>
+              <a:lumOff val="60000"/>
+            </a:schemeClr>
+          </a:solidFill>
+          <a:ln>
+            <a:solidFill>
+              <a:srgbClr val="7030A0"/>
+            </a:solidFill>
+          </a:ln>
+        </p:spPr>
+        <p:style>
+          <a:lnRef idx="1">
+            <a:schemeClr val="accent1"/>
+          </a:lnRef>
+          <a:fillRef idx="3">
+            <a:schemeClr val="accent1"/>
+          </a:fillRef>
+          <a:effectRef idx="2">
+            <a:schemeClr val="accent1"/>
+          </a:effectRef>
+          <a:fontRef idx="minor">
+            <a:schemeClr val="lt1"/>
+          </a:fontRef>
+        </p:style>
+        <p:txBody>
+          <a:bodyPr rtlCol="0" anchor="ctr"/>
+          <a:lstStyle/>
+          <a:p>
+            <a:pPr algn="ctr"/>
+            <a:endParaRPr kumimoji="1" lang="ja-JP" altLang="en-US"/>
+          </a:p>
+        </p:txBody>
+      </p:sp>
+      <p:sp>
+        <p:nvSpPr>
+          <p:cNvPr id="21" name="吹き出し: 円形 20">
+            <a:extLst>
+              <a:ext uri="{FF2B5EF4-FFF2-40B4-BE49-F238E27FC236}">
+                <a16:creationId xmlns:a16="http://schemas.microsoft.com/office/drawing/2014/main" id="{7AC43075-0641-4002-B683-B0A297E5C7D8}"/>
+              </a:ext>
+            </a:extLst>
+          </p:cNvPr>
+          <p:cNvSpPr/>
+          <p:nvPr/>
+        </p:nvSpPr>
+        <p:spPr>
+          <a:xfrm>
+            <a:off x="2018379" y="2620218"/>
+            <a:ext cx="2027583" cy="1272320"/>
+          </a:xfrm>
+          <a:prstGeom prst="wedgeEllipseCallout">
+            <a:avLst>
+              <a:gd name="adj1" fmla="val -54404"/>
+              <a:gd name="adj2" fmla="val 65316"/>
+            </a:avLst>
+          </a:prstGeom>
+          <a:solidFill>
+            <a:srgbClr val="ECAAEE">
+              <a:alpha val="45098"/>
+            </a:srgbClr>
+          </a:solidFill>
+          <a:ln>
+            <a:noFill/>
+          </a:ln>
+        </p:spPr>
+        <p:style>
+          <a:lnRef idx="1">
+            <a:schemeClr val="accent1"/>
+          </a:lnRef>
+          <a:fillRef idx="3">
+            <a:schemeClr val="accent1"/>
+          </a:fillRef>
+          <a:effectRef idx="2">
+            <a:schemeClr val="accent1"/>
+          </a:effectRef>
+          <a:fontRef idx="minor">
+            <a:schemeClr val="lt1"/>
+          </a:fontRef>
+        </p:style>
+        <p:txBody>
+          <a:bodyPr rtlCol="0" anchor="ctr"/>
+          <a:lstStyle/>
+          <a:p>
+            <a:pPr algn="ctr"/>
+            <a:endParaRPr kumimoji="1" lang="ja-JP" altLang="en-US"/>
+          </a:p>
+        </p:txBody>
+      </p:sp>
+      <p:sp>
+        <p:nvSpPr>
+          <p:cNvPr id="19" name="テキスト ボックス 18">
+            <a:extLst>
+              <a:ext uri="{FF2B5EF4-FFF2-40B4-BE49-F238E27FC236}">
+                <a16:creationId xmlns:a16="http://schemas.microsoft.com/office/drawing/2014/main" id="{BD39E337-B8CE-4670-BDF1-D0AB3816FADB}"/>
+              </a:ext>
+            </a:extLst>
+          </p:cNvPr>
+          <p:cNvSpPr txBox="1"/>
+          <p:nvPr/>
+        </p:nvSpPr>
+        <p:spPr>
+          <a:xfrm>
+            <a:off x="2348482" y="2835792"/>
+            <a:ext cx="2027583" cy="1015663"/>
+          </a:xfrm>
+          <a:prstGeom prst="rect">
+            <a:avLst/>
+          </a:prstGeom>
+          <a:noFill/>
+        </p:spPr>
+        <p:txBody>
+          <a:bodyPr wrap="square" rtlCol="0">
+            <a:spAutoFit/>
+          </a:bodyPr>
+          <a:lstStyle/>
+          <a:p>
+            <a:r>
+              <a:rPr lang="ja-JP" altLang="en-US" dirty="0"/>
+              <a:t>価値評価文脈</a:t>
+            </a:r>
+            <a:endParaRPr kumimoji="1" lang="en-US" altLang="ja-JP" dirty="0"/>
+          </a:p>
+          <a:p>
+            <a:r>
+              <a:rPr lang="en-US" altLang="ja-JP" sz="1400" b="1" dirty="0"/>
+              <a:t>Ex. cultural,</a:t>
+            </a:r>
+          </a:p>
+          <a:p>
+            <a:r>
+              <a:rPr kumimoji="1" lang="en-US" altLang="ja-JP" sz="1400" b="1" dirty="0"/>
+              <a:t>      architectural,</a:t>
+            </a:r>
+          </a:p>
+          <a:p>
+            <a:r>
+              <a:rPr lang="en-US" altLang="ja-JP" sz="1400" b="1" dirty="0"/>
+              <a:t>      traditional . . .</a:t>
+            </a:r>
+            <a:endParaRPr kumimoji="1" lang="ja-JP" altLang="en-US" sz="1400" b="1" dirty="0"/>
+          </a:p>
+        </p:txBody>
+      </p:sp>
+      <p:sp>
+        <p:nvSpPr>
+          <p:cNvPr id="22" name="テキスト ボックス 21">
+            <a:extLst>
+              <a:ext uri="{FF2B5EF4-FFF2-40B4-BE49-F238E27FC236}">
+                <a16:creationId xmlns:a16="http://schemas.microsoft.com/office/drawing/2014/main" id="{ED85FD5D-67BE-4048-BD22-B90D13D02FA9}"/>
+              </a:ext>
+            </a:extLst>
+          </p:cNvPr>
+          <p:cNvSpPr txBox="1"/>
+          <p:nvPr/>
+        </p:nvSpPr>
+        <p:spPr>
+          <a:xfrm>
+            <a:off x="2149734" y="1885962"/>
+            <a:ext cx="2027583" cy="307777"/>
+          </a:xfrm>
+          <a:prstGeom prst="rect">
+            <a:avLst/>
+          </a:prstGeom>
+          <a:noFill/>
+        </p:spPr>
+        <p:txBody>
+          <a:bodyPr wrap="square" rtlCol="0">
+            <a:spAutoFit/>
+          </a:bodyPr>
+          <a:lstStyle/>
+          <a:p>
+            <a:r>
+              <a:rPr kumimoji="1" lang="en-US" altLang="ja-JP" sz="1400" b="1" dirty="0"/>
+              <a:t>WEB</a:t>
+            </a:r>
+            <a:endParaRPr kumimoji="1" lang="ja-JP" altLang="en-US" sz="1400" b="1" dirty="0"/>
+          </a:p>
+        </p:txBody>
+      </p:sp>
+      <p:cxnSp>
+        <p:nvCxnSpPr>
+          <p:cNvPr id="24" name="直線矢印コネクタ 23">
+            <a:extLst>
+              <a:ext uri="{FF2B5EF4-FFF2-40B4-BE49-F238E27FC236}">
+                <a16:creationId xmlns:a16="http://schemas.microsoft.com/office/drawing/2014/main" id="{172B8B2C-FD0A-4F84-ADB2-7D93807B32C7}"/>
+              </a:ext>
+            </a:extLst>
+          </p:cNvPr>
+          <p:cNvCxnSpPr>
+            <a:cxnSpLocks/>
+          </p:cNvCxnSpPr>
+          <p:nvPr/>
+        </p:nvCxnSpPr>
+        <p:spPr>
+          <a:xfrm>
+            <a:off x="3962845" y="3380573"/>
+            <a:ext cx="1825778" cy="33105"/>
+          </a:xfrm>
+          <a:prstGeom prst="straightConnector1">
+            <a:avLst/>
+          </a:prstGeom>
+          <a:ln w="57150">
+            <a:tailEnd type="triangle"/>
+          </a:ln>
+        </p:spPr>
+        <p:style>
+          <a:lnRef idx="1">
+            <a:schemeClr val="dk1"/>
+          </a:lnRef>
+          <a:fillRef idx="0">
+            <a:schemeClr val="dk1"/>
+          </a:fillRef>
+          <a:effectRef idx="0">
+            <a:schemeClr val="dk1"/>
+          </a:effectRef>
+          <a:fontRef idx="minor">
+            <a:schemeClr val="tx1"/>
+          </a:fontRef>
+        </p:style>
+      </p:cxnSp>
+      <p:sp>
+        <p:nvSpPr>
+          <p:cNvPr id="27" name="テキスト ボックス 26">
+            <a:extLst>
+              <a:ext uri="{FF2B5EF4-FFF2-40B4-BE49-F238E27FC236}">
+                <a16:creationId xmlns:a16="http://schemas.microsoft.com/office/drawing/2014/main" id="{A333185C-3148-4804-8E0E-62A387580F23}"/>
+              </a:ext>
+            </a:extLst>
+          </p:cNvPr>
+          <p:cNvSpPr txBox="1"/>
+          <p:nvPr/>
+        </p:nvSpPr>
+        <p:spPr>
+          <a:xfrm>
+            <a:off x="3409646" y="4868915"/>
+            <a:ext cx="1236154" cy="369332"/>
+          </a:xfrm>
+          <a:prstGeom prst="rect">
+            <a:avLst/>
+          </a:prstGeom>
+          <a:noFill/>
+        </p:spPr>
+        <p:txBody>
+          <a:bodyPr wrap="square" rtlCol="0">
+            <a:spAutoFit/>
+          </a:bodyPr>
+          <a:lstStyle/>
+          <a:p>
+            <a:r>
+              <a:rPr lang="ja-JP" altLang="en-US" dirty="0"/>
+              <a:t>推薦</a:t>
+            </a:r>
+            <a:endParaRPr kumimoji="1" lang="ja-JP" altLang="en-US" dirty="0"/>
+          </a:p>
+        </p:txBody>
+      </p:sp>
+      <p:cxnSp>
+        <p:nvCxnSpPr>
+          <p:cNvPr id="28" name="直線矢印コネクタ 27">
+            <a:extLst>
+              <a:ext uri="{FF2B5EF4-FFF2-40B4-BE49-F238E27FC236}">
+                <a16:creationId xmlns:a16="http://schemas.microsoft.com/office/drawing/2014/main" id="{7A1E57C4-7153-42C0-92F4-CBE78A79E2FF}"/>
+              </a:ext>
+            </a:extLst>
+          </p:cNvPr>
+          <p:cNvCxnSpPr>
+            <a:cxnSpLocks/>
+          </p:cNvCxnSpPr>
+          <p:nvPr/>
+        </p:nvCxnSpPr>
+        <p:spPr>
+          <a:xfrm>
+            <a:off x="5847219" y="3981161"/>
+            <a:ext cx="0" cy="439563"/>
+          </a:xfrm>
+          <a:prstGeom prst="straightConnector1">
+            <a:avLst/>
+          </a:prstGeom>
+          <a:ln w="57150">
+            <a:tailEnd type="triangle"/>
+          </a:ln>
+        </p:spPr>
+        <p:style>
+          <a:lnRef idx="1">
+            <a:schemeClr val="dk1"/>
+          </a:lnRef>
+          <a:fillRef idx="0">
+            <a:schemeClr val="dk1"/>
+          </a:fillRef>
+          <a:effectRef idx="0">
+            <a:schemeClr val="dk1"/>
+          </a:effectRef>
+          <a:fontRef idx="minor">
+            <a:schemeClr val="tx1"/>
+          </a:fontRef>
+        </p:style>
+      </p:cxnSp>
+      <p:sp>
+        <p:nvSpPr>
+          <p:cNvPr id="30" name="テキスト ボックス 29">
+            <a:extLst>
+              <a:ext uri="{FF2B5EF4-FFF2-40B4-BE49-F238E27FC236}">
+                <a16:creationId xmlns:a16="http://schemas.microsoft.com/office/drawing/2014/main" id="{4D294922-4172-4C49-8ACD-656391189EDA}"/>
+              </a:ext>
+            </a:extLst>
+          </p:cNvPr>
+          <p:cNvSpPr txBox="1"/>
+          <p:nvPr/>
+        </p:nvSpPr>
+        <p:spPr>
+          <a:xfrm>
+            <a:off x="4390537" y="4376731"/>
+            <a:ext cx="1961783" cy="646331"/>
+          </a:xfrm>
+          <a:prstGeom prst="rect">
+            <a:avLst/>
+          </a:prstGeom>
+          <a:noFill/>
+        </p:spPr>
+        <p:txBody>
+          <a:bodyPr wrap="square" rtlCol="0">
+            <a:spAutoFit/>
+          </a:bodyPr>
+          <a:lstStyle/>
+          <a:p>
+            <a:r>
+              <a:rPr lang="ja-JP" altLang="en-US" dirty="0"/>
+              <a:t>意味的価値相関</a:t>
+            </a:r>
+            <a:endParaRPr lang="en-US" altLang="ja-JP" dirty="0"/>
+          </a:p>
+          <a:p>
+            <a:r>
+              <a:rPr lang="ja-JP" altLang="en-US" dirty="0"/>
+              <a:t>計量モジュール</a:t>
+            </a:r>
+            <a:endParaRPr lang="en-US" altLang="ja-JP" dirty="0"/>
+          </a:p>
+        </p:txBody>
+      </p:sp>
+      <p:sp>
+        <p:nvSpPr>
+          <p:cNvPr id="31" name="テキスト ボックス 30">
+            <a:extLst>
+              <a:ext uri="{FF2B5EF4-FFF2-40B4-BE49-F238E27FC236}">
+                <a16:creationId xmlns:a16="http://schemas.microsoft.com/office/drawing/2014/main" id="{4DC0B592-7F62-40E2-8418-4C27DE8FB9E7}"/>
+              </a:ext>
+            </a:extLst>
+          </p:cNvPr>
+          <p:cNvSpPr txBox="1"/>
+          <p:nvPr/>
+        </p:nvSpPr>
+        <p:spPr>
+          <a:xfrm>
+            <a:off x="4221264" y="2978083"/>
+            <a:ext cx="1138200" cy="369332"/>
+          </a:xfrm>
+          <a:prstGeom prst="rect">
+            <a:avLst/>
+          </a:prstGeom>
+          <a:noFill/>
+        </p:spPr>
+        <p:txBody>
+          <a:bodyPr wrap="square" rtlCol="0">
+            <a:spAutoFit/>
+          </a:bodyPr>
+          <a:lstStyle/>
+          <a:p>
+            <a:r>
+              <a:rPr lang="ja-JP" altLang="en-US" dirty="0"/>
+              <a:t>参照</a:t>
+            </a:r>
+            <a:endParaRPr kumimoji="1" lang="ja-JP" altLang="en-US" dirty="0"/>
+          </a:p>
+        </p:txBody>
+      </p:sp>
+      <p:cxnSp>
+        <p:nvCxnSpPr>
+          <p:cNvPr id="32" name="直線矢印コネクタ 31">
+            <a:extLst>
+              <a:ext uri="{FF2B5EF4-FFF2-40B4-BE49-F238E27FC236}">
+                <a16:creationId xmlns:a16="http://schemas.microsoft.com/office/drawing/2014/main" id="{CFDF87FC-C948-4352-9BBF-B0BFBDA01C9E}"/>
+              </a:ext>
+            </a:extLst>
+          </p:cNvPr>
+          <p:cNvCxnSpPr>
+            <a:cxnSpLocks/>
+            <a:stCxn id="12" idx="2"/>
+          </p:cNvCxnSpPr>
+          <p:nvPr/>
+        </p:nvCxnSpPr>
+        <p:spPr>
+          <a:xfrm flipH="1" flipV="1">
+            <a:off x="3123505" y="4557975"/>
+            <a:ext cx="2691788" cy="1084026"/>
+          </a:xfrm>
+          <a:prstGeom prst="straightConnector1">
+            <a:avLst/>
+          </a:prstGeom>
+          <a:ln w="57150">
+            <a:tailEnd type="triangle"/>
+          </a:ln>
+        </p:spPr>
+        <p:style>
+          <a:lnRef idx="1">
+            <a:schemeClr val="dk1"/>
+          </a:lnRef>
+          <a:fillRef idx="0">
+            <a:schemeClr val="dk1"/>
+          </a:fillRef>
+          <a:effectRef idx="0">
+            <a:schemeClr val="dk1"/>
+          </a:effectRef>
+          <a:fontRef idx="minor">
+            <a:schemeClr val="tx1"/>
+          </a:fontRef>
+        </p:style>
+      </p:cxnSp>
+      <p:sp>
+        <p:nvSpPr>
+          <p:cNvPr id="36" name="テキスト ボックス 35">
+            <a:extLst>
+              <a:ext uri="{FF2B5EF4-FFF2-40B4-BE49-F238E27FC236}">
+                <a16:creationId xmlns:a16="http://schemas.microsoft.com/office/drawing/2014/main" id="{243D2C92-5A8E-4FBB-B268-0C9F31FAC7E7}"/>
+              </a:ext>
+            </a:extLst>
+          </p:cNvPr>
+          <p:cNvSpPr txBox="1"/>
+          <p:nvPr/>
+        </p:nvSpPr>
+        <p:spPr>
+          <a:xfrm>
+            <a:off x="5840458" y="4067272"/>
+            <a:ext cx="1266442" cy="369332"/>
+          </a:xfrm>
+          <a:prstGeom prst="rect">
+            <a:avLst/>
+          </a:prstGeom>
+          <a:noFill/>
+        </p:spPr>
+        <p:txBody>
+          <a:bodyPr wrap="square" rtlCol="0">
+            <a:spAutoFit/>
+          </a:bodyPr>
+          <a:lstStyle/>
+          <a:p>
+            <a:r>
+              <a:rPr lang="ja-JP" altLang="en-US" dirty="0"/>
+              <a:t>評価値</a:t>
+            </a:r>
+            <a:endParaRPr lang="en-US" altLang="ja-JP" dirty="0"/>
+          </a:p>
+        </p:txBody>
+      </p:sp>
+      <p:sp>
+        <p:nvSpPr>
+          <p:cNvPr id="48" name="フローチャート: 複数書類 47">
+            <a:extLst>
+              <a:ext uri="{FF2B5EF4-FFF2-40B4-BE49-F238E27FC236}">
+                <a16:creationId xmlns:a16="http://schemas.microsoft.com/office/drawing/2014/main" id="{EB21D987-BD6C-4BB1-B9AA-68213B3E285B}"/>
+              </a:ext>
+            </a:extLst>
+          </p:cNvPr>
+          <p:cNvSpPr/>
+          <p:nvPr/>
+        </p:nvSpPr>
+        <p:spPr>
+          <a:xfrm>
+            <a:off x="2287031" y="4219272"/>
+            <a:ext cx="795110" cy="823697"/>
+          </a:xfrm>
+          <a:prstGeom prst="flowChartMultidocument">
+            <a:avLst/>
+          </a:prstGeom>
+          <a:solidFill>
+            <a:schemeClr val="accent4">
+              <a:lumMod val="20000"/>
+              <a:lumOff val="80000"/>
+            </a:schemeClr>
+          </a:solidFill>
+          <a:ln>
+            <a:solidFill>
+              <a:schemeClr val="accent4">
+                <a:lumMod val="75000"/>
+              </a:schemeClr>
+            </a:solidFill>
+          </a:ln>
+        </p:spPr>
+        <p:style>
+          <a:lnRef idx="1">
+            <a:schemeClr val="accent1"/>
+          </a:lnRef>
+          <a:fillRef idx="3">
+            <a:schemeClr val="accent1"/>
+          </a:fillRef>
+          <a:effectRef idx="2">
+            <a:schemeClr val="accent1"/>
+          </a:effectRef>
+          <a:fontRef idx="minor">
+            <a:schemeClr val="lt1"/>
+          </a:fontRef>
+        </p:style>
+        <p:txBody>
+          <a:bodyPr rtlCol="0" anchor="ctr"/>
+          <a:lstStyle/>
+          <a:p>
+            <a:pPr algn="ctr"/>
+            <a:endParaRPr kumimoji="1" lang="ja-JP" altLang="en-US"/>
+          </a:p>
+        </p:txBody>
+      </p:sp>
+      <p:sp>
+        <p:nvSpPr>
+          <p:cNvPr id="49" name="テキスト ボックス 48">
+            <a:extLst>
+              <a:ext uri="{FF2B5EF4-FFF2-40B4-BE49-F238E27FC236}">
+                <a16:creationId xmlns:a16="http://schemas.microsoft.com/office/drawing/2014/main" id="{488BD4AC-4311-4263-8D05-1807B4D2CF7C}"/>
+              </a:ext>
+            </a:extLst>
+          </p:cNvPr>
+          <p:cNvSpPr txBox="1"/>
+          <p:nvPr/>
+        </p:nvSpPr>
+        <p:spPr>
+          <a:xfrm>
+            <a:off x="2289761" y="4394220"/>
+            <a:ext cx="565068" cy="400110"/>
+          </a:xfrm>
+          <a:prstGeom prst="rect">
+            <a:avLst/>
+          </a:prstGeom>
+          <a:noFill/>
+        </p:spPr>
+        <p:txBody>
+          <a:bodyPr wrap="square" rtlCol="0">
+            <a:spAutoFit/>
+          </a:bodyPr>
+          <a:lstStyle/>
+          <a:p>
+            <a:r>
+              <a:rPr lang="en-US" altLang="ja-JP" sz="500" dirty="0"/>
+              <a:t>- - - - - - - - -</a:t>
+            </a:r>
+          </a:p>
+          <a:p>
+            <a:r>
+              <a:rPr kumimoji="1" lang="en-US" altLang="ja-JP" sz="500" dirty="0"/>
+              <a:t>- - - - - - -</a:t>
+            </a:r>
+          </a:p>
+          <a:p>
+            <a:r>
+              <a:rPr lang="en-US" altLang="ja-JP" sz="500" dirty="0"/>
+              <a:t>- - - - - - - - - -</a:t>
+            </a:r>
+          </a:p>
+          <a:p>
+            <a:r>
+              <a:rPr kumimoji="1" lang="en-US" altLang="ja-JP" sz="500" dirty="0"/>
+              <a:t>- - - -</a:t>
+            </a:r>
+            <a:r>
+              <a:rPr lang="ja-JP" altLang="en-US" sz="500" dirty="0"/>
+              <a:t> </a:t>
+            </a:r>
+            <a:r>
+              <a:rPr lang="en-US" altLang="ja-JP" sz="500" dirty="0"/>
+              <a:t>-</a:t>
+            </a:r>
+            <a:r>
+              <a:rPr lang="ja-JP" altLang="en-US" sz="500" dirty="0"/>
+              <a:t> </a:t>
+            </a:r>
+            <a:r>
+              <a:rPr lang="en-US" altLang="ja-JP" sz="500" dirty="0"/>
+              <a:t>-</a:t>
+            </a:r>
+            <a:endParaRPr kumimoji="1" lang="en-US" altLang="ja-JP" sz="500" dirty="0"/>
+          </a:p>
+        </p:txBody>
+      </p:sp>
+      <p:sp>
+        <p:nvSpPr>
+          <p:cNvPr id="29" name="テキスト ボックス 28">
+            <a:extLst>
+              <a:ext uri="{FF2B5EF4-FFF2-40B4-BE49-F238E27FC236}">
+                <a16:creationId xmlns:a16="http://schemas.microsoft.com/office/drawing/2014/main" id="{6A2EE8AA-1FC1-4BD2-91CC-A9D157BB74A7}"/>
+              </a:ext>
+            </a:extLst>
+          </p:cNvPr>
+          <p:cNvSpPr txBox="1"/>
+          <p:nvPr/>
+        </p:nvSpPr>
+        <p:spPr>
+          <a:xfrm>
+            <a:off x="2143719" y="5060522"/>
+            <a:ext cx="1236154" cy="646331"/>
+          </a:xfrm>
+          <a:prstGeom prst="rect">
+            <a:avLst/>
+          </a:prstGeom>
+          <a:noFill/>
+        </p:spPr>
+        <p:txBody>
+          <a:bodyPr wrap="square" rtlCol="0">
+            <a:spAutoFit/>
+          </a:bodyPr>
+          <a:lstStyle/>
+          <a:p>
+            <a:r>
+              <a:rPr kumimoji="1" lang="ja-JP" altLang="en-US" dirty="0"/>
+              <a:t>観光対象リスト</a:t>
+            </a:r>
+          </a:p>
+        </p:txBody>
+      </p:sp>
+    </p:spTree>
+    <p:extLst>
+      <p:ext uri="{BB962C8B-B14F-4D97-AF65-F5344CB8AC3E}">
+        <p14:creationId xmlns:p14="http://schemas.microsoft.com/office/powerpoint/2010/main" val="2051826926"/>
+      </p:ext>
+    </p:extLst>
+  </p:cSld>
+  <p:clrMapOvr>
+    <a:masterClrMapping/>
+  </p:clrMapOvr>
+</p:sld>
+</file>
+
+<file path=ppt/slides/slide3.xml><?xml version="1.0" encoding="utf-8"?>
+<p:sld xmlns:a="http://schemas.openxmlformats.org/drawingml/2006/main" xmlns:r="http://schemas.openxmlformats.org/officeDocument/2006/relationships" xmlns:p="http://schemas.openxmlformats.org/presentationml/2006/main">
+  <p:cSld>
+    <p:spTree>
+      <p:nvGrpSpPr>
+        <p:cNvPr id="1" name=""/>
+        <p:cNvGrpSpPr/>
+        <p:nvPr/>
+      </p:nvGrpSpPr>
+      <p:grpSpPr>
+        <a:xfrm>
+          <a:off x="0" y="0"/>
+          <a:ext cx="0" cy="0"/>
+          <a:chOff x="0" y="0"/>
+          <a:chExt cx="0" cy="0"/>
+        </a:xfrm>
+      </p:grpSpPr>
+      <p:sp>
+        <p:nvSpPr>
+          <p:cNvPr id="27" name="正方形/長方形 26">
+            <a:extLst>
+              <a:ext uri="{FF2B5EF4-FFF2-40B4-BE49-F238E27FC236}">
+                <a16:creationId xmlns:a16="http://schemas.microsoft.com/office/drawing/2014/main" id="{439072AB-41F2-49CC-963E-2611E3669021}"/>
+              </a:ext>
+            </a:extLst>
+          </p:cNvPr>
+          <p:cNvSpPr/>
+          <p:nvPr/>
+        </p:nvSpPr>
+        <p:spPr>
+          <a:xfrm>
+            <a:off x="2418247" y="4646305"/>
+            <a:ext cx="5276754" cy="870768"/>
+          </a:xfrm>
+          <a:prstGeom prst="rect">
+            <a:avLst/>
+          </a:prstGeom>
+          <a:solidFill>
+            <a:schemeClr val="bg2">
+              <a:lumMod val="90000"/>
+            </a:schemeClr>
+          </a:solidFill>
+          <a:ln>
+            <a:solidFill>
+              <a:schemeClr val="tx1"/>
+            </a:solidFill>
+          </a:ln>
+          <a:effectLst/>
+        </p:spPr>
+        <p:style>
+          <a:lnRef idx="1">
+            <a:schemeClr val="accent1"/>
+          </a:lnRef>
+          <a:fillRef idx="3">
+            <a:schemeClr val="accent1"/>
+          </a:fillRef>
+          <a:effectRef idx="2">
+            <a:schemeClr val="accent1"/>
+          </a:effectRef>
+          <a:fontRef idx="minor">
+            <a:schemeClr val="lt1"/>
+          </a:fontRef>
+        </p:style>
+        <p:txBody>
+          <a:bodyPr rtlCol="0" anchor="ctr"/>
+          <a:lstStyle/>
+          <a:p>
+            <a:pPr algn="ctr"/>
+            <a:endParaRPr kumimoji="1" lang="ja-JP" altLang="en-US"/>
+          </a:p>
+        </p:txBody>
+      </p:sp>
+      <p:sp>
+        <p:nvSpPr>
+          <p:cNvPr id="25" name="正方形/長方形 24">
+            <a:extLst>
+              <a:ext uri="{FF2B5EF4-FFF2-40B4-BE49-F238E27FC236}">
+                <a16:creationId xmlns:a16="http://schemas.microsoft.com/office/drawing/2014/main" id="{148710C6-BCBC-4978-92A1-EA3D0C5FB9A5}"/>
+              </a:ext>
+            </a:extLst>
+          </p:cNvPr>
+          <p:cNvSpPr/>
+          <p:nvPr/>
+        </p:nvSpPr>
+        <p:spPr>
+          <a:xfrm>
+            <a:off x="3107636" y="3347776"/>
+            <a:ext cx="4587355" cy="733419"/>
+          </a:xfrm>
+          <a:prstGeom prst="rect">
+            <a:avLst/>
+          </a:prstGeom>
+          <a:solidFill>
+            <a:schemeClr val="bg2">
+              <a:lumMod val="90000"/>
+            </a:schemeClr>
+          </a:solidFill>
+          <a:ln>
+            <a:solidFill>
+              <a:schemeClr val="tx1"/>
+            </a:solidFill>
+          </a:ln>
+          <a:effectLst/>
+        </p:spPr>
+        <p:style>
+          <a:lnRef idx="1">
+            <a:schemeClr val="accent1"/>
+          </a:lnRef>
+          <a:fillRef idx="3">
+            <a:schemeClr val="accent1"/>
+          </a:fillRef>
+          <a:effectRef idx="2">
+            <a:schemeClr val="accent1"/>
+          </a:effectRef>
+          <a:fontRef idx="minor">
+            <a:schemeClr val="lt1"/>
+          </a:fontRef>
+        </p:style>
+        <p:txBody>
+          <a:bodyPr rtlCol="0" anchor="ctr"/>
+          <a:lstStyle/>
+          <a:p>
+            <a:pPr algn="ctr"/>
+            <a:endParaRPr kumimoji="1" lang="ja-JP" altLang="en-US"/>
+          </a:p>
+        </p:txBody>
+      </p:sp>
+      <p:sp>
+        <p:nvSpPr>
+          <p:cNvPr id="26" name="正方形/長方形 25">
+            <a:extLst>
+              <a:ext uri="{FF2B5EF4-FFF2-40B4-BE49-F238E27FC236}">
+                <a16:creationId xmlns:a16="http://schemas.microsoft.com/office/drawing/2014/main" id="{5F47E310-C362-48AF-9466-2A9F1F7C87CE}"/>
+              </a:ext>
+            </a:extLst>
+          </p:cNvPr>
+          <p:cNvSpPr/>
+          <p:nvPr/>
+        </p:nvSpPr>
+        <p:spPr>
+          <a:xfrm>
+            <a:off x="5747473" y="1651175"/>
+            <a:ext cx="2278008" cy="942361"/>
+          </a:xfrm>
+          <a:prstGeom prst="rect">
+            <a:avLst/>
+          </a:prstGeom>
+          <a:solidFill>
+            <a:schemeClr val="bg2">
+              <a:lumMod val="90000"/>
+            </a:schemeClr>
+          </a:solidFill>
+          <a:ln>
+            <a:solidFill>
+              <a:schemeClr val="tx1"/>
+            </a:solidFill>
+          </a:ln>
+          <a:effectLst/>
+        </p:spPr>
+        <p:style>
+          <a:lnRef idx="1">
+            <a:schemeClr val="accent1"/>
+          </a:lnRef>
+          <a:fillRef idx="3">
+            <a:schemeClr val="accent1"/>
+          </a:fillRef>
+          <a:effectRef idx="2">
+            <a:schemeClr val="accent1"/>
+          </a:effectRef>
+          <a:fontRef idx="minor">
+            <a:schemeClr val="lt1"/>
+          </a:fontRef>
+        </p:style>
+        <p:txBody>
+          <a:bodyPr rtlCol="0" anchor="ctr"/>
+          <a:lstStyle/>
+          <a:p>
+            <a:pPr algn="ctr"/>
+            <a:endParaRPr kumimoji="1" lang="ja-JP" altLang="en-US"/>
+          </a:p>
+        </p:txBody>
+      </p:sp>
+      <p:sp>
+        <p:nvSpPr>
+          <p:cNvPr id="24" name="正方形/長方形 23">
+            <a:extLst>
+              <a:ext uri="{FF2B5EF4-FFF2-40B4-BE49-F238E27FC236}">
+                <a16:creationId xmlns:a16="http://schemas.microsoft.com/office/drawing/2014/main" id="{920F6363-654F-45A4-8985-5D8A22EA09ED}"/>
+              </a:ext>
+            </a:extLst>
+          </p:cNvPr>
+          <p:cNvSpPr/>
+          <p:nvPr/>
+        </p:nvSpPr>
+        <p:spPr>
+          <a:xfrm>
+            <a:off x="2484193" y="1660317"/>
+            <a:ext cx="2546741" cy="942361"/>
+          </a:xfrm>
+          <a:prstGeom prst="rect">
+            <a:avLst/>
+          </a:prstGeom>
+          <a:solidFill>
+            <a:schemeClr val="bg2">
+              <a:lumMod val="90000"/>
+            </a:schemeClr>
+          </a:solidFill>
+          <a:ln>
+            <a:solidFill>
+              <a:schemeClr val="tx1"/>
+            </a:solidFill>
+          </a:ln>
+          <a:effectLst/>
+        </p:spPr>
+        <p:style>
+          <a:lnRef idx="1">
+            <a:schemeClr val="accent1"/>
+          </a:lnRef>
+          <a:fillRef idx="3">
+            <a:schemeClr val="accent1"/>
+          </a:fillRef>
+          <a:effectRef idx="2">
+            <a:schemeClr val="accent1"/>
+          </a:effectRef>
+          <a:fontRef idx="minor">
+            <a:schemeClr val="lt1"/>
+          </a:fontRef>
+        </p:style>
+        <p:txBody>
+          <a:bodyPr rtlCol="0" anchor="ctr"/>
+          <a:lstStyle/>
+          <a:p>
+            <a:pPr algn="ctr"/>
+            <a:endParaRPr kumimoji="1" lang="ja-JP" altLang="en-US"/>
+          </a:p>
+        </p:txBody>
+      </p:sp>
+      <p:sp>
+        <p:nvSpPr>
+          <p:cNvPr id="2" name="タイトル 1">
+            <a:extLst>
+              <a:ext uri="{FF2B5EF4-FFF2-40B4-BE49-F238E27FC236}">
+                <a16:creationId xmlns:a16="http://schemas.microsoft.com/office/drawing/2014/main" id="{1A1329E0-9DEE-47BB-B69E-B4878012785F}"/>
+              </a:ext>
+            </a:extLst>
+          </p:cNvPr>
+          <p:cNvSpPr>
+            <a:spLocks noGrp="1"/>
+          </p:cNvSpPr>
+          <p:nvPr>
+            <p:ph type="title"/>
+          </p:nvPr>
+        </p:nvSpPr>
+        <p:spPr/>
+        <p:txBody>
+          <a:bodyPr/>
+          <a:lstStyle/>
+          <a:p>
+            <a:r>
+              <a:rPr kumimoji="1" lang="ja-JP" altLang="en-US" dirty="0"/>
+              <a:t>システム構成図</a:t>
+            </a:r>
+          </a:p>
+        </p:txBody>
+      </p:sp>
+      <p:sp>
+        <p:nvSpPr>
+          <p:cNvPr id="4" name="四角形: 角を丸くする 3">
+            <a:extLst>
+              <a:ext uri="{FF2B5EF4-FFF2-40B4-BE49-F238E27FC236}">
+                <a16:creationId xmlns:a16="http://schemas.microsoft.com/office/drawing/2014/main" id="{D6936705-CA21-4E70-B968-95CED6AACDFA}"/>
+              </a:ext>
+            </a:extLst>
+          </p:cNvPr>
+          <p:cNvSpPr/>
+          <p:nvPr/>
+        </p:nvSpPr>
+        <p:spPr>
+          <a:xfrm>
+            <a:off x="619427" y="1538582"/>
+            <a:ext cx="7888474" cy="2826944"/>
+          </a:xfrm>
+          <a:prstGeom prst="roundRect">
+            <a:avLst/>
+          </a:prstGeom>
+          <a:noFill/>
+          <a:ln w="41275">
+            <a:solidFill>
+              <a:schemeClr val="tx1"/>
+            </a:solidFill>
+          </a:ln>
+          <a:effectLst/>
+        </p:spPr>
+        <p:style>
+          <a:lnRef idx="1">
+            <a:schemeClr val="accent1"/>
+          </a:lnRef>
+          <a:fillRef idx="3">
+            <a:schemeClr val="accent1"/>
+          </a:fillRef>
+          <a:effectRef idx="2">
+            <a:schemeClr val="accent1"/>
+          </a:effectRef>
+          <a:fontRef idx="minor">
+            <a:schemeClr val="lt1"/>
+          </a:fontRef>
+        </p:style>
+        <p:txBody>
+          <a:bodyPr rtlCol="0" anchor="ctr"/>
+          <a:lstStyle/>
+          <a:p>
+            <a:pPr algn="ctr"/>
+            <a:endParaRPr kumimoji="1" lang="ja-JP" altLang="en-US"/>
+          </a:p>
+        </p:txBody>
+      </p:sp>
+      <p:cxnSp>
+        <p:nvCxnSpPr>
+          <p:cNvPr id="5" name="直線矢印コネクタ 4">
+            <a:extLst>
+              <a:ext uri="{FF2B5EF4-FFF2-40B4-BE49-F238E27FC236}">
+                <a16:creationId xmlns:a16="http://schemas.microsoft.com/office/drawing/2014/main" id="{2AA71918-1FF5-44AB-B7B4-709A388EA893}"/>
+              </a:ext>
+            </a:extLst>
+          </p:cNvPr>
+          <p:cNvCxnSpPr>
+            <a:cxnSpLocks/>
+          </p:cNvCxnSpPr>
+          <p:nvPr/>
+        </p:nvCxnSpPr>
+        <p:spPr>
+          <a:xfrm>
+            <a:off x="3243362" y="2462268"/>
+            <a:ext cx="0" cy="979572"/>
+          </a:xfrm>
+          <a:prstGeom prst="straightConnector1">
+            <a:avLst/>
+          </a:prstGeom>
+          <a:ln w="57150">
+            <a:tailEnd type="triangle"/>
+          </a:ln>
+        </p:spPr>
+        <p:style>
+          <a:lnRef idx="1">
+            <a:schemeClr val="dk1"/>
+          </a:lnRef>
+          <a:fillRef idx="0">
+            <a:schemeClr val="dk1"/>
+          </a:fillRef>
+          <a:effectRef idx="0">
+            <a:schemeClr val="dk1"/>
+          </a:effectRef>
+          <a:fontRef idx="minor">
+            <a:schemeClr val="tx1"/>
+          </a:fontRef>
+        </p:style>
+      </p:cxnSp>
+      <p:sp>
+        <p:nvSpPr>
+          <p:cNvPr id="7" name="テキスト ボックス 6">
+            <a:extLst>
+              <a:ext uri="{FF2B5EF4-FFF2-40B4-BE49-F238E27FC236}">
+                <a16:creationId xmlns:a16="http://schemas.microsoft.com/office/drawing/2014/main" id="{40B241EF-E12A-4C1E-AB9C-1A714723BB52}"/>
+              </a:ext>
+            </a:extLst>
+          </p:cNvPr>
+          <p:cNvSpPr txBox="1"/>
+          <p:nvPr/>
+        </p:nvSpPr>
+        <p:spPr>
+          <a:xfrm>
+            <a:off x="2704146" y="4617456"/>
+            <a:ext cx="2027583" cy="400110"/>
+          </a:xfrm>
+          <a:prstGeom prst="rect">
+            <a:avLst/>
+          </a:prstGeom>
+          <a:noFill/>
+        </p:spPr>
+        <p:txBody>
+          <a:bodyPr wrap="square" rtlCol="0">
+            <a:spAutoFit/>
+          </a:bodyPr>
+          <a:lstStyle/>
+          <a:p>
+            <a:r>
+              <a:rPr kumimoji="1" lang="en-US" altLang="ja-JP" sz="2000" dirty="0"/>
+              <a:t>CGI</a:t>
+            </a:r>
+            <a:r>
+              <a:rPr kumimoji="1" lang="ja-JP" altLang="en-US" sz="2000" dirty="0"/>
+              <a:t>（</a:t>
+            </a:r>
+            <a:r>
+              <a:rPr kumimoji="1" lang="en-US" altLang="ja-JP" sz="2000" dirty="0"/>
+              <a:t>Perl</a:t>
+            </a:r>
+            <a:r>
+              <a:rPr kumimoji="1" lang="ja-JP" altLang="en-US" sz="2000" dirty="0"/>
+              <a:t>）</a:t>
+            </a:r>
+          </a:p>
+        </p:txBody>
+      </p:sp>
+      <p:sp>
+        <p:nvSpPr>
+          <p:cNvPr id="8" name="テキスト ボックス 7">
+            <a:extLst>
+              <a:ext uri="{FF2B5EF4-FFF2-40B4-BE49-F238E27FC236}">
+                <a16:creationId xmlns:a16="http://schemas.microsoft.com/office/drawing/2014/main" id="{0A4456D2-992B-4E1D-A6A0-F1A0A8EB7479}"/>
+              </a:ext>
+            </a:extLst>
+          </p:cNvPr>
+          <p:cNvSpPr txBox="1"/>
+          <p:nvPr/>
+        </p:nvSpPr>
+        <p:spPr>
+          <a:xfrm>
+            <a:off x="3243361" y="2639890"/>
+            <a:ext cx="3301143" cy="707886"/>
+          </a:xfrm>
+          <a:prstGeom prst="rect">
+            <a:avLst/>
+          </a:prstGeom>
+          <a:noFill/>
+        </p:spPr>
+        <p:txBody>
+          <a:bodyPr wrap="square" rtlCol="0">
+            <a:spAutoFit/>
+          </a:bodyPr>
+          <a:lstStyle/>
+          <a:p>
+            <a:r>
+              <a:rPr kumimoji="1" lang="ja-JP" altLang="en-US" sz="2000" b="1" dirty="0">
+                <a:solidFill>
+                  <a:schemeClr val="bg2">
+                    <a:lumMod val="50000"/>
+                  </a:schemeClr>
+                </a:solidFill>
+              </a:rPr>
+              <a:t>価値評価文脈に用いられた</a:t>
+            </a:r>
+            <a:endParaRPr kumimoji="1" lang="en-US" altLang="ja-JP" sz="2000" b="1" dirty="0">
+              <a:solidFill>
+                <a:schemeClr val="bg2">
+                  <a:lumMod val="50000"/>
+                </a:schemeClr>
+              </a:solidFill>
+            </a:endParaRPr>
+          </a:p>
+          <a:p>
+            <a:r>
+              <a:rPr kumimoji="1" lang="ja-JP" altLang="en-US" sz="2000" b="1" dirty="0">
+                <a:solidFill>
+                  <a:schemeClr val="bg2">
+                    <a:lumMod val="50000"/>
+                  </a:schemeClr>
+                </a:solidFill>
+              </a:rPr>
+              <a:t>語群タプル</a:t>
+            </a:r>
+          </a:p>
+        </p:txBody>
+      </p:sp>
+      <p:sp>
+        <p:nvSpPr>
+          <p:cNvPr id="9" name="テキスト ボックス 8">
+            <a:extLst>
+              <a:ext uri="{FF2B5EF4-FFF2-40B4-BE49-F238E27FC236}">
+                <a16:creationId xmlns:a16="http://schemas.microsoft.com/office/drawing/2014/main" id="{D30CC7EC-A45F-4032-B97F-5D9EAB2D2D6A}"/>
+              </a:ext>
+            </a:extLst>
+          </p:cNvPr>
+          <p:cNvSpPr txBox="1"/>
+          <p:nvPr/>
+        </p:nvSpPr>
+        <p:spPr>
+          <a:xfrm>
+            <a:off x="2636432" y="5081689"/>
+            <a:ext cx="2027583" cy="400110"/>
+          </a:xfrm>
+          <a:prstGeom prst="rect">
+            <a:avLst/>
+          </a:prstGeom>
+          <a:noFill/>
+        </p:spPr>
+        <p:txBody>
+          <a:bodyPr wrap="square" rtlCol="0">
+            <a:spAutoFit/>
+          </a:bodyPr>
+          <a:lstStyle/>
+          <a:p>
+            <a:r>
+              <a:rPr kumimoji="1" lang="ja-JP" altLang="en-US" sz="2000" b="1" dirty="0">
+                <a:solidFill>
+                  <a:schemeClr val="bg2">
+                    <a:lumMod val="50000"/>
+                  </a:schemeClr>
+                </a:solidFill>
+              </a:rPr>
+              <a:t>価値評価文脈</a:t>
+            </a:r>
+          </a:p>
+        </p:txBody>
+      </p:sp>
+      <p:sp>
+        <p:nvSpPr>
+          <p:cNvPr id="10" name="テキスト ボックス 9">
+            <a:extLst>
+              <a:ext uri="{FF2B5EF4-FFF2-40B4-BE49-F238E27FC236}">
+                <a16:creationId xmlns:a16="http://schemas.microsoft.com/office/drawing/2014/main" id="{46A42D81-739C-4B4F-B017-DA9F90C54B0B}"/>
+              </a:ext>
+            </a:extLst>
+          </p:cNvPr>
+          <p:cNvSpPr txBox="1"/>
+          <p:nvPr/>
+        </p:nvSpPr>
+        <p:spPr>
+          <a:xfrm>
+            <a:off x="6679410" y="2627131"/>
+            <a:ext cx="2537793" cy="707886"/>
+          </a:xfrm>
+          <a:prstGeom prst="rect">
+            <a:avLst/>
+          </a:prstGeom>
+          <a:noFill/>
+        </p:spPr>
+        <p:txBody>
+          <a:bodyPr wrap="square" rtlCol="0">
+            <a:spAutoFit/>
+          </a:bodyPr>
+          <a:lstStyle/>
+          <a:p>
+            <a:r>
+              <a:rPr lang="ja-JP" altLang="en-US" sz="2000" b="1" dirty="0">
+                <a:solidFill>
+                  <a:schemeClr val="bg2">
+                    <a:lumMod val="50000"/>
+                  </a:schemeClr>
+                </a:solidFill>
+              </a:rPr>
+              <a:t>世界遺跡</a:t>
+            </a:r>
+            <a:endParaRPr lang="en-US" altLang="ja-JP" sz="2000" b="1" dirty="0">
+              <a:solidFill>
+                <a:schemeClr val="bg2">
+                  <a:lumMod val="50000"/>
+                </a:schemeClr>
+              </a:solidFill>
+            </a:endParaRPr>
+          </a:p>
+          <a:p>
+            <a:r>
+              <a:rPr lang="ja-JP" altLang="en-US" sz="2000" b="1" dirty="0">
+                <a:solidFill>
+                  <a:schemeClr val="bg2">
+                    <a:lumMod val="50000"/>
+                  </a:schemeClr>
+                </a:solidFill>
+              </a:rPr>
+              <a:t>データ</a:t>
+            </a:r>
+            <a:r>
+              <a:rPr kumimoji="1" lang="ja-JP" altLang="en-US" sz="2000" b="1" dirty="0">
+                <a:solidFill>
+                  <a:schemeClr val="bg2">
+                    <a:lumMod val="50000"/>
+                  </a:schemeClr>
+                </a:solidFill>
+              </a:rPr>
+              <a:t>群</a:t>
+            </a:r>
+          </a:p>
+        </p:txBody>
+      </p:sp>
+      <p:sp>
+        <p:nvSpPr>
+          <p:cNvPr id="11" name="テキスト ボックス 10">
+            <a:extLst>
+              <a:ext uri="{FF2B5EF4-FFF2-40B4-BE49-F238E27FC236}">
+                <a16:creationId xmlns:a16="http://schemas.microsoft.com/office/drawing/2014/main" id="{F14669EF-038A-49DA-B1C1-8DD3FFE5BF0A}"/>
+              </a:ext>
+            </a:extLst>
+          </p:cNvPr>
+          <p:cNvSpPr txBox="1"/>
+          <p:nvPr/>
+        </p:nvSpPr>
+        <p:spPr>
+          <a:xfrm>
+            <a:off x="5301184" y="4660847"/>
+            <a:ext cx="2537793" cy="707886"/>
+          </a:xfrm>
+          <a:prstGeom prst="rect">
+            <a:avLst/>
+          </a:prstGeom>
+          <a:noFill/>
+        </p:spPr>
+        <p:txBody>
+          <a:bodyPr wrap="square" rtlCol="0">
+            <a:spAutoFit/>
+          </a:bodyPr>
+          <a:lstStyle/>
+          <a:p>
+            <a:r>
+              <a:rPr kumimoji="1" lang="ja-JP" altLang="en-US" sz="2000" b="1" dirty="0">
+                <a:solidFill>
+                  <a:schemeClr val="bg2">
+                    <a:lumMod val="50000"/>
+                  </a:schemeClr>
+                </a:solidFill>
+              </a:rPr>
+              <a:t>世界遺産と相関値</a:t>
+            </a:r>
+            <a:endParaRPr kumimoji="1" lang="en-US" altLang="ja-JP" sz="2000" b="1" dirty="0">
+              <a:solidFill>
+                <a:schemeClr val="bg2">
+                  <a:lumMod val="50000"/>
+                </a:schemeClr>
+              </a:solidFill>
+            </a:endParaRPr>
+          </a:p>
+          <a:p>
+            <a:r>
+              <a:rPr lang="ja-JP" altLang="en-US" sz="2000" b="1" dirty="0">
+                <a:solidFill>
+                  <a:schemeClr val="bg2">
+                    <a:lumMod val="50000"/>
+                  </a:schemeClr>
+                </a:solidFill>
+              </a:rPr>
+              <a:t>リスト</a:t>
+            </a:r>
+            <a:endParaRPr kumimoji="1" lang="ja-JP" altLang="en-US" sz="2000" b="1" dirty="0">
+              <a:solidFill>
+                <a:schemeClr val="bg2">
+                  <a:lumMod val="50000"/>
+                </a:schemeClr>
+              </a:solidFill>
+            </a:endParaRPr>
+          </a:p>
+        </p:txBody>
+      </p:sp>
+      <p:sp>
+        <p:nvSpPr>
+          <p:cNvPr id="12" name="テキスト ボックス 11">
+            <a:extLst>
+              <a:ext uri="{FF2B5EF4-FFF2-40B4-BE49-F238E27FC236}">
+                <a16:creationId xmlns:a16="http://schemas.microsoft.com/office/drawing/2014/main" id="{1EC42E65-751B-4DA0-8B6B-D7E31A011404}"/>
+              </a:ext>
+            </a:extLst>
+          </p:cNvPr>
+          <p:cNvSpPr txBox="1"/>
+          <p:nvPr/>
+        </p:nvSpPr>
+        <p:spPr>
+          <a:xfrm>
+            <a:off x="518616" y="2730925"/>
+            <a:ext cx="2581571" cy="1200329"/>
+          </a:xfrm>
+          <a:prstGeom prst="rect">
+            <a:avLst/>
+          </a:prstGeom>
+          <a:noFill/>
+        </p:spPr>
+        <p:txBody>
+          <a:bodyPr wrap="square" rtlCol="0">
+            <a:spAutoFit/>
+          </a:bodyPr>
+          <a:lstStyle/>
+          <a:p>
+            <a:r>
+              <a:rPr lang="ja-JP" altLang="en-US" sz="2400" b="1" dirty="0"/>
+              <a:t> </a:t>
+            </a:r>
+            <a:r>
+              <a:rPr lang="en-US" altLang="ja-JP" sz="2400" b="1" dirty="0"/>
+              <a:t>DB</a:t>
+            </a:r>
+          </a:p>
+          <a:p>
+            <a:r>
+              <a:rPr lang="ja-JP" altLang="en-US" sz="2400" b="1" dirty="0"/>
+              <a:t>（</a:t>
+            </a:r>
+            <a:r>
+              <a:rPr lang="en-US" altLang="ja-JP" sz="2400" b="1" dirty="0"/>
+              <a:t>PostgreSQL</a:t>
+            </a:r>
+            <a:r>
+              <a:rPr lang="ja-JP" altLang="en-US" sz="2400" b="1" dirty="0"/>
+              <a:t>）</a:t>
+            </a:r>
+            <a:endParaRPr lang="en-US" altLang="ja-JP" sz="2400" b="1" dirty="0"/>
+          </a:p>
+          <a:p>
+            <a:endParaRPr kumimoji="1" lang="ja-JP" altLang="en-US" sz="2400" b="1" dirty="0"/>
+          </a:p>
+        </p:txBody>
+      </p:sp>
+      <p:sp>
+        <p:nvSpPr>
+          <p:cNvPr id="13" name="テキスト ボックス 12">
+            <a:extLst>
+              <a:ext uri="{FF2B5EF4-FFF2-40B4-BE49-F238E27FC236}">
+                <a16:creationId xmlns:a16="http://schemas.microsoft.com/office/drawing/2014/main" id="{4E0A5DBA-D77F-4D10-9AE7-75AF0B7A0BED}"/>
+              </a:ext>
+            </a:extLst>
+          </p:cNvPr>
+          <p:cNvSpPr txBox="1"/>
+          <p:nvPr/>
+        </p:nvSpPr>
+        <p:spPr>
+          <a:xfrm>
+            <a:off x="2510369" y="1660318"/>
+            <a:ext cx="2538709" cy="707886"/>
+          </a:xfrm>
+          <a:prstGeom prst="rect">
+            <a:avLst/>
+          </a:prstGeom>
+          <a:noFill/>
+        </p:spPr>
+        <p:txBody>
+          <a:bodyPr wrap="square" rtlCol="0">
+            <a:spAutoFit/>
+          </a:bodyPr>
+          <a:lstStyle/>
+          <a:p>
+            <a:r>
+              <a:rPr lang="ja-JP" altLang="en-US" sz="2000" dirty="0"/>
+              <a:t>観光価値用語</a:t>
+            </a:r>
+            <a:endParaRPr lang="en-US" altLang="ja-JP" sz="2000" dirty="0"/>
+          </a:p>
+          <a:p>
+            <a:r>
+              <a:rPr lang="ja-JP" altLang="en-US" sz="2000" dirty="0"/>
+              <a:t>知識ベーステーブル</a:t>
+            </a:r>
+            <a:endParaRPr kumimoji="1" lang="ja-JP" altLang="en-US" sz="2000" dirty="0"/>
+          </a:p>
+        </p:txBody>
+      </p:sp>
+      <p:sp>
+        <p:nvSpPr>
+          <p:cNvPr id="14" name="テキスト ボックス 13">
+            <a:extLst>
+              <a:ext uri="{FF2B5EF4-FFF2-40B4-BE49-F238E27FC236}">
+                <a16:creationId xmlns:a16="http://schemas.microsoft.com/office/drawing/2014/main" id="{47E22C9F-9583-49D6-BDAB-395B0B4BA2BC}"/>
+              </a:ext>
+            </a:extLst>
+          </p:cNvPr>
+          <p:cNvSpPr txBox="1"/>
+          <p:nvPr/>
+        </p:nvSpPr>
+        <p:spPr>
+          <a:xfrm>
+            <a:off x="5842419" y="1660318"/>
+            <a:ext cx="2291426" cy="707886"/>
+          </a:xfrm>
+          <a:prstGeom prst="rect">
+            <a:avLst/>
+          </a:prstGeom>
+          <a:noFill/>
+        </p:spPr>
+        <p:txBody>
+          <a:bodyPr wrap="square" rtlCol="0">
+            <a:spAutoFit/>
+          </a:bodyPr>
+          <a:lstStyle/>
+          <a:p>
+            <a:r>
+              <a:rPr lang="ja-JP" altLang="en-US" sz="2000" dirty="0"/>
+              <a:t>世界遺産</a:t>
+            </a:r>
+            <a:endParaRPr lang="en-US" altLang="ja-JP" sz="2000" dirty="0"/>
+          </a:p>
+          <a:p>
+            <a:r>
+              <a:rPr lang="ja-JP" altLang="en-US" sz="2000" dirty="0"/>
+              <a:t>テーブル</a:t>
+            </a:r>
+            <a:endParaRPr kumimoji="1" lang="ja-JP" altLang="en-US" sz="2000" dirty="0"/>
+          </a:p>
+        </p:txBody>
+      </p:sp>
+      <p:cxnSp>
+        <p:nvCxnSpPr>
+          <p:cNvPr id="16" name="直線矢印コネクタ 15">
+            <a:extLst>
+              <a:ext uri="{FF2B5EF4-FFF2-40B4-BE49-F238E27FC236}">
+                <a16:creationId xmlns:a16="http://schemas.microsoft.com/office/drawing/2014/main" id="{A62A84E2-1829-4336-816A-77734A92767F}"/>
+              </a:ext>
+            </a:extLst>
+          </p:cNvPr>
+          <p:cNvCxnSpPr>
+            <a:cxnSpLocks/>
+          </p:cNvCxnSpPr>
+          <p:nvPr/>
+        </p:nvCxnSpPr>
+        <p:spPr>
+          <a:xfrm>
+            <a:off x="190959" y="4365526"/>
+            <a:ext cx="0" cy="692130"/>
+          </a:xfrm>
+          <a:prstGeom prst="straightConnector1">
+            <a:avLst/>
+          </a:prstGeom>
+          <a:ln w="57150">
+            <a:tailEnd type="triangle"/>
+          </a:ln>
+        </p:spPr>
+        <p:style>
+          <a:lnRef idx="1">
+            <a:schemeClr val="dk1"/>
+          </a:lnRef>
+          <a:fillRef idx="0">
+            <a:schemeClr val="dk1"/>
+          </a:fillRef>
+          <a:effectRef idx="0">
+            <a:schemeClr val="dk1"/>
+          </a:effectRef>
+          <a:fontRef idx="minor">
+            <a:schemeClr val="tx1"/>
+          </a:fontRef>
+        </p:style>
+      </p:cxnSp>
+      <p:cxnSp>
+        <p:nvCxnSpPr>
+          <p:cNvPr id="17" name="直線矢印コネクタ 16">
+            <a:extLst>
+              <a:ext uri="{FF2B5EF4-FFF2-40B4-BE49-F238E27FC236}">
+                <a16:creationId xmlns:a16="http://schemas.microsoft.com/office/drawing/2014/main" id="{BC84912B-D78B-4CD6-ADF7-864A41D8B089}"/>
+              </a:ext>
+            </a:extLst>
+          </p:cNvPr>
+          <p:cNvCxnSpPr>
+            <a:cxnSpLocks/>
+          </p:cNvCxnSpPr>
+          <p:nvPr/>
+        </p:nvCxnSpPr>
+        <p:spPr>
+          <a:xfrm flipV="1">
+            <a:off x="2675746" y="2386475"/>
+            <a:ext cx="6614" cy="3477101"/>
+          </a:xfrm>
+          <a:prstGeom prst="straightConnector1">
+            <a:avLst/>
+          </a:prstGeom>
+          <a:ln w="57150">
+            <a:tailEnd type="triangle"/>
+          </a:ln>
+        </p:spPr>
+        <p:style>
+          <a:lnRef idx="1">
+            <a:schemeClr val="dk1"/>
+          </a:lnRef>
+          <a:fillRef idx="0">
+            <a:schemeClr val="dk1"/>
+          </a:fillRef>
+          <a:effectRef idx="0">
+            <a:schemeClr val="dk1"/>
+          </a:effectRef>
+          <a:fontRef idx="minor">
+            <a:schemeClr val="tx1"/>
+          </a:fontRef>
+        </p:style>
+      </p:cxnSp>
+      <p:cxnSp>
+        <p:nvCxnSpPr>
+          <p:cNvPr id="18" name="直線矢印コネクタ 17">
+            <a:extLst>
+              <a:ext uri="{FF2B5EF4-FFF2-40B4-BE49-F238E27FC236}">
+                <a16:creationId xmlns:a16="http://schemas.microsoft.com/office/drawing/2014/main" id="{1A5A381C-2473-4A09-B759-A9444144F15E}"/>
+              </a:ext>
+            </a:extLst>
+          </p:cNvPr>
+          <p:cNvCxnSpPr>
+            <a:cxnSpLocks/>
+          </p:cNvCxnSpPr>
+          <p:nvPr/>
+        </p:nvCxnSpPr>
+        <p:spPr>
+          <a:xfrm>
+            <a:off x="5258122" y="4070644"/>
+            <a:ext cx="14947" cy="1828499"/>
+          </a:xfrm>
+          <a:prstGeom prst="straightConnector1">
+            <a:avLst/>
+          </a:prstGeom>
+          <a:ln w="57150">
+            <a:tailEnd type="triangle"/>
+          </a:ln>
+        </p:spPr>
+        <p:style>
+          <a:lnRef idx="1">
+            <a:schemeClr val="dk1"/>
+          </a:lnRef>
+          <a:fillRef idx="0">
+            <a:schemeClr val="dk1"/>
+          </a:fillRef>
+          <a:effectRef idx="0">
+            <a:schemeClr val="dk1"/>
+          </a:effectRef>
+          <a:fontRef idx="minor">
+            <a:schemeClr val="tx1"/>
+          </a:fontRef>
+        </p:style>
+      </p:cxnSp>
+      <p:sp>
+        <p:nvSpPr>
+          <p:cNvPr id="22" name="テキスト ボックス 21">
+            <a:extLst>
+              <a:ext uri="{FF2B5EF4-FFF2-40B4-BE49-F238E27FC236}">
+                <a16:creationId xmlns:a16="http://schemas.microsoft.com/office/drawing/2014/main" id="{5A6CA197-E8A0-42AD-B1C4-AF8B37A040BE}"/>
+              </a:ext>
+            </a:extLst>
+          </p:cNvPr>
+          <p:cNvSpPr txBox="1"/>
+          <p:nvPr/>
+        </p:nvSpPr>
+        <p:spPr>
+          <a:xfrm>
+            <a:off x="3844651" y="3369744"/>
+            <a:ext cx="2291426" cy="707886"/>
+          </a:xfrm>
+          <a:prstGeom prst="rect">
+            <a:avLst/>
+          </a:prstGeom>
+          <a:noFill/>
+        </p:spPr>
+        <p:txBody>
+          <a:bodyPr wrap="square" rtlCol="0">
+            <a:spAutoFit/>
+          </a:bodyPr>
+          <a:lstStyle/>
+          <a:p>
+            <a:r>
+              <a:rPr lang="ja-JP" altLang="en-US" sz="2000" dirty="0"/>
+              <a:t>意味的価値相関</a:t>
+            </a:r>
+            <a:endParaRPr lang="en-US" altLang="ja-JP" sz="2000" dirty="0"/>
+          </a:p>
+          <a:p>
+            <a:r>
+              <a:rPr lang="ja-JP" altLang="en-US" sz="2000" dirty="0"/>
+              <a:t>計量モジュール</a:t>
+            </a:r>
+            <a:endParaRPr lang="en-US" altLang="ja-JP" sz="2000" dirty="0"/>
+          </a:p>
+        </p:txBody>
+      </p:sp>
+      <p:sp>
+        <p:nvSpPr>
+          <p:cNvPr id="23" name="四角形: 角を丸くする 22">
+            <a:extLst>
+              <a:ext uri="{FF2B5EF4-FFF2-40B4-BE49-F238E27FC236}">
+                <a16:creationId xmlns:a16="http://schemas.microsoft.com/office/drawing/2014/main" id="{8154F9DF-F8FE-4579-8C7E-43C3FCA4ED59}"/>
+              </a:ext>
+            </a:extLst>
+          </p:cNvPr>
+          <p:cNvSpPr/>
+          <p:nvPr/>
+        </p:nvSpPr>
+        <p:spPr>
+          <a:xfrm>
+            <a:off x="619427" y="4518058"/>
+            <a:ext cx="7885049" cy="1171205"/>
+          </a:xfrm>
+          <a:prstGeom prst="roundRect">
+            <a:avLst/>
+          </a:prstGeom>
+          <a:noFill/>
+          <a:ln w="41275">
+            <a:solidFill>
+              <a:schemeClr val="tx1"/>
+            </a:solidFill>
+          </a:ln>
+          <a:effectLst/>
+        </p:spPr>
+        <p:style>
+          <a:lnRef idx="1">
+            <a:schemeClr val="accent1"/>
+          </a:lnRef>
+          <a:fillRef idx="3">
+            <a:schemeClr val="accent1"/>
+          </a:fillRef>
+          <a:effectRef idx="2">
+            <a:schemeClr val="accent1"/>
+          </a:effectRef>
+          <a:fontRef idx="minor">
+            <a:schemeClr val="lt1"/>
+          </a:fontRef>
+        </p:style>
+        <p:txBody>
+          <a:bodyPr rtlCol="0" anchor="ctr"/>
+          <a:lstStyle/>
+          <a:p>
+            <a:pPr algn="ctr"/>
+            <a:endParaRPr kumimoji="1" lang="ja-JP" altLang="en-US"/>
+          </a:p>
+        </p:txBody>
+      </p:sp>
+      <p:cxnSp>
+        <p:nvCxnSpPr>
+          <p:cNvPr id="28" name="直線矢印コネクタ 27">
+            <a:extLst>
+              <a:ext uri="{FF2B5EF4-FFF2-40B4-BE49-F238E27FC236}">
+                <a16:creationId xmlns:a16="http://schemas.microsoft.com/office/drawing/2014/main" id="{6C295D4A-B13D-4A17-9C34-6E32BA88BDF3}"/>
+              </a:ext>
+            </a:extLst>
+          </p:cNvPr>
+          <p:cNvCxnSpPr>
+            <a:cxnSpLocks/>
+          </p:cNvCxnSpPr>
+          <p:nvPr/>
+        </p:nvCxnSpPr>
+        <p:spPr>
+          <a:xfrm>
+            <a:off x="6611957" y="2593536"/>
+            <a:ext cx="0" cy="754240"/>
+          </a:xfrm>
+          <a:prstGeom prst="straightConnector1">
+            <a:avLst/>
+          </a:prstGeom>
+          <a:ln w="57150">
+            <a:tailEnd type="triangle"/>
+          </a:ln>
+        </p:spPr>
+        <p:style>
+          <a:lnRef idx="1">
+            <a:schemeClr val="dk1"/>
+          </a:lnRef>
+          <a:fillRef idx="0">
+            <a:schemeClr val="dk1"/>
+          </a:fillRef>
+          <a:effectRef idx="0">
+            <a:schemeClr val="dk1"/>
+          </a:effectRef>
+          <a:fontRef idx="minor">
+            <a:schemeClr val="tx1"/>
+          </a:fontRef>
+        </p:style>
+      </p:cxnSp>
+      <p:sp>
+        <p:nvSpPr>
+          <p:cNvPr id="32" name="四角形: 角を丸くする 31">
+            <a:extLst>
+              <a:ext uri="{FF2B5EF4-FFF2-40B4-BE49-F238E27FC236}">
+                <a16:creationId xmlns:a16="http://schemas.microsoft.com/office/drawing/2014/main" id="{60F3AFAD-7831-43C2-9DF9-A686AA1115BF}"/>
+              </a:ext>
+            </a:extLst>
+          </p:cNvPr>
+          <p:cNvSpPr/>
+          <p:nvPr/>
+        </p:nvSpPr>
+        <p:spPr>
+          <a:xfrm>
+            <a:off x="619426" y="5883054"/>
+            <a:ext cx="7885049" cy="513321"/>
+          </a:xfrm>
+          <a:prstGeom prst="roundRect">
+            <a:avLst/>
+          </a:prstGeom>
+          <a:noFill/>
+          <a:ln w="41275">
+            <a:solidFill>
+              <a:schemeClr val="tx1"/>
+            </a:solidFill>
+          </a:ln>
+          <a:effectLst/>
+        </p:spPr>
+        <p:style>
+          <a:lnRef idx="1">
+            <a:schemeClr val="accent1"/>
+          </a:lnRef>
+          <a:fillRef idx="3">
+            <a:schemeClr val="accent1"/>
+          </a:fillRef>
+          <a:effectRef idx="2">
+            <a:schemeClr val="accent1"/>
+          </a:effectRef>
+          <a:fontRef idx="minor">
+            <a:schemeClr val="lt1"/>
+          </a:fontRef>
+        </p:style>
+        <p:txBody>
+          <a:bodyPr rtlCol="0" anchor="ctr"/>
+          <a:lstStyle/>
+          <a:p>
+            <a:pPr algn="ctr"/>
+            <a:endParaRPr kumimoji="1" lang="ja-JP" altLang="en-US"/>
+          </a:p>
+        </p:txBody>
+      </p:sp>
+      <p:sp>
+        <p:nvSpPr>
+          <p:cNvPr id="34" name="テキスト ボックス 33">
+            <a:extLst>
+              <a:ext uri="{FF2B5EF4-FFF2-40B4-BE49-F238E27FC236}">
+                <a16:creationId xmlns:a16="http://schemas.microsoft.com/office/drawing/2014/main" id="{BD30B7FB-159C-401D-A888-6B3D78608E43}"/>
+              </a:ext>
+            </a:extLst>
+          </p:cNvPr>
+          <p:cNvSpPr txBox="1"/>
+          <p:nvPr/>
+        </p:nvSpPr>
+        <p:spPr>
+          <a:xfrm>
+            <a:off x="734508" y="4857758"/>
+            <a:ext cx="2027583" cy="461665"/>
+          </a:xfrm>
+          <a:prstGeom prst="rect">
+            <a:avLst/>
+          </a:prstGeom>
+          <a:noFill/>
+        </p:spPr>
+        <p:txBody>
+          <a:bodyPr wrap="square" rtlCol="0">
+            <a:spAutoFit/>
+          </a:bodyPr>
+          <a:lstStyle/>
+          <a:p>
+            <a:r>
+              <a:rPr kumimoji="1" lang="en-US" altLang="ja-JP" sz="2400" b="1" dirty="0"/>
+              <a:t>Web</a:t>
+            </a:r>
+            <a:endParaRPr kumimoji="1" lang="ja-JP" altLang="en-US" sz="2400" b="1" dirty="0"/>
+          </a:p>
+        </p:txBody>
+      </p:sp>
+      <p:sp>
+        <p:nvSpPr>
+          <p:cNvPr id="35" name="テキスト ボックス 34">
+            <a:extLst>
+              <a:ext uri="{FF2B5EF4-FFF2-40B4-BE49-F238E27FC236}">
+                <a16:creationId xmlns:a16="http://schemas.microsoft.com/office/drawing/2014/main" id="{9CA5FA95-0938-4B64-970D-1E3B559A9748}"/>
+              </a:ext>
+            </a:extLst>
+          </p:cNvPr>
+          <p:cNvSpPr txBox="1"/>
+          <p:nvPr/>
+        </p:nvSpPr>
+        <p:spPr>
+          <a:xfrm>
+            <a:off x="699047" y="5899143"/>
+            <a:ext cx="2027583" cy="461665"/>
+          </a:xfrm>
+          <a:prstGeom prst="rect">
+            <a:avLst/>
+          </a:prstGeom>
+          <a:noFill/>
+        </p:spPr>
+        <p:txBody>
+          <a:bodyPr wrap="square" rtlCol="0">
+            <a:spAutoFit/>
+          </a:bodyPr>
+          <a:lstStyle/>
+          <a:p>
+            <a:r>
+              <a:rPr lang="ja-JP" altLang="en-US" sz="2400" b="1" dirty="0"/>
+              <a:t>ユーザー</a:t>
+            </a:r>
+            <a:endParaRPr kumimoji="1" lang="ja-JP" altLang="en-US" sz="2400" b="1" dirty="0"/>
+          </a:p>
+        </p:txBody>
+      </p:sp>
+    </p:spTree>
+    <p:extLst>
+      <p:ext uri="{BB962C8B-B14F-4D97-AF65-F5344CB8AC3E}">
+        <p14:creationId xmlns:p14="http://schemas.microsoft.com/office/powerpoint/2010/main" val="3155792566"/>
+      </p:ext>
+    </p:extLst>
+  </p:cSld>
+  <p:clrMapOvr>
+    <a:masterClrMapping/>
+  </p:clrMapOvr>
+</p:sld>
+</file>
+
+<file path=ppt/slides/slide4.xml><?xml version="1.0" encoding="utf-8"?>
+<p:sld xmlns:a="http://schemas.openxmlformats.org/drawingml/2006/main" xmlns:r="http://schemas.openxmlformats.org/officeDocument/2006/relationships" xmlns:p="http://schemas.openxmlformats.org/presentationml/2006/main">
+  <p:cSld>
+    <p:spTree>
+      <p:nvGrpSpPr>
+        <p:cNvPr id="1" name=""/>
+        <p:cNvGrpSpPr/>
+        <p:nvPr/>
+      </p:nvGrpSpPr>
+      <p:grpSpPr>
+        <a:xfrm>
+          <a:off x="0" y="0"/>
+          <a:ext cx="0" cy="0"/>
+          <a:chOff x="0" y="0"/>
+          <a:chExt cx="0" cy="0"/>
+        </a:xfrm>
+      </p:grpSpPr>
+      <p:sp>
+        <p:nvSpPr>
           <p:cNvPr id="26" name="平行四辺形 25">
             <a:extLst>
               <a:ext uri="{FF2B5EF4-FFF2-40B4-BE49-F238E27FC236}">
@@ -4659,6 +7103,5975 @@
     <p:extLst>
       <p:ext uri="{BB962C8B-B14F-4D97-AF65-F5344CB8AC3E}">
         <p14:creationId xmlns:p14="http://schemas.microsoft.com/office/powerpoint/2010/main" val="3466504829"/>
+      </p:ext>
+    </p:extLst>
+  </p:cSld>
+  <p:clrMapOvr>
+    <a:masterClrMapping/>
+  </p:clrMapOvr>
+</p:sld>
+</file>
+
+<file path=ppt/slides/slide5.xml><?xml version="1.0" encoding="utf-8"?>
+<p:sld xmlns:a="http://schemas.openxmlformats.org/drawingml/2006/main" xmlns:r="http://schemas.openxmlformats.org/officeDocument/2006/relationships" xmlns:p="http://schemas.openxmlformats.org/presentationml/2006/main">
+  <p:cSld>
+    <p:spTree>
+      <p:nvGrpSpPr>
+        <p:cNvPr id="1" name=""/>
+        <p:cNvGrpSpPr/>
+        <p:nvPr/>
+      </p:nvGrpSpPr>
+      <p:grpSpPr>
+        <a:xfrm>
+          <a:off x="0" y="0"/>
+          <a:ext cx="0" cy="0"/>
+          <a:chOff x="0" y="0"/>
+          <a:chExt cx="0" cy="0"/>
+        </a:xfrm>
+      </p:grpSpPr>
+      <p:graphicFrame>
+        <p:nvGraphicFramePr>
+          <p:cNvPr id="3" name="表 2">
+            <a:extLst>
+              <a:ext uri="{FF2B5EF4-FFF2-40B4-BE49-F238E27FC236}">
+                <a16:creationId xmlns:a16="http://schemas.microsoft.com/office/drawing/2014/main" id="{13082651-725D-4AAE-A5F8-157E88E74119}"/>
+              </a:ext>
+            </a:extLst>
+          </p:cNvPr>
+          <p:cNvGraphicFramePr>
+            <a:graphicFrameLocks noGrp="1"/>
+          </p:cNvGraphicFramePr>
+          <p:nvPr>
+            <p:extLst>
+              <p:ext uri="{D42A27DB-BD31-4B8C-83A1-F6EECF244321}">
+                <p14:modId xmlns:p14="http://schemas.microsoft.com/office/powerpoint/2010/main" val="2855175687"/>
+              </p:ext>
+            </p:extLst>
+          </p:nvPr>
+        </p:nvGraphicFramePr>
+        <p:xfrm>
+          <a:off x="516836" y="674977"/>
+          <a:ext cx="7828379" cy="1112520"/>
+        </p:xfrm>
+        <a:graphic>
+          <a:graphicData uri="http://schemas.openxmlformats.org/drawingml/2006/table">
+            <a:tbl>
+              <a:tblPr firstRow="1" bandRow="1">
+                <a:tableStyleId>{5C22544A-7EE6-4342-B048-85BDC9FD1C3A}</a:tableStyleId>
+              </a:tblPr>
+              <a:tblGrid>
+                <a:gridCol w="1111589">
+                  <a:extLst>
+                    <a:ext uri="{9D8B030D-6E8A-4147-A177-3AD203B41FA5}">
+                      <a16:colId xmlns:a16="http://schemas.microsoft.com/office/drawing/2014/main" val="816108234"/>
+                    </a:ext>
+                  </a:extLst>
+                </a:gridCol>
+                <a:gridCol w="972640">
+                  <a:extLst>
+                    <a:ext uri="{9D8B030D-6E8A-4147-A177-3AD203B41FA5}">
+                      <a16:colId xmlns:a16="http://schemas.microsoft.com/office/drawing/2014/main" val="4270643059"/>
+                    </a:ext>
+                  </a:extLst>
+                </a:gridCol>
+                <a:gridCol w="947255">
+                  <a:extLst>
+                    <a:ext uri="{9D8B030D-6E8A-4147-A177-3AD203B41FA5}">
+                      <a16:colId xmlns:a16="http://schemas.microsoft.com/office/drawing/2014/main" val="3737305029"/>
+                    </a:ext>
+                  </a:extLst>
+                </a:gridCol>
+                <a:gridCol w="447804">
+                  <a:extLst>
+                    <a:ext uri="{9D8B030D-6E8A-4147-A177-3AD203B41FA5}">
+                      <a16:colId xmlns:a16="http://schemas.microsoft.com/office/drawing/2014/main" val="4221695396"/>
+                    </a:ext>
+                  </a:extLst>
+                </a:gridCol>
+                <a:gridCol w="472426">
+                  <a:extLst>
+                    <a:ext uri="{9D8B030D-6E8A-4147-A177-3AD203B41FA5}">
+                      <a16:colId xmlns:a16="http://schemas.microsoft.com/office/drawing/2014/main" val="1819265997"/>
+                    </a:ext>
+                  </a:extLst>
+                </a:gridCol>
+                <a:gridCol w="458527">
+                  <a:extLst>
+                    <a:ext uri="{9D8B030D-6E8A-4147-A177-3AD203B41FA5}">
+                      <a16:colId xmlns:a16="http://schemas.microsoft.com/office/drawing/2014/main" val="1422182249"/>
+                    </a:ext>
+                  </a:extLst>
+                </a:gridCol>
+                <a:gridCol w="472426">
+                  <a:extLst>
+                    <a:ext uri="{9D8B030D-6E8A-4147-A177-3AD203B41FA5}">
+                      <a16:colId xmlns:a16="http://schemas.microsoft.com/office/drawing/2014/main" val="2835775585"/>
+                    </a:ext>
+                  </a:extLst>
+                </a:gridCol>
+                <a:gridCol w="486320">
+                  <a:extLst>
+                    <a:ext uri="{9D8B030D-6E8A-4147-A177-3AD203B41FA5}">
+                      <a16:colId xmlns:a16="http://schemas.microsoft.com/office/drawing/2014/main" val="889059608"/>
+                    </a:ext>
+                  </a:extLst>
+                </a:gridCol>
+                <a:gridCol w="458531">
+                  <a:extLst>
+                    <a:ext uri="{9D8B030D-6E8A-4147-A177-3AD203B41FA5}">
+                      <a16:colId xmlns:a16="http://schemas.microsoft.com/office/drawing/2014/main" val="2959762864"/>
+                    </a:ext>
+                  </a:extLst>
+                </a:gridCol>
+                <a:gridCol w="472426">
+                  <a:extLst>
+                    <a:ext uri="{9D8B030D-6E8A-4147-A177-3AD203B41FA5}">
+                      <a16:colId xmlns:a16="http://schemas.microsoft.com/office/drawing/2014/main" val="2544263672"/>
+                    </a:ext>
+                  </a:extLst>
+                </a:gridCol>
+                <a:gridCol w="458531">
+                  <a:extLst>
+                    <a:ext uri="{9D8B030D-6E8A-4147-A177-3AD203B41FA5}">
+                      <a16:colId xmlns:a16="http://schemas.microsoft.com/office/drawing/2014/main" val="3835054850"/>
+                    </a:ext>
+                  </a:extLst>
+                </a:gridCol>
+                <a:gridCol w="458530">
+                  <a:extLst>
+                    <a:ext uri="{9D8B030D-6E8A-4147-A177-3AD203B41FA5}">
+                      <a16:colId xmlns:a16="http://schemas.microsoft.com/office/drawing/2014/main" val="587795260"/>
+                    </a:ext>
+                  </a:extLst>
+                </a:gridCol>
+                <a:gridCol w="611374">
+                  <a:extLst>
+                    <a:ext uri="{9D8B030D-6E8A-4147-A177-3AD203B41FA5}">
+                      <a16:colId xmlns:a16="http://schemas.microsoft.com/office/drawing/2014/main" val="454042545"/>
+                    </a:ext>
+                  </a:extLst>
+                </a:gridCol>
+              </a:tblGrid>
+              <a:tr h="370840">
+                <a:tc>
+                  <a:txBody>
+                    <a:bodyPr/>
+                    <a:lstStyle/>
+                    <a:p>
+                      <a:r>
+                        <a:rPr kumimoji="1" lang="en-US" altLang="ja-JP" dirty="0"/>
+                        <a:t>name</a:t>
+                      </a:r>
+                      <a:endParaRPr kumimoji="1" lang="ja-JP" altLang="en-US" dirty="0"/>
+                    </a:p>
+                  </a:txBody>
+                  <a:tcPr/>
+                </a:tc>
+                <a:tc>
+                  <a:txBody>
+                    <a:bodyPr/>
+                    <a:lstStyle/>
+                    <a:p>
+                      <a:r>
+                        <a:rPr kumimoji="1" lang="en-US" altLang="ja-JP" dirty="0"/>
+                        <a:t>country</a:t>
+                      </a:r>
+                      <a:endParaRPr kumimoji="1" lang="ja-JP" altLang="en-US" dirty="0"/>
+                    </a:p>
+                  </a:txBody>
+                  <a:tcPr/>
+                </a:tc>
+                <a:tc>
+                  <a:txBody>
+                    <a:bodyPr/>
+                    <a:lstStyle/>
+                    <a:p>
+                      <a:r>
+                        <a:rPr kumimoji="1" lang="en-US" altLang="ja-JP" dirty="0"/>
+                        <a:t>area</a:t>
+                      </a:r>
+                      <a:endParaRPr kumimoji="1" lang="ja-JP" altLang="en-US" dirty="0"/>
+                    </a:p>
+                  </a:txBody>
+                  <a:tcPr/>
+                </a:tc>
+                <a:tc>
+                  <a:txBody>
+                    <a:bodyPr/>
+                    <a:lstStyle/>
+                    <a:p>
+                      <a:r>
+                        <a:rPr kumimoji="1" lang="en-US" altLang="ja-JP" dirty="0"/>
+                        <a:t>c1</a:t>
+                      </a:r>
+                      <a:endParaRPr kumimoji="1" lang="ja-JP" altLang="en-US" dirty="0"/>
+                    </a:p>
+                  </a:txBody>
+                  <a:tcPr/>
+                </a:tc>
+                <a:tc>
+                  <a:txBody>
+                    <a:bodyPr/>
+                    <a:lstStyle/>
+                    <a:p>
+                      <a:r>
+                        <a:rPr kumimoji="1" lang="en-US" altLang="ja-JP" dirty="0"/>
+                        <a:t>c2</a:t>
+                      </a:r>
+                      <a:endParaRPr kumimoji="1" lang="ja-JP" altLang="en-US" dirty="0"/>
+                    </a:p>
+                  </a:txBody>
+                  <a:tcPr/>
+                </a:tc>
+                <a:tc>
+                  <a:txBody>
+                    <a:bodyPr/>
+                    <a:lstStyle/>
+                    <a:p>
+                      <a:r>
+                        <a:rPr kumimoji="1" lang="en-US" altLang="ja-JP" dirty="0"/>
+                        <a:t>c3</a:t>
+                      </a:r>
+                      <a:endParaRPr kumimoji="1" lang="ja-JP" altLang="en-US" dirty="0"/>
+                    </a:p>
+                  </a:txBody>
+                  <a:tcPr/>
+                </a:tc>
+                <a:tc>
+                  <a:txBody>
+                    <a:bodyPr/>
+                    <a:lstStyle/>
+                    <a:p>
+                      <a:r>
+                        <a:rPr kumimoji="1" lang="en-US" altLang="ja-JP" dirty="0"/>
+                        <a:t>c4</a:t>
+                      </a:r>
+                      <a:endParaRPr kumimoji="1" lang="ja-JP" altLang="en-US" dirty="0"/>
+                    </a:p>
+                  </a:txBody>
+                  <a:tcPr/>
+                </a:tc>
+                <a:tc>
+                  <a:txBody>
+                    <a:bodyPr/>
+                    <a:lstStyle/>
+                    <a:p>
+                      <a:r>
+                        <a:rPr kumimoji="1" lang="en-US" altLang="ja-JP" dirty="0"/>
+                        <a:t>c5</a:t>
+                      </a:r>
+                      <a:endParaRPr kumimoji="1" lang="ja-JP" altLang="en-US" dirty="0"/>
+                    </a:p>
+                  </a:txBody>
+                  <a:tcPr/>
+                </a:tc>
+                <a:tc>
+                  <a:txBody>
+                    <a:bodyPr/>
+                    <a:lstStyle/>
+                    <a:p>
+                      <a:r>
+                        <a:rPr kumimoji="1" lang="en-US" altLang="ja-JP" dirty="0"/>
+                        <a:t>c6</a:t>
+                      </a:r>
+                      <a:endParaRPr kumimoji="1" lang="ja-JP" altLang="en-US" dirty="0"/>
+                    </a:p>
+                  </a:txBody>
+                  <a:tcPr/>
+                </a:tc>
+                <a:tc>
+                  <a:txBody>
+                    <a:bodyPr/>
+                    <a:lstStyle/>
+                    <a:p>
+                      <a:r>
+                        <a:rPr kumimoji="1" lang="en-US" altLang="ja-JP" dirty="0"/>
+                        <a:t>c7</a:t>
+                      </a:r>
+                      <a:endParaRPr kumimoji="1" lang="ja-JP" altLang="en-US" dirty="0"/>
+                    </a:p>
+                  </a:txBody>
+                  <a:tcPr/>
+                </a:tc>
+                <a:tc>
+                  <a:txBody>
+                    <a:bodyPr/>
+                    <a:lstStyle/>
+                    <a:p>
+                      <a:r>
+                        <a:rPr kumimoji="1" lang="en-US" altLang="ja-JP" dirty="0"/>
+                        <a:t>c8</a:t>
+                      </a:r>
+                      <a:endParaRPr kumimoji="1" lang="ja-JP" altLang="en-US" dirty="0"/>
+                    </a:p>
+                  </a:txBody>
+                  <a:tcPr/>
+                </a:tc>
+                <a:tc>
+                  <a:txBody>
+                    <a:bodyPr/>
+                    <a:lstStyle/>
+                    <a:p>
+                      <a:r>
+                        <a:rPr kumimoji="1" lang="en-US" altLang="ja-JP" dirty="0"/>
+                        <a:t>c9</a:t>
+                      </a:r>
+                      <a:endParaRPr kumimoji="1" lang="ja-JP" altLang="en-US" dirty="0"/>
+                    </a:p>
+                  </a:txBody>
+                  <a:tcPr/>
+                </a:tc>
+                <a:tc>
+                  <a:txBody>
+                    <a:bodyPr/>
+                    <a:lstStyle/>
+                    <a:p>
+                      <a:r>
+                        <a:rPr kumimoji="1" lang="en-US" altLang="ja-JP" dirty="0"/>
+                        <a:t>c10</a:t>
+                      </a:r>
+                      <a:endParaRPr kumimoji="1" lang="ja-JP" altLang="en-US" dirty="0"/>
+                    </a:p>
+                  </a:txBody>
+                  <a:tcPr/>
+                </a:tc>
+                <a:extLst>
+                  <a:ext uri="{0D108BD9-81ED-4DB2-BD59-A6C34878D82A}">
+                    <a16:rowId xmlns:a16="http://schemas.microsoft.com/office/drawing/2014/main" val="830148723"/>
+                  </a:ext>
+                </a:extLst>
+              </a:tr>
+              <a:tr h="370840">
+                <a:tc>
+                  <a:txBody>
+                    <a:bodyPr/>
+                    <a:lstStyle/>
+                    <a:p>
+                      <a:r>
+                        <a:rPr kumimoji="1" lang="en-US" altLang="ja-JP" dirty="0" err="1"/>
+                        <a:t>Himejijo</a:t>
+                      </a:r>
+                      <a:endParaRPr kumimoji="1" lang="ja-JP" altLang="en-US" dirty="0"/>
+                    </a:p>
+                  </a:txBody>
+                  <a:tcPr/>
+                </a:tc>
+                <a:tc>
+                  <a:txBody>
+                    <a:bodyPr/>
+                    <a:lstStyle/>
+                    <a:p>
+                      <a:r>
+                        <a:rPr kumimoji="1" lang="en-US" altLang="ja-JP" dirty="0"/>
+                        <a:t>Japan</a:t>
+                      </a:r>
+                      <a:endParaRPr kumimoji="1" lang="ja-JP" altLang="en-US" dirty="0"/>
+                    </a:p>
+                  </a:txBody>
+                  <a:tcPr/>
+                </a:tc>
+                <a:tc>
+                  <a:txBody>
+                    <a:bodyPr/>
+                    <a:lstStyle/>
+                    <a:p>
+                      <a:r>
+                        <a:rPr kumimoji="1" lang="en-US" altLang="ja-JP" dirty="0"/>
+                        <a:t>Hyogo</a:t>
+                      </a:r>
+                      <a:endParaRPr kumimoji="1" lang="ja-JP" altLang="en-US" dirty="0"/>
+                    </a:p>
+                  </a:txBody>
+                  <a:tcPr/>
+                </a:tc>
+                <a:tc>
+                  <a:txBody>
+                    <a:bodyPr/>
+                    <a:lstStyle/>
+                    <a:p>
+                      <a:r>
+                        <a:rPr kumimoji="1" lang="en-US" altLang="ja-JP" dirty="0"/>
+                        <a:t>1</a:t>
+                      </a:r>
+                      <a:endParaRPr kumimoji="1" lang="ja-JP" altLang="en-US" dirty="0"/>
+                    </a:p>
+                  </a:txBody>
+                  <a:tcPr/>
+                </a:tc>
+                <a:tc>
+                  <a:txBody>
+                    <a:bodyPr/>
+                    <a:lstStyle/>
+                    <a:p>
+                      <a:r>
+                        <a:rPr kumimoji="1" lang="en-US" altLang="ja-JP" dirty="0"/>
+                        <a:t>1</a:t>
+                      </a:r>
+                      <a:endParaRPr kumimoji="1" lang="ja-JP" altLang="en-US" dirty="0"/>
+                    </a:p>
+                  </a:txBody>
+                  <a:tcPr/>
+                </a:tc>
+                <a:tc>
+                  <a:txBody>
+                    <a:bodyPr/>
+                    <a:lstStyle/>
+                    <a:p>
+                      <a:r>
+                        <a:rPr kumimoji="1" lang="en-US" altLang="ja-JP" dirty="0"/>
+                        <a:t>0</a:t>
+                      </a:r>
+                      <a:endParaRPr kumimoji="1" lang="ja-JP" altLang="en-US" dirty="0"/>
+                    </a:p>
+                  </a:txBody>
+                  <a:tcPr/>
+                </a:tc>
+                <a:tc>
+                  <a:txBody>
+                    <a:bodyPr/>
+                    <a:lstStyle/>
+                    <a:p>
+                      <a:r>
+                        <a:rPr kumimoji="1" lang="en-US" altLang="ja-JP" dirty="0"/>
+                        <a:t>0</a:t>
+                      </a:r>
+                      <a:endParaRPr kumimoji="1" lang="ja-JP" altLang="en-US" dirty="0"/>
+                    </a:p>
+                  </a:txBody>
+                  <a:tcPr/>
+                </a:tc>
+                <a:tc>
+                  <a:txBody>
+                    <a:bodyPr/>
+                    <a:lstStyle/>
+                    <a:p>
+                      <a:r>
+                        <a:rPr kumimoji="1" lang="en-US" altLang="ja-JP" dirty="0"/>
+                        <a:t>0</a:t>
+                      </a:r>
+                      <a:endParaRPr kumimoji="1" lang="ja-JP" altLang="en-US" dirty="0"/>
+                    </a:p>
+                  </a:txBody>
+                  <a:tcPr/>
+                </a:tc>
+                <a:tc>
+                  <a:txBody>
+                    <a:bodyPr/>
+                    <a:lstStyle/>
+                    <a:p>
+                      <a:r>
+                        <a:rPr kumimoji="1" lang="en-US" altLang="ja-JP" dirty="0"/>
+                        <a:t>1</a:t>
+                      </a:r>
+                      <a:endParaRPr kumimoji="1" lang="ja-JP" altLang="en-US" dirty="0"/>
+                    </a:p>
+                  </a:txBody>
+                  <a:tcPr/>
+                </a:tc>
+                <a:tc>
+                  <a:txBody>
+                    <a:bodyPr/>
+                    <a:lstStyle/>
+                    <a:p>
+                      <a:r>
+                        <a:rPr kumimoji="1" lang="en-US" altLang="ja-JP" dirty="0"/>
+                        <a:t>0</a:t>
+                      </a:r>
+                      <a:endParaRPr kumimoji="1" lang="ja-JP" altLang="en-US" dirty="0"/>
+                    </a:p>
+                  </a:txBody>
+                  <a:tcPr/>
+                </a:tc>
+                <a:tc>
+                  <a:txBody>
+                    <a:bodyPr/>
+                    <a:lstStyle/>
+                    <a:p>
+                      <a:r>
+                        <a:rPr kumimoji="1" lang="en-US" altLang="ja-JP" dirty="0"/>
+                        <a:t>0</a:t>
+                      </a:r>
+                      <a:endParaRPr kumimoji="1" lang="ja-JP" altLang="en-US" dirty="0"/>
+                    </a:p>
+                  </a:txBody>
+                  <a:tcPr/>
+                </a:tc>
+                <a:tc>
+                  <a:txBody>
+                    <a:bodyPr/>
+                    <a:lstStyle/>
+                    <a:p>
+                      <a:r>
+                        <a:rPr kumimoji="1" lang="en-US" altLang="ja-JP" dirty="0"/>
+                        <a:t>0</a:t>
+                      </a:r>
+                      <a:endParaRPr kumimoji="1" lang="ja-JP" altLang="en-US" dirty="0"/>
+                    </a:p>
+                  </a:txBody>
+                  <a:tcPr/>
+                </a:tc>
+                <a:tc>
+                  <a:txBody>
+                    <a:bodyPr/>
+                    <a:lstStyle/>
+                    <a:p>
+                      <a:r>
+                        <a:rPr kumimoji="1" lang="en-US" altLang="ja-JP" dirty="0"/>
+                        <a:t>0</a:t>
+                      </a:r>
+                      <a:endParaRPr kumimoji="1" lang="ja-JP" altLang="en-US" dirty="0"/>
+                    </a:p>
+                  </a:txBody>
+                  <a:tcPr/>
+                </a:tc>
+                <a:extLst>
+                  <a:ext uri="{0D108BD9-81ED-4DB2-BD59-A6C34878D82A}">
+                    <a16:rowId xmlns:a16="http://schemas.microsoft.com/office/drawing/2014/main" val="2555128568"/>
+                  </a:ext>
+                </a:extLst>
+              </a:tr>
+              <a:tr h="370840">
+                <a:tc>
+                  <a:txBody>
+                    <a:bodyPr/>
+                    <a:lstStyle/>
+                    <a:p>
+                      <a:endParaRPr kumimoji="1" lang="ja-JP" altLang="en-US" dirty="0"/>
+                    </a:p>
+                  </a:txBody>
+                  <a:tcPr/>
+                </a:tc>
+                <a:tc>
+                  <a:txBody>
+                    <a:bodyPr/>
+                    <a:lstStyle/>
+                    <a:p>
+                      <a:endParaRPr kumimoji="1" lang="ja-JP" altLang="en-US" dirty="0"/>
+                    </a:p>
+                  </a:txBody>
+                  <a:tcPr/>
+                </a:tc>
+                <a:tc>
+                  <a:txBody>
+                    <a:bodyPr/>
+                    <a:lstStyle/>
+                    <a:p>
+                      <a:endParaRPr kumimoji="1" lang="ja-JP" altLang="en-US" dirty="0"/>
+                    </a:p>
+                  </a:txBody>
+                  <a:tcPr/>
+                </a:tc>
+                <a:tc>
+                  <a:txBody>
+                    <a:bodyPr/>
+                    <a:lstStyle/>
+                    <a:p>
+                      <a:endParaRPr kumimoji="1" lang="ja-JP" altLang="en-US" dirty="0"/>
+                    </a:p>
+                  </a:txBody>
+                  <a:tcPr/>
+                </a:tc>
+                <a:tc>
+                  <a:txBody>
+                    <a:bodyPr/>
+                    <a:lstStyle/>
+                    <a:p>
+                      <a:endParaRPr kumimoji="1" lang="ja-JP" altLang="en-US"/>
+                    </a:p>
+                  </a:txBody>
+                  <a:tcPr/>
+                </a:tc>
+                <a:tc>
+                  <a:txBody>
+                    <a:bodyPr/>
+                    <a:lstStyle/>
+                    <a:p>
+                      <a:endParaRPr kumimoji="1" lang="ja-JP" altLang="en-US"/>
+                    </a:p>
+                  </a:txBody>
+                  <a:tcPr/>
+                </a:tc>
+                <a:tc>
+                  <a:txBody>
+                    <a:bodyPr/>
+                    <a:lstStyle/>
+                    <a:p>
+                      <a:endParaRPr kumimoji="1" lang="ja-JP" altLang="en-US" dirty="0"/>
+                    </a:p>
+                  </a:txBody>
+                  <a:tcPr/>
+                </a:tc>
+                <a:tc>
+                  <a:txBody>
+                    <a:bodyPr/>
+                    <a:lstStyle/>
+                    <a:p>
+                      <a:endParaRPr kumimoji="1" lang="ja-JP" altLang="en-US"/>
+                    </a:p>
+                  </a:txBody>
+                  <a:tcPr/>
+                </a:tc>
+                <a:tc>
+                  <a:txBody>
+                    <a:bodyPr/>
+                    <a:lstStyle/>
+                    <a:p>
+                      <a:endParaRPr kumimoji="1" lang="ja-JP" altLang="en-US"/>
+                    </a:p>
+                  </a:txBody>
+                  <a:tcPr/>
+                </a:tc>
+                <a:tc>
+                  <a:txBody>
+                    <a:bodyPr/>
+                    <a:lstStyle/>
+                    <a:p>
+                      <a:endParaRPr kumimoji="1" lang="ja-JP" altLang="en-US"/>
+                    </a:p>
+                  </a:txBody>
+                  <a:tcPr/>
+                </a:tc>
+                <a:tc>
+                  <a:txBody>
+                    <a:bodyPr/>
+                    <a:lstStyle/>
+                    <a:p>
+                      <a:endParaRPr kumimoji="1" lang="ja-JP" altLang="en-US"/>
+                    </a:p>
+                  </a:txBody>
+                  <a:tcPr/>
+                </a:tc>
+                <a:tc>
+                  <a:txBody>
+                    <a:bodyPr/>
+                    <a:lstStyle/>
+                    <a:p>
+                      <a:endParaRPr kumimoji="1" lang="ja-JP" altLang="en-US"/>
+                    </a:p>
+                  </a:txBody>
+                  <a:tcPr/>
+                </a:tc>
+                <a:tc>
+                  <a:txBody>
+                    <a:bodyPr/>
+                    <a:lstStyle/>
+                    <a:p>
+                      <a:endParaRPr kumimoji="1" lang="ja-JP" altLang="en-US" dirty="0"/>
+                    </a:p>
+                  </a:txBody>
+                  <a:tcPr/>
+                </a:tc>
+                <a:extLst>
+                  <a:ext uri="{0D108BD9-81ED-4DB2-BD59-A6C34878D82A}">
+                    <a16:rowId xmlns:a16="http://schemas.microsoft.com/office/drawing/2014/main" val="3033148496"/>
+                  </a:ext>
+                </a:extLst>
+              </a:tr>
+            </a:tbl>
+          </a:graphicData>
+        </a:graphic>
+      </p:graphicFrame>
+      <p:graphicFrame>
+        <p:nvGraphicFramePr>
+          <p:cNvPr id="4" name="表 3">
+            <a:extLst>
+              <a:ext uri="{FF2B5EF4-FFF2-40B4-BE49-F238E27FC236}">
+                <a16:creationId xmlns:a16="http://schemas.microsoft.com/office/drawing/2014/main" id="{E00849A9-770D-40EC-8075-09DC14121073}"/>
+              </a:ext>
+            </a:extLst>
+          </p:cNvPr>
+          <p:cNvGraphicFramePr>
+            <a:graphicFrameLocks noGrp="1"/>
+          </p:cNvGraphicFramePr>
+          <p:nvPr>
+            <p:extLst>
+              <p:ext uri="{D42A27DB-BD31-4B8C-83A1-F6EECF244321}">
+                <p14:modId xmlns:p14="http://schemas.microsoft.com/office/powerpoint/2010/main" val="1386965292"/>
+              </p:ext>
+            </p:extLst>
+          </p:nvPr>
+        </p:nvGraphicFramePr>
+        <p:xfrm>
+          <a:off x="516836" y="3812312"/>
+          <a:ext cx="6514585" cy="1112520"/>
+        </p:xfrm>
+        <a:graphic>
+          <a:graphicData uri="http://schemas.openxmlformats.org/drawingml/2006/table">
+            <a:tbl>
+              <a:tblPr firstRow="1" bandRow="1">
+                <a:tableStyleId>{5C22544A-7EE6-4342-B048-85BDC9FD1C3A}</a:tableStyleId>
+              </a:tblPr>
+              <a:tblGrid>
+                <a:gridCol w="1126750">
+                  <a:extLst>
+                    <a:ext uri="{9D8B030D-6E8A-4147-A177-3AD203B41FA5}">
+                      <a16:colId xmlns:a16="http://schemas.microsoft.com/office/drawing/2014/main" val="816108234"/>
+                    </a:ext>
+                  </a:extLst>
+                </a:gridCol>
+                <a:gridCol w="513350">
+                  <a:extLst>
+                    <a:ext uri="{9D8B030D-6E8A-4147-A177-3AD203B41FA5}">
+                      <a16:colId xmlns:a16="http://schemas.microsoft.com/office/drawing/2014/main" val="4221695396"/>
+                    </a:ext>
+                  </a:extLst>
+                </a:gridCol>
+                <a:gridCol w="547347">
+                  <a:extLst>
+                    <a:ext uri="{9D8B030D-6E8A-4147-A177-3AD203B41FA5}">
+                      <a16:colId xmlns:a16="http://schemas.microsoft.com/office/drawing/2014/main" val="1819265997"/>
+                    </a:ext>
+                  </a:extLst>
+                </a:gridCol>
+                <a:gridCol w="469156">
+                  <a:extLst>
+                    <a:ext uri="{9D8B030D-6E8A-4147-A177-3AD203B41FA5}">
+                      <a16:colId xmlns:a16="http://schemas.microsoft.com/office/drawing/2014/main" val="1422182249"/>
+                    </a:ext>
+                  </a:extLst>
+                </a:gridCol>
+                <a:gridCol w="625540">
+                  <a:extLst>
+                    <a:ext uri="{9D8B030D-6E8A-4147-A177-3AD203B41FA5}">
+                      <a16:colId xmlns:a16="http://schemas.microsoft.com/office/drawing/2014/main" val="2835775585"/>
+                    </a:ext>
+                  </a:extLst>
+                </a:gridCol>
+                <a:gridCol w="659052">
+                  <a:extLst>
+                    <a:ext uri="{9D8B030D-6E8A-4147-A177-3AD203B41FA5}">
+                      <a16:colId xmlns:a16="http://schemas.microsoft.com/office/drawing/2014/main" val="889059608"/>
+                    </a:ext>
+                  </a:extLst>
+                </a:gridCol>
+                <a:gridCol w="471203">
+                  <a:extLst>
+                    <a:ext uri="{9D8B030D-6E8A-4147-A177-3AD203B41FA5}">
+                      <a16:colId xmlns:a16="http://schemas.microsoft.com/office/drawing/2014/main" val="2959762864"/>
+                    </a:ext>
+                  </a:extLst>
+                </a:gridCol>
+                <a:gridCol w="424474">
+                  <a:extLst>
+                    <a:ext uri="{9D8B030D-6E8A-4147-A177-3AD203B41FA5}">
+                      <a16:colId xmlns:a16="http://schemas.microsoft.com/office/drawing/2014/main" val="2544263672"/>
+                    </a:ext>
+                  </a:extLst>
+                </a:gridCol>
+                <a:gridCol w="478278">
+                  <a:extLst>
+                    <a:ext uri="{9D8B030D-6E8A-4147-A177-3AD203B41FA5}">
+                      <a16:colId xmlns:a16="http://schemas.microsoft.com/office/drawing/2014/main" val="3835054850"/>
+                    </a:ext>
+                  </a:extLst>
+                </a:gridCol>
+                <a:gridCol w="452557">
+                  <a:extLst>
+                    <a:ext uri="{9D8B030D-6E8A-4147-A177-3AD203B41FA5}">
+                      <a16:colId xmlns:a16="http://schemas.microsoft.com/office/drawing/2014/main" val="587795260"/>
+                    </a:ext>
+                  </a:extLst>
+                </a:gridCol>
+                <a:gridCol w="746878">
+                  <a:extLst>
+                    <a:ext uri="{9D8B030D-6E8A-4147-A177-3AD203B41FA5}">
+                      <a16:colId xmlns:a16="http://schemas.microsoft.com/office/drawing/2014/main" val="454042545"/>
+                    </a:ext>
+                  </a:extLst>
+                </a:gridCol>
+              </a:tblGrid>
+              <a:tr h="370840">
+                <a:tc>
+                  <a:txBody>
+                    <a:bodyPr/>
+                    <a:lstStyle/>
+                    <a:p>
+                      <a:r>
+                        <a:rPr kumimoji="1" lang="en-US" altLang="ja-JP" dirty="0"/>
+                        <a:t>word</a:t>
+                      </a:r>
+                      <a:endParaRPr kumimoji="1" lang="ja-JP" altLang="en-US" dirty="0"/>
+                    </a:p>
+                  </a:txBody>
+                  <a:tcPr/>
+                </a:tc>
+                <a:tc>
+                  <a:txBody>
+                    <a:bodyPr/>
+                    <a:lstStyle/>
+                    <a:p>
+                      <a:r>
+                        <a:rPr kumimoji="1" lang="en-US" altLang="ja-JP" dirty="0"/>
+                        <a:t>c1</a:t>
+                      </a:r>
+                      <a:endParaRPr kumimoji="1" lang="ja-JP" altLang="en-US" dirty="0"/>
+                    </a:p>
+                  </a:txBody>
+                  <a:tcPr/>
+                </a:tc>
+                <a:tc>
+                  <a:txBody>
+                    <a:bodyPr/>
+                    <a:lstStyle/>
+                    <a:p>
+                      <a:r>
+                        <a:rPr kumimoji="1" lang="en-US" altLang="ja-JP" dirty="0"/>
+                        <a:t>c2</a:t>
+                      </a:r>
+                      <a:endParaRPr kumimoji="1" lang="ja-JP" altLang="en-US" dirty="0"/>
+                    </a:p>
+                  </a:txBody>
+                  <a:tcPr/>
+                </a:tc>
+                <a:tc>
+                  <a:txBody>
+                    <a:bodyPr/>
+                    <a:lstStyle/>
+                    <a:p>
+                      <a:r>
+                        <a:rPr kumimoji="1" lang="en-US" altLang="ja-JP" dirty="0"/>
+                        <a:t>c3</a:t>
+                      </a:r>
+                      <a:endParaRPr kumimoji="1" lang="ja-JP" altLang="en-US" dirty="0"/>
+                    </a:p>
+                  </a:txBody>
+                  <a:tcPr/>
+                </a:tc>
+                <a:tc>
+                  <a:txBody>
+                    <a:bodyPr/>
+                    <a:lstStyle/>
+                    <a:p>
+                      <a:r>
+                        <a:rPr kumimoji="1" lang="en-US" altLang="ja-JP" dirty="0"/>
+                        <a:t>c4</a:t>
+                      </a:r>
+                      <a:endParaRPr kumimoji="1" lang="ja-JP" altLang="en-US" dirty="0"/>
+                    </a:p>
+                  </a:txBody>
+                  <a:tcPr/>
+                </a:tc>
+                <a:tc>
+                  <a:txBody>
+                    <a:bodyPr/>
+                    <a:lstStyle/>
+                    <a:p>
+                      <a:r>
+                        <a:rPr kumimoji="1" lang="en-US" altLang="ja-JP" dirty="0"/>
+                        <a:t>c5</a:t>
+                      </a:r>
+                      <a:endParaRPr kumimoji="1" lang="ja-JP" altLang="en-US" dirty="0"/>
+                    </a:p>
+                  </a:txBody>
+                  <a:tcPr/>
+                </a:tc>
+                <a:tc>
+                  <a:txBody>
+                    <a:bodyPr/>
+                    <a:lstStyle/>
+                    <a:p>
+                      <a:r>
+                        <a:rPr kumimoji="1" lang="en-US" altLang="ja-JP" dirty="0"/>
+                        <a:t>c6</a:t>
+                      </a:r>
+                      <a:endParaRPr kumimoji="1" lang="ja-JP" altLang="en-US" dirty="0"/>
+                    </a:p>
+                  </a:txBody>
+                  <a:tcPr/>
+                </a:tc>
+                <a:tc>
+                  <a:txBody>
+                    <a:bodyPr/>
+                    <a:lstStyle/>
+                    <a:p>
+                      <a:r>
+                        <a:rPr kumimoji="1" lang="en-US" altLang="ja-JP" dirty="0"/>
+                        <a:t>c7</a:t>
+                      </a:r>
+                      <a:endParaRPr kumimoji="1" lang="ja-JP" altLang="en-US" dirty="0"/>
+                    </a:p>
+                  </a:txBody>
+                  <a:tcPr/>
+                </a:tc>
+                <a:tc>
+                  <a:txBody>
+                    <a:bodyPr/>
+                    <a:lstStyle/>
+                    <a:p>
+                      <a:r>
+                        <a:rPr kumimoji="1" lang="en-US" altLang="ja-JP" dirty="0"/>
+                        <a:t>c8</a:t>
+                      </a:r>
+                      <a:endParaRPr kumimoji="1" lang="ja-JP" altLang="en-US" dirty="0"/>
+                    </a:p>
+                  </a:txBody>
+                  <a:tcPr/>
+                </a:tc>
+                <a:tc>
+                  <a:txBody>
+                    <a:bodyPr/>
+                    <a:lstStyle/>
+                    <a:p>
+                      <a:r>
+                        <a:rPr kumimoji="1" lang="en-US" altLang="ja-JP" dirty="0"/>
+                        <a:t>c9</a:t>
+                      </a:r>
+                      <a:endParaRPr kumimoji="1" lang="ja-JP" altLang="en-US" dirty="0"/>
+                    </a:p>
+                  </a:txBody>
+                  <a:tcPr/>
+                </a:tc>
+                <a:tc>
+                  <a:txBody>
+                    <a:bodyPr/>
+                    <a:lstStyle/>
+                    <a:p>
+                      <a:r>
+                        <a:rPr kumimoji="1" lang="en-US" altLang="ja-JP" dirty="0"/>
+                        <a:t>c10</a:t>
+                      </a:r>
+                      <a:endParaRPr kumimoji="1" lang="ja-JP" altLang="en-US" dirty="0"/>
+                    </a:p>
+                  </a:txBody>
+                  <a:tcPr/>
+                </a:tc>
+                <a:extLst>
+                  <a:ext uri="{0D108BD9-81ED-4DB2-BD59-A6C34878D82A}">
+                    <a16:rowId xmlns:a16="http://schemas.microsoft.com/office/drawing/2014/main" val="830148723"/>
+                  </a:ext>
+                </a:extLst>
+              </a:tr>
+              <a:tr h="370840">
+                <a:tc>
+                  <a:txBody>
+                    <a:bodyPr/>
+                    <a:lstStyle/>
+                    <a:p>
+                      <a:r>
+                        <a:rPr kumimoji="1" lang="en-US" altLang="ja-JP" dirty="0"/>
+                        <a:t>cultural</a:t>
+                      </a:r>
+                      <a:endParaRPr kumimoji="1" lang="ja-JP" altLang="en-US" dirty="0"/>
+                    </a:p>
+                  </a:txBody>
+                  <a:tcPr/>
+                </a:tc>
+                <a:tc>
+                  <a:txBody>
+                    <a:bodyPr/>
+                    <a:lstStyle/>
+                    <a:p>
+                      <a:r>
+                        <a:rPr kumimoji="1" lang="en-US" altLang="ja-JP" dirty="0"/>
+                        <a:t>0.5</a:t>
+                      </a:r>
+                      <a:endParaRPr kumimoji="1" lang="ja-JP" altLang="en-US" dirty="0"/>
+                    </a:p>
+                  </a:txBody>
+                  <a:tcPr/>
+                </a:tc>
+                <a:tc>
+                  <a:txBody>
+                    <a:bodyPr/>
+                    <a:lstStyle/>
+                    <a:p>
+                      <a:r>
+                        <a:rPr kumimoji="1" lang="en-US" altLang="ja-JP" dirty="0"/>
+                        <a:t>0</a:t>
+                      </a:r>
+                      <a:endParaRPr kumimoji="1" lang="ja-JP" altLang="en-US" dirty="0"/>
+                    </a:p>
+                  </a:txBody>
+                  <a:tcPr/>
+                </a:tc>
+                <a:tc>
+                  <a:txBody>
+                    <a:bodyPr/>
+                    <a:lstStyle/>
+                    <a:p>
+                      <a:r>
+                        <a:rPr kumimoji="1" lang="en-US" altLang="ja-JP" dirty="0"/>
+                        <a:t>0</a:t>
+                      </a:r>
+                      <a:endParaRPr kumimoji="1" lang="ja-JP" altLang="en-US" dirty="0"/>
+                    </a:p>
+                  </a:txBody>
+                  <a:tcPr/>
+                </a:tc>
+                <a:tc>
+                  <a:txBody>
+                    <a:bodyPr/>
+                    <a:lstStyle/>
+                    <a:p>
+                      <a:r>
+                        <a:rPr kumimoji="1" lang="en-US" altLang="ja-JP" dirty="0"/>
+                        <a:t>0.25</a:t>
+                      </a:r>
+                      <a:endParaRPr kumimoji="1" lang="ja-JP" altLang="en-US" dirty="0"/>
+                    </a:p>
+                  </a:txBody>
+                  <a:tcPr/>
+                </a:tc>
+                <a:tc>
+                  <a:txBody>
+                    <a:bodyPr/>
+                    <a:lstStyle/>
+                    <a:p>
+                      <a:r>
+                        <a:rPr kumimoji="1" lang="en-US" altLang="ja-JP" dirty="0"/>
+                        <a:t>0.25</a:t>
+                      </a:r>
+                      <a:endParaRPr kumimoji="1" lang="ja-JP" altLang="en-US" dirty="0"/>
+                    </a:p>
+                  </a:txBody>
+                  <a:tcPr/>
+                </a:tc>
+                <a:tc>
+                  <a:txBody>
+                    <a:bodyPr/>
+                    <a:lstStyle/>
+                    <a:p>
+                      <a:r>
+                        <a:rPr kumimoji="1" lang="en-US" altLang="ja-JP" dirty="0"/>
+                        <a:t>0</a:t>
+                      </a:r>
+                      <a:endParaRPr kumimoji="1" lang="ja-JP" altLang="en-US" dirty="0"/>
+                    </a:p>
+                  </a:txBody>
+                  <a:tcPr/>
+                </a:tc>
+                <a:tc>
+                  <a:txBody>
+                    <a:bodyPr/>
+                    <a:lstStyle/>
+                    <a:p>
+                      <a:r>
+                        <a:rPr kumimoji="1" lang="en-US" altLang="ja-JP" dirty="0"/>
+                        <a:t>0</a:t>
+                      </a:r>
+                      <a:endParaRPr kumimoji="1" lang="ja-JP" altLang="en-US" dirty="0"/>
+                    </a:p>
+                  </a:txBody>
+                  <a:tcPr/>
+                </a:tc>
+                <a:tc>
+                  <a:txBody>
+                    <a:bodyPr/>
+                    <a:lstStyle/>
+                    <a:p>
+                      <a:r>
+                        <a:rPr kumimoji="1" lang="en-US" altLang="ja-JP" dirty="0"/>
+                        <a:t>0</a:t>
+                      </a:r>
+                      <a:endParaRPr kumimoji="1" lang="ja-JP" altLang="en-US" dirty="0"/>
+                    </a:p>
+                  </a:txBody>
+                  <a:tcPr/>
+                </a:tc>
+                <a:tc>
+                  <a:txBody>
+                    <a:bodyPr/>
+                    <a:lstStyle/>
+                    <a:p>
+                      <a:r>
+                        <a:rPr kumimoji="1" lang="en-US" altLang="ja-JP" dirty="0"/>
+                        <a:t>0</a:t>
+                      </a:r>
+                      <a:endParaRPr kumimoji="1" lang="ja-JP" altLang="en-US" dirty="0"/>
+                    </a:p>
+                  </a:txBody>
+                  <a:tcPr/>
+                </a:tc>
+                <a:tc>
+                  <a:txBody>
+                    <a:bodyPr/>
+                    <a:lstStyle/>
+                    <a:p>
+                      <a:r>
+                        <a:rPr kumimoji="1" lang="en-US" altLang="ja-JP" dirty="0"/>
+                        <a:t>0</a:t>
+                      </a:r>
+                      <a:endParaRPr kumimoji="1" lang="ja-JP" altLang="en-US" dirty="0"/>
+                    </a:p>
+                  </a:txBody>
+                  <a:tcPr/>
+                </a:tc>
+                <a:extLst>
+                  <a:ext uri="{0D108BD9-81ED-4DB2-BD59-A6C34878D82A}">
+                    <a16:rowId xmlns:a16="http://schemas.microsoft.com/office/drawing/2014/main" val="2555128568"/>
+                  </a:ext>
+                </a:extLst>
+              </a:tr>
+              <a:tr h="370840">
+                <a:tc>
+                  <a:txBody>
+                    <a:bodyPr/>
+                    <a:lstStyle/>
+                    <a:p>
+                      <a:endParaRPr kumimoji="1" lang="ja-JP" altLang="en-US" dirty="0"/>
+                    </a:p>
+                  </a:txBody>
+                  <a:tcPr/>
+                </a:tc>
+                <a:tc>
+                  <a:txBody>
+                    <a:bodyPr/>
+                    <a:lstStyle/>
+                    <a:p>
+                      <a:endParaRPr kumimoji="1" lang="ja-JP" altLang="en-US" dirty="0"/>
+                    </a:p>
+                  </a:txBody>
+                  <a:tcPr/>
+                </a:tc>
+                <a:tc>
+                  <a:txBody>
+                    <a:bodyPr/>
+                    <a:lstStyle/>
+                    <a:p>
+                      <a:endParaRPr kumimoji="1" lang="ja-JP" altLang="en-US" dirty="0"/>
+                    </a:p>
+                  </a:txBody>
+                  <a:tcPr/>
+                </a:tc>
+                <a:tc>
+                  <a:txBody>
+                    <a:bodyPr/>
+                    <a:lstStyle/>
+                    <a:p>
+                      <a:endParaRPr kumimoji="1" lang="ja-JP" altLang="en-US" dirty="0"/>
+                    </a:p>
+                  </a:txBody>
+                  <a:tcPr/>
+                </a:tc>
+                <a:tc>
+                  <a:txBody>
+                    <a:bodyPr/>
+                    <a:lstStyle/>
+                    <a:p>
+                      <a:endParaRPr kumimoji="1" lang="ja-JP" altLang="en-US" dirty="0"/>
+                    </a:p>
+                  </a:txBody>
+                  <a:tcPr/>
+                </a:tc>
+                <a:tc>
+                  <a:txBody>
+                    <a:bodyPr/>
+                    <a:lstStyle/>
+                    <a:p>
+                      <a:endParaRPr kumimoji="1" lang="ja-JP" altLang="en-US"/>
+                    </a:p>
+                  </a:txBody>
+                  <a:tcPr/>
+                </a:tc>
+                <a:tc>
+                  <a:txBody>
+                    <a:bodyPr/>
+                    <a:lstStyle/>
+                    <a:p>
+                      <a:endParaRPr kumimoji="1" lang="ja-JP" altLang="en-US"/>
+                    </a:p>
+                  </a:txBody>
+                  <a:tcPr/>
+                </a:tc>
+                <a:tc>
+                  <a:txBody>
+                    <a:bodyPr/>
+                    <a:lstStyle/>
+                    <a:p>
+                      <a:endParaRPr kumimoji="1" lang="ja-JP" altLang="en-US"/>
+                    </a:p>
+                  </a:txBody>
+                  <a:tcPr/>
+                </a:tc>
+                <a:tc>
+                  <a:txBody>
+                    <a:bodyPr/>
+                    <a:lstStyle/>
+                    <a:p>
+                      <a:endParaRPr kumimoji="1" lang="ja-JP" altLang="en-US"/>
+                    </a:p>
+                  </a:txBody>
+                  <a:tcPr/>
+                </a:tc>
+                <a:tc>
+                  <a:txBody>
+                    <a:bodyPr/>
+                    <a:lstStyle/>
+                    <a:p>
+                      <a:endParaRPr kumimoji="1" lang="ja-JP" altLang="en-US"/>
+                    </a:p>
+                  </a:txBody>
+                  <a:tcPr/>
+                </a:tc>
+                <a:tc>
+                  <a:txBody>
+                    <a:bodyPr/>
+                    <a:lstStyle/>
+                    <a:p>
+                      <a:endParaRPr kumimoji="1" lang="ja-JP" altLang="en-US" dirty="0"/>
+                    </a:p>
+                  </a:txBody>
+                  <a:tcPr/>
+                </a:tc>
+                <a:extLst>
+                  <a:ext uri="{0D108BD9-81ED-4DB2-BD59-A6C34878D82A}">
+                    <a16:rowId xmlns:a16="http://schemas.microsoft.com/office/drawing/2014/main" val="3033148496"/>
+                  </a:ext>
+                </a:extLst>
+              </a:tr>
+            </a:tbl>
+          </a:graphicData>
+        </a:graphic>
+      </p:graphicFrame>
+      <p:sp>
+        <p:nvSpPr>
+          <p:cNvPr id="5" name="テキスト ボックス 4">
+            <a:extLst>
+              <a:ext uri="{FF2B5EF4-FFF2-40B4-BE49-F238E27FC236}">
+                <a16:creationId xmlns:a16="http://schemas.microsoft.com/office/drawing/2014/main" id="{09EAD33C-F570-426A-8FE5-36E12B5F4C65}"/>
+              </a:ext>
+            </a:extLst>
+          </p:cNvPr>
+          <p:cNvSpPr txBox="1"/>
+          <p:nvPr/>
+        </p:nvSpPr>
+        <p:spPr>
+          <a:xfrm>
+            <a:off x="549647" y="313780"/>
+            <a:ext cx="3991044" cy="338554"/>
+          </a:xfrm>
+          <a:prstGeom prst="rect">
+            <a:avLst/>
+          </a:prstGeom>
+          <a:noFill/>
+        </p:spPr>
+        <p:txBody>
+          <a:bodyPr wrap="square" rtlCol="0">
+            <a:spAutoFit/>
+          </a:bodyPr>
+          <a:lstStyle/>
+          <a:p>
+            <a:r>
+              <a:rPr kumimoji="1" lang="ja-JP" altLang="en-US" sz="1600" dirty="0"/>
+              <a:t>観光対象データベース</a:t>
+            </a:r>
+            <a:endParaRPr kumimoji="1" lang="en-US" altLang="ja-JP" sz="1600" dirty="0"/>
+          </a:p>
+        </p:txBody>
+      </p:sp>
+      <p:sp>
+        <p:nvSpPr>
+          <p:cNvPr id="6" name="テキスト ボックス 5">
+            <a:extLst>
+              <a:ext uri="{FF2B5EF4-FFF2-40B4-BE49-F238E27FC236}">
+                <a16:creationId xmlns:a16="http://schemas.microsoft.com/office/drawing/2014/main" id="{278DE65D-BB39-4C84-8715-2622C4EDDA0B}"/>
+              </a:ext>
+            </a:extLst>
+          </p:cNvPr>
+          <p:cNvSpPr txBox="1"/>
+          <p:nvPr/>
+        </p:nvSpPr>
+        <p:spPr>
+          <a:xfrm>
+            <a:off x="544397" y="3356516"/>
+            <a:ext cx="3991044" cy="338554"/>
+          </a:xfrm>
+          <a:prstGeom prst="rect">
+            <a:avLst/>
+          </a:prstGeom>
+          <a:noFill/>
+        </p:spPr>
+        <p:txBody>
+          <a:bodyPr wrap="square" rtlCol="0">
+            <a:spAutoFit/>
+          </a:bodyPr>
+          <a:lstStyle/>
+          <a:p>
+            <a:r>
+              <a:rPr kumimoji="1" lang="ja-JP" altLang="en-US" sz="1600" dirty="0"/>
+              <a:t>観光価値用語知識ベース</a:t>
+            </a:r>
+            <a:endParaRPr kumimoji="1" lang="en-US" altLang="ja-JP" sz="1600" dirty="0"/>
+          </a:p>
+        </p:txBody>
+      </p:sp>
+      <p:cxnSp>
+        <p:nvCxnSpPr>
+          <p:cNvPr id="8" name="直線矢印コネクタ 7">
+            <a:extLst>
+              <a:ext uri="{FF2B5EF4-FFF2-40B4-BE49-F238E27FC236}">
+                <a16:creationId xmlns:a16="http://schemas.microsoft.com/office/drawing/2014/main" id="{AC276FB3-AC38-41E1-9039-3E3F7ABF909C}"/>
+              </a:ext>
+            </a:extLst>
+          </p:cNvPr>
+          <p:cNvCxnSpPr>
+            <a:cxnSpLocks/>
+          </p:cNvCxnSpPr>
+          <p:nvPr/>
+        </p:nvCxnSpPr>
+        <p:spPr>
+          <a:xfrm flipV="1">
+            <a:off x="7642526" y="3720734"/>
+            <a:ext cx="0" cy="821633"/>
+          </a:xfrm>
+          <a:prstGeom prst="straightConnector1">
+            <a:avLst/>
+          </a:prstGeom>
+          <a:ln w="31750">
+            <a:solidFill>
+              <a:schemeClr val="tx1"/>
+            </a:solidFill>
+            <a:tailEnd type="triangle"/>
+          </a:ln>
+        </p:spPr>
+        <p:style>
+          <a:lnRef idx="1">
+            <a:schemeClr val="accent1"/>
+          </a:lnRef>
+          <a:fillRef idx="0">
+            <a:schemeClr val="accent1"/>
+          </a:fillRef>
+          <a:effectRef idx="0">
+            <a:schemeClr val="accent1"/>
+          </a:effectRef>
+          <a:fontRef idx="minor">
+            <a:schemeClr val="tx1"/>
+          </a:fontRef>
+        </p:style>
+      </p:cxnSp>
+      <p:cxnSp>
+        <p:nvCxnSpPr>
+          <p:cNvPr id="9" name="直線矢印コネクタ 8">
+            <a:extLst>
+              <a:ext uri="{FF2B5EF4-FFF2-40B4-BE49-F238E27FC236}">
+                <a16:creationId xmlns:a16="http://schemas.microsoft.com/office/drawing/2014/main" id="{2A8830B8-CA38-4EBC-AED2-4EF950DE6F69}"/>
+              </a:ext>
+            </a:extLst>
+          </p:cNvPr>
+          <p:cNvCxnSpPr>
+            <a:cxnSpLocks/>
+          </p:cNvCxnSpPr>
+          <p:nvPr/>
+        </p:nvCxnSpPr>
+        <p:spPr>
+          <a:xfrm flipV="1">
+            <a:off x="7642526" y="4449600"/>
+            <a:ext cx="854765" cy="92767"/>
+          </a:xfrm>
+          <a:prstGeom prst="straightConnector1">
+            <a:avLst/>
+          </a:prstGeom>
+          <a:ln w="31750">
+            <a:solidFill>
+              <a:schemeClr val="tx1"/>
+            </a:solidFill>
+            <a:tailEnd type="triangle"/>
+          </a:ln>
+        </p:spPr>
+        <p:style>
+          <a:lnRef idx="1">
+            <a:schemeClr val="accent1"/>
+          </a:lnRef>
+          <a:fillRef idx="0">
+            <a:schemeClr val="accent1"/>
+          </a:fillRef>
+          <a:effectRef idx="0">
+            <a:schemeClr val="accent1"/>
+          </a:effectRef>
+          <a:fontRef idx="minor">
+            <a:schemeClr val="tx1"/>
+          </a:fontRef>
+        </p:style>
+      </p:cxnSp>
+      <p:cxnSp>
+        <p:nvCxnSpPr>
+          <p:cNvPr id="10" name="直線矢印コネクタ 9">
+            <a:extLst>
+              <a:ext uri="{FF2B5EF4-FFF2-40B4-BE49-F238E27FC236}">
+                <a16:creationId xmlns:a16="http://schemas.microsoft.com/office/drawing/2014/main" id="{7F41ECB6-15A9-4FE5-90B7-82A3090373CE}"/>
+              </a:ext>
+            </a:extLst>
+          </p:cNvPr>
+          <p:cNvCxnSpPr>
+            <a:cxnSpLocks/>
+          </p:cNvCxnSpPr>
+          <p:nvPr/>
+        </p:nvCxnSpPr>
+        <p:spPr>
+          <a:xfrm flipH="1">
+            <a:off x="7304595" y="4542367"/>
+            <a:ext cx="337931" cy="410816"/>
+          </a:xfrm>
+          <a:prstGeom prst="straightConnector1">
+            <a:avLst/>
+          </a:prstGeom>
+          <a:ln w="31750">
+            <a:solidFill>
+              <a:schemeClr val="tx1"/>
+            </a:solidFill>
+            <a:tailEnd type="triangle"/>
+          </a:ln>
+        </p:spPr>
+        <p:style>
+          <a:lnRef idx="1">
+            <a:schemeClr val="accent1"/>
+          </a:lnRef>
+          <a:fillRef idx="0">
+            <a:schemeClr val="accent1"/>
+          </a:fillRef>
+          <a:effectRef idx="0">
+            <a:schemeClr val="accent1"/>
+          </a:effectRef>
+          <a:fontRef idx="minor">
+            <a:schemeClr val="tx1"/>
+          </a:fontRef>
+        </p:style>
+      </p:cxnSp>
+      <p:cxnSp>
+        <p:nvCxnSpPr>
+          <p:cNvPr id="11" name="直線矢印コネクタ 10">
+            <a:extLst>
+              <a:ext uri="{FF2B5EF4-FFF2-40B4-BE49-F238E27FC236}">
+                <a16:creationId xmlns:a16="http://schemas.microsoft.com/office/drawing/2014/main" id="{B0B7D13A-7AC0-4D1B-9011-E29AEA960686}"/>
+              </a:ext>
+            </a:extLst>
+          </p:cNvPr>
+          <p:cNvCxnSpPr>
+            <a:cxnSpLocks/>
+          </p:cNvCxnSpPr>
+          <p:nvPr/>
+        </p:nvCxnSpPr>
+        <p:spPr>
+          <a:xfrm flipV="1">
+            <a:off x="7652051" y="4288130"/>
+            <a:ext cx="715492" cy="262936"/>
+          </a:xfrm>
+          <a:prstGeom prst="straightConnector1">
+            <a:avLst/>
+          </a:prstGeom>
+          <a:ln w="31750">
+            <a:solidFill>
+              <a:schemeClr val="accent2"/>
+            </a:solidFill>
+            <a:tailEnd type="triangle"/>
+          </a:ln>
+        </p:spPr>
+        <p:style>
+          <a:lnRef idx="1">
+            <a:schemeClr val="accent1"/>
+          </a:lnRef>
+          <a:fillRef idx="0">
+            <a:schemeClr val="accent1"/>
+          </a:fillRef>
+          <a:effectRef idx="0">
+            <a:schemeClr val="accent1"/>
+          </a:effectRef>
+          <a:fontRef idx="minor">
+            <a:schemeClr val="tx1"/>
+          </a:fontRef>
+        </p:style>
+      </p:cxnSp>
+      <p:sp>
+        <p:nvSpPr>
+          <p:cNvPr id="13" name="テキスト ボックス 12">
+            <a:extLst>
+              <a:ext uri="{FF2B5EF4-FFF2-40B4-BE49-F238E27FC236}">
+                <a16:creationId xmlns:a16="http://schemas.microsoft.com/office/drawing/2014/main" id="{6E472735-087A-43B5-88AB-D11B1E079AA7}"/>
+              </a:ext>
+            </a:extLst>
+          </p:cNvPr>
+          <p:cNvSpPr txBox="1"/>
+          <p:nvPr/>
+        </p:nvSpPr>
+        <p:spPr>
+          <a:xfrm>
+            <a:off x="7539003" y="4791168"/>
+            <a:ext cx="1884997" cy="253916"/>
+          </a:xfrm>
+          <a:prstGeom prst="rect">
+            <a:avLst/>
+          </a:prstGeom>
+          <a:noFill/>
+        </p:spPr>
+        <p:txBody>
+          <a:bodyPr wrap="square" rtlCol="0">
+            <a:spAutoFit/>
+          </a:bodyPr>
+          <a:lstStyle/>
+          <a:p>
+            <a:r>
+              <a:rPr kumimoji="1" lang="ja-JP" altLang="en-US" sz="1050" dirty="0"/>
+              <a:t>長さ</a:t>
+            </a:r>
+            <a:r>
+              <a:rPr kumimoji="1" lang="en-US" altLang="ja-JP" sz="1050" dirty="0"/>
+              <a:t>1</a:t>
+            </a:r>
+            <a:r>
+              <a:rPr kumimoji="1" lang="ja-JP" altLang="en-US" sz="1050" dirty="0"/>
+              <a:t>のベクトル</a:t>
+            </a:r>
+            <a:endParaRPr kumimoji="1" lang="en-US" altLang="ja-JP" sz="1050" dirty="0"/>
+          </a:p>
+        </p:txBody>
+      </p:sp>
+      <p:cxnSp>
+        <p:nvCxnSpPr>
+          <p:cNvPr id="14" name="直線矢印コネクタ 13">
+            <a:extLst>
+              <a:ext uri="{FF2B5EF4-FFF2-40B4-BE49-F238E27FC236}">
+                <a16:creationId xmlns:a16="http://schemas.microsoft.com/office/drawing/2014/main" id="{1D2F6E92-BD8A-44C5-ABE6-79C09EE870C6}"/>
+              </a:ext>
+            </a:extLst>
+          </p:cNvPr>
+          <p:cNvCxnSpPr>
+            <a:cxnSpLocks/>
+          </p:cNvCxnSpPr>
+          <p:nvPr/>
+        </p:nvCxnSpPr>
+        <p:spPr>
+          <a:xfrm flipV="1">
+            <a:off x="7665443" y="1928999"/>
+            <a:ext cx="0" cy="821633"/>
+          </a:xfrm>
+          <a:prstGeom prst="straightConnector1">
+            <a:avLst/>
+          </a:prstGeom>
+          <a:ln w="31750">
+            <a:solidFill>
+              <a:schemeClr val="accent2">
+                <a:lumMod val="75000"/>
+              </a:schemeClr>
+            </a:solidFill>
+            <a:tailEnd type="triangle"/>
+          </a:ln>
+        </p:spPr>
+        <p:style>
+          <a:lnRef idx="1">
+            <a:schemeClr val="accent1"/>
+          </a:lnRef>
+          <a:fillRef idx="0">
+            <a:schemeClr val="accent1"/>
+          </a:fillRef>
+          <a:effectRef idx="0">
+            <a:schemeClr val="accent1"/>
+          </a:effectRef>
+          <a:fontRef idx="minor">
+            <a:schemeClr val="tx1"/>
+          </a:fontRef>
+        </p:style>
+      </p:cxnSp>
+      <p:cxnSp>
+        <p:nvCxnSpPr>
+          <p:cNvPr id="15" name="直線矢印コネクタ 14">
+            <a:extLst>
+              <a:ext uri="{FF2B5EF4-FFF2-40B4-BE49-F238E27FC236}">
+                <a16:creationId xmlns:a16="http://schemas.microsoft.com/office/drawing/2014/main" id="{7CF460A7-E1A6-443C-9A64-08EC600339CD}"/>
+              </a:ext>
+            </a:extLst>
+          </p:cNvPr>
+          <p:cNvCxnSpPr>
+            <a:cxnSpLocks/>
+          </p:cNvCxnSpPr>
+          <p:nvPr/>
+        </p:nvCxnSpPr>
+        <p:spPr>
+          <a:xfrm flipV="1">
+            <a:off x="7665443" y="2657865"/>
+            <a:ext cx="854765" cy="92767"/>
+          </a:xfrm>
+          <a:prstGeom prst="straightConnector1">
+            <a:avLst/>
+          </a:prstGeom>
+          <a:ln w="31750">
+            <a:solidFill>
+              <a:schemeClr val="accent2">
+                <a:lumMod val="75000"/>
+              </a:schemeClr>
+            </a:solidFill>
+            <a:tailEnd type="triangle"/>
+          </a:ln>
+        </p:spPr>
+        <p:style>
+          <a:lnRef idx="1">
+            <a:schemeClr val="accent1"/>
+          </a:lnRef>
+          <a:fillRef idx="0">
+            <a:schemeClr val="accent1"/>
+          </a:fillRef>
+          <a:effectRef idx="0">
+            <a:schemeClr val="accent1"/>
+          </a:effectRef>
+          <a:fontRef idx="minor">
+            <a:schemeClr val="tx1"/>
+          </a:fontRef>
+        </p:style>
+      </p:cxnSp>
+      <p:cxnSp>
+        <p:nvCxnSpPr>
+          <p:cNvPr id="16" name="直線矢印コネクタ 15">
+            <a:extLst>
+              <a:ext uri="{FF2B5EF4-FFF2-40B4-BE49-F238E27FC236}">
+                <a16:creationId xmlns:a16="http://schemas.microsoft.com/office/drawing/2014/main" id="{B48F8A07-78D0-4DA6-80E8-BBAD9F35235E}"/>
+              </a:ext>
+            </a:extLst>
+          </p:cNvPr>
+          <p:cNvCxnSpPr>
+            <a:cxnSpLocks/>
+          </p:cNvCxnSpPr>
+          <p:nvPr/>
+        </p:nvCxnSpPr>
+        <p:spPr>
+          <a:xfrm flipH="1">
+            <a:off x="7327512" y="2750632"/>
+            <a:ext cx="337931" cy="410816"/>
+          </a:xfrm>
+          <a:prstGeom prst="straightConnector1">
+            <a:avLst/>
+          </a:prstGeom>
+          <a:ln w="31750">
+            <a:solidFill>
+              <a:schemeClr val="tx1"/>
+            </a:solidFill>
+            <a:tailEnd type="triangle"/>
+          </a:ln>
+        </p:spPr>
+        <p:style>
+          <a:lnRef idx="1">
+            <a:schemeClr val="accent1"/>
+          </a:lnRef>
+          <a:fillRef idx="0">
+            <a:schemeClr val="accent1"/>
+          </a:fillRef>
+          <a:effectRef idx="0">
+            <a:schemeClr val="accent1"/>
+          </a:effectRef>
+          <a:fontRef idx="minor">
+            <a:schemeClr val="tx1"/>
+          </a:fontRef>
+        </p:style>
+      </p:cxnSp>
+      <p:sp>
+        <p:nvSpPr>
+          <p:cNvPr id="17" name="テキスト ボックス 16">
+            <a:extLst>
+              <a:ext uri="{FF2B5EF4-FFF2-40B4-BE49-F238E27FC236}">
+                <a16:creationId xmlns:a16="http://schemas.microsoft.com/office/drawing/2014/main" id="{514BDCED-5387-41D3-B416-D7013954513F}"/>
+              </a:ext>
+            </a:extLst>
+          </p:cNvPr>
+          <p:cNvSpPr txBox="1"/>
+          <p:nvPr/>
+        </p:nvSpPr>
+        <p:spPr>
+          <a:xfrm>
+            <a:off x="7796506" y="2066832"/>
+            <a:ext cx="1884997" cy="253916"/>
+          </a:xfrm>
+          <a:prstGeom prst="rect">
+            <a:avLst/>
+          </a:prstGeom>
+          <a:noFill/>
+        </p:spPr>
+        <p:txBody>
+          <a:bodyPr wrap="square" rtlCol="0">
+            <a:spAutoFit/>
+          </a:bodyPr>
+          <a:lstStyle/>
+          <a:p>
+            <a:r>
+              <a:rPr kumimoji="1" lang="ja-JP" altLang="en-US" sz="1050" dirty="0"/>
+              <a:t>軸選択</a:t>
+            </a:r>
+            <a:endParaRPr kumimoji="1" lang="en-US" altLang="ja-JP" sz="1050" dirty="0"/>
+          </a:p>
+        </p:txBody>
+      </p:sp>
+    </p:spTree>
+    <p:extLst>
+      <p:ext uri="{BB962C8B-B14F-4D97-AF65-F5344CB8AC3E}">
+        <p14:creationId xmlns:p14="http://schemas.microsoft.com/office/powerpoint/2010/main" val="776395951"/>
+      </p:ext>
+    </p:extLst>
+  </p:cSld>
+  <p:clrMapOvr>
+    <a:masterClrMapping/>
+  </p:clrMapOvr>
+</p:sld>
+</file>
+
+<file path=ppt/slides/slide6.xml><?xml version="1.0" encoding="utf-8"?>
+<p:sld xmlns:a="http://schemas.openxmlformats.org/drawingml/2006/main" xmlns:r="http://schemas.openxmlformats.org/officeDocument/2006/relationships" xmlns:p="http://schemas.openxmlformats.org/presentationml/2006/main">
+  <p:cSld>
+    <p:spTree>
+      <p:nvGrpSpPr>
+        <p:cNvPr id="1" name=""/>
+        <p:cNvGrpSpPr/>
+        <p:nvPr/>
+      </p:nvGrpSpPr>
+      <p:grpSpPr>
+        <a:xfrm>
+          <a:off x="0" y="0"/>
+          <a:ext cx="0" cy="0"/>
+          <a:chOff x="0" y="0"/>
+          <a:chExt cx="0" cy="0"/>
+        </a:xfrm>
+      </p:grpSpPr>
+      <p:sp>
+        <p:nvSpPr>
+          <p:cNvPr id="108" name="平行四辺形 107">
+            <a:extLst>
+              <a:ext uri="{FF2B5EF4-FFF2-40B4-BE49-F238E27FC236}">
+                <a16:creationId xmlns:a16="http://schemas.microsoft.com/office/drawing/2014/main" id="{332011A1-3D13-44D3-8247-521DE00FDFF3}"/>
+              </a:ext>
+            </a:extLst>
+          </p:cNvPr>
+          <p:cNvSpPr/>
+          <p:nvPr/>
+        </p:nvSpPr>
+        <p:spPr>
+          <a:xfrm rot="21240388">
+            <a:off x="5832714" y="5252597"/>
+            <a:ext cx="1157142" cy="333161"/>
+          </a:xfrm>
+          <a:prstGeom prst="parallelogram">
+            <a:avLst>
+              <a:gd name="adj" fmla="val 99006"/>
+            </a:avLst>
+          </a:prstGeom>
+          <a:solidFill>
+            <a:schemeClr val="accent2">
+              <a:alpha val="69000"/>
+            </a:schemeClr>
+          </a:solidFill>
+          <a:ln>
+            <a:noFill/>
+          </a:ln>
+        </p:spPr>
+        <p:style>
+          <a:lnRef idx="2">
+            <a:schemeClr val="accent1">
+              <a:shade val="50000"/>
+            </a:schemeClr>
+          </a:lnRef>
+          <a:fillRef idx="1">
+            <a:schemeClr val="accent1"/>
+          </a:fillRef>
+          <a:effectRef idx="0">
+            <a:schemeClr val="accent1"/>
+          </a:effectRef>
+          <a:fontRef idx="minor">
+            <a:schemeClr val="lt1"/>
+          </a:fontRef>
+        </p:style>
+        <p:txBody>
+          <a:bodyPr rtlCol="0" anchor="ctr"/>
+          <a:lstStyle/>
+          <a:p>
+            <a:pPr algn="ctr"/>
+            <a:endParaRPr kumimoji="1" lang="ja-JP" altLang="en-US"/>
+          </a:p>
+        </p:txBody>
+      </p:sp>
+      <p:sp>
+        <p:nvSpPr>
+          <p:cNvPr id="2" name="テキスト ボックス 1">
+            <a:extLst>
+              <a:ext uri="{FF2B5EF4-FFF2-40B4-BE49-F238E27FC236}">
+                <a16:creationId xmlns:a16="http://schemas.microsoft.com/office/drawing/2014/main" id="{156521E2-0A15-4F5E-A1E6-CD6770AA9DA5}"/>
+              </a:ext>
+            </a:extLst>
+          </p:cNvPr>
+          <p:cNvSpPr txBox="1"/>
+          <p:nvPr/>
+        </p:nvSpPr>
+        <p:spPr>
+          <a:xfrm>
+            <a:off x="2972274" y="1412097"/>
+            <a:ext cx="1497910" cy="577081"/>
+          </a:xfrm>
+          <a:prstGeom prst="rect">
+            <a:avLst/>
+          </a:prstGeom>
+          <a:noFill/>
+        </p:spPr>
+        <p:txBody>
+          <a:bodyPr wrap="square" rtlCol="0">
+            <a:spAutoFit/>
+          </a:bodyPr>
+          <a:lstStyle/>
+          <a:p>
+            <a:r>
+              <a:rPr kumimoji="1" lang="ja-JP" altLang="en-US" sz="1050" dirty="0">
+                <a:solidFill>
+                  <a:schemeClr val="accent1">
+                    <a:lumMod val="40000"/>
+                    <a:lumOff val="60000"/>
+                  </a:schemeClr>
+                </a:solidFill>
+              </a:rPr>
+              <a:t>文脈ベクトル</a:t>
+            </a:r>
+            <a:endParaRPr kumimoji="1" lang="en-US" altLang="ja-JP" sz="1050" dirty="0">
+              <a:solidFill>
+                <a:schemeClr val="accent1">
+                  <a:lumMod val="40000"/>
+                  <a:lumOff val="60000"/>
+                </a:schemeClr>
+              </a:solidFill>
+            </a:endParaRPr>
+          </a:p>
+          <a:p>
+            <a:r>
+              <a:rPr kumimoji="1" lang="ja-JP" altLang="en-US" sz="1050" dirty="0"/>
+              <a:t>によって</a:t>
+            </a:r>
+            <a:r>
+              <a:rPr kumimoji="1" lang="ja-JP" altLang="en-US" sz="1050" dirty="0">
+                <a:solidFill>
+                  <a:schemeClr val="accent1"/>
+                </a:solidFill>
+              </a:rPr>
+              <a:t>選択された</a:t>
+            </a:r>
+            <a:endParaRPr kumimoji="1" lang="en-US" altLang="ja-JP" sz="1050" dirty="0">
+              <a:solidFill>
+                <a:schemeClr val="accent1"/>
+              </a:solidFill>
+            </a:endParaRPr>
+          </a:p>
+          <a:p>
+            <a:r>
+              <a:rPr kumimoji="1" lang="ja-JP" altLang="en-US" sz="1050" dirty="0">
+                <a:solidFill>
+                  <a:schemeClr val="accent1"/>
+                </a:solidFill>
+              </a:rPr>
+              <a:t>部分空間</a:t>
+            </a:r>
+          </a:p>
+        </p:txBody>
+      </p:sp>
+      <p:sp>
+        <p:nvSpPr>
+          <p:cNvPr id="3" name="テキスト ボックス 2">
+            <a:extLst>
+              <a:ext uri="{FF2B5EF4-FFF2-40B4-BE49-F238E27FC236}">
+                <a16:creationId xmlns:a16="http://schemas.microsoft.com/office/drawing/2014/main" id="{918DE5A6-B8C8-4F63-BBF3-708E921A1C2E}"/>
+              </a:ext>
+            </a:extLst>
+          </p:cNvPr>
+          <p:cNvSpPr txBox="1"/>
+          <p:nvPr/>
+        </p:nvSpPr>
+        <p:spPr>
+          <a:xfrm>
+            <a:off x="1508437" y="3711582"/>
+            <a:ext cx="1932252" cy="415498"/>
+          </a:xfrm>
+          <a:prstGeom prst="rect">
+            <a:avLst/>
+          </a:prstGeom>
+          <a:noFill/>
+        </p:spPr>
+        <p:txBody>
+          <a:bodyPr wrap="square" rtlCol="0">
+            <a:spAutoFit/>
+          </a:bodyPr>
+          <a:lstStyle/>
+          <a:p>
+            <a:r>
+              <a:rPr kumimoji="1" lang="ja-JP" altLang="en-US" sz="1050" dirty="0">
+                <a:solidFill>
+                  <a:srgbClr val="FF0000"/>
+                </a:solidFill>
+              </a:rPr>
+              <a:t>検索対象の</a:t>
+            </a:r>
+            <a:endParaRPr kumimoji="1" lang="en-US" altLang="ja-JP" sz="1050" dirty="0">
+              <a:solidFill>
+                <a:srgbClr val="FF0000"/>
+              </a:solidFill>
+            </a:endParaRPr>
+          </a:p>
+          <a:p>
+            <a:r>
+              <a:rPr kumimoji="1" lang="ja-JP" altLang="en-US" sz="1050" dirty="0">
+                <a:solidFill>
+                  <a:srgbClr val="FF0000"/>
+                </a:solidFill>
+              </a:rPr>
+              <a:t>位置ベクトル</a:t>
+            </a:r>
+            <a:endParaRPr kumimoji="1" lang="en-US" altLang="ja-JP" sz="1050" dirty="0">
+              <a:solidFill>
+                <a:srgbClr val="FF0000"/>
+              </a:solidFill>
+            </a:endParaRPr>
+          </a:p>
+        </p:txBody>
+      </p:sp>
+      <p:sp>
+        <p:nvSpPr>
+          <p:cNvPr id="4" name="テキスト ボックス 3">
+            <a:extLst>
+              <a:ext uri="{FF2B5EF4-FFF2-40B4-BE49-F238E27FC236}">
+                <a16:creationId xmlns:a16="http://schemas.microsoft.com/office/drawing/2014/main" id="{7743F714-7C10-4C02-9178-37887FED7281}"/>
+              </a:ext>
+            </a:extLst>
+          </p:cNvPr>
+          <p:cNvSpPr txBox="1"/>
+          <p:nvPr/>
+        </p:nvSpPr>
+        <p:spPr>
+          <a:xfrm>
+            <a:off x="910001" y="1243457"/>
+            <a:ext cx="1497910" cy="253916"/>
+          </a:xfrm>
+          <a:prstGeom prst="rect">
+            <a:avLst/>
+          </a:prstGeom>
+          <a:noFill/>
+        </p:spPr>
+        <p:txBody>
+          <a:bodyPr wrap="square" rtlCol="0">
+            <a:spAutoFit/>
+          </a:bodyPr>
+          <a:lstStyle/>
+          <a:p>
+            <a:r>
+              <a:rPr kumimoji="1" lang="ja-JP" altLang="en-US" sz="1050" dirty="0"/>
+              <a:t>多次元空間</a:t>
+            </a:r>
+          </a:p>
+        </p:txBody>
+      </p:sp>
+      <p:sp>
+        <p:nvSpPr>
+          <p:cNvPr id="5" name="楕円 4">
+            <a:extLst>
+              <a:ext uri="{FF2B5EF4-FFF2-40B4-BE49-F238E27FC236}">
+                <a16:creationId xmlns:a16="http://schemas.microsoft.com/office/drawing/2014/main" id="{6112203F-5D7F-432D-A67E-CBFE3593136C}"/>
+              </a:ext>
+            </a:extLst>
+          </p:cNvPr>
+          <p:cNvSpPr/>
+          <p:nvPr/>
+        </p:nvSpPr>
+        <p:spPr>
+          <a:xfrm>
+            <a:off x="973072" y="1482460"/>
+            <a:ext cx="2237413" cy="2147496"/>
+          </a:xfrm>
+          <a:prstGeom prst="ellipse">
+            <a:avLst/>
+          </a:prstGeom>
+          <a:solidFill>
+            <a:schemeClr val="bg1">
+              <a:lumMod val="75000"/>
+            </a:schemeClr>
+          </a:solidFill>
+          <a:ln>
+            <a:noFill/>
+          </a:ln>
+        </p:spPr>
+        <p:style>
+          <a:lnRef idx="2">
+            <a:schemeClr val="accent1">
+              <a:shade val="50000"/>
+            </a:schemeClr>
+          </a:lnRef>
+          <a:fillRef idx="1">
+            <a:schemeClr val="accent1"/>
+          </a:fillRef>
+          <a:effectRef idx="0">
+            <a:schemeClr val="accent1"/>
+          </a:effectRef>
+          <a:fontRef idx="minor">
+            <a:schemeClr val="lt1"/>
+          </a:fontRef>
+        </p:style>
+        <p:txBody>
+          <a:bodyPr rtlCol="0" anchor="ctr"/>
+          <a:lstStyle/>
+          <a:p>
+            <a:pPr algn="ctr"/>
+            <a:endParaRPr kumimoji="1" lang="ja-JP" altLang="en-US"/>
+          </a:p>
+        </p:txBody>
+      </p:sp>
+      <p:sp>
+        <p:nvSpPr>
+          <p:cNvPr id="6" name="平行四辺形 5">
+            <a:extLst>
+              <a:ext uri="{FF2B5EF4-FFF2-40B4-BE49-F238E27FC236}">
+                <a16:creationId xmlns:a16="http://schemas.microsoft.com/office/drawing/2014/main" id="{0496B234-FC68-492D-8F89-28DA432338B2}"/>
+              </a:ext>
+            </a:extLst>
+          </p:cNvPr>
+          <p:cNvSpPr/>
+          <p:nvPr/>
+        </p:nvSpPr>
+        <p:spPr>
+          <a:xfrm rot="21240388">
+            <a:off x="1696312" y="1996969"/>
+            <a:ext cx="869679" cy="761032"/>
+          </a:xfrm>
+          <a:prstGeom prst="parallelogram">
+            <a:avLst>
+              <a:gd name="adj" fmla="val 9763"/>
+            </a:avLst>
+          </a:prstGeom>
+          <a:solidFill>
+            <a:schemeClr val="accent1">
+              <a:alpha val="69000"/>
+            </a:schemeClr>
+          </a:solidFill>
+          <a:ln>
+            <a:noFill/>
+          </a:ln>
+        </p:spPr>
+        <p:style>
+          <a:lnRef idx="2">
+            <a:schemeClr val="accent1">
+              <a:shade val="50000"/>
+            </a:schemeClr>
+          </a:lnRef>
+          <a:fillRef idx="1">
+            <a:schemeClr val="accent1"/>
+          </a:fillRef>
+          <a:effectRef idx="0">
+            <a:schemeClr val="accent1"/>
+          </a:effectRef>
+          <a:fontRef idx="minor">
+            <a:schemeClr val="lt1"/>
+          </a:fontRef>
+        </p:style>
+        <p:txBody>
+          <a:bodyPr rtlCol="0" anchor="ctr"/>
+          <a:lstStyle/>
+          <a:p>
+            <a:pPr algn="ctr"/>
+            <a:endParaRPr kumimoji="1" lang="ja-JP" altLang="en-US"/>
+          </a:p>
+        </p:txBody>
+      </p:sp>
+      <p:cxnSp>
+        <p:nvCxnSpPr>
+          <p:cNvPr id="7" name="直線矢印コネクタ 6">
+            <a:extLst>
+              <a:ext uri="{FF2B5EF4-FFF2-40B4-BE49-F238E27FC236}">
+                <a16:creationId xmlns:a16="http://schemas.microsoft.com/office/drawing/2014/main" id="{845447E4-1828-4BCB-B5E7-886FE8B3DEF8}"/>
+              </a:ext>
+            </a:extLst>
+          </p:cNvPr>
+          <p:cNvCxnSpPr>
+            <a:cxnSpLocks/>
+          </p:cNvCxnSpPr>
+          <p:nvPr/>
+        </p:nvCxnSpPr>
+        <p:spPr>
+          <a:xfrm flipV="1">
+            <a:off x="1724508" y="1989474"/>
+            <a:ext cx="0" cy="821633"/>
+          </a:xfrm>
+          <a:prstGeom prst="straightConnector1">
+            <a:avLst/>
+          </a:prstGeom>
+          <a:ln w="31750">
+            <a:solidFill>
+              <a:schemeClr val="tx1"/>
+            </a:solidFill>
+            <a:tailEnd type="triangle"/>
+          </a:ln>
+        </p:spPr>
+        <p:style>
+          <a:lnRef idx="1">
+            <a:schemeClr val="accent1"/>
+          </a:lnRef>
+          <a:fillRef idx="0">
+            <a:schemeClr val="accent1"/>
+          </a:fillRef>
+          <a:effectRef idx="0">
+            <a:schemeClr val="accent1"/>
+          </a:effectRef>
+          <a:fontRef idx="minor">
+            <a:schemeClr val="tx1"/>
+          </a:fontRef>
+        </p:style>
+      </p:cxnSp>
+      <p:cxnSp>
+        <p:nvCxnSpPr>
+          <p:cNvPr id="8" name="直線矢印コネクタ 7">
+            <a:extLst>
+              <a:ext uri="{FF2B5EF4-FFF2-40B4-BE49-F238E27FC236}">
+                <a16:creationId xmlns:a16="http://schemas.microsoft.com/office/drawing/2014/main" id="{F187D257-4C31-4736-B8F0-5B4530D57AB7}"/>
+              </a:ext>
+            </a:extLst>
+          </p:cNvPr>
+          <p:cNvCxnSpPr>
+            <a:cxnSpLocks/>
+          </p:cNvCxnSpPr>
+          <p:nvPr/>
+        </p:nvCxnSpPr>
+        <p:spPr>
+          <a:xfrm flipV="1">
+            <a:off x="1724508" y="2718340"/>
+            <a:ext cx="854765" cy="92767"/>
+          </a:xfrm>
+          <a:prstGeom prst="straightConnector1">
+            <a:avLst/>
+          </a:prstGeom>
+          <a:ln w="31750">
+            <a:solidFill>
+              <a:schemeClr val="tx1"/>
+            </a:solidFill>
+            <a:tailEnd type="triangle"/>
+          </a:ln>
+        </p:spPr>
+        <p:style>
+          <a:lnRef idx="1">
+            <a:schemeClr val="accent1"/>
+          </a:lnRef>
+          <a:fillRef idx="0">
+            <a:schemeClr val="accent1"/>
+          </a:fillRef>
+          <a:effectRef idx="0">
+            <a:schemeClr val="accent1"/>
+          </a:effectRef>
+          <a:fontRef idx="minor">
+            <a:schemeClr val="tx1"/>
+          </a:fontRef>
+        </p:style>
+      </p:cxnSp>
+      <p:cxnSp>
+        <p:nvCxnSpPr>
+          <p:cNvPr id="9" name="直線矢印コネクタ 8">
+            <a:extLst>
+              <a:ext uri="{FF2B5EF4-FFF2-40B4-BE49-F238E27FC236}">
+                <a16:creationId xmlns:a16="http://schemas.microsoft.com/office/drawing/2014/main" id="{ED06DA00-11F7-4812-8B2F-EE63C0FAE361}"/>
+              </a:ext>
+            </a:extLst>
+          </p:cNvPr>
+          <p:cNvCxnSpPr>
+            <a:cxnSpLocks/>
+          </p:cNvCxnSpPr>
+          <p:nvPr/>
+        </p:nvCxnSpPr>
+        <p:spPr>
+          <a:xfrm flipH="1">
+            <a:off x="1386577" y="2811107"/>
+            <a:ext cx="337931" cy="410816"/>
+          </a:xfrm>
+          <a:prstGeom prst="straightConnector1">
+            <a:avLst/>
+          </a:prstGeom>
+          <a:ln w="31750">
+            <a:solidFill>
+              <a:schemeClr val="tx1"/>
+            </a:solidFill>
+            <a:tailEnd type="triangle"/>
+          </a:ln>
+        </p:spPr>
+        <p:style>
+          <a:lnRef idx="1">
+            <a:schemeClr val="accent1"/>
+          </a:lnRef>
+          <a:fillRef idx="0">
+            <a:schemeClr val="accent1"/>
+          </a:fillRef>
+          <a:effectRef idx="0">
+            <a:schemeClr val="accent1"/>
+          </a:effectRef>
+          <a:fontRef idx="minor">
+            <a:schemeClr val="tx1"/>
+          </a:fontRef>
+        </p:style>
+      </p:cxnSp>
+      <p:cxnSp>
+        <p:nvCxnSpPr>
+          <p:cNvPr id="10" name="直線矢印コネクタ 9">
+            <a:extLst>
+              <a:ext uri="{FF2B5EF4-FFF2-40B4-BE49-F238E27FC236}">
+                <a16:creationId xmlns:a16="http://schemas.microsoft.com/office/drawing/2014/main" id="{C173980D-85EB-4DDC-8E4D-B1547E0CC3BD}"/>
+              </a:ext>
+            </a:extLst>
+          </p:cNvPr>
+          <p:cNvCxnSpPr>
+            <a:cxnSpLocks/>
+          </p:cNvCxnSpPr>
+          <p:nvPr/>
+        </p:nvCxnSpPr>
+        <p:spPr>
+          <a:xfrm flipV="1">
+            <a:off x="1734033" y="2556870"/>
+            <a:ext cx="715492" cy="262936"/>
+          </a:xfrm>
+          <a:prstGeom prst="straightConnector1">
+            <a:avLst/>
+          </a:prstGeom>
+          <a:ln w="31750">
+            <a:solidFill>
+              <a:schemeClr val="accent2"/>
+            </a:solidFill>
+            <a:tailEnd type="triangle"/>
+          </a:ln>
+        </p:spPr>
+        <p:style>
+          <a:lnRef idx="1">
+            <a:schemeClr val="accent1"/>
+          </a:lnRef>
+          <a:fillRef idx="0">
+            <a:schemeClr val="accent1"/>
+          </a:fillRef>
+          <a:effectRef idx="0">
+            <a:schemeClr val="accent1"/>
+          </a:effectRef>
+          <a:fontRef idx="minor">
+            <a:schemeClr val="tx1"/>
+          </a:fontRef>
+        </p:style>
+      </p:cxnSp>
+      <p:cxnSp>
+        <p:nvCxnSpPr>
+          <p:cNvPr id="11" name="直線矢印コネクタ 10">
+            <a:extLst>
+              <a:ext uri="{FF2B5EF4-FFF2-40B4-BE49-F238E27FC236}">
+                <a16:creationId xmlns:a16="http://schemas.microsoft.com/office/drawing/2014/main" id="{1F733FAC-CA91-4436-BBCD-F3747E109DC1}"/>
+              </a:ext>
+            </a:extLst>
+          </p:cNvPr>
+          <p:cNvCxnSpPr>
+            <a:cxnSpLocks/>
+          </p:cNvCxnSpPr>
+          <p:nvPr/>
+        </p:nvCxnSpPr>
+        <p:spPr>
+          <a:xfrm flipV="1">
+            <a:off x="1734032" y="2425585"/>
+            <a:ext cx="538029" cy="380632"/>
+          </a:xfrm>
+          <a:prstGeom prst="straightConnector1">
+            <a:avLst/>
+          </a:prstGeom>
+          <a:ln w="31750">
+            <a:solidFill>
+              <a:schemeClr val="accent2"/>
+            </a:solidFill>
+            <a:prstDash val="sysDash"/>
+            <a:tailEnd type="triangle"/>
+          </a:ln>
+        </p:spPr>
+        <p:style>
+          <a:lnRef idx="1">
+            <a:schemeClr val="accent1"/>
+          </a:lnRef>
+          <a:fillRef idx="0">
+            <a:schemeClr val="accent1"/>
+          </a:fillRef>
+          <a:effectRef idx="0">
+            <a:schemeClr val="accent1"/>
+          </a:effectRef>
+          <a:fontRef idx="minor">
+            <a:schemeClr val="tx1"/>
+          </a:fontRef>
+        </p:style>
+      </p:cxnSp>
+      <p:cxnSp>
+        <p:nvCxnSpPr>
+          <p:cNvPr id="12" name="直線コネクタ 11">
+            <a:extLst>
+              <a:ext uri="{FF2B5EF4-FFF2-40B4-BE49-F238E27FC236}">
+                <a16:creationId xmlns:a16="http://schemas.microsoft.com/office/drawing/2014/main" id="{883D008C-0CCB-4328-AA9E-68DE05B96582}"/>
+              </a:ext>
+            </a:extLst>
+          </p:cNvPr>
+          <p:cNvCxnSpPr>
+            <a:cxnSpLocks/>
+            <a:stCxn id="4" idx="2"/>
+          </p:cNvCxnSpPr>
+          <p:nvPr/>
+        </p:nvCxnSpPr>
+        <p:spPr>
+          <a:xfrm>
+            <a:off x="1658956" y="1497373"/>
+            <a:ext cx="75076" cy="297826"/>
+          </a:xfrm>
+          <a:prstGeom prst="line">
+            <a:avLst/>
+          </a:prstGeom>
+          <a:ln>
+            <a:solidFill>
+              <a:schemeClr val="tx1"/>
+            </a:solidFill>
+          </a:ln>
+        </p:spPr>
+        <p:style>
+          <a:lnRef idx="1">
+            <a:schemeClr val="accent1"/>
+          </a:lnRef>
+          <a:fillRef idx="0">
+            <a:schemeClr val="accent1"/>
+          </a:fillRef>
+          <a:effectRef idx="0">
+            <a:schemeClr val="accent1"/>
+          </a:effectRef>
+          <a:fontRef idx="minor">
+            <a:schemeClr val="tx1"/>
+          </a:fontRef>
+        </p:style>
+      </p:cxnSp>
+      <p:cxnSp>
+        <p:nvCxnSpPr>
+          <p:cNvPr id="13" name="直線コネクタ 12">
+            <a:extLst>
+              <a:ext uri="{FF2B5EF4-FFF2-40B4-BE49-F238E27FC236}">
+                <a16:creationId xmlns:a16="http://schemas.microsoft.com/office/drawing/2014/main" id="{C7A13343-2A5D-42E7-8BAE-7CEB4096CC56}"/>
+              </a:ext>
+            </a:extLst>
+          </p:cNvPr>
+          <p:cNvCxnSpPr>
+            <a:cxnSpLocks/>
+            <a:stCxn id="2" idx="1"/>
+          </p:cNvCxnSpPr>
+          <p:nvPr/>
+        </p:nvCxnSpPr>
+        <p:spPr>
+          <a:xfrm flipH="1">
+            <a:off x="2494992" y="1700638"/>
+            <a:ext cx="477282" cy="502066"/>
+          </a:xfrm>
+          <a:prstGeom prst="line">
+            <a:avLst/>
+          </a:prstGeom>
+          <a:ln>
+            <a:solidFill>
+              <a:schemeClr val="tx1"/>
+            </a:solidFill>
+          </a:ln>
+        </p:spPr>
+        <p:style>
+          <a:lnRef idx="1">
+            <a:schemeClr val="accent1"/>
+          </a:lnRef>
+          <a:fillRef idx="0">
+            <a:schemeClr val="accent1"/>
+          </a:fillRef>
+          <a:effectRef idx="0">
+            <a:schemeClr val="accent1"/>
+          </a:effectRef>
+          <a:fontRef idx="minor">
+            <a:schemeClr val="tx1"/>
+          </a:fontRef>
+        </p:style>
+      </p:cxnSp>
+      <p:cxnSp>
+        <p:nvCxnSpPr>
+          <p:cNvPr id="14" name="直線コネクタ 13">
+            <a:extLst>
+              <a:ext uri="{FF2B5EF4-FFF2-40B4-BE49-F238E27FC236}">
+                <a16:creationId xmlns:a16="http://schemas.microsoft.com/office/drawing/2014/main" id="{1B95BA13-B7D9-4B17-9DE1-31822E50DA1A}"/>
+              </a:ext>
+            </a:extLst>
+          </p:cNvPr>
+          <p:cNvCxnSpPr>
+            <a:cxnSpLocks/>
+          </p:cNvCxnSpPr>
+          <p:nvPr/>
+        </p:nvCxnSpPr>
+        <p:spPr>
+          <a:xfrm flipV="1">
+            <a:off x="1897490" y="2746113"/>
+            <a:ext cx="77265" cy="1011852"/>
+          </a:xfrm>
+          <a:prstGeom prst="line">
+            <a:avLst/>
+          </a:prstGeom>
+          <a:ln>
+            <a:solidFill>
+              <a:schemeClr val="tx1"/>
+            </a:solidFill>
+          </a:ln>
+        </p:spPr>
+        <p:style>
+          <a:lnRef idx="1">
+            <a:schemeClr val="accent1"/>
+          </a:lnRef>
+          <a:fillRef idx="0">
+            <a:schemeClr val="accent1"/>
+          </a:fillRef>
+          <a:effectRef idx="0">
+            <a:schemeClr val="accent1"/>
+          </a:effectRef>
+          <a:fontRef idx="minor">
+            <a:schemeClr val="tx1"/>
+          </a:fontRef>
+        </p:style>
+      </p:cxnSp>
+      <p:cxnSp>
+        <p:nvCxnSpPr>
+          <p:cNvPr id="15" name="直線コネクタ 14">
+            <a:extLst>
+              <a:ext uri="{FF2B5EF4-FFF2-40B4-BE49-F238E27FC236}">
+                <a16:creationId xmlns:a16="http://schemas.microsoft.com/office/drawing/2014/main" id="{B7711FCF-D8A7-4A08-97DA-CC3EA9F6FCDA}"/>
+              </a:ext>
+            </a:extLst>
+          </p:cNvPr>
+          <p:cNvCxnSpPr>
+            <a:cxnSpLocks/>
+          </p:cNvCxnSpPr>
+          <p:nvPr/>
+        </p:nvCxnSpPr>
+        <p:spPr>
+          <a:xfrm flipH="1" flipV="1">
+            <a:off x="2164356" y="2515851"/>
+            <a:ext cx="649229" cy="1184468"/>
+          </a:xfrm>
+          <a:prstGeom prst="line">
+            <a:avLst/>
+          </a:prstGeom>
+          <a:ln>
+            <a:solidFill>
+              <a:schemeClr val="tx1"/>
+            </a:solidFill>
+          </a:ln>
+        </p:spPr>
+        <p:style>
+          <a:lnRef idx="1">
+            <a:schemeClr val="accent1"/>
+          </a:lnRef>
+          <a:fillRef idx="0">
+            <a:schemeClr val="accent1"/>
+          </a:fillRef>
+          <a:effectRef idx="0">
+            <a:schemeClr val="accent1"/>
+          </a:effectRef>
+          <a:fontRef idx="minor">
+            <a:schemeClr val="tx1"/>
+          </a:fontRef>
+        </p:style>
+      </p:cxnSp>
+      <p:sp>
+        <p:nvSpPr>
+          <p:cNvPr id="20" name="テキスト ボックス 19">
+            <a:extLst>
+              <a:ext uri="{FF2B5EF4-FFF2-40B4-BE49-F238E27FC236}">
+                <a16:creationId xmlns:a16="http://schemas.microsoft.com/office/drawing/2014/main" id="{5019A84E-5666-4B25-A970-78F4A22557DC}"/>
+              </a:ext>
+            </a:extLst>
+          </p:cNvPr>
+          <p:cNvSpPr txBox="1"/>
+          <p:nvPr/>
+        </p:nvSpPr>
+        <p:spPr>
+          <a:xfrm>
+            <a:off x="6923316" y="1517739"/>
+            <a:ext cx="1497910" cy="415498"/>
+          </a:xfrm>
+          <a:prstGeom prst="rect">
+            <a:avLst/>
+          </a:prstGeom>
+          <a:noFill/>
+        </p:spPr>
+        <p:txBody>
+          <a:bodyPr wrap="square" rtlCol="0">
+            <a:spAutoFit/>
+          </a:bodyPr>
+          <a:lstStyle/>
+          <a:p>
+            <a:r>
+              <a:rPr kumimoji="1" lang="ja-JP" altLang="en-US" sz="1050" dirty="0"/>
+              <a:t>観光対象によって</a:t>
+            </a:r>
+            <a:endParaRPr kumimoji="1" lang="en-US" altLang="ja-JP" sz="1050" dirty="0"/>
+          </a:p>
+          <a:p>
+            <a:r>
+              <a:rPr kumimoji="1" lang="ja-JP" altLang="en-US" sz="1050" dirty="0">
+                <a:solidFill>
+                  <a:schemeClr val="accent1"/>
+                </a:solidFill>
+              </a:rPr>
+              <a:t>選択された部分空間</a:t>
+            </a:r>
+          </a:p>
+        </p:txBody>
+      </p:sp>
+      <p:sp>
+        <p:nvSpPr>
+          <p:cNvPr id="21" name="テキスト ボックス 20">
+            <a:extLst>
+              <a:ext uri="{FF2B5EF4-FFF2-40B4-BE49-F238E27FC236}">
+                <a16:creationId xmlns:a16="http://schemas.microsoft.com/office/drawing/2014/main" id="{019EB30B-E0B4-49D5-AD5E-331959462A41}"/>
+              </a:ext>
+            </a:extLst>
+          </p:cNvPr>
+          <p:cNvSpPr txBox="1"/>
+          <p:nvPr/>
+        </p:nvSpPr>
+        <p:spPr>
+          <a:xfrm>
+            <a:off x="4944867" y="3676781"/>
+            <a:ext cx="1932252" cy="415498"/>
+          </a:xfrm>
+          <a:prstGeom prst="rect">
+            <a:avLst/>
+          </a:prstGeom>
+          <a:noFill/>
+        </p:spPr>
+        <p:txBody>
+          <a:bodyPr wrap="square" rtlCol="0">
+            <a:spAutoFit/>
+          </a:bodyPr>
+          <a:lstStyle/>
+          <a:p>
+            <a:r>
+              <a:rPr kumimoji="1" lang="ja-JP" altLang="en-US" sz="1050" dirty="0">
+                <a:solidFill>
+                  <a:schemeClr val="accent1">
+                    <a:lumMod val="75000"/>
+                  </a:schemeClr>
+                </a:solidFill>
+              </a:rPr>
+              <a:t>ユーザーの価値観</a:t>
+            </a:r>
+            <a:endParaRPr kumimoji="1" lang="en-US" altLang="ja-JP" sz="1050" dirty="0">
+              <a:solidFill>
+                <a:schemeClr val="accent1">
+                  <a:lumMod val="75000"/>
+                </a:schemeClr>
+              </a:solidFill>
+            </a:endParaRPr>
+          </a:p>
+          <a:p>
+            <a:r>
+              <a:rPr kumimoji="1" lang="ja-JP" altLang="en-US" sz="1050" dirty="0">
+                <a:solidFill>
+                  <a:schemeClr val="accent1">
+                    <a:lumMod val="75000"/>
+                  </a:schemeClr>
+                </a:solidFill>
+              </a:rPr>
+              <a:t>ベクトル</a:t>
+            </a:r>
+            <a:endParaRPr kumimoji="1" lang="en-US" altLang="ja-JP" sz="1050" dirty="0">
+              <a:solidFill>
+                <a:schemeClr val="accent1">
+                  <a:lumMod val="75000"/>
+                </a:schemeClr>
+              </a:solidFill>
+            </a:endParaRPr>
+          </a:p>
+        </p:txBody>
+      </p:sp>
+      <p:sp>
+        <p:nvSpPr>
+          <p:cNvPr id="22" name="テキスト ボックス 21">
+            <a:extLst>
+              <a:ext uri="{FF2B5EF4-FFF2-40B4-BE49-F238E27FC236}">
+                <a16:creationId xmlns:a16="http://schemas.microsoft.com/office/drawing/2014/main" id="{A9ED1977-DC10-4B6D-B376-3B6CE2EC0F2B}"/>
+              </a:ext>
+            </a:extLst>
+          </p:cNvPr>
+          <p:cNvSpPr txBox="1"/>
+          <p:nvPr/>
+        </p:nvSpPr>
+        <p:spPr>
+          <a:xfrm>
+            <a:off x="4865781" y="1236832"/>
+            <a:ext cx="1497910" cy="253916"/>
+          </a:xfrm>
+          <a:prstGeom prst="rect">
+            <a:avLst/>
+          </a:prstGeom>
+          <a:noFill/>
+        </p:spPr>
+        <p:txBody>
+          <a:bodyPr wrap="square" rtlCol="0">
+            <a:spAutoFit/>
+          </a:bodyPr>
+          <a:lstStyle/>
+          <a:p>
+            <a:r>
+              <a:rPr kumimoji="1" lang="en-US" altLang="ja-JP" sz="1050" dirty="0"/>
+              <a:t>10</a:t>
+            </a:r>
+            <a:r>
+              <a:rPr kumimoji="1" lang="ja-JP" altLang="en-US" sz="1050" dirty="0"/>
+              <a:t>次元価値空間</a:t>
+            </a:r>
+          </a:p>
+        </p:txBody>
+      </p:sp>
+      <p:sp>
+        <p:nvSpPr>
+          <p:cNvPr id="23" name="楕円 22">
+            <a:extLst>
+              <a:ext uri="{FF2B5EF4-FFF2-40B4-BE49-F238E27FC236}">
+                <a16:creationId xmlns:a16="http://schemas.microsoft.com/office/drawing/2014/main" id="{5DAE86F1-0CA2-438D-AD2F-6955A399FE17}"/>
+              </a:ext>
+            </a:extLst>
+          </p:cNvPr>
+          <p:cNvSpPr/>
+          <p:nvPr/>
+        </p:nvSpPr>
+        <p:spPr>
+          <a:xfrm>
+            <a:off x="4928852" y="1475835"/>
+            <a:ext cx="2237413" cy="2147496"/>
+          </a:xfrm>
+          <a:prstGeom prst="ellipse">
+            <a:avLst/>
+          </a:prstGeom>
+          <a:solidFill>
+            <a:schemeClr val="bg1">
+              <a:lumMod val="75000"/>
+            </a:schemeClr>
+          </a:solidFill>
+          <a:ln>
+            <a:noFill/>
+          </a:ln>
+        </p:spPr>
+        <p:style>
+          <a:lnRef idx="2">
+            <a:schemeClr val="accent1">
+              <a:shade val="50000"/>
+            </a:schemeClr>
+          </a:lnRef>
+          <a:fillRef idx="1">
+            <a:schemeClr val="accent1"/>
+          </a:fillRef>
+          <a:effectRef idx="0">
+            <a:schemeClr val="accent1"/>
+          </a:effectRef>
+          <a:fontRef idx="minor">
+            <a:schemeClr val="lt1"/>
+          </a:fontRef>
+        </p:style>
+        <p:txBody>
+          <a:bodyPr rtlCol="0" anchor="ctr"/>
+          <a:lstStyle/>
+          <a:p>
+            <a:pPr algn="ctr"/>
+            <a:endParaRPr kumimoji="1" lang="ja-JP" altLang="en-US"/>
+          </a:p>
+        </p:txBody>
+      </p:sp>
+      <p:sp>
+        <p:nvSpPr>
+          <p:cNvPr id="24" name="平行四辺形 23">
+            <a:extLst>
+              <a:ext uri="{FF2B5EF4-FFF2-40B4-BE49-F238E27FC236}">
+                <a16:creationId xmlns:a16="http://schemas.microsoft.com/office/drawing/2014/main" id="{D4AC36EE-2492-4486-8886-D2E322A34550}"/>
+              </a:ext>
+            </a:extLst>
+          </p:cNvPr>
+          <p:cNvSpPr/>
+          <p:nvPr/>
+        </p:nvSpPr>
+        <p:spPr>
+          <a:xfrm rot="21240388">
+            <a:off x="5652092" y="1990344"/>
+            <a:ext cx="869679" cy="761032"/>
+          </a:xfrm>
+          <a:prstGeom prst="parallelogram">
+            <a:avLst>
+              <a:gd name="adj" fmla="val 9763"/>
+            </a:avLst>
+          </a:prstGeom>
+          <a:solidFill>
+            <a:schemeClr val="accent2">
+              <a:alpha val="69000"/>
+            </a:schemeClr>
+          </a:solidFill>
+          <a:ln>
+            <a:noFill/>
+          </a:ln>
+        </p:spPr>
+        <p:style>
+          <a:lnRef idx="2">
+            <a:schemeClr val="accent1">
+              <a:shade val="50000"/>
+            </a:schemeClr>
+          </a:lnRef>
+          <a:fillRef idx="1">
+            <a:schemeClr val="accent1"/>
+          </a:fillRef>
+          <a:effectRef idx="0">
+            <a:schemeClr val="accent1"/>
+          </a:effectRef>
+          <a:fontRef idx="minor">
+            <a:schemeClr val="lt1"/>
+          </a:fontRef>
+        </p:style>
+        <p:txBody>
+          <a:bodyPr rtlCol="0" anchor="ctr"/>
+          <a:lstStyle/>
+          <a:p>
+            <a:pPr algn="ctr"/>
+            <a:endParaRPr kumimoji="1" lang="ja-JP" altLang="en-US"/>
+          </a:p>
+        </p:txBody>
+      </p:sp>
+      <p:cxnSp>
+        <p:nvCxnSpPr>
+          <p:cNvPr id="25" name="直線矢印コネクタ 24">
+            <a:extLst>
+              <a:ext uri="{FF2B5EF4-FFF2-40B4-BE49-F238E27FC236}">
+                <a16:creationId xmlns:a16="http://schemas.microsoft.com/office/drawing/2014/main" id="{DC4FB3D6-F183-408A-9660-DB0DBCC31751}"/>
+              </a:ext>
+            </a:extLst>
+          </p:cNvPr>
+          <p:cNvCxnSpPr>
+            <a:cxnSpLocks/>
+          </p:cNvCxnSpPr>
+          <p:nvPr/>
+        </p:nvCxnSpPr>
+        <p:spPr>
+          <a:xfrm flipV="1">
+            <a:off x="5680288" y="1982849"/>
+            <a:ext cx="0" cy="821633"/>
+          </a:xfrm>
+          <a:prstGeom prst="straightConnector1">
+            <a:avLst/>
+          </a:prstGeom>
+          <a:ln w="31750">
+            <a:solidFill>
+              <a:schemeClr val="tx1"/>
+            </a:solidFill>
+            <a:tailEnd type="triangle"/>
+          </a:ln>
+        </p:spPr>
+        <p:style>
+          <a:lnRef idx="1">
+            <a:schemeClr val="accent1"/>
+          </a:lnRef>
+          <a:fillRef idx="0">
+            <a:schemeClr val="accent1"/>
+          </a:fillRef>
+          <a:effectRef idx="0">
+            <a:schemeClr val="accent1"/>
+          </a:effectRef>
+          <a:fontRef idx="minor">
+            <a:schemeClr val="tx1"/>
+          </a:fontRef>
+        </p:style>
+      </p:cxnSp>
+      <p:cxnSp>
+        <p:nvCxnSpPr>
+          <p:cNvPr id="26" name="直線矢印コネクタ 25">
+            <a:extLst>
+              <a:ext uri="{FF2B5EF4-FFF2-40B4-BE49-F238E27FC236}">
+                <a16:creationId xmlns:a16="http://schemas.microsoft.com/office/drawing/2014/main" id="{2439C076-DE32-4A88-BFA2-DB60A3487646}"/>
+              </a:ext>
+            </a:extLst>
+          </p:cNvPr>
+          <p:cNvCxnSpPr>
+            <a:cxnSpLocks/>
+          </p:cNvCxnSpPr>
+          <p:nvPr/>
+        </p:nvCxnSpPr>
+        <p:spPr>
+          <a:xfrm flipV="1">
+            <a:off x="5680288" y="2711715"/>
+            <a:ext cx="854765" cy="92767"/>
+          </a:xfrm>
+          <a:prstGeom prst="straightConnector1">
+            <a:avLst/>
+          </a:prstGeom>
+          <a:ln w="31750">
+            <a:solidFill>
+              <a:schemeClr val="tx1"/>
+            </a:solidFill>
+            <a:tailEnd type="triangle"/>
+          </a:ln>
+        </p:spPr>
+        <p:style>
+          <a:lnRef idx="1">
+            <a:schemeClr val="accent1"/>
+          </a:lnRef>
+          <a:fillRef idx="0">
+            <a:schemeClr val="accent1"/>
+          </a:fillRef>
+          <a:effectRef idx="0">
+            <a:schemeClr val="accent1"/>
+          </a:effectRef>
+          <a:fontRef idx="minor">
+            <a:schemeClr val="tx1"/>
+          </a:fontRef>
+        </p:style>
+      </p:cxnSp>
+      <p:cxnSp>
+        <p:nvCxnSpPr>
+          <p:cNvPr id="27" name="直線矢印コネクタ 26">
+            <a:extLst>
+              <a:ext uri="{FF2B5EF4-FFF2-40B4-BE49-F238E27FC236}">
+                <a16:creationId xmlns:a16="http://schemas.microsoft.com/office/drawing/2014/main" id="{4E1DB04F-AAF3-4993-99F4-DC2144EA9D8C}"/>
+              </a:ext>
+            </a:extLst>
+          </p:cNvPr>
+          <p:cNvCxnSpPr>
+            <a:cxnSpLocks/>
+          </p:cNvCxnSpPr>
+          <p:nvPr/>
+        </p:nvCxnSpPr>
+        <p:spPr>
+          <a:xfrm flipH="1">
+            <a:off x="5342357" y="2804482"/>
+            <a:ext cx="337931" cy="410816"/>
+          </a:xfrm>
+          <a:prstGeom prst="straightConnector1">
+            <a:avLst/>
+          </a:prstGeom>
+          <a:ln w="31750">
+            <a:solidFill>
+              <a:schemeClr val="tx1"/>
+            </a:solidFill>
+            <a:tailEnd type="triangle"/>
+          </a:ln>
+        </p:spPr>
+        <p:style>
+          <a:lnRef idx="1">
+            <a:schemeClr val="accent1"/>
+          </a:lnRef>
+          <a:fillRef idx="0">
+            <a:schemeClr val="accent1"/>
+          </a:fillRef>
+          <a:effectRef idx="0">
+            <a:schemeClr val="accent1"/>
+          </a:effectRef>
+          <a:fontRef idx="minor">
+            <a:schemeClr val="tx1"/>
+          </a:fontRef>
+        </p:style>
+      </p:cxnSp>
+      <p:cxnSp>
+        <p:nvCxnSpPr>
+          <p:cNvPr id="28" name="直線矢印コネクタ 27">
+            <a:extLst>
+              <a:ext uri="{FF2B5EF4-FFF2-40B4-BE49-F238E27FC236}">
+                <a16:creationId xmlns:a16="http://schemas.microsoft.com/office/drawing/2014/main" id="{418D6D53-77C0-42E2-8CC5-07C18DF73571}"/>
+              </a:ext>
+            </a:extLst>
+          </p:cNvPr>
+          <p:cNvCxnSpPr>
+            <a:cxnSpLocks/>
+          </p:cNvCxnSpPr>
+          <p:nvPr/>
+        </p:nvCxnSpPr>
+        <p:spPr>
+          <a:xfrm flipV="1">
+            <a:off x="5689813" y="2550245"/>
+            <a:ext cx="715492" cy="262936"/>
+          </a:xfrm>
+          <a:prstGeom prst="straightConnector1">
+            <a:avLst/>
+          </a:prstGeom>
+          <a:ln w="31750">
+            <a:solidFill>
+              <a:schemeClr val="accent1">
+                <a:lumMod val="75000"/>
+              </a:schemeClr>
+            </a:solidFill>
+            <a:tailEnd type="triangle"/>
+          </a:ln>
+        </p:spPr>
+        <p:style>
+          <a:lnRef idx="1">
+            <a:schemeClr val="accent1"/>
+          </a:lnRef>
+          <a:fillRef idx="0">
+            <a:schemeClr val="accent1"/>
+          </a:fillRef>
+          <a:effectRef idx="0">
+            <a:schemeClr val="accent1"/>
+          </a:effectRef>
+          <a:fontRef idx="minor">
+            <a:schemeClr val="tx1"/>
+          </a:fontRef>
+        </p:style>
+      </p:cxnSp>
+      <p:cxnSp>
+        <p:nvCxnSpPr>
+          <p:cNvPr id="29" name="直線矢印コネクタ 28">
+            <a:extLst>
+              <a:ext uri="{FF2B5EF4-FFF2-40B4-BE49-F238E27FC236}">
+                <a16:creationId xmlns:a16="http://schemas.microsoft.com/office/drawing/2014/main" id="{4979FF01-1333-4CC5-A157-F9DA7BF88A0B}"/>
+              </a:ext>
+            </a:extLst>
+          </p:cNvPr>
+          <p:cNvCxnSpPr>
+            <a:cxnSpLocks/>
+          </p:cNvCxnSpPr>
+          <p:nvPr/>
+        </p:nvCxnSpPr>
+        <p:spPr>
+          <a:xfrm flipV="1">
+            <a:off x="5689812" y="2300898"/>
+            <a:ext cx="533815" cy="498694"/>
+          </a:xfrm>
+          <a:prstGeom prst="straightConnector1">
+            <a:avLst/>
+          </a:prstGeom>
+          <a:ln w="31750">
+            <a:solidFill>
+              <a:schemeClr val="accent1">
+                <a:lumMod val="75000"/>
+              </a:schemeClr>
+            </a:solidFill>
+            <a:prstDash val="sysDash"/>
+            <a:tailEnd type="triangle"/>
+          </a:ln>
+        </p:spPr>
+        <p:style>
+          <a:lnRef idx="1">
+            <a:schemeClr val="accent1"/>
+          </a:lnRef>
+          <a:fillRef idx="0">
+            <a:schemeClr val="accent1"/>
+          </a:fillRef>
+          <a:effectRef idx="0">
+            <a:schemeClr val="accent1"/>
+          </a:effectRef>
+          <a:fontRef idx="minor">
+            <a:schemeClr val="tx1"/>
+          </a:fontRef>
+        </p:style>
+      </p:cxnSp>
+      <p:cxnSp>
+        <p:nvCxnSpPr>
+          <p:cNvPr id="30" name="直線コネクタ 29">
+            <a:extLst>
+              <a:ext uri="{FF2B5EF4-FFF2-40B4-BE49-F238E27FC236}">
+                <a16:creationId xmlns:a16="http://schemas.microsoft.com/office/drawing/2014/main" id="{4E9C34DB-845A-482F-8080-018CA7E5BF96}"/>
+              </a:ext>
+            </a:extLst>
+          </p:cNvPr>
+          <p:cNvCxnSpPr>
+            <a:cxnSpLocks/>
+            <a:stCxn id="22" idx="2"/>
+          </p:cNvCxnSpPr>
+          <p:nvPr/>
+        </p:nvCxnSpPr>
+        <p:spPr>
+          <a:xfrm>
+            <a:off x="5614736" y="1490748"/>
+            <a:ext cx="75076" cy="297826"/>
+          </a:xfrm>
+          <a:prstGeom prst="line">
+            <a:avLst/>
+          </a:prstGeom>
+          <a:ln>
+            <a:solidFill>
+              <a:schemeClr val="tx1"/>
+            </a:solidFill>
+          </a:ln>
+        </p:spPr>
+        <p:style>
+          <a:lnRef idx="1">
+            <a:schemeClr val="accent1"/>
+          </a:lnRef>
+          <a:fillRef idx="0">
+            <a:schemeClr val="accent1"/>
+          </a:fillRef>
+          <a:effectRef idx="0">
+            <a:schemeClr val="accent1"/>
+          </a:effectRef>
+          <a:fontRef idx="minor">
+            <a:schemeClr val="tx1"/>
+          </a:fontRef>
+        </p:style>
+      </p:cxnSp>
+      <p:cxnSp>
+        <p:nvCxnSpPr>
+          <p:cNvPr id="31" name="直線コネクタ 30">
+            <a:extLst>
+              <a:ext uri="{FF2B5EF4-FFF2-40B4-BE49-F238E27FC236}">
+                <a16:creationId xmlns:a16="http://schemas.microsoft.com/office/drawing/2014/main" id="{118F46D1-F01C-4F56-9E45-0C11C3A1B0C6}"/>
+              </a:ext>
+            </a:extLst>
+          </p:cNvPr>
+          <p:cNvCxnSpPr>
+            <a:cxnSpLocks/>
+          </p:cNvCxnSpPr>
+          <p:nvPr/>
+        </p:nvCxnSpPr>
+        <p:spPr>
+          <a:xfrm flipH="1">
+            <a:off x="6375696" y="1842837"/>
+            <a:ext cx="603602" cy="346752"/>
+          </a:xfrm>
+          <a:prstGeom prst="line">
+            <a:avLst/>
+          </a:prstGeom>
+          <a:ln>
+            <a:solidFill>
+              <a:schemeClr val="tx1"/>
+            </a:solidFill>
+          </a:ln>
+        </p:spPr>
+        <p:style>
+          <a:lnRef idx="1">
+            <a:schemeClr val="accent1"/>
+          </a:lnRef>
+          <a:fillRef idx="0">
+            <a:schemeClr val="accent1"/>
+          </a:fillRef>
+          <a:effectRef idx="0">
+            <a:schemeClr val="accent1"/>
+          </a:effectRef>
+          <a:fontRef idx="minor">
+            <a:schemeClr val="tx1"/>
+          </a:fontRef>
+        </p:style>
+      </p:cxnSp>
+      <p:cxnSp>
+        <p:nvCxnSpPr>
+          <p:cNvPr id="32" name="直線コネクタ 31">
+            <a:extLst>
+              <a:ext uri="{FF2B5EF4-FFF2-40B4-BE49-F238E27FC236}">
+                <a16:creationId xmlns:a16="http://schemas.microsoft.com/office/drawing/2014/main" id="{DB5FC957-FE31-4A7C-BC59-E6FA4D0083FB}"/>
+              </a:ext>
+            </a:extLst>
+          </p:cNvPr>
+          <p:cNvCxnSpPr>
+            <a:cxnSpLocks/>
+          </p:cNvCxnSpPr>
+          <p:nvPr/>
+        </p:nvCxnSpPr>
+        <p:spPr>
+          <a:xfrm flipV="1">
+            <a:off x="5864315" y="2695675"/>
+            <a:ext cx="161693" cy="1004399"/>
+          </a:xfrm>
+          <a:prstGeom prst="line">
+            <a:avLst/>
+          </a:prstGeom>
+          <a:ln>
+            <a:solidFill>
+              <a:schemeClr val="tx1"/>
+            </a:solidFill>
+          </a:ln>
+        </p:spPr>
+        <p:style>
+          <a:lnRef idx="1">
+            <a:schemeClr val="accent1"/>
+          </a:lnRef>
+          <a:fillRef idx="0">
+            <a:schemeClr val="accent1"/>
+          </a:fillRef>
+          <a:effectRef idx="0">
+            <a:schemeClr val="accent1"/>
+          </a:effectRef>
+          <a:fontRef idx="minor">
+            <a:schemeClr val="tx1"/>
+          </a:fontRef>
+        </p:style>
+      </p:cxnSp>
+      <p:cxnSp>
+        <p:nvCxnSpPr>
+          <p:cNvPr id="33" name="直線コネクタ 32">
+            <a:extLst>
+              <a:ext uri="{FF2B5EF4-FFF2-40B4-BE49-F238E27FC236}">
+                <a16:creationId xmlns:a16="http://schemas.microsoft.com/office/drawing/2014/main" id="{708F7E01-9E06-460F-9338-07E9FB822E15}"/>
+              </a:ext>
+            </a:extLst>
+          </p:cNvPr>
+          <p:cNvCxnSpPr>
+            <a:cxnSpLocks/>
+          </p:cNvCxnSpPr>
+          <p:nvPr/>
+        </p:nvCxnSpPr>
+        <p:spPr>
+          <a:xfrm flipH="1" flipV="1">
+            <a:off x="6098628" y="2446781"/>
+            <a:ext cx="594170" cy="1230000"/>
+          </a:xfrm>
+          <a:prstGeom prst="line">
+            <a:avLst/>
+          </a:prstGeom>
+          <a:ln>
+            <a:solidFill>
+              <a:schemeClr val="tx1"/>
+            </a:solidFill>
+          </a:ln>
+        </p:spPr>
+        <p:style>
+          <a:lnRef idx="1">
+            <a:schemeClr val="accent1"/>
+          </a:lnRef>
+          <a:fillRef idx="0">
+            <a:schemeClr val="accent1"/>
+          </a:fillRef>
+          <a:effectRef idx="0">
+            <a:schemeClr val="accent1"/>
+          </a:effectRef>
+          <a:fontRef idx="minor">
+            <a:schemeClr val="tx1"/>
+          </a:fontRef>
+        </p:style>
+      </p:cxnSp>
+      <p:cxnSp>
+        <p:nvCxnSpPr>
+          <p:cNvPr id="38" name="直線矢印コネクタ 37">
+            <a:extLst>
+              <a:ext uri="{FF2B5EF4-FFF2-40B4-BE49-F238E27FC236}">
+                <a16:creationId xmlns:a16="http://schemas.microsoft.com/office/drawing/2014/main" id="{2BC17DF7-7A98-4883-9319-D289F0628E1C}"/>
+              </a:ext>
+            </a:extLst>
+          </p:cNvPr>
+          <p:cNvCxnSpPr>
+            <a:cxnSpLocks/>
+          </p:cNvCxnSpPr>
+          <p:nvPr/>
+        </p:nvCxnSpPr>
+        <p:spPr>
+          <a:xfrm flipV="1">
+            <a:off x="1732785" y="1961033"/>
+            <a:ext cx="744966" cy="849462"/>
+          </a:xfrm>
+          <a:prstGeom prst="straightConnector1">
+            <a:avLst/>
+          </a:prstGeom>
+          <a:ln w="31750">
+            <a:solidFill>
+              <a:schemeClr val="accent1">
+                <a:lumMod val="40000"/>
+                <a:lumOff val="60000"/>
+              </a:schemeClr>
+            </a:solidFill>
+            <a:tailEnd type="triangle"/>
+          </a:ln>
+        </p:spPr>
+        <p:style>
+          <a:lnRef idx="1">
+            <a:schemeClr val="accent1"/>
+          </a:lnRef>
+          <a:fillRef idx="0">
+            <a:schemeClr val="accent1"/>
+          </a:fillRef>
+          <a:effectRef idx="0">
+            <a:schemeClr val="accent1"/>
+          </a:effectRef>
+          <a:fontRef idx="minor">
+            <a:schemeClr val="tx1"/>
+          </a:fontRef>
+        </p:style>
+      </p:cxnSp>
+      <p:sp>
+        <p:nvSpPr>
+          <p:cNvPr id="47" name="テキスト ボックス 46">
+            <a:extLst>
+              <a:ext uri="{FF2B5EF4-FFF2-40B4-BE49-F238E27FC236}">
+                <a16:creationId xmlns:a16="http://schemas.microsoft.com/office/drawing/2014/main" id="{4EF0E214-8768-4E57-A9B3-829D10733104}"/>
+              </a:ext>
+            </a:extLst>
+          </p:cNvPr>
+          <p:cNvSpPr txBox="1"/>
+          <p:nvPr/>
+        </p:nvSpPr>
+        <p:spPr>
+          <a:xfrm>
+            <a:off x="2604458" y="3700074"/>
+            <a:ext cx="1932252" cy="415498"/>
+          </a:xfrm>
+          <a:prstGeom prst="rect">
+            <a:avLst/>
+          </a:prstGeom>
+          <a:noFill/>
+        </p:spPr>
+        <p:txBody>
+          <a:bodyPr wrap="square" rtlCol="0">
+            <a:spAutoFit/>
+          </a:bodyPr>
+          <a:lstStyle/>
+          <a:p>
+            <a:r>
+              <a:rPr kumimoji="1" lang="ja-JP" altLang="en-US" sz="1050" dirty="0">
+                <a:solidFill>
+                  <a:srgbClr val="FF0000"/>
+                </a:solidFill>
+              </a:rPr>
+              <a:t>その部分空間への</a:t>
+            </a:r>
+            <a:endParaRPr kumimoji="1" lang="en-US" altLang="ja-JP" sz="1050" dirty="0">
+              <a:solidFill>
+                <a:srgbClr val="FF0000"/>
+              </a:solidFill>
+            </a:endParaRPr>
+          </a:p>
+          <a:p>
+            <a:r>
+              <a:rPr kumimoji="1" lang="ja-JP" altLang="en-US" sz="1050" dirty="0">
+                <a:solidFill>
+                  <a:srgbClr val="FF0000"/>
+                </a:solidFill>
+              </a:rPr>
+              <a:t>射影</a:t>
+            </a:r>
+          </a:p>
+        </p:txBody>
+      </p:sp>
+      <p:cxnSp>
+        <p:nvCxnSpPr>
+          <p:cNvPr id="51" name="直線矢印コネクタ 50">
+            <a:extLst>
+              <a:ext uri="{FF2B5EF4-FFF2-40B4-BE49-F238E27FC236}">
+                <a16:creationId xmlns:a16="http://schemas.microsoft.com/office/drawing/2014/main" id="{BA48192A-632C-4112-BB74-F562EA279D0B}"/>
+              </a:ext>
+            </a:extLst>
+          </p:cNvPr>
+          <p:cNvCxnSpPr>
+            <a:cxnSpLocks/>
+          </p:cNvCxnSpPr>
+          <p:nvPr/>
+        </p:nvCxnSpPr>
+        <p:spPr>
+          <a:xfrm flipV="1">
+            <a:off x="2404895" y="3919331"/>
+            <a:ext cx="251221" cy="7034"/>
+          </a:xfrm>
+          <a:prstGeom prst="straightConnector1">
+            <a:avLst/>
+          </a:prstGeom>
+          <a:ln w="47625">
+            <a:solidFill>
+              <a:schemeClr val="accent2">
+                <a:lumMod val="60000"/>
+                <a:lumOff val="40000"/>
+              </a:schemeClr>
+            </a:solidFill>
+            <a:tailEnd type="triangle"/>
+          </a:ln>
+        </p:spPr>
+        <p:style>
+          <a:lnRef idx="1">
+            <a:schemeClr val="accent1"/>
+          </a:lnRef>
+          <a:fillRef idx="0">
+            <a:schemeClr val="accent1"/>
+          </a:fillRef>
+          <a:effectRef idx="0">
+            <a:schemeClr val="accent1"/>
+          </a:effectRef>
+          <a:fontRef idx="minor">
+            <a:schemeClr val="tx1"/>
+          </a:fontRef>
+        </p:style>
+      </p:cxnSp>
+      <p:sp>
+        <p:nvSpPr>
+          <p:cNvPr id="56" name="テキスト ボックス 55">
+            <a:extLst>
+              <a:ext uri="{FF2B5EF4-FFF2-40B4-BE49-F238E27FC236}">
+                <a16:creationId xmlns:a16="http://schemas.microsoft.com/office/drawing/2014/main" id="{D6A605BD-4FD2-40AA-A45C-D97FEA61EB95}"/>
+              </a:ext>
+            </a:extLst>
+          </p:cNvPr>
+          <p:cNvSpPr txBox="1"/>
+          <p:nvPr/>
+        </p:nvSpPr>
+        <p:spPr>
+          <a:xfrm>
+            <a:off x="6406080" y="3729980"/>
+            <a:ext cx="1932252" cy="253916"/>
+          </a:xfrm>
+          <a:prstGeom prst="rect">
+            <a:avLst/>
+          </a:prstGeom>
+          <a:noFill/>
+        </p:spPr>
+        <p:txBody>
+          <a:bodyPr wrap="square" rtlCol="0">
+            <a:spAutoFit/>
+          </a:bodyPr>
+          <a:lstStyle/>
+          <a:p>
+            <a:r>
+              <a:rPr kumimoji="1" lang="ja-JP" altLang="en-US" sz="1050" dirty="0">
+                <a:solidFill>
+                  <a:schemeClr val="accent1">
+                    <a:lumMod val="75000"/>
+                  </a:schemeClr>
+                </a:solidFill>
+              </a:rPr>
+              <a:t>その部分空間への射影</a:t>
+            </a:r>
+          </a:p>
+        </p:txBody>
+      </p:sp>
+      <p:cxnSp>
+        <p:nvCxnSpPr>
+          <p:cNvPr id="61" name="直線矢印コネクタ 60">
+            <a:extLst>
+              <a:ext uri="{FF2B5EF4-FFF2-40B4-BE49-F238E27FC236}">
+                <a16:creationId xmlns:a16="http://schemas.microsoft.com/office/drawing/2014/main" id="{E7E682BE-8C5A-44DB-84A7-B7DC1D49F43B}"/>
+              </a:ext>
+            </a:extLst>
+          </p:cNvPr>
+          <p:cNvCxnSpPr>
+            <a:cxnSpLocks/>
+          </p:cNvCxnSpPr>
+          <p:nvPr/>
+        </p:nvCxnSpPr>
+        <p:spPr>
+          <a:xfrm flipV="1">
+            <a:off x="6152683" y="3872680"/>
+            <a:ext cx="251221" cy="7034"/>
+          </a:xfrm>
+          <a:prstGeom prst="straightConnector1">
+            <a:avLst/>
+          </a:prstGeom>
+          <a:ln w="47625">
+            <a:solidFill>
+              <a:schemeClr val="accent1">
+                <a:lumMod val="75000"/>
+              </a:schemeClr>
+            </a:solidFill>
+            <a:tailEnd type="triangle"/>
+          </a:ln>
+        </p:spPr>
+        <p:style>
+          <a:lnRef idx="1">
+            <a:schemeClr val="accent1"/>
+          </a:lnRef>
+          <a:fillRef idx="0">
+            <a:schemeClr val="accent1"/>
+          </a:fillRef>
+          <a:effectRef idx="0">
+            <a:schemeClr val="accent1"/>
+          </a:effectRef>
+          <a:fontRef idx="minor">
+            <a:schemeClr val="tx1"/>
+          </a:fontRef>
+        </p:style>
+      </p:cxnSp>
+      <p:sp>
+        <p:nvSpPr>
+          <p:cNvPr id="63" name="平行四辺形 62">
+            <a:extLst>
+              <a:ext uri="{FF2B5EF4-FFF2-40B4-BE49-F238E27FC236}">
+                <a16:creationId xmlns:a16="http://schemas.microsoft.com/office/drawing/2014/main" id="{CE19D85C-FEAA-4474-BDCB-2768A2371644}"/>
+              </a:ext>
+            </a:extLst>
+          </p:cNvPr>
+          <p:cNvSpPr/>
+          <p:nvPr/>
+        </p:nvSpPr>
+        <p:spPr>
+          <a:xfrm rot="21240388">
+            <a:off x="1623456" y="4428345"/>
+            <a:ext cx="869679" cy="761032"/>
+          </a:xfrm>
+          <a:prstGeom prst="parallelogram">
+            <a:avLst>
+              <a:gd name="adj" fmla="val 9763"/>
+            </a:avLst>
+          </a:prstGeom>
+          <a:solidFill>
+            <a:schemeClr val="accent1">
+              <a:alpha val="69000"/>
+            </a:schemeClr>
+          </a:solidFill>
+          <a:ln>
+            <a:noFill/>
+          </a:ln>
+        </p:spPr>
+        <p:style>
+          <a:lnRef idx="2">
+            <a:schemeClr val="accent1">
+              <a:shade val="50000"/>
+            </a:schemeClr>
+          </a:lnRef>
+          <a:fillRef idx="1">
+            <a:schemeClr val="accent1"/>
+          </a:fillRef>
+          <a:effectRef idx="0">
+            <a:schemeClr val="accent1"/>
+          </a:effectRef>
+          <a:fontRef idx="minor">
+            <a:schemeClr val="lt1"/>
+          </a:fontRef>
+        </p:style>
+        <p:txBody>
+          <a:bodyPr rtlCol="0" anchor="ctr"/>
+          <a:lstStyle/>
+          <a:p>
+            <a:pPr algn="ctr"/>
+            <a:endParaRPr kumimoji="1" lang="ja-JP" altLang="en-US"/>
+          </a:p>
+        </p:txBody>
+      </p:sp>
+      <p:cxnSp>
+        <p:nvCxnSpPr>
+          <p:cNvPr id="64" name="直線矢印コネクタ 63">
+            <a:extLst>
+              <a:ext uri="{FF2B5EF4-FFF2-40B4-BE49-F238E27FC236}">
+                <a16:creationId xmlns:a16="http://schemas.microsoft.com/office/drawing/2014/main" id="{C4AC9B2E-A30F-4C74-AE79-33FCA12905FE}"/>
+              </a:ext>
+            </a:extLst>
+          </p:cNvPr>
+          <p:cNvCxnSpPr>
+            <a:cxnSpLocks/>
+          </p:cNvCxnSpPr>
+          <p:nvPr/>
+        </p:nvCxnSpPr>
+        <p:spPr>
+          <a:xfrm flipV="1">
+            <a:off x="1651652" y="4420850"/>
+            <a:ext cx="0" cy="821633"/>
+          </a:xfrm>
+          <a:prstGeom prst="straightConnector1">
+            <a:avLst/>
+          </a:prstGeom>
+          <a:ln w="31750">
+            <a:solidFill>
+              <a:schemeClr val="tx1"/>
+            </a:solidFill>
+            <a:tailEnd type="triangle"/>
+          </a:ln>
+        </p:spPr>
+        <p:style>
+          <a:lnRef idx="1">
+            <a:schemeClr val="accent1"/>
+          </a:lnRef>
+          <a:fillRef idx="0">
+            <a:schemeClr val="accent1"/>
+          </a:fillRef>
+          <a:effectRef idx="0">
+            <a:schemeClr val="accent1"/>
+          </a:effectRef>
+          <a:fontRef idx="minor">
+            <a:schemeClr val="tx1"/>
+          </a:fontRef>
+        </p:style>
+      </p:cxnSp>
+      <p:cxnSp>
+        <p:nvCxnSpPr>
+          <p:cNvPr id="65" name="直線矢印コネクタ 64">
+            <a:extLst>
+              <a:ext uri="{FF2B5EF4-FFF2-40B4-BE49-F238E27FC236}">
+                <a16:creationId xmlns:a16="http://schemas.microsoft.com/office/drawing/2014/main" id="{0F89B77A-F45C-4A44-84AA-F10AB38CD896}"/>
+              </a:ext>
+            </a:extLst>
+          </p:cNvPr>
+          <p:cNvCxnSpPr>
+            <a:cxnSpLocks/>
+          </p:cNvCxnSpPr>
+          <p:nvPr/>
+        </p:nvCxnSpPr>
+        <p:spPr>
+          <a:xfrm flipV="1">
+            <a:off x="1651652" y="5149716"/>
+            <a:ext cx="854765" cy="92767"/>
+          </a:xfrm>
+          <a:prstGeom prst="straightConnector1">
+            <a:avLst/>
+          </a:prstGeom>
+          <a:ln w="31750">
+            <a:solidFill>
+              <a:schemeClr val="tx1"/>
+            </a:solidFill>
+            <a:tailEnd type="triangle"/>
+          </a:ln>
+        </p:spPr>
+        <p:style>
+          <a:lnRef idx="1">
+            <a:schemeClr val="accent1"/>
+          </a:lnRef>
+          <a:fillRef idx="0">
+            <a:schemeClr val="accent1"/>
+          </a:fillRef>
+          <a:effectRef idx="0">
+            <a:schemeClr val="accent1"/>
+          </a:effectRef>
+          <a:fontRef idx="minor">
+            <a:schemeClr val="tx1"/>
+          </a:fontRef>
+        </p:style>
+      </p:cxnSp>
+      <p:cxnSp>
+        <p:nvCxnSpPr>
+          <p:cNvPr id="66" name="直線矢印コネクタ 65">
+            <a:extLst>
+              <a:ext uri="{FF2B5EF4-FFF2-40B4-BE49-F238E27FC236}">
+                <a16:creationId xmlns:a16="http://schemas.microsoft.com/office/drawing/2014/main" id="{F83F4FFD-C0D4-4D71-AD56-A71D9C1E4400}"/>
+              </a:ext>
+            </a:extLst>
+          </p:cNvPr>
+          <p:cNvCxnSpPr>
+            <a:cxnSpLocks/>
+          </p:cNvCxnSpPr>
+          <p:nvPr/>
+        </p:nvCxnSpPr>
+        <p:spPr>
+          <a:xfrm flipH="1">
+            <a:off x="1313721" y="5242483"/>
+            <a:ext cx="337931" cy="410816"/>
+          </a:xfrm>
+          <a:prstGeom prst="straightConnector1">
+            <a:avLst/>
+          </a:prstGeom>
+          <a:ln w="31750">
+            <a:solidFill>
+              <a:schemeClr val="tx1"/>
+            </a:solidFill>
+            <a:tailEnd type="triangle"/>
+          </a:ln>
+        </p:spPr>
+        <p:style>
+          <a:lnRef idx="1">
+            <a:schemeClr val="accent1"/>
+          </a:lnRef>
+          <a:fillRef idx="0">
+            <a:schemeClr val="accent1"/>
+          </a:fillRef>
+          <a:effectRef idx="0">
+            <a:schemeClr val="accent1"/>
+          </a:effectRef>
+          <a:fontRef idx="minor">
+            <a:schemeClr val="tx1"/>
+          </a:fontRef>
+        </p:style>
+      </p:cxnSp>
+      <p:cxnSp>
+        <p:nvCxnSpPr>
+          <p:cNvPr id="67" name="直線矢印コネクタ 66">
+            <a:extLst>
+              <a:ext uri="{FF2B5EF4-FFF2-40B4-BE49-F238E27FC236}">
+                <a16:creationId xmlns:a16="http://schemas.microsoft.com/office/drawing/2014/main" id="{72BEE62D-D582-49B1-BC58-A4C9A0B7383A}"/>
+              </a:ext>
+            </a:extLst>
+          </p:cNvPr>
+          <p:cNvCxnSpPr>
+            <a:cxnSpLocks/>
+          </p:cNvCxnSpPr>
+          <p:nvPr/>
+        </p:nvCxnSpPr>
+        <p:spPr>
+          <a:xfrm flipV="1">
+            <a:off x="1658956" y="4979547"/>
+            <a:ext cx="715492" cy="262936"/>
+          </a:xfrm>
+          <a:prstGeom prst="straightConnector1">
+            <a:avLst/>
+          </a:prstGeom>
+          <a:ln w="31750">
+            <a:solidFill>
+              <a:schemeClr val="accent2"/>
+            </a:solidFill>
+            <a:tailEnd type="triangle"/>
+          </a:ln>
+        </p:spPr>
+        <p:style>
+          <a:lnRef idx="1">
+            <a:schemeClr val="accent1"/>
+          </a:lnRef>
+          <a:fillRef idx="0">
+            <a:schemeClr val="accent1"/>
+          </a:fillRef>
+          <a:effectRef idx="0">
+            <a:schemeClr val="accent1"/>
+          </a:effectRef>
+          <a:fontRef idx="minor">
+            <a:schemeClr val="tx1"/>
+          </a:fontRef>
+        </p:style>
+      </p:cxnSp>
+      <p:cxnSp>
+        <p:nvCxnSpPr>
+          <p:cNvPr id="68" name="直線矢印コネクタ 67">
+            <a:extLst>
+              <a:ext uri="{FF2B5EF4-FFF2-40B4-BE49-F238E27FC236}">
+                <a16:creationId xmlns:a16="http://schemas.microsoft.com/office/drawing/2014/main" id="{FDF2F264-0597-40D9-BD7F-6EC5D4CC3E8B}"/>
+              </a:ext>
+            </a:extLst>
+          </p:cNvPr>
+          <p:cNvCxnSpPr>
+            <a:cxnSpLocks/>
+          </p:cNvCxnSpPr>
+          <p:nvPr/>
+        </p:nvCxnSpPr>
+        <p:spPr>
+          <a:xfrm flipH="1" flipV="1">
+            <a:off x="910001" y="5149716"/>
+            <a:ext cx="751175" cy="87877"/>
+          </a:xfrm>
+          <a:prstGeom prst="straightConnector1">
+            <a:avLst/>
+          </a:prstGeom>
+          <a:ln w="31750">
+            <a:solidFill>
+              <a:schemeClr val="accent2"/>
+            </a:solidFill>
+            <a:prstDash val="sysDash"/>
+            <a:tailEnd type="triangle"/>
+          </a:ln>
+        </p:spPr>
+        <p:style>
+          <a:lnRef idx="1">
+            <a:schemeClr val="accent1"/>
+          </a:lnRef>
+          <a:fillRef idx="0">
+            <a:schemeClr val="accent1"/>
+          </a:fillRef>
+          <a:effectRef idx="0">
+            <a:schemeClr val="accent1"/>
+          </a:effectRef>
+          <a:fontRef idx="minor">
+            <a:schemeClr val="tx1"/>
+          </a:fontRef>
+        </p:style>
+      </p:cxnSp>
+      <p:cxnSp>
+        <p:nvCxnSpPr>
+          <p:cNvPr id="70" name="直線矢印コネクタ 69">
+            <a:extLst>
+              <a:ext uri="{FF2B5EF4-FFF2-40B4-BE49-F238E27FC236}">
+                <a16:creationId xmlns:a16="http://schemas.microsoft.com/office/drawing/2014/main" id="{F93597BF-E4B7-4A99-812E-16BD8018D970}"/>
+              </a:ext>
+            </a:extLst>
+          </p:cNvPr>
+          <p:cNvCxnSpPr>
+            <a:cxnSpLocks/>
+          </p:cNvCxnSpPr>
+          <p:nvPr/>
+        </p:nvCxnSpPr>
+        <p:spPr>
+          <a:xfrm flipV="1">
+            <a:off x="1660748" y="4645864"/>
+            <a:ext cx="665773" cy="598409"/>
+          </a:xfrm>
+          <a:prstGeom prst="straightConnector1">
+            <a:avLst/>
+          </a:prstGeom>
+          <a:ln w="31750">
+            <a:solidFill>
+              <a:schemeClr val="accent2"/>
+            </a:solidFill>
+            <a:tailEnd type="triangle"/>
+          </a:ln>
+        </p:spPr>
+        <p:style>
+          <a:lnRef idx="1">
+            <a:schemeClr val="accent1"/>
+          </a:lnRef>
+          <a:fillRef idx="0">
+            <a:schemeClr val="accent1"/>
+          </a:fillRef>
+          <a:effectRef idx="0">
+            <a:schemeClr val="accent1"/>
+          </a:effectRef>
+          <a:fontRef idx="minor">
+            <a:schemeClr val="tx1"/>
+          </a:fontRef>
+        </p:style>
+      </p:cxnSp>
+      <p:cxnSp>
+        <p:nvCxnSpPr>
+          <p:cNvPr id="72" name="直線矢印コネクタ 71">
+            <a:extLst>
+              <a:ext uri="{FF2B5EF4-FFF2-40B4-BE49-F238E27FC236}">
+                <a16:creationId xmlns:a16="http://schemas.microsoft.com/office/drawing/2014/main" id="{5ABC0B8E-3FD4-4259-9085-9F8292E8DE22}"/>
+              </a:ext>
+            </a:extLst>
+          </p:cNvPr>
+          <p:cNvCxnSpPr>
+            <a:cxnSpLocks/>
+          </p:cNvCxnSpPr>
+          <p:nvPr/>
+        </p:nvCxnSpPr>
+        <p:spPr>
+          <a:xfrm flipV="1">
+            <a:off x="1662539" y="4535657"/>
+            <a:ext cx="70246" cy="731921"/>
+          </a:xfrm>
+          <a:prstGeom prst="straightConnector1">
+            <a:avLst/>
+          </a:prstGeom>
+          <a:ln w="31750">
+            <a:solidFill>
+              <a:schemeClr val="accent2"/>
+            </a:solidFill>
+            <a:tailEnd type="triangle"/>
+          </a:ln>
+        </p:spPr>
+        <p:style>
+          <a:lnRef idx="1">
+            <a:schemeClr val="accent1"/>
+          </a:lnRef>
+          <a:fillRef idx="0">
+            <a:schemeClr val="accent1"/>
+          </a:fillRef>
+          <a:effectRef idx="0">
+            <a:schemeClr val="accent1"/>
+          </a:effectRef>
+          <a:fontRef idx="minor">
+            <a:schemeClr val="tx1"/>
+          </a:fontRef>
+        </p:style>
+      </p:cxnSp>
+      <p:cxnSp>
+        <p:nvCxnSpPr>
+          <p:cNvPr id="76" name="直線矢印コネクタ 75">
+            <a:extLst>
+              <a:ext uri="{FF2B5EF4-FFF2-40B4-BE49-F238E27FC236}">
+                <a16:creationId xmlns:a16="http://schemas.microsoft.com/office/drawing/2014/main" id="{F66CD8E5-5FAE-4AD9-AF95-141CECB2F84A}"/>
+              </a:ext>
+            </a:extLst>
+          </p:cNvPr>
+          <p:cNvCxnSpPr>
+            <a:cxnSpLocks/>
+          </p:cNvCxnSpPr>
+          <p:nvPr/>
+        </p:nvCxnSpPr>
+        <p:spPr>
+          <a:xfrm flipV="1">
+            <a:off x="1673297" y="4872219"/>
+            <a:ext cx="215395" cy="341579"/>
+          </a:xfrm>
+          <a:prstGeom prst="straightConnector1">
+            <a:avLst/>
+          </a:prstGeom>
+          <a:ln w="31750">
+            <a:solidFill>
+              <a:schemeClr val="accent2"/>
+            </a:solidFill>
+            <a:tailEnd type="triangle"/>
+          </a:ln>
+        </p:spPr>
+        <p:style>
+          <a:lnRef idx="1">
+            <a:schemeClr val="accent1"/>
+          </a:lnRef>
+          <a:fillRef idx="0">
+            <a:schemeClr val="accent1"/>
+          </a:fillRef>
+          <a:effectRef idx="0">
+            <a:schemeClr val="accent1"/>
+          </a:effectRef>
+          <a:fontRef idx="minor">
+            <a:schemeClr val="tx1"/>
+          </a:fontRef>
+        </p:style>
+      </p:cxnSp>
+      <p:cxnSp>
+        <p:nvCxnSpPr>
+          <p:cNvPr id="80" name="直線コネクタ 79">
+            <a:extLst>
+              <a:ext uri="{FF2B5EF4-FFF2-40B4-BE49-F238E27FC236}">
+                <a16:creationId xmlns:a16="http://schemas.microsoft.com/office/drawing/2014/main" id="{7857555D-03FD-4121-BEFB-DA95F2FE7102}"/>
+              </a:ext>
+            </a:extLst>
+          </p:cNvPr>
+          <p:cNvCxnSpPr>
+            <a:cxnSpLocks/>
+          </p:cNvCxnSpPr>
+          <p:nvPr/>
+        </p:nvCxnSpPr>
+        <p:spPr>
+          <a:xfrm flipH="1" flipV="1">
+            <a:off x="1149843" y="5066850"/>
+            <a:ext cx="149284" cy="200728"/>
+          </a:xfrm>
+          <a:prstGeom prst="line">
+            <a:avLst/>
+          </a:prstGeom>
+          <a:ln>
+            <a:solidFill>
+              <a:schemeClr val="tx1"/>
+            </a:solidFill>
+          </a:ln>
+        </p:spPr>
+        <p:style>
+          <a:lnRef idx="1">
+            <a:schemeClr val="accent1"/>
+          </a:lnRef>
+          <a:fillRef idx="0">
+            <a:schemeClr val="accent1"/>
+          </a:fillRef>
+          <a:effectRef idx="0">
+            <a:schemeClr val="accent1"/>
+          </a:effectRef>
+          <a:fontRef idx="minor">
+            <a:schemeClr val="tx1"/>
+          </a:fontRef>
+        </p:style>
+      </p:cxnSp>
+      <p:cxnSp>
+        <p:nvCxnSpPr>
+          <p:cNvPr id="83" name="直線コネクタ 82">
+            <a:extLst>
+              <a:ext uri="{FF2B5EF4-FFF2-40B4-BE49-F238E27FC236}">
+                <a16:creationId xmlns:a16="http://schemas.microsoft.com/office/drawing/2014/main" id="{32590B11-E89F-4A16-B735-1516F34BE80E}"/>
+              </a:ext>
+            </a:extLst>
+          </p:cNvPr>
+          <p:cNvCxnSpPr>
+            <a:cxnSpLocks/>
+          </p:cNvCxnSpPr>
+          <p:nvPr/>
+        </p:nvCxnSpPr>
+        <p:spPr>
+          <a:xfrm flipH="1">
+            <a:off x="1119365" y="5079181"/>
+            <a:ext cx="200670" cy="172343"/>
+          </a:xfrm>
+          <a:prstGeom prst="line">
+            <a:avLst/>
+          </a:prstGeom>
+          <a:ln>
+            <a:solidFill>
+              <a:schemeClr val="tx1"/>
+            </a:solidFill>
+          </a:ln>
+        </p:spPr>
+        <p:style>
+          <a:lnRef idx="1">
+            <a:schemeClr val="accent1"/>
+          </a:lnRef>
+          <a:fillRef idx="0">
+            <a:schemeClr val="accent1"/>
+          </a:fillRef>
+          <a:effectRef idx="0">
+            <a:schemeClr val="accent1"/>
+          </a:effectRef>
+          <a:fontRef idx="minor">
+            <a:schemeClr val="tx1"/>
+          </a:fontRef>
+        </p:style>
+      </p:cxnSp>
+      <p:sp>
+        <p:nvSpPr>
+          <p:cNvPr id="85" name="平行四辺形 84">
+            <a:extLst>
+              <a:ext uri="{FF2B5EF4-FFF2-40B4-BE49-F238E27FC236}">
+                <a16:creationId xmlns:a16="http://schemas.microsoft.com/office/drawing/2014/main" id="{0B444C73-70AF-41D1-B93E-0FE229B5D752}"/>
+              </a:ext>
+            </a:extLst>
+          </p:cNvPr>
+          <p:cNvSpPr/>
+          <p:nvPr/>
+        </p:nvSpPr>
+        <p:spPr>
+          <a:xfrm rot="21240388">
+            <a:off x="5029941" y="4455634"/>
+            <a:ext cx="869679" cy="761032"/>
+          </a:xfrm>
+          <a:prstGeom prst="parallelogram">
+            <a:avLst>
+              <a:gd name="adj" fmla="val 9763"/>
+            </a:avLst>
+          </a:prstGeom>
+          <a:solidFill>
+            <a:schemeClr val="accent2">
+              <a:alpha val="69000"/>
+            </a:schemeClr>
+          </a:solidFill>
+          <a:ln>
+            <a:noFill/>
+          </a:ln>
+        </p:spPr>
+        <p:style>
+          <a:lnRef idx="2">
+            <a:schemeClr val="accent1">
+              <a:shade val="50000"/>
+            </a:schemeClr>
+          </a:lnRef>
+          <a:fillRef idx="1">
+            <a:schemeClr val="accent1"/>
+          </a:fillRef>
+          <a:effectRef idx="0">
+            <a:schemeClr val="accent1"/>
+          </a:effectRef>
+          <a:fontRef idx="minor">
+            <a:schemeClr val="lt1"/>
+          </a:fontRef>
+        </p:style>
+        <p:txBody>
+          <a:bodyPr rtlCol="0" anchor="ctr"/>
+          <a:lstStyle/>
+          <a:p>
+            <a:pPr algn="ctr"/>
+            <a:endParaRPr kumimoji="1" lang="ja-JP" altLang="en-US"/>
+          </a:p>
+        </p:txBody>
+      </p:sp>
+      <p:cxnSp>
+        <p:nvCxnSpPr>
+          <p:cNvPr id="86" name="直線矢印コネクタ 85">
+            <a:extLst>
+              <a:ext uri="{FF2B5EF4-FFF2-40B4-BE49-F238E27FC236}">
+                <a16:creationId xmlns:a16="http://schemas.microsoft.com/office/drawing/2014/main" id="{A14818F7-4166-49E6-AF3E-0A9C615C41DC}"/>
+              </a:ext>
+            </a:extLst>
+          </p:cNvPr>
+          <p:cNvCxnSpPr>
+            <a:cxnSpLocks/>
+          </p:cNvCxnSpPr>
+          <p:nvPr/>
+        </p:nvCxnSpPr>
+        <p:spPr>
+          <a:xfrm flipV="1">
+            <a:off x="5058137" y="4448139"/>
+            <a:ext cx="0" cy="821633"/>
+          </a:xfrm>
+          <a:prstGeom prst="straightConnector1">
+            <a:avLst/>
+          </a:prstGeom>
+          <a:ln w="31750">
+            <a:solidFill>
+              <a:schemeClr val="tx1"/>
+            </a:solidFill>
+            <a:tailEnd type="triangle"/>
+          </a:ln>
+        </p:spPr>
+        <p:style>
+          <a:lnRef idx="1">
+            <a:schemeClr val="accent1"/>
+          </a:lnRef>
+          <a:fillRef idx="0">
+            <a:schemeClr val="accent1"/>
+          </a:fillRef>
+          <a:effectRef idx="0">
+            <a:schemeClr val="accent1"/>
+          </a:effectRef>
+          <a:fontRef idx="minor">
+            <a:schemeClr val="tx1"/>
+          </a:fontRef>
+        </p:style>
+      </p:cxnSp>
+      <p:cxnSp>
+        <p:nvCxnSpPr>
+          <p:cNvPr id="87" name="直線矢印コネクタ 86">
+            <a:extLst>
+              <a:ext uri="{FF2B5EF4-FFF2-40B4-BE49-F238E27FC236}">
+                <a16:creationId xmlns:a16="http://schemas.microsoft.com/office/drawing/2014/main" id="{3DAF65BE-86F2-49C0-8FAC-130D3DC836D7}"/>
+              </a:ext>
+            </a:extLst>
+          </p:cNvPr>
+          <p:cNvCxnSpPr>
+            <a:cxnSpLocks/>
+          </p:cNvCxnSpPr>
+          <p:nvPr/>
+        </p:nvCxnSpPr>
+        <p:spPr>
+          <a:xfrm flipV="1">
+            <a:off x="5058137" y="5177005"/>
+            <a:ext cx="854765" cy="92767"/>
+          </a:xfrm>
+          <a:prstGeom prst="straightConnector1">
+            <a:avLst/>
+          </a:prstGeom>
+          <a:ln w="31750">
+            <a:solidFill>
+              <a:schemeClr val="tx1"/>
+            </a:solidFill>
+            <a:tailEnd type="triangle"/>
+          </a:ln>
+        </p:spPr>
+        <p:style>
+          <a:lnRef idx="1">
+            <a:schemeClr val="accent1"/>
+          </a:lnRef>
+          <a:fillRef idx="0">
+            <a:schemeClr val="accent1"/>
+          </a:fillRef>
+          <a:effectRef idx="0">
+            <a:schemeClr val="accent1"/>
+          </a:effectRef>
+          <a:fontRef idx="minor">
+            <a:schemeClr val="tx1"/>
+          </a:fontRef>
+        </p:style>
+      </p:cxnSp>
+      <p:cxnSp>
+        <p:nvCxnSpPr>
+          <p:cNvPr id="88" name="直線矢印コネクタ 87">
+            <a:extLst>
+              <a:ext uri="{FF2B5EF4-FFF2-40B4-BE49-F238E27FC236}">
+                <a16:creationId xmlns:a16="http://schemas.microsoft.com/office/drawing/2014/main" id="{0BD65480-D317-4DCF-9094-4A96964AB275}"/>
+              </a:ext>
+            </a:extLst>
+          </p:cNvPr>
+          <p:cNvCxnSpPr>
+            <a:cxnSpLocks/>
+          </p:cNvCxnSpPr>
+          <p:nvPr/>
+        </p:nvCxnSpPr>
+        <p:spPr>
+          <a:xfrm flipH="1">
+            <a:off x="4720206" y="5269772"/>
+            <a:ext cx="337931" cy="410816"/>
+          </a:xfrm>
+          <a:prstGeom prst="straightConnector1">
+            <a:avLst/>
+          </a:prstGeom>
+          <a:ln w="31750">
+            <a:solidFill>
+              <a:schemeClr val="tx1"/>
+            </a:solidFill>
+            <a:tailEnd type="triangle"/>
+          </a:ln>
+        </p:spPr>
+        <p:style>
+          <a:lnRef idx="1">
+            <a:schemeClr val="accent1"/>
+          </a:lnRef>
+          <a:fillRef idx="0">
+            <a:schemeClr val="accent1"/>
+          </a:fillRef>
+          <a:effectRef idx="0">
+            <a:schemeClr val="accent1"/>
+          </a:effectRef>
+          <a:fontRef idx="minor">
+            <a:schemeClr val="tx1"/>
+          </a:fontRef>
+        </p:style>
+      </p:cxnSp>
+      <p:cxnSp>
+        <p:nvCxnSpPr>
+          <p:cNvPr id="89" name="直線矢印コネクタ 88">
+            <a:extLst>
+              <a:ext uri="{FF2B5EF4-FFF2-40B4-BE49-F238E27FC236}">
+                <a16:creationId xmlns:a16="http://schemas.microsoft.com/office/drawing/2014/main" id="{D7E1F622-7B2C-40CE-B810-13EAA47CFECA}"/>
+              </a:ext>
+            </a:extLst>
+          </p:cNvPr>
+          <p:cNvCxnSpPr>
+            <a:cxnSpLocks/>
+          </p:cNvCxnSpPr>
+          <p:nvPr/>
+        </p:nvCxnSpPr>
+        <p:spPr>
+          <a:xfrm flipV="1">
+            <a:off x="5067662" y="5015535"/>
+            <a:ext cx="715492" cy="262936"/>
+          </a:xfrm>
+          <a:prstGeom prst="straightConnector1">
+            <a:avLst/>
+          </a:prstGeom>
+          <a:ln w="31750">
+            <a:solidFill>
+              <a:schemeClr val="accent1">
+                <a:lumMod val="75000"/>
+              </a:schemeClr>
+            </a:solidFill>
+            <a:tailEnd type="triangle"/>
+          </a:ln>
+        </p:spPr>
+        <p:style>
+          <a:lnRef idx="1">
+            <a:schemeClr val="accent1"/>
+          </a:lnRef>
+          <a:fillRef idx="0">
+            <a:schemeClr val="accent1"/>
+          </a:fillRef>
+          <a:effectRef idx="0">
+            <a:schemeClr val="accent1"/>
+          </a:effectRef>
+          <a:fontRef idx="minor">
+            <a:schemeClr val="tx1"/>
+          </a:fontRef>
+        </p:style>
+      </p:cxnSp>
+      <p:cxnSp>
+        <p:nvCxnSpPr>
+          <p:cNvPr id="90" name="直線矢印コネクタ 89">
+            <a:extLst>
+              <a:ext uri="{FF2B5EF4-FFF2-40B4-BE49-F238E27FC236}">
+                <a16:creationId xmlns:a16="http://schemas.microsoft.com/office/drawing/2014/main" id="{5A9806D7-4A9C-460B-B486-3BFB36C93099}"/>
+              </a:ext>
+            </a:extLst>
+          </p:cNvPr>
+          <p:cNvCxnSpPr>
+            <a:cxnSpLocks/>
+          </p:cNvCxnSpPr>
+          <p:nvPr/>
+        </p:nvCxnSpPr>
+        <p:spPr>
+          <a:xfrm flipV="1">
+            <a:off x="5067661" y="4766188"/>
+            <a:ext cx="533815" cy="498694"/>
+          </a:xfrm>
+          <a:prstGeom prst="straightConnector1">
+            <a:avLst/>
+          </a:prstGeom>
+          <a:ln w="31750">
+            <a:solidFill>
+              <a:schemeClr val="accent1">
+                <a:lumMod val="75000"/>
+              </a:schemeClr>
+            </a:solidFill>
+            <a:prstDash val="sysDash"/>
+            <a:tailEnd type="triangle"/>
+          </a:ln>
+        </p:spPr>
+        <p:style>
+          <a:lnRef idx="1">
+            <a:schemeClr val="accent1"/>
+          </a:lnRef>
+          <a:fillRef idx="0">
+            <a:schemeClr val="accent1"/>
+          </a:fillRef>
+          <a:effectRef idx="0">
+            <a:schemeClr val="accent1"/>
+          </a:effectRef>
+          <a:fontRef idx="minor">
+            <a:schemeClr val="tx1"/>
+          </a:fontRef>
+        </p:style>
+      </p:cxnSp>
+      <p:cxnSp>
+        <p:nvCxnSpPr>
+          <p:cNvPr id="97" name="直線矢印コネクタ 96">
+            <a:extLst>
+              <a:ext uri="{FF2B5EF4-FFF2-40B4-BE49-F238E27FC236}">
+                <a16:creationId xmlns:a16="http://schemas.microsoft.com/office/drawing/2014/main" id="{F69552C3-9DA3-4436-B8C5-A9EBB02CE7EF}"/>
+              </a:ext>
+            </a:extLst>
+          </p:cNvPr>
+          <p:cNvCxnSpPr>
+            <a:cxnSpLocks/>
+          </p:cNvCxnSpPr>
+          <p:nvPr/>
+        </p:nvCxnSpPr>
+        <p:spPr>
+          <a:xfrm flipV="1">
+            <a:off x="6146451" y="4449933"/>
+            <a:ext cx="0" cy="821633"/>
+          </a:xfrm>
+          <a:prstGeom prst="straightConnector1">
+            <a:avLst/>
+          </a:prstGeom>
+          <a:ln w="31750">
+            <a:solidFill>
+              <a:schemeClr val="tx1"/>
+            </a:solidFill>
+            <a:tailEnd type="triangle"/>
+          </a:ln>
+        </p:spPr>
+        <p:style>
+          <a:lnRef idx="1">
+            <a:schemeClr val="accent1"/>
+          </a:lnRef>
+          <a:fillRef idx="0">
+            <a:schemeClr val="accent1"/>
+          </a:fillRef>
+          <a:effectRef idx="0">
+            <a:schemeClr val="accent1"/>
+          </a:effectRef>
+          <a:fontRef idx="minor">
+            <a:schemeClr val="tx1"/>
+          </a:fontRef>
+        </p:style>
+      </p:cxnSp>
+      <p:cxnSp>
+        <p:nvCxnSpPr>
+          <p:cNvPr id="98" name="直線矢印コネクタ 97">
+            <a:extLst>
+              <a:ext uri="{FF2B5EF4-FFF2-40B4-BE49-F238E27FC236}">
+                <a16:creationId xmlns:a16="http://schemas.microsoft.com/office/drawing/2014/main" id="{37BEE592-CF64-463E-9D55-278FDCF0CF67}"/>
+              </a:ext>
+            </a:extLst>
+          </p:cNvPr>
+          <p:cNvCxnSpPr>
+            <a:cxnSpLocks/>
+          </p:cNvCxnSpPr>
+          <p:nvPr/>
+        </p:nvCxnSpPr>
+        <p:spPr>
+          <a:xfrm flipV="1">
+            <a:off x="6146451" y="5178799"/>
+            <a:ext cx="854765" cy="92767"/>
+          </a:xfrm>
+          <a:prstGeom prst="straightConnector1">
+            <a:avLst/>
+          </a:prstGeom>
+          <a:ln w="31750">
+            <a:solidFill>
+              <a:schemeClr val="tx1"/>
+            </a:solidFill>
+            <a:tailEnd type="triangle"/>
+          </a:ln>
+        </p:spPr>
+        <p:style>
+          <a:lnRef idx="1">
+            <a:schemeClr val="accent1"/>
+          </a:lnRef>
+          <a:fillRef idx="0">
+            <a:schemeClr val="accent1"/>
+          </a:fillRef>
+          <a:effectRef idx="0">
+            <a:schemeClr val="accent1"/>
+          </a:effectRef>
+          <a:fontRef idx="minor">
+            <a:schemeClr val="tx1"/>
+          </a:fontRef>
+        </p:style>
+      </p:cxnSp>
+      <p:cxnSp>
+        <p:nvCxnSpPr>
+          <p:cNvPr id="99" name="直線矢印コネクタ 98">
+            <a:extLst>
+              <a:ext uri="{FF2B5EF4-FFF2-40B4-BE49-F238E27FC236}">
+                <a16:creationId xmlns:a16="http://schemas.microsoft.com/office/drawing/2014/main" id="{8F54BA62-AF3D-4376-9502-B4FB6C239AD1}"/>
+              </a:ext>
+            </a:extLst>
+          </p:cNvPr>
+          <p:cNvCxnSpPr>
+            <a:cxnSpLocks/>
+          </p:cNvCxnSpPr>
+          <p:nvPr/>
+        </p:nvCxnSpPr>
+        <p:spPr>
+          <a:xfrm flipH="1">
+            <a:off x="5808520" y="5271566"/>
+            <a:ext cx="337931" cy="410816"/>
+          </a:xfrm>
+          <a:prstGeom prst="straightConnector1">
+            <a:avLst/>
+          </a:prstGeom>
+          <a:ln w="31750">
+            <a:solidFill>
+              <a:schemeClr val="tx1"/>
+            </a:solidFill>
+            <a:tailEnd type="triangle"/>
+          </a:ln>
+        </p:spPr>
+        <p:style>
+          <a:lnRef idx="1">
+            <a:schemeClr val="accent1"/>
+          </a:lnRef>
+          <a:fillRef idx="0">
+            <a:schemeClr val="accent1"/>
+          </a:fillRef>
+          <a:effectRef idx="0">
+            <a:schemeClr val="accent1"/>
+          </a:effectRef>
+          <a:fontRef idx="minor">
+            <a:schemeClr val="tx1"/>
+          </a:fontRef>
+        </p:style>
+      </p:cxnSp>
+      <p:cxnSp>
+        <p:nvCxnSpPr>
+          <p:cNvPr id="100" name="直線矢印コネクタ 99">
+            <a:extLst>
+              <a:ext uri="{FF2B5EF4-FFF2-40B4-BE49-F238E27FC236}">
+                <a16:creationId xmlns:a16="http://schemas.microsoft.com/office/drawing/2014/main" id="{89BE3001-121C-4E63-821A-CEE498952B1C}"/>
+              </a:ext>
+            </a:extLst>
+          </p:cNvPr>
+          <p:cNvCxnSpPr>
+            <a:cxnSpLocks/>
+          </p:cNvCxnSpPr>
+          <p:nvPr/>
+        </p:nvCxnSpPr>
+        <p:spPr>
+          <a:xfrm flipV="1">
+            <a:off x="6155976" y="5017329"/>
+            <a:ext cx="715492" cy="262936"/>
+          </a:xfrm>
+          <a:prstGeom prst="straightConnector1">
+            <a:avLst/>
+          </a:prstGeom>
+          <a:ln w="31750">
+            <a:solidFill>
+              <a:schemeClr val="accent1">
+                <a:lumMod val="75000"/>
+              </a:schemeClr>
+            </a:solidFill>
+            <a:tailEnd type="triangle"/>
+          </a:ln>
+        </p:spPr>
+        <p:style>
+          <a:lnRef idx="1">
+            <a:schemeClr val="accent1"/>
+          </a:lnRef>
+          <a:fillRef idx="0">
+            <a:schemeClr val="accent1"/>
+          </a:fillRef>
+          <a:effectRef idx="0">
+            <a:schemeClr val="accent1"/>
+          </a:effectRef>
+          <a:fontRef idx="minor">
+            <a:schemeClr val="tx1"/>
+          </a:fontRef>
+        </p:style>
+      </p:cxnSp>
+      <p:cxnSp>
+        <p:nvCxnSpPr>
+          <p:cNvPr id="101" name="直線矢印コネクタ 100">
+            <a:extLst>
+              <a:ext uri="{FF2B5EF4-FFF2-40B4-BE49-F238E27FC236}">
+                <a16:creationId xmlns:a16="http://schemas.microsoft.com/office/drawing/2014/main" id="{CC81F51F-4D61-4AB7-BFC6-7E417C467CCA}"/>
+              </a:ext>
+            </a:extLst>
+          </p:cNvPr>
+          <p:cNvCxnSpPr>
+            <a:cxnSpLocks/>
+          </p:cNvCxnSpPr>
+          <p:nvPr/>
+        </p:nvCxnSpPr>
+        <p:spPr>
+          <a:xfrm flipV="1">
+            <a:off x="6155975" y="5259991"/>
+            <a:ext cx="639181" cy="6685"/>
+          </a:xfrm>
+          <a:prstGeom prst="straightConnector1">
+            <a:avLst/>
+          </a:prstGeom>
+          <a:ln w="31750">
+            <a:solidFill>
+              <a:schemeClr val="accent1">
+                <a:lumMod val="75000"/>
+              </a:schemeClr>
+            </a:solidFill>
+            <a:prstDash val="sysDash"/>
+            <a:tailEnd type="triangle"/>
+          </a:ln>
+        </p:spPr>
+        <p:style>
+          <a:lnRef idx="1">
+            <a:schemeClr val="accent1"/>
+          </a:lnRef>
+          <a:fillRef idx="0">
+            <a:schemeClr val="accent1"/>
+          </a:fillRef>
+          <a:effectRef idx="0">
+            <a:schemeClr val="accent1"/>
+          </a:effectRef>
+          <a:fontRef idx="minor">
+            <a:schemeClr val="tx1"/>
+          </a:fontRef>
+        </p:style>
+      </p:cxnSp>
+      <p:cxnSp>
+        <p:nvCxnSpPr>
+          <p:cNvPr id="103" name="直線矢印コネクタ 102">
+            <a:extLst>
+              <a:ext uri="{FF2B5EF4-FFF2-40B4-BE49-F238E27FC236}">
+                <a16:creationId xmlns:a16="http://schemas.microsoft.com/office/drawing/2014/main" id="{1C0DADC3-C063-4C9B-B140-F82F257B1E35}"/>
+              </a:ext>
+            </a:extLst>
+          </p:cNvPr>
+          <p:cNvCxnSpPr>
+            <a:cxnSpLocks/>
+          </p:cNvCxnSpPr>
+          <p:nvPr/>
+        </p:nvCxnSpPr>
+        <p:spPr>
+          <a:xfrm flipV="1">
+            <a:off x="7224006" y="4440966"/>
+            <a:ext cx="0" cy="821633"/>
+          </a:xfrm>
+          <a:prstGeom prst="straightConnector1">
+            <a:avLst/>
+          </a:prstGeom>
+          <a:ln w="31750">
+            <a:solidFill>
+              <a:schemeClr val="accent2">
+                <a:lumMod val="75000"/>
+              </a:schemeClr>
+            </a:solidFill>
+            <a:tailEnd type="triangle"/>
+          </a:ln>
+        </p:spPr>
+        <p:style>
+          <a:lnRef idx="1">
+            <a:schemeClr val="accent1"/>
+          </a:lnRef>
+          <a:fillRef idx="0">
+            <a:schemeClr val="accent1"/>
+          </a:fillRef>
+          <a:effectRef idx="0">
+            <a:schemeClr val="accent1"/>
+          </a:effectRef>
+          <a:fontRef idx="minor">
+            <a:schemeClr val="tx1"/>
+          </a:fontRef>
+        </p:style>
+      </p:cxnSp>
+      <p:cxnSp>
+        <p:nvCxnSpPr>
+          <p:cNvPr id="104" name="直線矢印コネクタ 103">
+            <a:extLst>
+              <a:ext uri="{FF2B5EF4-FFF2-40B4-BE49-F238E27FC236}">
+                <a16:creationId xmlns:a16="http://schemas.microsoft.com/office/drawing/2014/main" id="{A2D4C745-A434-4AF5-9FB5-3F4A461D2B4B}"/>
+              </a:ext>
+            </a:extLst>
+          </p:cNvPr>
+          <p:cNvCxnSpPr>
+            <a:cxnSpLocks/>
+          </p:cNvCxnSpPr>
+          <p:nvPr/>
+        </p:nvCxnSpPr>
+        <p:spPr>
+          <a:xfrm flipV="1">
+            <a:off x="7224006" y="5169832"/>
+            <a:ext cx="854765" cy="92767"/>
+          </a:xfrm>
+          <a:prstGeom prst="straightConnector1">
+            <a:avLst/>
+          </a:prstGeom>
+          <a:ln w="31750">
+            <a:solidFill>
+              <a:schemeClr val="tx1"/>
+            </a:solidFill>
+            <a:tailEnd type="triangle"/>
+          </a:ln>
+        </p:spPr>
+        <p:style>
+          <a:lnRef idx="1">
+            <a:schemeClr val="accent1"/>
+          </a:lnRef>
+          <a:fillRef idx="0">
+            <a:schemeClr val="accent1"/>
+          </a:fillRef>
+          <a:effectRef idx="0">
+            <a:schemeClr val="accent1"/>
+          </a:effectRef>
+          <a:fontRef idx="minor">
+            <a:schemeClr val="tx1"/>
+          </a:fontRef>
+        </p:style>
+      </p:cxnSp>
+      <p:cxnSp>
+        <p:nvCxnSpPr>
+          <p:cNvPr id="105" name="直線矢印コネクタ 104">
+            <a:extLst>
+              <a:ext uri="{FF2B5EF4-FFF2-40B4-BE49-F238E27FC236}">
+                <a16:creationId xmlns:a16="http://schemas.microsoft.com/office/drawing/2014/main" id="{EA21E13F-E86F-4C0B-BE45-8F18A994833C}"/>
+              </a:ext>
+            </a:extLst>
+          </p:cNvPr>
+          <p:cNvCxnSpPr>
+            <a:cxnSpLocks/>
+          </p:cNvCxnSpPr>
+          <p:nvPr/>
+        </p:nvCxnSpPr>
+        <p:spPr>
+          <a:xfrm flipH="1">
+            <a:off x="6886075" y="5262599"/>
+            <a:ext cx="337931" cy="410816"/>
+          </a:xfrm>
+          <a:prstGeom prst="straightConnector1">
+            <a:avLst/>
+          </a:prstGeom>
+          <a:ln w="31750">
+            <a:solidFill>
+              <a:schemeClr val="tx1"/>
+            </a:solidFill>
+            <a:tailEnd type="triangle"/>
+          </a:ln>
+        </p:spPr>
+        <p:style>
+          <a:lnRef idx="1">
+            <a:schemeClr val="accent1"/>
+          </a:lnRef>
+          <a:fillRef idx="0">
+            <a:schemeClr val="accent1"/>
+          </a:fillRef>
+          <a:effectRef idx="0">
+            <a:schemeClr val="accent1"/>
+          </a:effectRef>
+          <a:fontRef idx="minor">
+            <a:schemeClr val="tx1"/>
+          </a:fontRef>
+        </p:style>
+      </p:cxnSp>
+      <p:cxnSp>
+        <p:nvCxnSpPr>
+          <p:cNvPr id="106" name="直線矢印コネクタ 105">
+            <a:extLst>
+              <a:ext uri="{FF2B5EF4-FFF2-40B4-BE49-F238E27FC236}">
+                <a16:creationId xmlns:a16="http://schemas.microsoft.com/office/drawing/2014/main" id="{099E634F-07F0-40D8-95E0-21C4124A8BF3}"/>
+              </a:ext>
+            </a:extLst>
+          </p:cNvPr>
+          <p:cNvCxnSpPr>
+            <a:cxnSpLocks/>
+          </p:cNvCxnSpPr>
+          <p:nvPr/>
+        </p:nvCxnSpPr>
+        <p:spPr>
+          <a:xfrm flipV="1">
+            <a:off x="7233531" y="5008362"/>
+            <a:ext cx="715492" cy="262936"/>
+          </a:xfrm>
+          <a:prstGeom prst="straightConnector1">
+            <a:avLst/>
+          </a:prstGeom>
+          <a:ln w="31750">
+            <a:solidFill>
+              <a:schemeClr val="accent1">
+                <a:lumMod val="75000"/>
+              </a:schemeClr>
+            </a:solidFill>
+            <a:tailEnd type="triangle"/>
+          </a:ln>
+        </p:spPr>
+        <p:style>
+          <a:lnRef idx="1">
+            <a:schemeClr val="accent1"/>
+          </a:lnRef>
+          <a:fillRef idx="0">
+            <a:schemeClr val="accent1"/>
+          </a:fillRef>
+          <a:effectRef idx="0">
+            <a:schemeClr val="accent1"/>
+          </a:effectRef>
+          <a:fontRef idx="minor">
+            <a:schemeClr val="tx1"/>
+          </a:fontRef>
+        </p:style>
+      </p:cxnSp>
+      <p:cxnSp>
+        <p:nvCxnSpPr>
+          <p:cNvPr id="107" name="直線矢印コネクタ 106">
+            <a:extLst>
+              <a:ext uri="{FF2B5EF4-FFF2-40B4-BE49-F238E27FC236}">
+                <a16:creationId xmlns:a16="http://schemas.microsoft.com/office/drawing/2014/main" id="{DA9AD6A8-80F9-4CDC-8F24-2E6A8D192231}"/>
+              </a:ext>
+            </a:extLst>
+          </p:cNvPr>
+          <p:cNvCxnSpPr>
+            <a:cxnSpLocks/>
+          </p:cNvCxnSpPr>
+          <p:nvPr/>
+        </p:nvCxnSpPr>
+        <p:spPr>
+          <a:xfrm flipV="1">
+            <a:off x="7233530" y="5008362"/>
+            <a:ext cx="0" cy="249347"/>
+          </a:xfrm>
+          <a:prstGeom prst="straightConnector1">
+            <a:avLst/>
+          </a:prstGeom>
+          <a:ln w="31750">
+            <a:solidFill>
+              <a:schemeClr val="accent1">
+                <a:lumMod val="75000"/>
+              </a:schemeClr>
+            </a:solidFill>
+            <a:prstDash val="sysDash"/>
+            <a:tailEnd type="triangle"/>
+          </a:ln>
+        </p:spPr>
+        <p:style>
+          <a:lnRef idx="1">
+            <a:schemeClr val="accent1"/>
+          </a:lnRef>
+          <a:fillRef idx="0">
+            <a:schemeClr val="accent1"/>
+          </a:fillRef>
+          <a:effectRef idx="0">
+            <a:schemeClr val="accent1"/>
+          </a:effectRef>
+          <a:fontRef idx="minor">
+            <a:schemeClr val="tx1"/>
+          </a:fontRef>
+        </p:style>
+      </p:cxnSp>
+      <p:cxnSp>
+        <p:nvCxnSpPr>
+          <p:cNvPr id="111" name="直線コネクタ 110">
+            <a:extLst>
+              <a:ext uri="{FF2B5EF4-FFF2-40B4-BE49-F238E27FC236}">
+                <a16:creationId xmlns:a16="http://schemas.microsoft.com/office/drawing/2014/main" id="{7A1DBA1E-2743-41DD-A34B-89E6306123C4}"/>
+              </a:ext>
+            </a:extLst>
+          </p:cNvPr>
+          <p:cNvCxnSpPr>
+            <a:cxnSpLocks/>
+          </p:cNvCxnSpPr>
+          <p:nvPr/>
+        </p:nvCxnSpPr>
+        <p:spPr>
+          <a:xfrm flipV="1">
+            <a:off x="4321714" y="693683"/>
+            <a:ext cx="43393" cy="5313093"/>
+          </a:xfrm>
+          <a:prstGeom prst="line">
+            <a:avLst/>
+          </a:prstGeom>
+          <a:ln>
+            <a:solidFill>
+              <a:schemeClr val="tx1"/>
+            </a:solidFill>
+          </a:ln>
+        </p:spPr>
+        <p:style>
+          <a:lnRef idx="1">
+            <a:schemeClr val="accent1"/>
+          </a:lnRef>
+          <a:fillRef idx="0">
+            <a:schemeClr val="accent1"/>
+          </a:fillRef>
+          <a:effectRef idx="0">
+            <a:schemeClr val="accent1"/>
+          </a:effectRef>
+          <a:fontRef idx="minor">
+            <a:schemeClr val="tx1"/>
+          </a:fontRef>
+        </p:style>
+      </p:cxnSp>
+      <p:cxnSp>
+        <p:nvCxnSpPr>
+          <p:cNvPr id="114" name="直線コネクタ 113">
+            <a:extLst>
+              <a:ext uri="{FF2B5EF4-FFF2-40B4-BE49-F238E27FC236}">
+                <a16:creationId xmlns:a16="http://schemas.microsoft.com/office/drawing/2014/main" id="{3CCD3F78-F9CA-4A20-984E-3EF4AEBF29DF}"/>
+              </a:ext>
+            </a:extLst>
+          </p:cNvPr>
+          <p:cNvCxnSpPr>
+            <a:cxnSpLocks/>
+          </p:cNvCxnSpPr>
+          <p:nvPr/>
+        </p:nvCxnSpPr>
+        <p:spPr>
+          <a:xfrm flipH="1">
+            <a:off x="643976" y="4201837"/>
+            <a:ext cx="7356872" cy="40854"/>
+          </a:xfrm>
+          <a:prstGeom prst="line">
+            <a:avLst/>
+          </a:prstGeom>
+          <a:ln w="15875">
+            <a:solidFill>
+              <a:schemeClr val="tx1"/>
+            </a:solidFill>
+            <a:prstDash val="dash"/>
+          </a:ln>
+        </p:spPr>
+        <p:style>
+          <a:lnRef idx="1">
+            <a:schemeClr val="accent1"/>
+          </a:lnRef>
+          <a:fillRef idx="0">
+            <a:schemeClr val="accent1"/>
+          </a:fillRef>
+          <a:effectRef idx="0">
+            <a:schemeClr val="accent1"/>
+          </a:effectRef>
+          <a:fontRef idx="minor">
+            <a:schemeClr val="tx1"/>
+          </a:fontRef>
+        </p:style>
+      </p:cxnSp>
+      <p:sp>
+        <p:nvSpPr>
+          <p:cNvPr id="119" name="テキスト ボックス 118">
+            <a:extLst>
+              <a:ext uri="{FF2B5EF4-FFF2-40B4-BE49-F238E27FC236}">
+                <a16:creationId xmlns:a16="http://schemas.microsoft.com/office/drawing/2014/main" id="{F9986D94-1E2D-4B8D-833B-1AC649E413CB}"/>
+              </a:ext>
+            </a:extLst>
+          </p:cNvPr>
+          <p:cNvSpPr txBox="1"/>
+          <p:nvPr/>
+        </p:nvSpPr>
+        <p:spPr>
+          <a:xfrm>
+            <a:off x="2651711" y="4580957"/>
+            <a:ext cx="1884997" cy="577081"/>
+          </a:xfrm>
+          <a:prstGeom prst="rect">
+            <a:avLst/>
+          </a:prstGeom>
+          <a:noFill/>
+        </p:spPr>
+        <p:txBody>
+          <a:bodyPr wrap="square" rtlCol="0">
+            <a:spAutoFit/>
+          </a:bodyPr>
+          <a:lstStyle/>
+          <a:p>
+            <a:r>
+              <a:rPr kumimoji="1" lang="ja-JP" altLang="en-US" sz="1050" dirty="0"/>
+              <a:t>ある程度相関のあるもの</a:t>
+            </a:r>
+            <a:endParaRPr kumimoji="1" lang="en-US" altLang="ja-JP" sz="1050" dirty="0"/>
+          </a:p>
+          <a:p>
+            <a:r>
+              <a:rPr kumimoji="1" lang="ja-JP" altLang="en-US" sz="1050" dirty="0" err="1"/>
+              <a:t>だけを</a:t>
+            </a:r>
+            <a:r>
+              <a:rPr kumimoji="1" lang="ja-JP" altLang="en-US" sz="1050" dirty="0"/>
+              <a:t>選別してから</a:t>
+            </a:r>
+            <a:endParaRPr kumimoji="1" lang="en-US" altLang="ja-JP" sz="1050" dirty="0"/>
+          </a:p>
+          <a:p>
+            <a:r>
+              <a:rPr kumimoji="1" lang="ja-JP" altLang="en-US" sz="1050" dirty="0"/>
+              <a:t>まとめて比較が可能</a:t>
+            </a:r>
+            <a:endParaRPr kumimoji="1" lang="en-US" altLang="ja-JP" sz="1050" dirty="0">
+              <a:solidFill>
+                <a:schemeClr val="accent1"/>
+              </a:solidFill>
+            </a:endParaRPr>
+          </a:p>
+        </p:txBody>
+      </p:sp>
+      <p:sp>
+        <p:nvSpPr>
+          <p:cNvPr id="120" name="テキスト ボックス 119">
+            <a:extLst>
+              <a:ext uri="{FF2B5EF4-FFF2-40B4-BE49-F238E27FC236}">
+                <a16:creationId xmlns:a16="http://schemas.microsoft.com/office/drawing/2014/main" id="{B41E209D-43A7-4EA1-A567-7002E2284AA0}"/>
+              </a:ext>
+            </a:extLst>
+          </p:cNvPr>
+          <p:cNvSpPr txBox="1"/>
+          <p:nvPr/>
+        </p:nvSpPr>
+        <p:spPr>
+          <a:xfrm>
+            <a:off x="4611883" y="5752860"/>
+            <a:ext cx="3991044" cy="253916"/>
+          </a:xfrm>
+          <a:prstGeom prst="rect">
+            <a:avLst/>
+          </a:prstGeom>
+          <a:noFill/>
+        </p:spPr>
+        <p:txBody>
+          <a:bodyPr wrap="square" rtlCol="0">
+            <a:spAutoFit/>
+          </a:bodyPr>
+          <a:lstStyle/>
+          <a:p>
+            <a:r>
+              <a:rPr kumimoji="1" lang="ja-JP" altLang="en-US" sz="1050" dirty="0"/>
+              <a:t>観光対象の数だけいちいち計算しなければならない</a:t>
+            </a:r>
+            <a:endParaRPr kumimoji="1" lang="en-US" altLang="ja-JP" sz="1050" dirty="0">
+              <a:solidFill>
+                <a:schemeClr val="accent1"/>
+              </a:solidFill>
+            </a:endParaRPr>
+          </a:p>
+        </p:txBody>
+      </p:sp>
+      <p:sp>
+        <p:nvSpPr>
+          <p:cNvPr id="122" name="テキスト ボックス 121">
+            <a:extLst>
+              <a:ext uri="{FF2B5EF4-FFF2-40B4-BE49-F238E27FC236}">
+                <a16:creationId xmlns:a16="http://schemas.microsoft.com/office/drawing/2014/main" id="{866474E3-5F83-4847-BFEF-9A2F780C5497}"/>
+              </a:ext>
+            </a:extLst>
+          </p:cNvPr>
+          <p:cNvSpPr txBox="1"/>
+          <p:nvPr/>
+        </p:nvSpPr>
+        <p:spPr>
+          <a:xfrm>
+            <a:off x="1043629" y="765721"/>
+            <a:ext cx="3991044" cy="338554"/>
+          </a:xfrm>
+          <a:prstGeom prst="rect">
+            <a:avLst/>
+          </a:prstGeom>
+          <a:noFill/>
+        </p:spPr>
+        <p:txBody>
+          <a:bodyPr wrap="square" rtlCol="0">
+            <a:spAutoFit/>
+          </a:bodyPr>
+          <a:lstStyle/>
+          <a:p>
+            <a:r>
+              <a:rPr kumimoji="1" lang="en-US" altLang="ja-JP" sz="1600" dirty="0"/>
+              <a:t>MMM</a:t>
+            </a:r>
+            <a:r>
+              <a:rPr kumimoji="1" lang="ja-JP" altLang="en-US" sz="1600" dirty="0"/>
+              <a:t>中で用いられる計算</a:t>
+            </a:r>
+            <a:endParaRPr kumimoji="1" lang="en-US" altLang="ja-JP" sz="1600" dirty="0">
+              <a:solidFill>
+                <a:schemeClr val="accent1"/>
+              </a:solidFill>
+            </a:endParaRPr>
+          </a:p>
+        </p:txBody>
+      </p:sp>
+      <p:sp>
+        <p:nvSpPr>
+          <p:cNvPr id="123" name="テキスト ボックス 122">
+            <a:extLst>
+              <a:ext uri="{FF2B5EF4-FFF2-40B4-BE49-F238E27FC236}">
+                <a16:creationId xmlns:a16="http://schemas.microsoft.com/office/drawing/2014/main" id="{020FB0F5-305A-451B-AD36-1D0CEC91B0A7}"/>
+              </a:ext>
+            </a:extLst>
+          </p:cNvPr>
+          <p:cNvSpPr txBox="1"/>
+          <p:nvPr/>
+        </p:nvSpPr>
+        <p:spPr>
+          <a:xfrm>
+            <a:off x="5473724" y="760471"/>
+            <a:ext cx="3991044" cy="338554"/>
+          </a:xfrm>
+          <a:prstGeom prst="rect">
+            <a:avLst/>
+          </a:prstGeom>
+          <a:noFill/>
+        </p:spPr>
+        <p:txBody>
+          <a:bodyPr wrap="square" rtlCol="0">
+            <a:spAutoFit/>
+          </a:bodyPr>
+          <a:lstStyle/>
+          <a:p>
+            <a:r>
+              <a:rPr kumimoji="1" lang="ja-JP" altLang="en-US" sz="1600" dirty="0"/>
+              <a:t>本研究による計算</a:t>
+            </a:r>
+            <a:endParaRPr kumimoji="1" lang="en-US" altLang="ja-JP" sz="1600" dirty="0">
+              <a:solidFill>
+                <a:schemeClr val="accent1"/>
+              </a:solidFill>
+            </a:endParaRPr>
+          </a:p>
+        </p:txBody>
+      </p:sp>
+    </p:spTree>
+    <p:extLst>
+      <p:ext uri="{BB962C8B-B14F-4D97-AF65-F5344CB8AC3E}">
+        <p14:creationId xmlns:p14="http://schemas.microsoft.com/office/powerpoint/2010/main" val="1769513560"/>
+      </p:ext>
+    </p:extLst>
+  </p:cSld>
+  <p:clrMapOvr>
+    <a:masterClrMapping/>
+  </p:clrMapOvr>
+</p:sld>
+</file>
+
+<file path=ppt/slides/slide7.xml><?xml version="1.0" encoding="utf-8"?>
+<p:sld xmlns:a="http://schemas.openxmlformats.org/drawingml/2006/main" xmlns:r="http://schemas.openxmlformats.org/officeDocument/2006/relationships" xmlns:p="http://schemas.openxmlformats.org/presentationml/2006/main">
+  <p:cSld>
+    <p:spTree>
+      <p:nvGrpSpPr>
+        <p:cNvPr id="1" name=""/>
+        <p:cNvGrpSpPr/>
+        <p:nvPr/>
+      </p:nvGrpSpPr>
+      <p:grpSpPr>
+        <a:xfrm>
+          <a:off x="0" y="0"/>
+          <a:ext cx="0" cy="0"/>
+          <a:chOff x="0" y="0"/>
+          <a:chExt cx="0" cy="0"/>
+        </a:xfrm>
+      </p:grpSpPr>
+      <mc:AlternateContent xmlns:mc="http://schemas.openxmlformats.org/markup-compatibility/2006">
+        <mc:Choice xmlns:a14="http://schemas.microsoft.com/office/drawing/2010/main" Requires="a14">
+          <p:sp>
+            <p:nvSpPr>
+              <p:cNvPr id="4" name="テキスト ボックス 3">
+                <a:extLst>
+                  <a:ext uri="{FF2B5EF4-FFF2-40B4-BE49-F238E27FC236}">
+                    <a16:creationId xmlns:a16="http://schemas.microsoft.com/office/drawing/2014/main" id="{A76477A5-CC9D-428B-8135-DBB54C8032DB}"/>
+                  </a:ext>
+                </a:extLst>
+              </p:cNvPr>
+              <p:cNvSpPr txBox="1"/>
+              <p:nvPr/>
+            </p:nvSpPr>
+            <p:spPr>
+              <a:xfrm>
+                <a:off x="1445851" y="2881810"/>
+                <a:ext cx="1884997" cy="253916"/>
+              </a:xfrm>
+              <a:prstGeom prst="rect">
+                <a:avLst/>
+              </a:prstGeom>
+              <a:noFill/>
+            </p:spPr>
+            <p:txBody>
+              <a:bodyPr wrap="square" rtlCol="0">
+                <a:spAutoFit/>
+              </a:bodyPr>
+              <a:lstStyle/>
+              <a:p>
+                <a14:m>
+                  <m:oMathPara xmlns:m="http://schemas.openxmlformats.org/officeDocument/2006/math">
+                    <m:oMathParaPr>
+                      <m:jc m:val="centerGroup"/>
+                    </m:oMathParaPr>
+                    <m:oMath xmlns:m="http://schemas.openxmlformats.org/officeDocument/2006/math">
+                      <m:sSub>
+                        <m:sSubPr>
+                          <m:ctrlPr>
+                            <a:rPr kumimoji="1" lang="en-US" altLang="ja-JP" sz="1050" i="1" spc="300" smtClean="0">
+                              <a:latin typeface="Cambria Math" panose="02040503050406030204" pitchFamily="18" charset="0"/>
+                            </a:rPr>
+                          </m:ctrlPr>
+                        </m:sSubPr>
+                        <m:e>
+                          <m:r>
+                            <a:rPr kumimoji="1" lang="en-US" altLang="ja-JP" sz="1050" b="0" i="1" spc="300" smtClean="0">
+                              <a:latin typeface="Cambria Math" panose="02040503050406030204" pitchFamily="18" charset="0"/>
+                            </a:rPr>
+                            <m:t>𝑓</m:t>
+                          </m:r>
+                        </m:e>
+                        <m:sub>
+                          <m:r>
+                            <a:rPr kumimoji="1" lang="en-US" altLang="ja-JP" sz="1050" b="0" i="1" spc="300" smtClean="0">
+                              <a:latin typeface="Cambria Math" panose="02040503050406030204" pitchFamily="18" charset="0"/>
+                            </a:rPr>
+                            <m:t>1</m:t>
+                          </m:r>
+                        </m:sub>
+                      </m:sSub>
+                      <m:sSub>
+                        <m:sSubPr>
+                          <m:ctrlPr>
+                            <a:rPr kumimoji="1" lang="en-US" altLang="ja-JP" sz="1050" i="1" spc="300">
+                              <a:latin typeface="Cambria Math" panose="02040503050406030204" pitchFamily="18" charset="0"/>
+                            </a:rPr>
+                          </m:ctrlPr>
+                        </m:sSubPr>
+                        <m:e>
+                          <m:r>
+                            <a:rPr kumimoji="1" lang="en-US" altLang="ja-JP" sz="1050" i="1" spc="300">
+                              <a:latin typeface="Cambria Math" panose="02040503050406030204" pitchFamily="18" charset="0"/>
+                            </a:rPr>
+                            <m:t>𝑓</m:t>
+                          </m:r>
+                        </m:e>
+                        <m:sub>
+                          <m:r>
+                            <a:rPr kumimoji="1" lang="en-US" altLang="ja-JP" sz="1050" b="0" i="1" spc="300" smtClean="0">
+                              <a:latin typeface="Cambria Math" panose="02040503050406030204" pitchFamily="18" charset="0"/>
+                            </a:rPr>
+                            <m:t>2</m:t>
+                          </m:r>
+                        </m:sub>
+                      </m:sSub>
+                      <m:sSub>
+                        <m:sSubPr>
+                          <m:ctrlPr>
+                            <a:rPr kumimoji="1" lang="en-US" altLang="ja-JP" sz="1050" i="1" spc="300">
+                              <a:latin typeface="Cambria Math" panose="02040503050406030204" pitchFamily="18" charset="0"/>
+                            </a:rPr>
+                          </m:ctrlPr>
+                        </m:sSubPr>
+                        <m:e>
+                          <m:r>
+                            <a:rPr kumimoji="1" lang="en-US" altLang="ja-JP" sz="1050" i="1" spc="300">
+                              <a:latin typeface="Cambria Math" panose="02040503050406030204" pitchFamily="18" charset="0"/>
+                            </a:rPr>
+                            <m:t>𝑓</m:t>
+                          </m:r>
+                        </m:e>
+                        <m:sub>
+                          <m:r>
+                            <a:rPr kumimoji="1" lang="en-US" altLang="ja-JP" sz="1050" b="0" i="1" spc="300" smtClean="0">
+                              <a:latin typeface="Cambria Math" panose="02040503050406030204" pitchFamily="18" charset="0"/>
+                            </a:rPr>
+                            <m:t>3</m:t>
+                          </m:r>
+                        </m:sub>
+                      </m:sSub>
+                      <m:sSub>
+                        <m:sSubPr>
+                          <m:ctrlPr>
+                            <a:rPr kumimoji="1" lang="en-US" altLang="ja-JP" sz="1050" i="1" spc="300">
+                              <a:latin typeface="Cambria Math" panose="02040503050406030204" pitchFamily="18" charset="0"/>
+                            </a:rPr>
+                          </m:ctrlPr>
+                        </m:sSubPr>
+                        <m:e>
+                          <m:r>
+                            <a:rPr kumimoji="1" lang="en-US" altLang="ja-JP" sz="1050" b="0" i="1" spc="300" smtClean="0">
+                              <a:latin typeface="Cambria Math" panose="02040503050406030204" pitchFamily="18" charset="0"/>
+                            </a:rPr>
+                            <m:t>  … </m:t>
+                          </m:r>
+                          <m:r>
+                            <a:rPr kumimoji="1" lang="en-US" altLang="ja-JP" sz="1050" i="1" spc="300">
+                              <a:latin typeface="Cambria Math" panose="02040503050406030204" pitchFamily="18" charset="0"/>
+                            </a:rPr>
+                            <m:t>𝑓</m:t>
+                          </m:r>
+                        </m:e>
+                        <m:sub>
+                          <m:r>
+                            <a:rPr kumimoji="1" lang="en-US" altLang="ja-JP" sz="1050" b="0" i="1" spc="300" smtClean="0">
+                              <a:latin typeface="Cambria Math" panose="02040503050406030204" pitchFamily="18" charset="0"/>
+                            </a:rPr>
+                            <m:t>𝑛</m:t>
+                          </m:r>
+                        </m:sub>
+                      </m:sSub>
+                    </m:oMath>
+                  </m:oMathPara>
+                </a14:m>
+                <a:endParaRPr kumimoji="1" lang="en-US" altLang="ja-JP" sz="1050" spc="300" dirty="0"/>
+              </a:p>
+            </p:txBody>
+          </p:sp>
+        </mc:Choice>
+        <mc:Fallback>
+          <p:sp>
+            <p:nvSpPr>
+              <p:cNvPr id="4" name="テキスト ボックス 3">
+                <a:extLst>
+                  <a:ext uri="{FF2B5EF4-FFF2-40B4-BE49-F238E27FC236}">
+                    <a16:creationId xmlns:a16="http://schemas.microsoft.com/office/drawing/2014/main" id="{A76477A5-CC9D-428B-8135-DBB54C8032DB}"/>
+                  </a:ext>
+                </a:extLst>
+              </p:cNvPr>
+              <p:cNvSpPr txBox="1">
+                <a:spLocks noRot="1" noChangeAspect="1" noMove="1" noResize="1" noEditPoints="1" noAdjustHandles="1" noChangeArrowheads="1" noChangeShapeType="1" noTextEdit="1"/>
+              </p:cNvSpPr>
+              <p:nvPr/>
+            </p:nvSpPr>
+            <p:spPr>
+              <a:xfrm>
+                <a:off x="1445851" y="2881810"/>
+                <a:ext cx="1884997" cy="253916"/>
+              </a:xfrm>
+              <a:prstGeom prst="rect">
+                <a:avLst/>
+              </a:prstGeom>
+              <a:blipFill>
+                <a:blip r:embed="rId2"/>
+                <a:stretch>
+                  <a:fillRect b="-7317"/>
+                </a:stretch>
+              </a:blipFill>
+            </p:spPr>
+            <p:txBody>
+              <a:bodyPr/>
+              <a:lstStyle/>
+              <a:p>
+                <a:r>
+                  <a:rPr lang="ja-JP" altLang="en-US">
+                    <a:noFill/>
+                  </a:rPr>
+                  <a:t> </a:t>
+                </a:r>
+              </a:p>
+            </p:txBody>
+          </p:sp>
+        </mc:Fallback>
+      </mc:AlternateContent>
+      <p:sp>
+        <p:nvSpPr>
+          <p:cNvPr id="5" name="正方形/長方形 4">
+            <a:extLst>
+              <a:ext uri="{FF2B5EF4-FFF2-40B4-BE49-F238E27FC236}">
+                <a16:creationId xmlns:a16="http://schemas.microsoft.com/office/drawing/2014/main" id="{6337316F-F144-4E9F-A32C-1DD1A84B115B}"/>
+              </a:ext>
+            </a:extLst>
+          </p:cNvPr>
+          <p:cNvSpPr/>
+          <p:nvPr/>
+        </p:nvSpPr>
+        <p:spPr>
+          <a:xfrm>
+            <a:off x="1810097" y="3119950"/>
+            <a:ext cx="1117348" cy="618412"/>
+          </a:xfrm>
+          <a:prstGeom prst="rect">
+            <a:avLst/>
+          </a:prstGeom>
+          <a:noFill/>
+          <a:ln w="9525">
+            <a:solidFill>
+              <a:schemeClr val="tx1"/>
+            </a:solidFill>
+          </a:ln>
+        </p:spPr>
+        <p:style>
+          <a:lnRef idx="2">
+            <a:schemeClr val="accent1">
+              <a:shade val="50000"/>
+            </a:schemeClr>
+          </a:lnRef>
+          <a:fillRef idx="1">
+            <a:schemeClr val="accent1"/>
+          </a:fillRef>
+          <a:effectRef idx="0">
+            <a:schemeClr val="accent1"/>
+          </a:effectRef>
+          <a:fontRef idx="minor">
+            <a:schemeClr val="lt1"/>
+          </a:fontRef>
+        </p:style>
+        <p:txBody>
+          <a:bodyPr rtlCol="0" anchor="ctr"/>
+          <a:lstStyle/>
+          <a:p>
+            <a:pPr algn="ctr"/>
+            <a:endParaRPr kumimoji="1" lang="ja-JP" altLang="en-US"/>
+          </a:p>
+        </p:txBody>
+      </p:sp>
+      <mc:AlternateContent xmlns:mc="http://schemas.openxmlformats.org/markup-compatibility/2006">
+        <mc:Choice xmlns:a14="http://schemas.microsoft.com/office/drawing/2010/main" Requires="a14">
+          <p:sp>
+            <p:nvSpPr>
+              <p:cNvPr id="6" name="テキスト ボックス 5">
+                <a:extLst>
+                  <a:ext uri="{FF2B5EF4-FFF2-40B4-BE49-F238E27FC236}">
+                    <a16:creationId xmlns:a16="http://schemas.microsoft.com/office/drawing/2014/main" id="{92E44071-60AC-4655-AE57-8F5176CF91FD}"/>
+                  </a:ext>
+                </a:extLst>
+              </p:cNvPr>
+              <p:cNvSpPr txBox="1"/>
+              <p:nvPr/>
+            </p:nvSpPr>
+            <p:spPr>
+              <a:xfrm>
+                <a:off x="1212121" y="3052845"/>
+                <a:ext cx="818866" cy="738664"/>
+              </a:xfrm>
+              <a:prstGeom prst="rect">
+                <a:avLst/>
+              </a:prstGeom>
+              <a:noFill/>
+            </p:spPr>
+            <p:txBody>
+              <a:bodyPr wrap="square" rtlCol="0">
+                <a:spAutoFit/>
+              </a:bodyPr>
+              <a:lstStyle/>
+              <a:p>
+                <a14:m>
+                  <m:oMathPara xmlns:m="http://schemas.openxmlformats.org/officeDocument/2006/math">
+                    <m:oMathParaPr>
+                      <m:jc m:val="centerGroup"/>
+                    </m:oMathParaPr>
+                    <m:oMath xmlns:m="http://schemas.openxmlformats.org/officeDocument/2006/math">
+                      <m:sSub>
+                        <m:sSubPr>
+                          <m:ctrlPr>
+                            <a:rPr kumimoji="1" lang="en-US" altLang="ja-JP" sz="1050" i="1" spc="300" smtClean="0">
+                              <a:latin typeface="Cambria Math" panose="02040503050406030204" pitchFamily="18" charset="0"/>
+                            </a:rPr>
+                          </m:ctrlPr>
+                        </m:sSubPr>
+                        <m:e>
+                          <m:r>
+                            <a:rPr kumimoji="1" lang="en-US" altLang="ja-JP" sz="1050" i="1" spc="300">
+                              <a:latin typeface="Cambria Math" panose="02040503050406030204" pitchFamily="18" charset="0"/>
+                            </a:rPr>
+                            <m:t>𝑜</m:t>
+                          </m:r>
+                        </m:e>
+                        <m:sub>
+                          <m:r>
+                            <a:rPr kumimoji="1" lang="en-US" altLang="ja-JP" sz="1050" i="1" spc="300">
+                              <a:latin typeface="Cambria Math" panose="02040503050406030204" pitchFamily="18" charset="0"/>
+                            </a:rPr>
+                            <m:t>1</m:t>
+                          </m:r>
+                        </m:sub>
+                      </m:sSub>
+                      <m:r>
+                        <a:rPr kumimoji="1" lang="ja-JP" altLang="en-US" sz="1050" i="1" spc="300">
+                          <a:latin typeface="Cambria Math" panose="02040503050406030204" pitchFamily="18" charset="0"/>
+                        </a:rPr>
+                        <m:t>→</m:t>
+                      </m:r>
+                    </m:oMath>
+                  </m:oMathPara>
+                </a14:m>
+                <a:endParaRPr kumimoji="1" lang="en-US" altLang="ja-JP" sz="1050" i="1" spc="300" dirty="0">
+                  <a:latin typeface="Cambria Math" panose="02040503050406030204" pitchFamily="18" charset="0"/>
+                </a:endParaRPr>
+              </a:p>
+              <a:p>
+                <a14:m>
+                  <m:oMathPara xmlns:m="http://schemas.openxmlformats.org/officeDocument/2006/math">
+                    <m:oMathParaPr>
+                      <m:jc m:val="centerGroup"/>
+                    </m:oMathParaPr>
+                    <m:oMath xmlns:m="http://schemas.openxmlformats.org/officeDocument/2006/math">
+                      <m:sSub>
+                        <m:sSubPr>
+                          <m:ctrlPr>
+                            <a:rPr kumimoji="1" lang="en-US" altLang="ja-JP" sz="1050" i="1" spc="300">
+                              <a:latin typeface="Cambria Math" panose="02040503050406030204" pitchFamily="18" charset="0"/>
+                            </a:rPr>
+                          </m:ctrlPr>
+                        </m:sSubPr>
+                        <m:e>
+                          <m:r>
+                            <a:rPr kumimoji="1" lang="en-US" altLang="ja-JP" sz="1050" i="1" spc="300">
+                              <a:latin typeface="Cambria Math" panose="02040503050406030204" pitchFamily="18" charset="0"/>
+                            </a:rPr>
+                            <m:t>𝑜</m:t>
+                          </m:r>
+                        </m:e>
+                        <m:sub>
+                          <m:r>
+                            <a:rPr kumimoji="1" lang="en-US" altLang="ja-JP" sz="1050" i="1" spc="300">
+                              <a:latin typeface="Cambria Math" panose="02040503050406030204" pitchFamily="18" charset="0"/>
+                            </a:rPr>
+                            <m:t>2</m:t>
+                          </m:r>
+                        </m:sub>
+                      </m:sSub>
+                      <m:r>
+                        <a:rPr kumimoji="1" lang="ja-JP" altLang="en-US" sz="1050" i="1" spc="300" smtClean="0">
+                          <a:latin typeface="Cambria Math" panose="02040503050406030204" pitchFamily="18" charset="0"/>
+                        </a:rPr>
+                        <m:t>→</m:t>
+                      </m:r>
+                    </m:oMath>
+                  </m:oMathPara>
+                </a14:m>
+                <a:endParaRPr kumimoji="1" lang="en-US" altLang="ja-JP" sz="1050" spc="300" dirty="0"/>
+              </a:p>
+              <a:p>
+                <a:endParaRPr kumimoji="1" lang="en-US" altLang="ja-JP" sz="1050" spc="300" dirty="0"/>
+              </a:p>
+              <a:p>
+                <a14:m>
+                  <m:oMathPara xmlns:m="http://schemas.openxmlformats.org/officeDocument/2006/math">
+                    <m:oMathParaPr>
+                      <m:jc m:val="centerGroup"/>
+                    </m:oMathParaPr>
+                    <m:oMath xmlns:m="http://schemas.openxmlformats.org/officeDocument/2006/math">
+                      <m:sSub>
+                        <m:sSubPr>
+                          <m:ctrlPr>
+                            <a:rPr kumimoji="1" lang="en-US" altLang="ja-JP" sz="1050" i="1" spc="300">
+                              <a:latin typeface="Cambria Math" panose="02040503050406030204" pitchFamily="18" charset="0"/>
+                            </a:rPr>
+                          </m:ctrlPr>
+                        </m:sSubPr>
+                        <m:e>
+                          <m:r>
+                            <a:rPr kumimoji="1" lang="en-US" altLang="ja-JP" sz="1050" i="1" spc="300">
+                              <a:latin typeface="Cambria Math" panose="02040503050406030204" pitchFamily="18" charset="0"/>
+                            </a:rPr>
+                            <m:t>𝑜</m:t>
+                          </m:r>
+                        </m:e>
+                        <m:sub>
+                          <m:r>
+                            <a:rPr kumimoji="1" lang="en-US" altLang="ja-JP" sz="1050" b="0" i="1" spc="300" smtClean="0">
+                              <a:latin typeface="Cambria Math" panose="02040503050406030204" pitchFamily="18" charset="0"/>
+                            </a:rPr>
+                            <m:t>𝑛</m:t>
+                          </m:r>
+                        </m:sub>
+                      </m:sSub>
+                      <m:r>
+                        <a:rPr kumimoji="1" lang="ja-JP" altLang="en-US" sz="1050" i="1" spc="300">
+                          <a:latin typeface="Cambria Math" panose="02040503050406030204" pitchFamily="18" charset="0"/>
+                        </a:rPr>
+                        <m:t>→</m:t>
+                      </m:r>
+                    </m:oMath>
+                  </m:oMathPara>
+                </a14:m>
+                <a:endParaRPr kumimoji="1" lang="en-US" altLang="ja-JP" sz="1050" spc="300" dirty="0"/>
+              </a:p>
+            </p:txBody>
+          </p:sp>
+        </mc:Choice>
+        <mc:Fallback>
+          <p:sp>
+            <p:nvSpPr>
+              <p:cNvPr id="6" name="テキスト ボックス 5">
+                <a:extLst>
+                  <a:ext uri="{FF2B5EF4-FFF2-40B4-BE49-F238E27FC236}">
+                    <a16:creationId xmlns:a16="http://schemas.microsoft.com/office/drawing/2014/main" id="{92E44071-60AC-4655-AE57-8F5176CF91FD}"/>
+                  </a:ext>
+                </a:extLst>
+              </p:cNvPr>
+              <p:cNvSpPr txBox="1">
+                <a:spLocks noRot="1" noChangeAspect="1" noMove="1" noResize="1" noEditPoints="1" noAdjustHandles="1" noChangeArrowheads="1" noChangeShapeType="1" noTextEdit="1"/>
+              </p:cNvSpPr>
+              <p:nvPr/>
+            </p:nvSpPr>
+            <p:spPr>
+              <a:xfrm>
+                <a:off x="1212121" y="3052845"/>
+                <a:ext cx="818866" cy="738664"/>
+              </a:xfrm>
+              <a:prstGeom prst="rect">
+                <a:avLst/>
+              </a:prstGeom>
+              <a:blipFill>
+                <a:blip r:embed="rId3"/>
+                <a:stretch>
+                  <a:fillRect/>
+                </a:stretch>
+              </a:blipFill>
+            </p:spPr>
+            <p:txBody>
+              <a:bodyPr/>
+              <a:lstStyle/>
+              <a:p>
+                <a:r>
+                  <a:rPr lang="ja-JP" altLang="en-US">
+                    <a:noFill/>
+                  </a:rPr>
+                  <a:t> </a:t>
+                </a:r>
+              </a:p>
+            </p:txBody>
+          </p:sp>
+        </mc:Fallback>
+      </mc:AlternateContent>
+      <p:sp>
+        <p:nvSpPr>
+          <p:cNvPr id="7" name="テキスト ボックス 6">
+            <a:extLst>
+              <a:ext uri="{FF2B5EF4-FFF2-40B4-BE49-F238E27FC236}">
+                <a16:creationId xmlns:a16="http://schemas.microsoft.com/office/drawing/2014/main" id="{EA031B27-8602-4E17-94A4-4E67A25A9F77}"/>
+              </a:ext>
+            </a:extLst>
+          </p:cNvPr>
+          <p:cNvSpPr txBox="1"/>
+          <p:nvPr/>
+        </p:nvSpPr>
+        <p:spPr>
+          <a:xfrm>
+            <a:off x="3624280" y="2320119"/>
+            <a:ext cx="667941" cy="1381684"/>
+          </a:xfrm>
+          <a:prstGeom prst="rect">
+            <a:avLst/>
+          </a:prstGeom>
+          <a:noFill/>
+        </p:spPr>
+        <p:txBody>
+          <a:bodyPr vert="eaVert" wrap="square" rtlCol="0">
+            <a:spAutoFit/>
+          </a:bodyPr>
+          <a:lstStyle/>
+          <a:p>
+            <a:endParaRPr kumimoji="1" lang="ja-JP" altLang="en-US" dirty="0"/>
+          </a:p>
+        </p:txBody>
+      </p:sp>
+      <p:sp>
+        <p:nvSpPr>
+          <p:cNvPr id="9" name="テキスト ボックス 8">
+            <a:extLst>
+              <a:ext uri="{FF2B5EF4-FFF2-40B4-BE49-F238E27FC236}">
+                <a16:creationId xmlns:a16="http://schemas.microsoft.com/office/drawing/2014/main" id="{23530B88-3909-4ADB-9044-7CF916CC9871}"/>
+              </a:ext>
+            </a:extLst>
+          </p:cNvPr>
+          <p:cNvSpPr txBox="1"/>
+          <p:nvPr/>
+        </p:nvSpPr>
+        <p:spPr>
+          <a:xfrm>
+            <a:off x="1387014" y="3411945"/>
+            <a:ext cx="346249" cy="375314"/>
+          </a:xfrm>
+          <a:prstGeom prst="rect">
+            <a:avLst/>
+          </a:prstGeom>
+          <a:noFill/>
+        </p:spPr>
+        <p:txBody>
+          <a:bodyPr vert="eaVert" wrap="square" rtlCol="0">
+            <a:spAutoFit/>
+          </a:bodyPr>
+          <a:lstStyle/>
+          <a:p>
+            <a:r>
+              <a:rPr kumimoji="1" lang="en-US" altLang="ja-JP" sz="1050" dirty="0"/>
+              <a:t>…</a:t>
+            </a:r>
+            <a:endParaRPr kumimoji="1" lang="ja-JP" altLang="en-US" sz="1050" dirty="0"/>
+          </a:p>
+        </p:txBody>
+      </p:sp>
+      <p:sp>
+        <p:nvSpPr>
+          <p:cNvPr id="10" name="テキスト ボックス 9">
+            <a:extLst>
+              <a:ext uri="{FF2B5EF4-FFF2-40B4-BE49-F238E27FC236}">
+                <a16:creationId xmlns:a16="http://schemas.microsoft.com/office/drawing/2014/main" id="{5042E55E-06A8-4310-B439-91C6C5811430}"/>
+              </a:ext>
+            </a:extLst>
+          </p:cNvPr>
+          <p:cNvSpPr txBox="1"/>
+          <p:nvPr/>
+        </p:nvSpPr>
+        <p:spPr>
+          <a:xfrm>
+            <a:off x="2219974" y="3272857"/>
+            <a:ext cx="396289" cy="253916"/>
+          </a:xfrm>
+          <a:prstGeom prst="rect">
+            <a:avLst/>
+          </a:prstGeom>
+          <a:noFill/>
+        </p:spPr>
+        <p:txBody>
+          <a:bodyPr wrap="square" rtlCol="0">
+            <a:spAutoFit/>
+          </a:bodyPr>
+          <a:lstStyle/>
+          <a:p>
+            <a:r>
+              <a:rPr kumimoji="1" lang="en-US" altLang="ja-JP" sz="1050" dirty="0"/>
+              <a:t>A</a:t>
+            </a:r>
+            <a:endParaRPr kumimoji="1" lang="en-US" altLang="ja-JP" sz="1050" dirty="0">
+              <a:solidFill>
+                <a:schemeClr val="accent1"/>
+              </a:solidFill>
+            </a:endParaRPr>
+          </a:p>
+        </p:txBody>
+      </p:sp>
+      <mc:AlternateContent xmlns:mc="http://schemas.openxmlformats.org/markup-compatibility/2006">
+        <mc:Choice xmlns:a14="http://schemas.microsoft.com/office/drawing/2010/main" Requires="a14">
+          <p:sp>
+            <p:nvSpPr>
+              <p:cNvPr id="15" name="テキスト ボックス 14">
+                <a:extLst>
+                  <a:ext uri="{FF2B5EF4-FFF2-40B4-BE49-F238E27FC236}">
+                    <a16:creationId xmlns:a16="http://schemas.microsoft.com/office/drawing/2014/main" id="{CB8809E6-F3D3-45FC-AD22-C57B6935EA9D}"/>
+                  </a:ext>
+                </a:extLst>
+              </p:cNvPr>
+              <p:cNvSpPr txBox="1"/>
+              <p:nvPr/>
+            </p:nvSpPr>
+            <p:spPr>
+              <a:xfrm>
+                <a:off x="3166701" y="2881810"/>
+                <a:ext cx="1884997" cy="253916"/>
+              </a:xfrm>
+              <a:prstGeom prst="rect">
+                <a:avLst/>
+              </a:prstGeom>
+              <a:noFill/>
+            </p:spPr>
+            <p:txBody>
+              <a:bodyPr wrap="square" rtlCol="0">
+                <a:spAutoFit/>
+              </a:bodyPr>
+              <a:lstStyle/>
+              <a:p>
+                <a14:m>
+                  <m:oMathPara xmlns:m="http://schemas.openxmlformats.org/officeDocument/2006/math">
+                    <m:oMathParaPr>
+                      <m:jc m:val="centerGroup"/>
+                    </m:oMathParaPr>
+                    <m:oMath xmlns:m="http://schemas.openxmlformats.org/officeDocument/2006/math">
+                      <m:sSub>
+                        <m:sSubPr>
+                          <m:ctrlPr>
+                            <a:rPr kumimoji="1" lang="en-US" altLang="ja-JP" sz="1050" i="1" spc="300" smtClean="0">
+                              <a:latin typeface="Cambria Math" panose="02040503050406030204" pitchFamily="18" charset="0"/>
+                            </a:rPr>
+                          </m:ctrlPr>
+                        </m:sSubPr>
+                        <m:e>
+                          <m:r>
+                            <a:rPr kumimoji="1" lang="en-US" altLang="ja-JP" sz="1050" b="0" i="1" spc="300" smtClean="0">
+                              <a:latin typeface="Cambria Math" panose="02040503050406030204" pitchFamily="18" charset="0"/>
+                            </a:rPr>
+                            <m:t>𝑓</m:t>
+                          </m:r>
+                        </m:e>
+                        <m:sub>
+                          <m:r>
+                            <a:rPr kumimoji="1" lang="en-US" altLang="ja-JP" sz="1050" b="0" i="1" spc="300" smtClean="0">
+                              <a:latin typeface="Cambria Math" panose="02040503050406030204" pitchFamily="18" charset="0"/>
+                            </a:rPr>
+                            <m:t>1</m:t>
+                          </m:r>
+                        </m:sub>
+                      </m:sSub>
+                      <m:sSub>
+                        <m:sSubPr>
+                          <m:ctrlPr>
+                            <a:rPr kumimoji="1" lang="en-US" altLang="ja-JP" sz="1050" i="1" spc="300">
+                              <a:latin typeface="Cambria Math" panose="02040503050406030204" pitchFamily="18" charset="0"/>
+                            </a:rPr>
+                          </m:ctrlPr>
+                        </m:sSubPr>
+                        <m:e>
+                          <m:r>
+                            <a:rPr kumimoji="1" lang="en-US" altLang="ja-JP" sz="1050" i="1" spc="300">
+                              <a:latin typeface="Cambria Math" panose="02040503050406030204" pitchFamily="18" charset="0"/>
+                            </a:rPr>
+                            <m:t>𝑓</m:t>
+                          </m:r>
+                        </m:e>
+                        <m:sub>
+                          <m:r>
+                            <a:rPr kumimoji="1" lang="en-US" altLang="ja-JP" sz="1050" b="0" i="1" spc="300" smtClean="0">
+                              <a:latin typeface="Cambria Math" panose="02040503050406030204" pitchFamily="18" charset="0"/>
+                            </a:rPr>
+                            <m:t>2</m:t>
+                          </m:r>
+                        </m:sub>
+                      </m:sSub>
+                      <m:sSub>
+                        <m:sSubPr>
+                          <m:ctrlPr>
+                            <a:rPr kumimoji="1" lang="en-US" altLang="ja-JP" sz="1050" i="1" spc="300">
+                              <a:latin typeface="Cambria Math" panose="02040503050406030204" pitchFamily="18" charset="0"/>
+                            </a:rPr>
+                          </m:ctrlPr>
+                        </m:sSubPr>
+                        <m:e>
+                          <m:r>
+                            <a:rPr kumimoji="1" lang="en-US" altLang="ja-JP" sz="1050" i="1" spc="300">
+                              <a:latin typeface="Cambria Math" panose="02040503050406030204" pitchFamily="18" charset="0"/>
+                            </a:rPr>
+                            <m:t>𝑓</m:t>
+                          </m:r>
+                        </m:e>
+                        <m:sub>
+                          <m:r>
+                            <a:rPr kumimoji="1" lang="en-US" altLang="ja-JP" sz="1050" b="0" i="1" spc="300" smtClean="0">
+                              <a:latin typeface="Cambria Math" panose="02040503050406030204" pitchFamily="18" charset="0"/>
+                            </a:rPr>
+                            <m:t>3</m:t>
+                          </m:r>
+                        </m:sub>
+                      </m:sSub>
+                      <m:sSub>
+                        <m:sSubPr>
+                          <m:ctrlPr>
+                            <a:rPr kumimoji="1" lang="en-US" altLang="ja-JP" sz="1050" i="1" spc="300">
+                              <a:latin typeface="Cambria Math" panose="02040503050406030204" pitchFamily="18" charset="0"/>
+                            </a:rPr>
+                          </m:ctrlPr>
+                        </m:sSubPr>
+                        <m:e>
+                          <m:r>
+                            <a:rPr kumimoji="1" lang="en-US" altLang="ja-JP" sz="1050" b="0" i="1" spc="300" smtClean="0">
+                              <a:latin typeface="Cambria Math" panose="02040503050406030204" pitchFamily="18" charset="0"/>
+                            </a:rPr>
+                            <m:t>  … </m:t>
+                          </m:r>
+                          <m:r>
+                            <a:rPr kumimoji="1" lang="en-US" altLang="ja-JP" sz="1050" i="1" spc="300">
+                              <a:latin typeface="Cambria Math" panose="02040503050406030204" pitchFamily="18" charset="0"/>
+                            </a:rPr>
+                            <m:t>𝑓</m:t>
+                          </m:r>
+                        </m:e>
+                        <m:sub>
+                          <m:r>
+                            <a:rPr kumimoji="1" lang="en-US" altLang="ja-JP" sz="1050" b="0" i="1" spc="300" smtClean="0">
+                              <a:latin typeface="Cambria Math" panose="02040503050406030204" pitchFamily="18" charset="0"/>
+                            </a:rPr>
+                            <m:t>𝑛</m:t>
+                          </m:r>
+                        </m:sub>
+                      </m:sSub>
+                    </m:oMath>
+                  </m:oMathPara>
+                </a14:m>
+                <a:endParaRPr kumimoji="1" lang="en-US" altLang="ja-JP" sz="1050" spc="300" dirty="0"/>
+              </a:p>
+            </p:txBody>
+          </p:sp>
+        </mc:Choice>
+        <mc:Fallback>
+          <p:sp>
+            <p:nvSpPr>
+              <p:cNvPr id="15" name="テキスト ボックス 14">
+                <a:extLst>
+                  <a:ext uri="{FF2B5EF4-FFF2-40B4-BE49-F238E27FC236}">
+                    <a16:creationId xmlns:a16="http://schemas.microsoft.com/office/drawing/2014/main" id="{CB8809E6-F3D3-45FC-AD22-C57B6935EA9D}"/>
+                  </a:ext>
+                </a:extLst>
+              </p:cNvPr>
+              <p:cNvSpPr txBox="1">
+                <a:spLocks noRot="1" noChangeAspect="1" noMove="1" noResize="1" noEditPoints="1" noAdjustHandles="1" noChangeArrowheads="1" noChangeShapeType="1" noTextEdit="1"/>
+              </p:cNvSpPr>
+              <p:nvPr/>
+            </p:nvSpPr>
+            <p:spPr>
+              <a:xfrm>
+                <a:off x="3166701" y="2881810"/>
+                <a:ext cx="1884997" cy="253916"/>
+              </a:xfrm>
+              <a:prstGeom prst="rect">
+                <a:avLst/>
+              </a:prstGeom>
+              <a:blipFill>
+                <a:blip r:embed="rId4"/>
+                <a:stretch>
+                  <a:fillRect b="-7317"/>
+                </a:stretch>
+              </a:blipFill>
+            </p:spPr>
+            <p:txBody>
+              <a:bodyPr/>
+              <a:lstStyle/>
+              <a:p>
+                <a:r>
+                  <a:rPr lang="ja-JP" altLang="en-US">
+                    <a:noFill/>
+                  </a:rPr>
+                  <a:t> </a:t>
+                </a:r>
+              </a:p>
+            </p:txBody>
+          </p:sp>
+        </mc:Fallback>
+      </mc:AlternateContent>
+      <p:sp>
+        <p:nvSpPr>
+          <p:cNvPr id="16" name="正方形/長方形 15">
+            <a:extLst>
+              <a:ext uri="{FF2B5EF4-FFF2-40B4-BE49-F238E27FC236}">
+                <a16:creationId xmlns:a16="http://schemas.microsoft.com/office/drawing/2014/main" id="{DDE2FD04-67A1-4A9A-ACB1-5B4ADB2AFCAB}"/>
+              </a:ext>
+            </a:extLst>
+          </p:cNvPr>
+          <p:cNvSpPr/>
+          <p:nvPr/>
+        </p:nvSpPr>
+        <p:spPr>
+          <a:xfrm>
+            <a:off x="3530947" y="3119950"/>
+            <a:ext cx="1117348" cy="618412"/>
+          </a:xfrm>
+          <a:prstGeom prst="rect">
+            <a:avLst/>
+          </a:prstGeom>
+          <a:noFill/>
+          <a:ln w="9525">
+            <a:solidFill>
+              <a:schemeClr val="tx1"/>
+            </a:solidFill>
+          </a:ln>
+        </p:spPr>
+        <p:style>
+          <a:lnRef idx="2">
+            <a:schemeClr val="accent1">
+              <a:shade val="50000"/>
+            </a:schemeClr>
+          </a:lnRef>
+          <a:fillRef idx="1">
+            <a:schemeClr val="accent1"/>
+          </a:fillRef>
+          <a:effectRef idx="0">
+            <a:schemeClr val="accent1"/>
+          </a:effectRef>
+          <a:fontRef idx="minor">
+            <a:schemeClr val="lt1"/>
+          </a:fontRef>
+        </p:style>
+        <p:txBody>
+          <a:bodyPr rtlCol="0" anchor="ctr"/>
+          <a:lstStyle/>
+          <a:p>
+            <a:pPr algn="ctr"/>
+            <a:endParaRPr kumimoji="1" lang="ja-JP" altLang="en-US"/>
+          </a:p>
+        </p:txBody>
+      </p:sp>
+      <mc:AlternateContent xmlns:mc="http://schemas.openxmlformats.org/markup-compatibility/2006">
+        <mc:Choice xmlns:a14="http://schemas.microsoft.com/office/drawing/2010/main" Requires="a14">
+          <p:sp>
+            <p:nvSpPr>
+              <p:cNvPr id="17" name="テキスト ボックス 16">
+                <a:extLst>
+                  <a:ext uri="{FF2B5EF4-FFF2-40B4-BE49-F238E27FC236}">
+                    <a16:creationId xmlns:a16="http://schemas.microsoft.com/office/drawing/2014/main" id="{ED96B4EC-C74B-40BF-A160-CF42BC0D1208}"/>
+                  </a:ext>
+                </a:extLst>
+              </p:cNvPr>
+              <p:cNvSpPr txBox="1"/>
+              <p:nvPr/>
+            </p:nvSpPr>
+            <p:spPr>
+              <a:xfrm>
+                <a:off x="2932971" y="3052845"/>
+                <a:ext cx="818866" cy="738664"/>
+              </a:xfrm>
+              <a:prstGeom prst="rect">
+                <a:avLst/>
+              </a:prstGeom>
+              <a:noFill/>
+            </p:spPr>
+            <p:txBody>
+              <a:bodyPr wrap="square" rtlCol="0">
+                <a:spAutoFit/>
+              </a:bodyPr>
+              <a:lstStyle/>
+              <a:p>
+                <a14:m>
+                  <m:oMathPara xmlns:m="http://schemas.openxmlformats.org/officeDocument/2006/math">
+                    <m:oMathParaPr>
+                      <m:jc m:val="centerGroup"/>
+                    </m:oMathParaPr>
+                    <m:oMath xmlns:m="http://schemas.openxmlformats.org/officeDocument/2006/math">
+                      <m:sSub>
+                        <m:sSubPr>
+                          <m:ctrlPr>
+                            <a:rPr kumimoji="1" lang="en-US" altLang="ja-JP" sz="1050" i="1" spc="300" smtClean="0">
+                              <a:latin typeface="Cambria Math" panose="02040503050406030204" pitchFamily="18" charset="0"/>
+                            </a:rPr>
+                          </m:ctrlPr>
+                        </m:sSubPr>
+                        <m:e>
+                          <m:r>
+                            <a:rPr kumimoji="1" lang="en-US" altLang="ja-JP" sz="1050" b="0" i="1" spc="300" smtClean="0">
+                              <a:latin typeface="Cambria Math" panose="02040503050406030204" pitchFamily="18" charset="0"/>
+                            </a:rPr>
+                            <m:t>𝑤</m:t>
+                          </m:r>
+                        </m:e>
+                        <m:sub>
+                          <m:r>
+                            <a:rPr kumimoji="1" lang="en-US" altLang="ja-JP" sz="1050" i="1" spc="300">
+                              <a:latin typeface="Cambria Math" panose="02040503050406030204" pitchFamily="18" charset="0"/>
+                            </a:rPr>
+                            <m:t>1</m:t>
+                          </m:r>
+                        </m:sub>
+                      </m:sSub>
+                      <m:r>
+                        <a:rPr kumimoji="1" lang="ja-JP" altLang="en-US" sz="1050" i="1" spc="300">
+                          <a:latin typeface="Cambria Math" panose="02040503050406030204" pitchFamily="18" charset="0"/>
+                        </a:rPr>
+                        <m:t>→</m:t>
+                      </m:r>
+                    </m:oMath>
+                  </m:oMathPara>
+                </a14:m>
+                <a:endParaRPr kumimoji="1" lang="en-US" altLang="ja-JP" sz="1050" i="1" spc="300" dirty="0">
+                  <a:latin typeface="Cambria Math" panose="02040503050406030204" pitchFamily="18" charset="0"/>
+                </a:endParaRPr>
+              </a:p>
+              <a:p>
+                <a14:m>
+                  <m:oMathPara xmlns:m="http://schemas.openxmlformats.org/officeDocument/2006/math">
+                    <m:oMathParaPr>
+                      <m:jc m:val="centerGroup"/>
+                    </m:oMathParaPr>
+                    <m:oMath xmlns:m="http://schemas.openxmlformats.org/officeDocument/2006/math">
+                      <m:sSub>
+                        <m:sSubPr>
+                          <m:ctrlPr>
+                            <a:rPr kumimoji="1" lang="en-US" altLang="ja-JP" sz="1050" i="1" spc="300">
+                              <a:latin typeface="Cambria Math" panose="02040503050406030204" pitchFamily="18" charset="0"/>
+                            </a:rPr>
+                          </m:ctrlPr>
+                        </m:sSubPr>
+                        <m:e>
+                          <m:r>
+                            <a:rPr kumimoji="1" lang="en-US" altLang="ja-JP" sz="1050" b="0" i="1" spc="300" smtClean="0">
+                              <a:latin typeface="Cambria Math" panose="02040503050406030204" pitchFamily="18" charset="0"/>
+                            </a:rPr>
+                            <m:t>𝑤</m:t>
+                          </m:r>
+                        </m:e>
+                        <m:sub>
+                          <m:r>
+                            <a:rPr kumimoji="1" lang="en-US" altLang="ja-JP" sz="1050" i="1" spc="300">
+                              <a:latin typeface="Cambria Math" panose="02040503050406030204" pitchFamily="18" charset="0"/>
+                            </a:rPr>
+                            <m:t>2</m:t>
+                          </m:r>
+                        </m:sub>
+                      </m:sSub>
+                      <m:r>
+                        <a:rPr kumimoji="1" lang="ja-JP" altLang="en-US" sz="1050" i="1" spc="300" smtClean="0">
+                          <a:latin typeface="Cambria Math" panose="02040503050406030204" pitchFamily="18" charset="0"/>
+                        </a:rPr>
+                        <m:t>→</m:t>
+                      </m:r>
+                    </m:oMath>
+                  </m:oMathPara>
+                </a14:m>
+                <a:endParaRPr kumimoji="1" lang="en-US" altLang="ja-JP" sz="1050" spc="300" dirty="0"/>
+              </a:p>
+              <a:p>
+                <a:endParaRPr kumimoji="1" lang="en-US" altLang="ja-JP" sz="1050" spc="300" dirty="0"/>
+              </a:p>
+              <a:p>
+                <a14:m>
+                  <m:oMathPara xmlns:m="http://schemas.openxmlformats.org/officeDocument/2006/math">
+                    <m:oMathParaPr>
+                      <m:jc m:val="centerGroup"/>
+                    </m:oMathParaPr>
+                    <m:oMath xmlns:m="http://schemas.openxmlformats.org/officeDocument/2006/math">
+                      <m:sSub>
+                        <m:sSubPr>
+                          <m:ctrlPr>
+                            <a:rPr kumimoji="1" lang="en-US" altLang="ja-JP" sz="1050" i="1" spc="300">
+                              <a:latin typeface="Cambria Math" panose="02040503050406030204" pitchFamily="18" charset="0"/>
+                            </a:rPr>
+                          </m:ctrlPr>
+                        </m:sSubPr>
+                        <m:e>
+                          <m:r>
+                            <a:rPr kumimoji="1" lang="en-US" altLang="ja-JP" sz="1050" b="0" i="1" spc="300" smtClean="0">
+                              <a:latin typeface="Cambria Math" panose="02040503050406030204" pitchFamily="18" charset="0"/>
+                            </a:rPr>
+                            <m:t>𝑤</m:t>
+                          </m:r>
+                        </m:e>
+                        <m:sub>
+                          <m:r>
+                            <a:rPr kumimoji="1" lang="en-US" altLang="ja-JP" sz="1050" b="0" i="1" spc="300" smtClean="0">
+                              <a:latin typeface="Cambria Math" panose="02040503050406030204" pitchFamily="18" charset="0"/>
+                            </a:rPr>
+                            <m:t>𝑛</m:t>
+                          </m:r>
+                        </m:sub>
+                      </m:sSub>
+                      <m:r>
+                        <a:rPr kumimoji="1" lang="ja-JP" altLang="en-US" sz="1050" i="1" spc="300">
+                          <a:latin typeface="Cambria Math" panose="02040503050406030204" pitchFamily="18" charset="0"/>
+                        </a:rPr>
+                        <m:t>→</m:t>
+                      </m:r>
+                    </m:oMath>
+                  </m:oMathPara>
+                </a14:m>
+                <a:endParaRPr kumimoji="1" lang="en-US" altLang="ja-JP" sz="1050" spc="300" dirty="0"/>
+              </a:p>
+            </p:txBody>
+          </p:sp>
+        </mc:Choice>
+        <mc:Fallback>
+          <p:sp>
+            <p:nvSpPr>
+              <p:cNvPr id="17" name="テキスト ボックス 16">
+                <a:extLst>
+                  <a:ext uri="{FF2B5EF4-FFF2-40B4-BE49-F238E27FC236}">
+                    <a16:creationId xmlns:a16="http://schemas.microsoft.com/office/drawing/2014/main" id="{ED96B4EC-C74B-40BF-A160-CF42BC0D1208}"/>
+                  </a:ext>
+                </a:extLst>
+              </p:cNvPr>
+              <p:cNvSpPr txBox="1">
+                <a:spLocks noRot="1" noChangeAspect="1" noMove="1" noResize="1" noEditPoints="1" noAdjustHandles="1" noChangeArrowheads="1" noChangeShapeType="1" noTextEdit="1"/>
+              </p:cNvSpPr>
+              <p:nvPr/>
+            </p:nvSpPr>
+            <p:spPr>
+              <a:xfrm>
+                <a:off x="2932971" y="3052845"/>
+                <a:ext cx="818866" cy="738664"/>
+              </a:xfrm>
+              <a:prstGeom prst="rect">
+                <a:avLst/>
+              </a:prstGeom>
+              <a:blipFill>
+                <a:blip r:embed="rId5"/>
+                <a:stretch>
+                  <a:fillRect/>
+                </a:stretch>
+              </a:blipFill>
+            </p:spPr>
+            <p:txBody>
+              <a:bodyPr/>
+              <a:lstStyle/>
+              <a:p>
+                <a:r>
+                  <a:rPr lang="ja-JP" altLang="en-US">
+                    <a:noFill/>
+                  </a:rPr>
+                  <a:t> </a:t>
+                </a:r>
+              </a:p>
+            </p:txBody>
+          </p:sp>
+        </mc:Fallback>
+      </mc:AlternateContent>
+      <p:sp>
+        <p:nvSpPr>
+          <p:cNvPr id="18" name="テキスト ボックス 17">
+            <a:extLst>
+              <a:ext uri="{FF2B5EF4-FFF2-40B4-BE49-F238E27FC236}">
+                <a16:creationId xmlns:a16="http://schemas.microsoft.com/office/drawing/2014/main" id="{2BBF78C5-B0E4-4502-B7B3-22E02EB09161}"/>
+              </a:ext>
+            </a:extLst>
+          </p:cNvPr>
+          <p:cNvSpPr txBox="1"/>
+          <p:nvPr/>
+        </p:nvSpPr>
+        <p:spPr>
+          <a:xfrm>
+            <a:off x="3107864" y="3411945"/>
+            <a:ext cx="346249" cy="375314"/>
+          </a:xfrm>
+          <a:prstGeom prst="rect">
+            <a:avLst/>
+          </a:prstGeom>
+          <a:noFill/>
+        </p:spPr>
+        <p:txBody>
+          <a:bodyPr vert="eaVert" wrap="square" rtlCol="0">
+            <a:spAutoFit/>
+          </a:bodyPr>
+          <a:lstStyle/>
+          <a:p>
+            <a:r>
+              <a:rPr kumimoji="1" lang="en-US" altLang="ja-JP" sz="1050" dirty="0"/>
+              <a:t>…</a:t>
+            </a:r>
+            <a:endParaRPr kumimoji="1" lang="ja-JP" altLang="en-US" sz="1050" dirty="0"/>
+          </a:p>
+        </p:txBody>
+      </p:sp>
+      <p:sp>
+        <p:nvSpPr>
+          <p:cNvPr id="19" name="テキスト ボックス 18">
+            <a:extLst>
+              <a:ext uri="{FF2B5EF4-FFF2-40B4-BE49-F238E27FC236}">
+                <a16:creationId xmlns:a16="http://schemas.microsoft.com/office/drawing/2014/main" id="{254F739D-4351-416F-8200-17CC18964F31}"/>
+              </a:ext>
+            </a:extLst>
+          </p:cNvPr>
+          <p:cNvSpPr txBox="1"/>
+          <p:nvPr/>
+        </p:nvSpPr>
+        <p:spPr>
+          <a:xfrm>
+            <a:off x="3940824" y="3272857"/>
+            <a:ext cx="396289" cy="253916"/>
+          </a:xfrm>
+          <a:prstGeom prst="rect">
+            <a:avLst/>
+          </a:prstGeom>
+          <a:noFill/>
+        </p:spPr>
+        <p:txBody>
+          <a:bodyPr wrap="square" rtlCol="0">
+            <a:spAutoFit/>
+          </a:bodyPr>
+          <a:lstStyle/>
+          <a:p>
+            <a:r>
+              <a:rPr kumimoji="1" lang="en-US" altLang="ja-JP" sz="1050" dirty="0"/>
+              <a:t>B</a:t>
+            </a:r>
+          </a:p>
+        </p:txBody>
+      </p:sp>
+    </p:spTree>
+    <p:extLst>
+      <p:ext uri="{BB962C8B-B14F-4D97-AF65-F5344CB8AC3E}">
+        <p14:creationId xmlns:p14="http://schemas.microsoft.com/office/powerpoint/2010/main" val="3318339106"/>
       </p:ext>
     </p:extLst>
   </p:cSld>
